--- a/doc/20201102-projectmeeting.pptx
+++ b/doc/20201102-projectmeeting.pptx
@@ -2,31 +2,33 @@
 <file path=ppt/presentation.xml><?xml version="1.0" encoding="utf-8"?>
 <p:presentation xmlns:a="http://schemas.openxmlformats.org/drawingml/2006/main" xmlns:r="http://schemas.openxmlformats.org/officeDocument/2006/relationships" xmlns:p="http://schemas.openxmlformats.org/presentationml/2006/main" saveSubsetFonts="1">
   <p:sldMasterIdLst>
-    <p:sldMasterId id="2147483660" r:id="rId1"/>
+    <p:sldMasterId id="2147483672" r:id="rId1"/>
   </p:sldMasterIdLst>
   <p:notesMasterIdLst>
-    <p:notesMasterId r:id="rId13"/>
+    <p:notesMasterId r:id="rId15"/>
   </p:notesMasterIdLst>
   <p:sldIdLst>
     <p:sldId id="256" r:id="rId2"/>
     <p:sldId id="257" r:id="rId3"/>
-    <p:sldId id="258" r:id="rId4"/>
-    <p:sldId id="264" r:id="rId5"/>
-    <p:sldId id="265" r:id="rId6"/>
-    <p:sldId id="266" r:id="rId7"/>
-    <p:sldId id="267" r:id="rId8"/>
-    <p:sldId id="268" r:id="rId9"/>
-    <p:sldId id="271" r:id="rId10"/>
-    <p:sldId id="269" r:id="rId11"/>
-    <p:sldId id="270" r:id="rId12"/>
+    <p:sldId id="272" r:id="rId4"/>
+    <p:sldId id="258" r:id="rId5"/>
+    <p:sldId id="264" r:id="rId6"/>
+    <p:sldId id="265" r:id="rId7"/>
+    <p:sldId id="266" r:id="rId8"/>
+    <p:sldId id="267" r:id="rId9"/>
+    <p:sldId id="268" r:id="rId10"/>
+    <p:sldId id="271" r:id="rId11"/>
+    <p:sldId id="269" r:id="rId12"/>
+    <p:sldId id="270" r:id="rId13"/>
+    <p:sldId id="273" r:id="rId14"/>
   </p:sldIdLst>
   <p:sldSz cx="12192000" cy="6858000"/>
   <p:notesSz cx="6858000" cy="9144000"/>
   <p:defaultTextStyle>
     <a:defPPr>
-      <a:defRPr lang="en-US"/>
+      <a:defRPr lang="zh-CN"/>
     </a:defPPr>
-    <a:lvl1pPr marL="0" algn="l" defTabSz="457200" rtl="0" eaLnBrk="1" latinLnBrk="0" hangingPunct="1">
+    <a:lvl1pPr marL="0" algn="l" defTabSz="914400" rtl="0" eaLnBrk="1" latinLnBrk="0" hangingPunct="1">
       <a:defRPr sz="1800" kern="1200">
         <a:solidFill>
           <a:schemeClr val="tx1"/>
@@ -36,7 +38,7 @@
         <a:cs typeface="+mn-cs"/>
       </a:defRPr>
     </a:lvl1pPr>
-    <a:lvl2pPr marL="457200" algn="l" defTabSz="457200" rtl="0" eaLnBrk="1" latinLnBrk="0" hangingPunct="1">
+    <a:lvl2pPr marL="457200" algn="l" defTabSz="914400" rtl="0" eaLnBrk="1" latinLnBrk="0" hangingPunct="1">
       <a:defRPr sz="1800" kern="1200">
         <a:solidFill>
           <a:schemeClr val="tx1"/>
@@ -46,7 +48,7 @@
         <a:cs typeface="+mn-cs"/>
       </a:defRPr>
     </a:lvl2pPr>
-    <a:lvl3pPr marL="914400" algn="l" defTabSz="457200" rtl="0" eaLnBrk="1" latinLnBrk="0" hangingPunct="1">
+    <a:lvl3pPr marL="914400" algn="l" defTabSz="914400" rtl="0" eaLnBrk="1" latinLnBrk="0" hangingPunct="1">
       <a:defRPr sz="1800" kern="1200">
         <a:solidFill>
           <a:schemeClr val="tx1"/>
@@ -56,7 +58,7 @@
         <a:cs typeface="+mn-cs"/>
       </a:defRPr>
     </a:lvl3pPr>
-    <a:lvl4pPr marL="1371600" algn="l" defTabSz="457200" rtl="0" eaLnBrk="1" latinLnBrk="0" hangingPunct="1">
+    <a:lvl4pPr marL="1371600" algn="l" defTabSz="914400" rtl="0" eaLnBrk="1" latinLnBrk="0" hangingPunct="1">
       <a:defRPr sz="1800" kern="1200">
         <a:solidFill>
           <a:schemeClr val="tx1"/>
@@ -66,7 +68,7 @@
         <a:cs typeface="+mn-cs"/>
       </a:defRPr>
     </a:lvl4pPr>
-    <a:lvl5pPr marL="1828800" algn="l" defTabSz="457200" rtl="0" eaLnBrk="1" latinLnBrk="0" hangingPunct="1">
+    <a:lvl5pPr marL="1828800" algn="l" defTabSz="914400" rtl="0" eaLnBrk="1" latinLnBrk="0" hangingPunct="1">
       <a:defRPr sz="1800" kern="1200">
         <a:solidFill>
           <a:schemeClr val="tx1"/>
@@ -76,7 +78,7 @@
         <a:cs typeface="+mn-cs"/>
       </a:defRPr>
     </a:lvl5pPr>
-    <a:lvl6pPr marL="2286000" algn="l" defTabSz="457200" rtl="0" eaLnBrk="1" latinLnBrk="0" hangingPunct="1">
+    <a:lvl6pPr marL="2286000" algn="l" defTabSz="914400" rtl="0" eaLnBrk="1" latinLnBrk="0" hangingPunct="1">
       <a:defRPr sz="1800" kern="1200">
         <a:solidFill>
           <a:schemeClr val="tx1"/>
@@ -86,7 +88,7 @@
         <a:cs typeface="+mn-cs"/>
       </a:defRPr>
     </a:lvl6pPr>
-    <a:lvl7pPr marL="2743200" algn="l" defTabSz="457200" rtl="0" eaLnBrk="1" latinLnBrk="0" hangingPunct="1">
+    <a:lvl7pPr marL="2743200" algn="l" defTabSz="914400" rtl="0" eaLnBrk="1" latinLnBrk="0" hangingPunct="1">
       <a:defRPr sz="1800" kern="1200">
         <a:solidFill>
           <a:schemeClr val="tx1"/>
@@ -96,7 +98,7 @@
         <a:cs typeface="+mn-cs"/>
       </a:defRPr>
     </a:lvl7pPr>
-    <a:lvl8pPr marL="3200400" algn="l" defTabSz="457200" rtl="0" eaLnBrk="1" latinLnBrk="0" hangingPunct="1">
+    <a:lvl8pPr marL="3200400" algn="l" defTabSz="914400" rtl="0" eaLnBrk="1" latinLnBrk="0" hangingPunct="1">
       <a:defRPr sz="1800" kern="1200">
         <a:solidFill>
           <a:schemeClr val="tx1"/>
@@ -106,7 +108,7 @@
         <a:cs typeface="+mn-cs"/>
       </a:defRPr>
     </a:lvl8pPr>
-    <a:lvl9pPr marL="3657600" algn="l" defTabSz="457200" rtl="0" eaLnBrk="1" latinLnBrk="0" hangingPunct="1">
+    <a:lvl9pPr marL="3657600" algn="l" defTabSz="914400" rtl="0" eaLnBrk="1" latinLnBrk="0" hangingPunct="1">
       <a:defRPr sz="1800" kern="1200">
         <a:solidFill>
           <a:schemeClr val="tx1"/>
@@ -117,6 +119,11 @@
       </a:defRPr>
     </a:lvl9pPr>
   </p:defaultTextStyle>
+  <p:extLst>
+    <p:ext uri="{EFAFB233-063F-42B5-8137-9DF3F51BA10A}">
+      <p15:sldGuideLst xmlns:p15="http://schemas.microsoft.com/office/powerpoint/2012/main"/>
+    </p:ext>
+  </p:extLst>
 </p:presentation>
 </file>
 
@@ -11246,6 +11253,881 @@
 </file>
 
 <file path=ppt/diagrams/colors1.xml><?xml version="1.0" encoding="utf-8"?>
+<dgm:colorsDef xmlns:dgm="http://schemas.openxmlformats.org/drawingml/2006/diagram" xmlns:a="http://schemas.openxmlformats.org/drawingml/2006/main" uniqueId="urn:microsoft.com/office/officeart/2005/8/colors/accent5_3">
+  <dgm:title val=""/>
+  <dgm:desc val=""/>
+  <dgm:catLst>
+    <dgm:cat type="accent5" pri="11300"/>
+  </dgm:catLst>
+  <dgm:styleLbl name="node0">
+    <dgm:fillClrLst meth="repeat">
+      <a:schemeClr val="accent5">
+        <a:shade val="80000"/>
+      </a:schemeClr>
+    </dgm:fillClrLst>
+    <dgm:linClrLst meth="repeat">
+      <a:schemeClr val="lt1"/>
+    </dgm:linClrLst>
+    <dgm:effectClrLst/>
+    <dgm:txLinClrLst/>
+    <dgm:txFillClrLst/>
+    <dgm:txEffectClrLst/>
+  </dgm:styleLbl>
+  <dgm:styleLbl name="node1">
+    <dgm:fillClrLst>
+      <a:schemeClr val="accent5">
+        <a:shade val="80000"/>
+      </a:schemeClr>
+      <a:schemeClr val="accent5">
+        <a:tint val="70000"/>
+      </a:schemeClr>
+    </dgm:fillClrLst>
+    <dgm:linClrLst meth="repeat">
+      <a:schemeClr val="lt1"/>
+    </dgm:linClrLst>
+    <dgm:effectClrLst/>
+    <dgm:txLinClrLst/>
+    <dgm:txFillClrLst/>
+    <dgm:txEffectClrLst/>
+  </dgm:styleLbl>
+  <dgm:styleLbl name="alignNode1">
+    <dgm:fillClrLst>
+      <a:schemeClr val="accent5">
+        <a:shade val="80000"/>
+      </a:schemeClr>
+      <a:schemeClr val="accent5">
+        <a:tint val="70000"/>
+      </a:schemeClr>
+    </dgm:fillClrLst>
+    <dgm:linClrLst>
+      <a:schemeClr val="accent5">
+        <a:shade val="80000"/>
+      </a:schemeClr>
+      <a:schemeClr val="accent5">
+        <a:tint val="70000"/>
+      </a:schemeClr>
+    </dgm:linClrLst>
+    <dgm:effectClrLst/>
+    <dgm:txLinClrLst/>
+    <dgm:txFillClrLst/>
+    <dgm:txEffectClrLst/>
+  </dgm:styleLbl>
+  <dgm:styleLbl name="lnNode1">
+    <dgm:fillClrLst>
+      <a:schemeClr val="accent5">
+        <a:shade val="80000"/>
+      </a:schemeClr>
+      <a:schemeClr val="accent5">
+        <a:tint val="70000"/>
+      </a:schemeClr>
+    </dgm:fillClrLst>
+    <dgm:linClrLst meth="repeat">
+      <a:schemeClr val="lt1"/>
+    </dgm:linClrLst>
+    <dgm:effectClrLst/>
+    <dgm:txLinClrLst/>
+    <dgm:txFillClrLst/>
+    <dgm:txEffectClrLst/>
+  </dgm:styleLbl>
+  <dgm:styleLbl name="vennNode1">
+    <dgm:fillClrLst>
+      <a:schemeClr val="accent5">
+        <a:shade val="80000"/>
+        <a:alpha val="50000"/>
+      </a:schemeClr>
+      <a:schemeClr val="accent5">
+        <a:tint val="70000"/>
+        <a:alpha val="50000"/>
+      </a:schemeClr>
+    </dgm:fillClrLst>
+    <dgm:linClrLst meth="repeat">
+      <a:schemeClr val="lt1"/>
+    </dgm:linClrLst>
+    <dgm:effectClrLst/>
+    <dgm:txLinClrLst/>
+    <dgm:txFillClrLst/>
+    <dgm:txEffectClrLst/>
+  </dgm:styleLbl>
+  <dgm:styleLbl name="node2">
+    <dgm:fillClrLst>
+      <a:schemeClr val="accent5">
+        <a:tint val="99000"/>
+      </a:schemeClr>
+    </dgm:fillClrLst>
+    <dgm:linClrLst meth="repeat">
+      <a:schemeClr val="lt1"/>
+    </dgm:linClrLst>
+    <dgm:effectClrLst/>
+    <dgm:txLinClrLst/>
+    <dgm:txFillClrLst/>
+    <dgm:txEffectClrLst/>
+  </dgm:styleLbl>
+  <dgm:styleLbl name="node3">
+    <dgm:fillClrLst>
+      <a:schemeClr val="accent5">
+        <a:tint val="80000"/>
+      </a:schemeClr>
+    </dgm:fillClrLst>
+    <dgm:linClrLst meth="repeat">
+      <a:schemeClr val="lt1"/>
+    </dgm:linClrLst>
+    <dgm:effectClrLst/>
+    <dgm:txLinClrLst/>
+    <dgm:txFillClrLst/>
+    <dgm:txEffectClrLst/>
+  </dgm:styleLbl>
+  <dgm:styleLbl name="node4">
+    <dgm:fillClrLst>
+      <a:schemeClr val="accent5">
+        <a:tint val="70000"/>
+      </a:schemeClr>
+    </dgm:fillClrLst>
+    <dgm:linClrLst meth="repeat">
+      <a:schemeClr val="lt1"/>
+    </dgm:linClrLst>
+    <dgm:effectClrLst/>
+    <dgm:txLinClrLst/>
+    <dgm:txFillClrLst/>
+    <dgm:txEffectClrLst/>
+  </dgm:styleLbl>
+  <dgm:styleLbl name="fgImgPlace1">
+    <dgm:fillClrLst>
+      <a:schemeClr val="accent5">
+        <a:tint val="50000"/>
+      </a:schemeClr>
+      <a:schemeClr val="accent5">
+        <a:tint val="20000"/>
+      </a:schemeClr>
+    </dgm:fillClrLst>
+    <dgm:linClrLst meth="repeat">
+      <a:schemeClr val="lt1"/>
+    </dgm:linClrLst>
+    <dgm:effectClrLst/>
+    <dgm:txLinClrLst/>
+    <dgm:txFillClrLst meth="repeat">
+      <a:schemeClr val="lt1"/>
+    </dgm:txFillClrLst>
+    <dgm:txEffectClrLst/>
+  </dgm:styleLbl>
+  <dgm:styleLbl name="alignImgPlace1">
+    <dgm:fillClrLst>
+      <a:schemeClr val="accent5">
+        <a:tint val="50000"/>
+      </a:schemeClr>
+      <a:schemeClr val="accent5">
+        <a:tint val="20000"/>
+      </a:schemeClr>
+    </dgm:fillClrLst>
+    <dgm:linClrLst meth="repeat">
+      <a:schemeClr val="lt1"/>
+    </dgm:linClrLst>
+    <dgm:effectClrLst/>
+    <dgm:txLinClrLst/>
+    <dgm:txFillClrLst meth="repeat">
+      <a:schemeClr val="lt1"/>
+    </dgm:txFillClrLst>
+    <dgm:txEffectClrLst/>
+  </dgm:styleLbl>
+  <dgm:styleLbl name="bgImgPlace1">
+    <dgm:fillClrLst>
+      <a:schemeClr val="accent5">
+        <a:tint val="50000"/>
+      </a:schemeClr>
+      <a:schemeClr val="accent5">
+        <a:tint val="20000"/>
+      </a:schemeClr>
+    </dgm:fillClrLst>
+    <dgm:linClrLst meth="repeat">
+      <a:schemeClr val="lt1"/>
+    </dgm:linClrLst>
+    <dgm:effectClrLst/>
+    <dgm:txLinClrLst/>
+    <dgm:txFillClrLst meth="repeat">
+      <a:schemeClr val="lt1"/>
+    </dgm:txFillClrLst>
+    <dgm:txEffectClrLst/>
+  </dgm:styleLbl>
+  <dgm:styleLbl name="sibTrans2D1">
+    <dgm:fillClrLst>
+      <a:schemeClr val="accent5">
+        <a:shade val="90000"/>
+      </a:schemeClr>
+      <a:schemeClr val="accent5">
+        <a:tint val="70000"/>
+      </a:schemeClr>
+    </dgm:fillClrLst>
+    <dgm:linClrLst>
+      <a:schemeClr val="accent5">
+        <a:shade val="90000"/>
+      </a:schemeClr>
+      <a:schemeClr val="accent5">
+        <a:tint val="70000"/>
+      </a:schemeClr>
+    </dgm:linClrLst>
+    <dgm:effectClrLst/>
+    <dgm:txLinClrLst/>
+    <dgm:txFillClrLst/>
+    <dgm:txEffectClrLst/>
+  </dgm:styleLbl>
+  <dgm:styleLbl name="fgSibTrans2D1">
+    <dgm:fillClrLst>
+      <a:schemeClr val="accent5">
+        <a:shade val="90000"/>
+      </a:schemeClr>
+      <a:schemeClr val="accent5">
+        <a:tint val="70000"/>
+      </a:schemeClr>
+    </dgm:fillClrLst>
+    <dgm:linClrLst>
+      <a:schemeClr val="accent5">
+        <a:shade val="90000"/>
+      </a:schemeClr>
+      <a:schemeClr val="accent5">
+        <a:tint val="70000"/>
+      </a:schemeClr>
+    </dgm:linClrLst>
+    <dgm:effectClrLst/>
+    <dgm:txLinClrLst/>
+    <dgm:txFillClrLst meth="repeat">
+      <a:schemeClr val="lt1"/>
+    </dgm:txFillClrLst>
+    <dgm:txEffectClrLst/>
+  </dgm:styleLbl>
+  <dgm:styleLbl name="bgSibTrans2D1">
+    <dgm:fillClrLst>
+      <a:schemeClr val="accent5">
+        <a:shade val="90000"/>
+      </a:schemeClr>
+      <a:schemeClr val="accent5">
+        <a:tint val="70000"/>
+      </a:schemeClr>
+    </dgm:fillClrLst>
+    <dgm:linClrLst>
+      <a:schemeClr val="accent5">
+        <a:shade val="90000"/>
+      </a:schemeClr>
+      <a:schemeClr val="accent5">
+        <a:tint val="70000"/>
+      </a:schemeClr>
+    </dgm:linClrLst>
+    <dgm:effectClrLst/>
+    <dgm:txLinClrLst/>
+    <dgm:txFillClrLst meth="repeat">
+      <a:schemeClr val="lt1"/>
+    </dgm:txFillClrLst>
+    <dgm:txEffectClrLst/>
+  </dgm:styleLbl>
+  <dgm:styleLbl name="sibTrans1D1">
+    <dgm:fillClrLst>
+      <a:schemeClr val="accent5">
+        <a:shade val="90000"/>
+      </a:schemeClr>
+      <a:schemeClr val="accent5">
+        <a:tint val="70000"/>
+      </a:schemeClr>
+    </dgm:fillClrLst>
+    <dgm:linClrLst>
+      <a:schemeClr val="accent5">
+        <a:shade val="90000"/>
+      </a:schemeClr>
+      <a:schemeClr val="accent5">
+        <a:tint val="70000"/>
+      </a:schemeClr>
+    </dgm:linClrLst>
+    <dgm:effectClrLst/>
+    <dgm:txLinClrLst/>
+    <dgm:txFillClrLst meth="repeat">
+      <a:schemeClr val="tx1"/>
+    </dgm:txFillClrLst>
+    <dgm:txEffectClrLst/>
+  </dgm:styleLbl>
+  <dgm:styleLbl name="callout">
+    <dgm:fillClrLst meth="repeat">
+      <a:schemeClr val="accent5"/>
+    </dgm:fillClrLst>
+    <dgm:linClrLst meth="repeat">
+      <a:schemeClr val="accent5"/>
+    </dgm:linClrLst>
+    <dgm:effectClrLst/>
+    <dgm:txLinClrLst/>
+    <dgm:txFillClrLst meth="repeat">
+      <a:schemeClr val="tx1"/>
+    </dgm:txFillClrLst>
+    <dgm:txEffectClrLst/>
+  </dgm:styleLbl>
+  <dgm:styleLbl name="asst0">
+    <dgm:fillClrLst meth="repeat">
+      <a:schemeClr val="accent5">
+        <a:shade val="80000"/>
+      </a:schemeClr>
+    </dgm:fillClrLst>
+    <dgm:linClrLst meth="repeat">
+      <a:schemeClr val="lt1"/>
+    </dgm:linClrLst>
+    <dgm:effectClrLst/>
+    <dgm:txLinClrLst/>
+    <dgm:txFillClrLst/>
+    <dgm:txEffectClrLst/>
+  </dgm:styleLbl>
+  <dgm:styleLbl name="asst1">
+    <dgm:fillClrLst meth="repeat">
+      <a:schemeClr val="accent5">
+        <a:shade val="80000"/>
+      </a:schemeClr>
+    </dgm:fillClrLst>
+    <dgm:linClrLst meth="repeat">
+      <a:schemeClr val="lt1"/>
+    </dgm:linClrLst>
+    <dgm:effectClrLst/>
+    <dgm:txLinClrLst/>
+    <dgm:txFillClrLst/>
+    <dgm:txEffectClrLst/>
+  </dgm:styleLbl>
+  <dgm:styleLbl name="asst2">
+    <dgm:fillClrLst>
+      <a:schemeClr val="accent5">
+        <a:tint val="99000"/>
+      </a:schemeClr>
+    </dgm:fillClrLst>
+    <dgm:linClrLst meth="repeat">
+      <a:schemeClr val="lt1"/>
+    </dgm:linClrLst>
+    <dgm:effectClrLst/>
+    <dgm:txLinClrLst/>
+    <dgm:txFillClrLst/>
+    <dgm:txEffectClrLst/>
+  </dgm:styleLbl>
+  <dgm:styleLbl name="asst3">
+    <dgm:fillClrLst>
+      <a:schemeClr val="accent5">
+        <a:tint val="80000"/>
+      </a:schemeClr>
+    </dgm:fillClrLst>
+    <dgm:linClrLst meth="repeat">
+      <a:schemeClr val="lt1"/>
+    </dgm:linClrLst>
+    <dgm:effectClrLst/>
+    <dgm:txLinClrLst/>
+    <dgm:txFillClrLst/>
+    <dgm:txEffectClrLst/>
+  </dgm:styleLbl>
+  <dgm:styleLbl name="asst4">
+    <dgm:fillClrLst>
+      <a:schemeClr val="accent5">
+        <a:tint val="70000"/>
+      </a:schemeClr>
+    </dgm:fillClrLst>
+    <dgm:linClrLst meth="repeat">
+      <a:schemeClr val="lt1"/>
+    </dgm:linClrLst>
+    <dgm:effectClrLst/>
+    <dgm:txLinClrLst/>
+    <dgm:txFillClrLst/>
+    <dgm:txEffectClrLst/>
+  </dgm:styleLbl>
+  <dgm:styleLbl name="parChTrans2D1">
+    <dgm:fillClrLst meth="repeat">
+      <a:schemeClr val="accent5">
+        <a:tint val="60000"/>
+      </a:schemeClr>
+    </dgm:fillClrLst>
+    <dgm:linClrLst meth="repeat">
+      <a:schemeClr val="accent5">
+        <a:tint val="60000"/>
+      </a:schemeClr>
+    </dgm:linClrLst>
+    <dgm:effectClrLst/>
+    <dgm:txLinClrLst/>
+    <dgm:txFillClrLst meth="repeat">
+      <a:schemeClr val="lt1"/>
+    </dgm:txFillClrLst>
+    <dgm:txEffectClrLst/>
+  </dgm:styleLbl>
+  <dgm:styleLbl name="parChTrans2D2">
+    <dgm:fillClrLst meth="repeat">
+      <a:schemeClr val="accent5">
+        <a:tint val="90000"/>
+      </a:schemeClr>
+    </dgm:fillClrLst>
+    <dgm:linClrLst meth="repeat">
+      <a:schemeClr val="accent5">
+        <a:tint val="90000"/>
+      </a:schemeClr>
+    </dgm:linClrLst>
+    <dgm:effectClrLst/>
+    <dgm:txLinClrLst/>
+    <dgm:txFillClrLst/>
+    <dgm:txEffectClrLst/>
+  </dgm:styleLbl>
+  <dgm:styleLbl name="parChTrans2D3">
+    <dgm:fillClrLst meth="repeat">
+      <a:schemeClr val="accent5">
+        <a:tint val="70000"/>
+      </a:schemeClr>
+    </dgm:fillClrLst>
+    <dgm:linClrLst meth="repeat">
+      <a:schemeClr val="accent5">
+        <a:tint val="70000"/>
+      </a:schemeClr>
+    </dgm:linClrLst>
+    <dgm:effectClrLst/>
+    <dgm:txLinClrLst/>
+    <dgm:txFillClrLst/>
+    <dgm:txEffectClrLst/>
+  </dgm:styleLbl>
+  <dgm:styleLbl name="parChTrans2D4">
+    <dgm:fillClrLst meth="repeat">
+      <a:schemeClr val="accent5">
+        <a:tint val="50000"/>
+      </a:schemeClr>
+    </dgm:fillClrLst>
+    <dgm:linClrLst meth="repeat">
+      <a:schemeClr val="accent5">
+        <a:tint val="50000"/>
+      </a:schemeClr>
+    </dgm:linClrLst>
+    <dgm:effectClrLst/>
+    <dgm:txLinClrLst/>
+    <dgm:txFillClrLst meth="repeat">
+      <a:schemeClr val="lt1"/>
+    </dgm:txFillClrLst>
+    <dgm:txEffectClrLst/>
+  </dgm:styleLbl>
+  <dgm:styleLbl name="parChTrans1D1">
+    <dgm:fillClrLst meth="repeat">
+      <a:schemeClr val="accent5">
+        <a:shade val="80000"/>
+      </a:schemeClr>
+    </dgm:fillClrLst>
+    <dgm:linClrLst meth="repeat">
+      <a:schemeClr val="accent5">
+        <a:shade val="80000"/>
+      </a:schemeClr>
+    </dgm:linClrLst>
+    <dgm:effectClrLst/>
+    <dgm:txLinClrLst/>
+    <dgm:txFillClrLst meth="repeat">
+      <a:schemeClr val="tx1"/>
+    </dgm:txFillClrLst>
+    <dgm:txEffectClrLst/>
+  </dgm:styleLbl>
+  <dgm:styleLbl name="parChTrans1D2">
+    <dgm:fillClrLst meth="repeat">
+      <a:schemeClr val="accent5">
+        <a:tint val="99000"/>
+      </a:schemeClr>
+    </dgm:fillClrLst>
+    <dgm:linClrLst meth="repeat">
+      <a:schemeClr val="accent5">
+        <a:tint val="99000"/>
+      </a:schemeClr>
+    </dgm:linClrLst>
+    <dgm:effectClrLst/>
+    <dgm:txLinClrLst/>
+    <dgm:txFillClrLst meth="repeat">
+      <a:schemeClr val="tx1"/>
+    </dgm:txFillClrLst>
+    <dgm:txEffectClrLst/>
+  </dgm:styleLbl>
+  <dgm:styleLbl name="parChTrans1D3">
+    <dgm:fillClrLst meth="repeat">
+      <a:schemeClr val="accent5">
+        <a:tint val="80000"/>
+      </a:schemeClr>
+    </dgm:fillClrLst>
+    <dgm:linClrLst meth="repeat">
+      <a:schemeClr val="accent5">
+        <a:tint val="80000"/>
+      </a:schemeClr>
+    </dgm:linClrLst>
+    <dgm:effectClrLst/>
+    <dgm:txLinClrLst/>
+    <dgm:txFillClrLst meth="repeat">
+      <a:schemeClr val="tx1"/>
+    </dgm:txFillClrLst>
+    <dgm:txEffectClrLst/>
+  </dgm:styleLbl>
+  <dgm:styleLbl name="parChTrans1D4">
+    <dgm:fillClrLst meth="repeat">
+      <a:schemeClr val="accent5">
+        <a:tint val="70000"/>
+      </a:schemeClr>
+    </dgm:fillClrLst>
+    <dgm:linClrLst meth="repeat">
+      <a:schemeClr val="accent5">
+        <a:tint val="70000"/>
+      </a:schemeClr>
+    </dgm:linClrLst>
+    <dgm:effectClrLst/>
+    <dgm:txLinClrLst/>
+    <dgm:txFillClrLst meth="repeat">
+      <a:schemeClr val="tx1"/>
+    </dgm:txFillClrLst>
+    <dgm:txEffectClrLst/>
+  </dgm:styleLbl>
+  <dgm:styleLbl name="fgAcc1">
+    <dgm:fillClrLst meth="repeat">
+      <a:schemeClr val="lt1">
+        <a:alpha val="90000"/>
+      </a:schemeClr>
+    </dgm:fillClrLst>
+    <dgm:linClrLst>
+      <a:schemeClr val="accent5">
+        <a:shade val="80000"/>
+      </a:schemeClr>
+      <a:schemeClr val="accent5">
+        <a:tint val="70000"/>
+      </a:schemeClr>
+    </dgm:linClrLst>
+    <dgm:effectClrLst/>
+    <dgm:txLinClrLst/>
+    <dgm:txFillClrLst meth="repeat">
+      <a:schemeClr val="dk1"/>
+    </dgm:txFillClrLst>
+    <dgm:txEffectClrLst/>
+  </dgm:styleLbl>
+  <dgm:styleLbl name="conFgAcc1">
+    <dgm:fillClrLst meth="repeat">
+      <a:schemeClr val="lt1">
+        <a:alpha val="90000"/>
+      </a:schemeClr>
+    </dgm:fillClrLst>
+    <dgm:linClrLst>
+      <a:schemeClr val="accent5">
+        <a:shade val="80000"/>
+      </a:schemeClr>
+      <a:schemeClr val="accent5">
+        <a:tint val="70000"/>
+      </a:schemeClr>
+    </dgm:linClrLst>
+    <dgm:effectClrLst/>
+    <dgm:txLinClrLst/>
+    <dgm:txFillClrLst meth="repeat">
+      <a:schemeClr val="dk1"/>
+    </dgm:txFillClrLst>
+    <dgm:txEffectClrLst/>
+  </dgm:styleLbl>
+  <dgm:styleLbl name="alignAcc1">
+    <dgm:fillClrLst meth="repeat">
+      <a:schemeClr val="lt1">
+        <a:alpha val="90000"/>
+      </a:schemeClr>
+    </dgm:fillClrLst>
+    <dgm:linClrLst>
+      <a:schemeClr val="accent5">
+        <a:shade val="80000"/>
+      </a:schemeClr>
+      <a:schemeClr val="accent5">
+        <a:tint val="70000"/>
+      </a:schemeClr>
+    </dgm:linClrLst>
+    <dgm:effectClrLst/>
+    <dgm:txLinClrLst/>
+    <dgm:txFillClrLst meth="repeat">
+      <a:schemeClr val="dk1"/>
+    </dgm:txFillClrLst>
+    <dgm:txEffectClrLst/>
+  </dgm:styleLbl>
+  <dgm:styleLbl name="trAlignAcc1">
+    <dgm:fillClrLst meth="repeat">
+      <a:schemeClr val="lt1">
+        <a:alpha val="40000"/>
+      </a:schemeClr>
+    </dgm:fillClrLst>
+    <dgm:linClrLst meth="repeat">
+      <a:schemeClr val="accent5"/>
+    </dgm:linClrLst>
+    <dgm:effectClrLst/>
+    <dgm:txLinClrLst/>
+    <dgm:txFillClrLst meth="repeat">
+      <a:schemeClr val="dk1"/>
+    </dgm:txFillClrLst>
+    <dgm:txEffectClrLst/>
+  </dgm:styleLbl>
+  <dgm:styleLbl name="bgAcc1">
+    <dgm:fillClrLst meth="repeat">
+      <a:schemeClr val="lt1">
+        <a:alpha val="90000"/>
+      </a:schemeClr>
+    </dgm:fillClrLst>
+    <dgm:linClrLst>
+      <a:schemeClr val="accent5">
+        <a:shade val="80000"/>
+      </a:schemeClr>
+      <a:schemeClr val="accent5">
+        <a:tint val="70000"/>
+      </a:schemeClr>
+    </dgm:linClrLst>
+    <dgm:effectClrLst/>
+    <dgm:txLinClrLst/>
+    <dgm:txFillClrLst meth="repeat">
+      <a:schemeClr val="dk1"/>
+    </dgm:txFillClrLst>
+    <dgm:txEffectClrLst/>
+  </dgm:styleLbl>
+  <dgm:styleLbl name="solidFgAcc1">
+    <dgm:fillClrLst meth="repeat">
+      <a:schemeClr val="lt1"/>
+    </dgm:fillClrLst>
+    <dgm:linClrLst>
+      <a:schemeClr val="accent5">
+        <a:shade val="80000"/>
+      </a:schemeClr>
+      <a:schemeClr val="accent5">
+        <a:tint val="70000"/>
+      </a:schemeClr>
+    </dgm:linClrLst>
+    <dgm:effectClrLst/>
+    <dgm:txLinClrLst/>
+    <dgm:txFillClrLst meth="repeat">
+      <a:schemeClr val="dk1"/>
+    </dgm:txFillClrLst>
+    <dgm:txEffectClrLst/>
+  </dgm:styleLbl>
+  <dgm:styleLbl name="solidAlignAcc1">
+    <dgm:fillClrLst meth="repeat">
+      <a:schemeClr val="lt1"/>
+    </dgm:fillClrLst>
+    <dgm:linClrLst meth="repeat">
+      <a:schemeClr val="accent5"/>
+    </dgm:linClrLst>
+    <dgm:effectClrLst/>
+    <dgm:txLinClrLst/>
+    <dgm:txFillClrLst meth="repeat">
+      <a:schemeClr val="dk1"/>
+    </dgm:txFillClrLst>
+    <dgm:txEffectClrLst/>
+  </dgm:styleLbl>
+  <dgm:styleLbl name="solidBgAcc1">
+    <dgm:fillClrLst meth="repeat">
+      <a:schemeClr val="lt1"/>
+    </dgm:fillClrLst>
+    <dgm:linClrLst meth="repeat">
+      <a:schemeClr val="accent5"/>
+    </dgm:linClrLst>
+    <dgm:effectClrLst/>
+    <dgm:txLinClrLst/>
+    <dgm:txFillClrLst meth="repeat">
+      <a:schemeClr val="dk1"/>
+    </dgm:txFillClrLst>
+    <dgm:txEffectClrLst/>
+  </dgm:styleLbl>
+  <dgm:styleLbl name="fgAccFollowNode1">
+    <dgm:fillClrLst meth="repeat">
+      <a:schemeClr val="accent5">
+        <a:alpha val="90000"/>
+        <a:tint val="40000"/>
+      </a:schemeClr>
+    </dgm:fillClrLst>
+    <dgm:linClrLst meth="repeat">
+      <a:schemeClr val="accent5">
+        <a:alpha val="90000"/>
+        <a:tint val="40000"/>
+      </a:schemeClr>
+    </dgm:linClrLst>
+    <dgm:effectClrLst/>
+    <dgm:txLinClrLst/>
+    <dgm:txFillClrLst meth="repeat">
+      <a:schemeClr val="dk1"/>
+    </dgm:txFillClrLst>
+    <dgm:txEffectClrLst/>
+  </dgm:styleLbl>
+  <dgm:styleLbl name="alignAccFollowNode1">
+    <dgm:fillClrLst meth="repeat">
+      <a:schemeClr val="accent5">
+        <a:alpha val="90000"/>
+        <a:tint val="40000"/>
+      </a:schemeClr>
+    </dgm:fillClrLst>
+    <dgm:linClrLst meth="repeat">
+      <a:schemeClr val="accent5">
+        <a:alpha val="90000"/>
+        <a:tint val="40000"/>
+      </a:schemeClr>
+    </dgm:linClrLst>
+    <dgm:effectClrLst/>
+    <dgm:txLinClrLst/>
+    <dgm:txFillClrLst meth="repeat">
+      <a:schemeClr val="dk1"/>
+    </dgm:txFillClrLst>
+    <dgm:txEffectClrLst/>
+  </dgm:styleLbl>
+  <dgm:styleLbl name="bgAccFollowNode1">
+    <dgm:fillClrLst meth="repeat">
+      <a:schemeClr val="accent5">
+        <a:alpha val="90000"/>
+        <a:tint val="40000"/>
+      </a:schemeClr>
+    </dgm:fillClrLst>
+    <dgm:linClrLst meth="repeat">
+      <a:schemeClr val="lt1"/>
+    </dgm:linClrLst>
+    <dgm:effectClrLst/>
+    <dgm:txLinClrLst/>
+    <dgm:txFillClrLst meth="repeat">
+      <a:schemeClr val="dk1"/>
+    </dgm:txFillClrLst>
+    <dgm:txEffectClrLst/>
+  </dgm:styleLbl>
+  <dgm:styleLbl name="fgAcc0">
+    <dgm:fillClrLst meth="repeat">
+      <a:schemeClr val="lt1">
+        <a:alpha val="90000"/>
+      </a:schemeClr>
+    </dgm:fillClrLst>
+    <dgm:linClrLst meth="repeat">
+      <a:schemeClr val="accent5">
+        <a:shade val="80000"/>
+      </a:schemeClr>
+    </dgm:linClrLst>
+    <dgm:effectClrLst/>
+    <dgm:txLinClrLst/>
+    <dgm:txFillClrLst meth="repeat">
+      <a:schemeClr val="dk1"/>
+    </dgm:txFillClrLst>
+    <dgm:txEffectClrLst/>
+  </dgm:styleLbl>
+  <dgm:styleLbl name="fgAcc2">
+    <dgm:fillClrLst meth="repeat">
+      <a:schemeClr val="lt1">
+        <a:alpha val="90000"/>
+      </a:schemeClr>
+    </dgm:fillClrLst>
+    <dgm:linClrLst meth="repeat">
+      <a:schemeClr val="accent5">
+        <a:tint val="99000"/>
+      </a:schemeClr>
+    </dgm:linClrLst>
+    <dgm:effectClrLst/>
+    <dgm:txLinClrLst/>
+    <dgm:txFillClrLst meth="repeat">
+      <a:schemeClr val="dk1"/>
+    </dgm:txFillClrLst>
+    <dgm:txEffectClrLst/>
+  </dgm:styleLbl>
+  <dgm:styleLbl name="fgAcc3">
+    <dgm:fillClrLst meth="repeat">
+      <a:schemeClr val="lt1">
+        <a:alpha val="90000"/>
+      </a:schemeClr>
+    </dgm:fillClrLst>
+    <dgm:linClrLst meth="repeat">
+      <a:schemeClr val="accent5">
+        <a:tint val="80000"/>
+      </a:schemeClr>
+    </dgm:linClrLst>
+    <dgm:effectClrLst/>
+    <dgm:txLinClrLst/>
+    <dgm:txFillClrLst meth="repeat">
+      <a:schemeClr val="dk1"/>
+    </dgm:txFillClrLst>
+    <dgm:txEffectClrLst/>
+  </dgm:styleLbl>
+  <dgm:styleLbl name="fgAcc4">
+    <dgm:fillClrLst meth="repeat">
+      <a:schemeClr val="lt1">
+        <a:alpha val="90000"/>
+      </a:schemeClr>
+    </dgm:fillClrLst>
+    <dgm:linClrLst meth="repeat">
+      <a:schemeClr val="accent5">
+        <a:tint val="70000"/>
+      </a:schemeClr>
+    </dgm:linClrLst>
+    <dgm:effectClrLst/>
+    <dgm:txLinClrLst/>
+    <dgm:txFillClrLst meth="repeat">
+      <a:schemeClr val="dk1"/>
+    </dgm:txFillClrLst>
+    <dgm:txEffectClrLst/>
+  </dgm:styleLbl>
+  <dgm:styleLbl name="bgShp">
+    <dgm:fillClrLst meth="repeat">
+      <a:schemeClr val="accent5">
+        <a:tint val="40000"/>
+      </a:schemeClr>
+    </dgm:fillClrLst>
+    <dgm:linClrLst meth="repeat">
+      <a:schemeClr val="dk1"/>
+    </dgm:linClrLst>
+    <dgm:effectClrLst/>
+    <dgm:txLinClrLst/>
+    <dgm:txFillClrLst meth="repeat">
+      <a:schemeClr val="dk1"/>
+    </dgm:txFillClrLst>
+    <dgm:txEffectClrLst/>
+  </dgm:styleLbl>
+  <dgm:styleLbl name="dkBgShp">
+    <dgm:fillClrLst meth="repeat">
+      <a:schemeClr val="accent5">
+        <a:shade val="90000"/>
+      </a:schemeClr>
+    </dgm:fillClrLst>
+    <dgm:linClrLst meth="repeat">
+      <a:schemeClr val="dk1"/>
+    </dgm:linClrLst>
+    <dgm:effectClrLst/>
+    <dgm:txLinClrLst/>
+    <dgm:txFillClrLst meth="repeat">
+      <a:schemeClr val="lt1"/>
+    </dgm:txFillClrLst>
+    <dgm:txEffectClrLst/>
+  </dgm:styleLbl>
+  <dgm:styleLbl name="trBgShp">
+    <dgm:fillClrLst meth="repeat">
+      <a:schemeClr val="accent5">
+        <a:tint val="50000"/>
+        <a:alpha val="40000"/>
+      </a:schemeClr>
+    </dgm:fillClrLst>
+    <dgm:linClrLst meth="repeat">
+      <a:schemeClr val="accent5"/>
+    </dgm:linClrLst>
+    <dgm:effectClrLst/>
+    <dgm:txLinClrLst/>
+    <dgm:txFillClrLst meth="repeat">
+      <a:schemeClr val="lt1"/>
+    </dgm:txFillClrLst>
+    <dgm:txEffectClrLst/>
+  </dgm:styleLbl>
+  <dgm:styleLbl name="fgShp">
+    <dgm:fillClrLst meth="repeat">
+      <a:schemeClr val="accent5">
+        <a:tint val="40000"/>
+      </a:schemeClr>
+    </dgm:fillClrLst>
+    <dgm:linClrLst meth="repeat">
+      <a:schemeClr val="lt1"/>
+    </dgm:linClrLst>
+    <dgm:effectClrLst/>
+    <dgm:txLinClrLst/>
+    <dgm:txFillClrLst meth="repeat">
+      <a:schemeClr val="dk1"/>
+    </dgm:txFillClrLst>
+    <dgm:txEffectClrLst/>
+  </dgm:styleLbl>
+  <dgm:styleLbl name="revTx">
+    <dgm:fillClrLst meth="repeat">
+      <a:schemeClr val="lt1">
+        <a:alpha val="0"/>
+      </a:schemeClr>
+    </dgm:fillClrLst>
+    <dgm:linClrLst meth="repeat">
+      <a:schemeClr val="dk1">
+        <a:alpha val="0"/>
+      </a:schemeClr>
+    </dgm:linClrLst>
+    <dgm:effectClrLst/>
+    <dgm:txLinClrLst/>
+    <dgm:txFillClrLst meth="repeat">
+      <a:schemeClr val="tx1"/>
+    </dgm:txFillClrLst>
+    <dgm:txEffectClrLst/>
+  </dgm:styleLbl>
+</dgm:colorsDef>
+</file>
+
+<file path=ppt/diagrams/colors2.xml><?xml version="1.0" encoding="utf-8"?>
 <dgm:colorsDef xmlns:dgm="http://schemas.openxmlformats.org/drawingml/2006/diagram" xmlns:a="http://schemas.openxmlformats.org/drawingml/2006/main" uniqueId="urn:microsoft.com/office/officeart/2005/8/colors/accent0_2">
   <dgm:title val=""/>
   <dgm:desc val=""/>
@@ -12055,6 +12937,344 @@
 <file path=ppt/diagrams/data1.xml><?xml version="1.0" encoding="utf-8"?>
 <dgm:dataModel xmlns:dgm="http://schemas.openxmlformats.org/drawingml/2006/diagram" xmlns:a="http://schemas.openxmlformats.org/drawingml/2006/main">
   <dgm:ptLst>
+    <dgm:pt modelId="{A78E7ECA-1833-4B6F-BE06-7C477E8218AD}" type="doc">
+      <dgm:prSet loTypeId="urn:microsoft.com/office/officeart/2005/8/layout/process4" loCatId="process" qsTypeId="urn:microsoft.com/office/officeart/2005/8/quickstyle/simple2" qsCatId="simple" csTypeId="urn:microsoft.com/office/officeart/2005/8/colors/accent5_3" csCatId="accent5" phldr="1"/>
+      <dgm:spPr/>
+      <dgm:t>
+        <a:bodyPr/>
+        <a:lstStyle/>
+        <a:p>
+          <a:endParaRPr lang="en-US"/>
+        </a:p>
+      </dgm:t>
+    </dgm:pt>
+    <dgm:pt modelId="{888A47BF-F9BA-46CA-A6E9-B5B76D332C22}">
+      <dgm:prSet/>
+      <dgm:spPr/>
+      <dgm:t>
+        <a:bodyPr/>
+        <a:lstStyle/>
+        <a:p>
+          <a:r>
+            <a:rPr lang="en-US" dirty="0"/>
+            <a:t>Verify it is functional as other tools: solid start</a:t>
+          </a:r>
+        </a:p>
+      </dgm:t>
+    </dgm:pt>
+    <dgm:pt modelId="{FDC1672B-B272-442C-A94B-3DF04808ACF2}" type="parTrans" cxnId="{3CE4E1DB-F61A-4816-A334-F653E999A77A}">
+      <dgm:prSet/>
+      <dgm:spPr/>
+      <dgm:t>
+        <a:bodyPr/>
+        <a:lstStyle/>
+        <a:p>
+          <a:endParaRPr lang="en-US"/>
+        </a:p>
+      </dgm:t>
+    </dgm:pt>
+    <dgm:pt modelId="{78F466A6-D5F2-4186-9D49-B1649C10EAB7}" type="sibTrans" cxnId="{3CE4E1DB-F61A-4816-A334-F653E999A77A}">
+      <dgm:prSet/>
+      <dgm:spPr/>
+      <dgm:t>
+        <a:bodyPr/>
+        <a:lstStyle/>
+        <a:p>
+          <a:endParaRPr lang="en-US"/>
+        </a:p>
+      </dgm:t>
+    </dgm:pt>
+    <dgm:pt modelId="{75684BB6-5721-4E75-93EE-FEAA8A9A12F3}">
+      <dgm:prSet/>
+      <dgm:spPr/>
+      <dgm:t>
+        <a:bodyPr/>
+        <a:lstStyle/>
+        <a:p>
+          <a:r>
+            <a:rPr lang="en-US"/>
+            <a:t>Re-address the advantage of novelty, portability, flexibility and Scalability</a:t>
+          </a:r>
+        </a:p>
+      </dgm:t>
+    </dgm:pt>
+    <dgm:pt modelId="{41662CCF-C1E3-4484-B57B-A51AE4CC6808}" type="parTrans" cxnId="{1B4A9617-4EEF-422C-A390-7032D4377CB4}">
+      <dgm:prSet/>
+      <dgm:spPr/>
+      <dgm:t>
+        <a:bodyPr/>
+        <a:lstStyle/>
+        <a:p>
+          <a:endParaRPr lang="en-US"/>
+        </a:p>
+      </dgm:t>
+    </dgm:pt>
+    <dgm:pt modelId="{AED8D299-E78D-4E50-AEF3-71B600DD67DE}" type="sibTrans" cxnId="{1B4A9617-4EEF-422C-A390-7032D4377CB4}">
+      <dgm:prSet/>
+      <dgm:spPr/>
+      <dgm:t>
+        <a:bodyPr/>
+        <a:lstStyle/>
+        <a:p>
+          <a:endParaRPr lang="en-US"/>
+        </a:p>
+      </dgm:t>
+    </dgm:pt>
+    <dgm:pt modelId="{75EE36AE-37A8-4B21-BF53-7E242DAFDDD9}">
+      <dgm:prSet/>
+      <dgm:spPr/>
+      <dgm:t>
+        <a:bodyPr/>
+        <a:lstStyle/>
+        <a:p>
+          <a:r>
+            <a:rPr lang="en-US"/>
+            <a:t>Novelty: First fully functional package for environmental analysis based on python</a:t>
+          </a:r>
+        </a:p>
+      </dgm:t>
+    </dgm:pt>
+    <dgm:pt modelId="{FE081652-2793-46BE-8D2D-AA46F3392B65}" type="parTrans" cxnId="{0B92FEAC-829C-4FDD-973D-0928F5ECD527}">
+      <dgm:prSet/>
+      <dgm:spPr/>
+      <dgm:t>
+        <a:bodyPr/>
+        <a:lstStyle/>
+        <a:p>
+          <a:endParaRPr lang="en-US"/>
+        </a:p>
+      </dgm:t>
+    </dgm:pt>
+    <dgm:pt modelId="{4B4EE509-7B7B-4322-B49A-A9B858ECAD30}" type="sibTrans" cxnId="{0B92FEAC-829C-4FDD-973D-0928F5ECD527}">
+      <dgm:prSet/>
+      <dgm:spPr/>
+      <dgm:t>
+        <a:bodyPr/>
+        <a:lstStyle/>
+        <a:p>
+          <a:endParaRPr lang="en-US"/>
+        </a:p>
+      </dgm:t>
+    </dgm:pt>
+    <dgm:pt modelId="{8F9BDDDD-9348-4FF7-8653-D4B6AB249DE6}">
+      <dgm:prSet/>
+      <dgm:spPr/>
+      <dgm:t>
+        <a:bodyPr/>
+        <a:lstStyle/>
+        <a:p>
+          <a:r>
+            <a:rPr lang="en-US"/>
+            <a:t>Portability: unlimited external resource usage rather than workstation in lab </a:t>
+          </a:r>
+        </a:p>
+      </dgm:t>
+    </dgm:pt>
+    <dgm:pt modelId="{B72B3CC4-558E-42E7-9221-DDCA916C2511}" type="parTrans" cxnId="{A0CFAB93-12F4-4001-8105-5F7C58B194FD}">
+      <dgm:prSet/>
+      <dgm:spPr/>
+      <dgm:t>
+        <a:bodyPr/>
+        <a:lstStyle/>
+        <a:p>
+          <a:endParaRPr lang="en-US"/>
+        </a:p>
+      </dgm:t>
+    </dgm:pt>
+    <dgm:pt modelId="{8C2114E5-FC14-499D-B477-D15310E1C8DB}" type="sibTrans" cxnId="{A0CFAB93-12F4-4001-8105-5F7C58B194FD}">
+      <dgm:prSet/>
+      <dgm:spPr/>
+      <dgm:t>
+        <a:bodyPr/>
+        <a:lstStyle/>
+        <a:p>
+          <a:endParaRPr lang="en-US"/>
+        </a:p>
+      </dgm:t>
+    </dgm:pt>
+    <dgm:pt modelId="{62B6DEDA-4BFF-4878-BA2B-F9904FC9A161}">
+      <dgm:prSet/>
+      <dgm:spPr/>
+      <dgm:t>
+        <a:bodyPr/>
+        <a:lstStyle/>
+        <a:p>
+          <a:r>
+            <a:rPr lang="en-US"/>
+            <a:t>Flexibility: user can reprint result by different settings immediately</a:t>
+          </a:r>
+        </a:p>
+      </dgm:t>
+    </dgm:pt>
+    <dgm:pt modelId="{B1E93E3A-CE49-4C89-B81C-F78658E4AB3B}" type="parTrans" cxnId="{ACFCC714-21D6-4A81-9BC0-7E11C0E764BF}">
+      <dgm:prSet/>
+      <dgm:spPr/>
+      <dgm:t>
+        <a:bodyPr/>
+        <a:lstStyle/>
+        <a:p>
+          <a:endParaRPr lang="en-US"/>
+        </a:p>
+      </dgm:t>
+    </dgm:pt>
+    <dgm:pt modelId="{71E9738D-46EB-4C9F-B29D-5C9109277784}" type="sibTrans" cxnId="{ACFCC714-21D6-4A81-9BC0-7E11C0E764BF}">
+      <dgm:prSet/>
+      <dgm:spPr/>
+      <dgm:t>
+        <a:bodyPr/>
+        <a:lstStyle/>
+        <a:p>
+          <a:endParaRPr lang="en-US"/>
+        </a:p>
+      </dgm:t>
+    </dgm:pt>
+    <dgm:pt modelId="{7EC058E4-448B-4E65-B328-B27D7DEA28D0}">
+      <dgm:prSet/>
+      <dgm:spPr/>
+      <dgm:t>
+        <a:bodyPr/>
+        <a:lstStyle/>
+        <a:p>
+          <a:r>
+            <a:rPr lang="en-US"/>
+            <a:t>Scalability: Modularized set up for future development</a:t>
+          </a:r>
+        </a:p>
+      </dgm:t>
+    </dgm:pt>
+    <dgm:pt modelId="{5E1E5436-6B33-4B3E-8F35-92046397749C}" type="parTrans" cxnId="{72CCA111-887E-40BB-8F6B-834335A83D4D}">
+      <dgm:prSet/>
+      <dgm:spPr/>
+      <dgm:t>
+        <a:bodyPr/>
+        <a:lstStyle/>
+        <a:p>
+          <a:endParaRPr lang="en-US"/>
+        </a:p>
+      </dgm:t>
+    </dgm:pt>
+    <dgm:pt modelId="{8A0C6741-CE7E-433F-A510-049BB289F9DA}" type="sibTrans" cxnId="{72CCA111-887E-40BB-8F6B-834335A83D4D}">
+      <dgm:prSet/>
+      <dgm:spPr/>
+      <dgm:t>
+        <a:bodyPr/>
+        <a:lstStyle/>
+        <a:p>
+          <a:endParaRPr lang="en-US"/>
+        </a:p>
+      </dgm:t>
+    </dgm:pt>
+    <dgm:pt modelId="{B9EF89E5-370C-460D-9B88-2236FD99A32A}" type="pres">
+      <dgm:prSet presAssocID="{A78E7ECA-1833-4B6F-BE06-7C477E8218AD}" presName="Name0" presStyleCnt="0">
+        <dgm:presLayoutVars>
+          <dgm:dir/>
+          <dgm:animLvl val="lvl"/>
+          <dgm:resizeHandles val="exact"/>
+        </dgm:presLayoutVars>
+      </dgm:prSet>
+      <dgm:spPr/>
+    </dgm:pt>
+    <dgm:pt modelId="{9302A38F-11C0-49B0-9F43-32EE29A69BEC}" type="pres">
+      <dgm:prSet presAssocID="{75684BB6-5721-4E75-93EE-FEAA8A9A12F3}" presName="boxAndChildren" presStyleCnt="0"/>
+      <dgm:spPr/>
+    </dgm:pt>
+    <dgm:pt modelId="{A5B50E5F-A30F-4FC6-81F5-C1763F3838CF}" type="pres">
+      <dgm:prSet presAssocID="{75684BB6-5721-4E75-93EE-FEAA8A9A12F3}" presName="parentTextBox" presStyleLbl="node1" presStyleIdx="0" presStyleCnt="2"/>
+      <dgm:spPr/>
+    </dgm:pt>
+    <dgm:pt modelId="{4395B903-6CD8-4D67-AC50-8CBD97F3FADD}" type="pres">
+      <dgm:prSet presAssocID="{75684BB6-5721-4E75-93EE-FEAA8A9A12F3}" presName="entireBox" presStyleLbl="node1" presStyleIdx="0" presStyleCnt="2"/>
+      <dgm:spPr/>
+    </dgm:pt>
+    <dgm:pt modelId="{04B1F044-335F-4A5E-ADBD-E8036801797D}" type="pres">
+      <dgm:prSet presAssocID="{75684BB6-5721-4E75-93EE-FEAA8A9A12F3}" presName="descendantBox" presStyleCnt="0"/>
+      <dgm:spPr/>
+    </dgm:pt>
+    <dgm:pt modelId="{0B3946C1-4F8E-4017-878D-EE8A9336AC8C}" type="pres">
+      <dgm:prSet presAssocID="{75EE36AE-37A8-4B21-BF53-7E242DAFDDD9}" presName="childTextBox" presStyleLbl="fgAccFollowNode1" presStyleIdx="0" presStyleCnt="4">
+        <dgm:presLayoutVars>
+          <dgm:bulletEnabled val="1"/>
+        </dgm:presLayoutVars>
+      </dgm:prSet>
+      <dgm:spPr/>
+    </dgm:pt>
+    <dgm:pt modelId="{47A2F54B-3CD9-4E7B-82C3-BF4A32781B4C}" type="pres">
+      <dgm:prSet presAssocID="{8F9BDDDD-9348-4FF7-8653-D4B6AB249DE6}" presName="childTextBox" presStyleLbl="fgAccFollowNode1" presStyleIdx="1" presStyleCnt="4">
+        <dgm:presLayoutVars>
+          <dgm:bulletEnabled val="1"/>
+        </dgm:presLayoutVars>
+      </dgm:prSet>
+      <dgm:spPr/>
+    </dgm:pt>
+    <dgm:pt modelId="{88B6EE8F-2B18-4C44-BB94-3125CED3D27A}" type="pres">
+      <dgm:prSet presAssocID="{62B6DEDA-4BFF-4878-BA2B-F9904FC9A161}" presName="childTextBox" presStyleLbl="fgAccFollowNode1" presStyleIdx="2" presStyleCnt="4">
+        <dgm:presLayoutVars>
+          <dgm:bulletEnabled val="1"/>
+        </dgm:presLayoutVars>
+      </dgm:prSet>
+      <dgm:spPr/>
+    </dgm:pt>
+    <dgm:pt modelId="{57E6EA23-882D-4790-866F-3BADEABF297F}" type="pres">
+      <dgm:prSet presAssocID="{7EC058E4-448B-4E65-B328-B27D7DEA28D0}" presName="childTextBox" presStyleLbl="fgAccFollowNode1" presStyleIdx="3" presStyleCnt="4">
+        <dgm:presLayoutVars>
+          <dgm:bulletEnabled val="1"/>
+        </dgm:presLayoutVars>
+      </dgm:prSet>
+      <dgm:spPr/>
+    </dgm:pt>
+    <dgm:pt modelId="{DBF58DA0-A888-4F33-94A5-AD5343C1352D}" type="pres">
+      <dgm:prSet presAssocID="{78F466A6-D5F2-4186-9D49-B1649C10EAB7}" presName="sp" presStyleCnt="0"/>
+      <dgm:spPr/>
+    </dgm:pt>
+    <dgm:pt modelId="{51B66A03-99E9-4B55-A463-6B92CAAEB73B}" type="pres">
+      <dgm:prSet presAssocID="{888A47BF-F9BA-46CA-A6E9-B5B76D332C22}" presName="arrowAndChildren" presStyleCnt="0"/>
+      <dgm:spPr/>
+    </dgm:pt>
+    <dgm:pt modelId="{1136E6B4-56F6-46DE-98CD-7D97573EE3DC}" type="pres">
+      <dgm:prSet presAssocID="{888A47BF-F9BA-46CA-A6E9-B5B76D332C22}" presName="parentTextArrow" presStyleLbl="node1" presStyleIdx="1" presStyleCnt="2"/>
+      <dgm:spPr/>
+    </dgm:pt>
+  </dgm:ptLst>
+  <dgm:cxnLst>
+    <dgm:cxn modelId="{72CCA111-887E-40BB-8F6B-834335A83D4D}" srcId="{75684BB6-5721-4E75-93EE-FEAA8A9A12F3}" destId="{7EC058E4-448B-4E65-B328-B27D7DEA28D0}" srcOrd="3" destOrd="0" parTransId="{5E1E5436-6B33-4B3E-8F35-92046397749C}" sibTransId="{8A0C6741-CE7E-433F-A510-049BB289F9DA}"/>
+    <dgm:cxn modelId="{A701CA13-8690-4E7F-B45F-265995BA5503}" type="presOf" srcId="{A78E7ECA-1833-4B6F-BE06-7C477E8218AD}" destId="{B9EF89E5-370C-460D-9B88-2236FD99A32A}" srcOrd="0" destOrd="0" presId="urn:microsoft.com/office/officeart/2005/8/layout/process4"/>
+    <dgm:cxn modelId="{ACFCC714-21D6-4A81-9BC0-7E11C0E764BF}" srcId="{75684BB6-5721-4E75-93EE-FEAA8A9A12F3}" destId="{62B6DEDA-4BFF-4878-BA2B-F9904FC9A161}" srcOrd="2" destOrd="0" parTransId="{B1E93E3A-CE49-4C89-B81C-F78658E4AB3B}" sibTransId="{71E9738D-46EB-4C9F-B29D-5C9109277784}"/>
+    <dgm:cxn modelId="{1B4A9617-4EEF-422C-A390-7032D4377CB4}" srcId="{A78E7ECA-1833-4B6F-BE06-7C477E8218AD}" destId="{75684BB6-5721-4E75-93EE-FEAA8A9A12F3}" srcOrd="1" destOrd="0" parTransId="{41662CCF-C1E3-4484-B57B-A51AE4CC6808}" sibTransId="{AED8D299-E78D-4E50-AEF3-71B600DD67DE}"/>
+    <dgm:cxn modelId="{3EF2DE25-C1BA-49B0-971D-839C6B53AF38}" type="presOf" srcId="{7EC058E4-448B-4E65-B328-B27D7DEA28D0}" destId="{57E6EA23-882D-4790-866F-3BADEABF297F}" srcOrd="0" destOrd="0" presId="urn:microsoft.com/office/officeart/2005/8/layout/process4"/>
+    <dgm:cxn modelId="{085CAF2F-7AE2-4DA6-8936-FC091470AF8F}" type="presOf" srcId="{888A47BF-F9BA-46CA-A6E9-B5B76D332C22}" destId="{1136E6B4-56F6-46DE-98CD-7D97573EE3DC}" srcOrd="0" destOrd="0" presId="urn:microsoft.com/office/officeart/2005/8/layout/process4"/>
+    <dgm:cxn modelId="{6DFFEA6C-5A4F-4368-8296-F88E5CC02340}" type="presOf" srcId="{75EE36AE-37A8-4B21-BF53-7E242DAFDDD9}" destId="{0B3946C1-4F8E-4017-878D-EE8A9336AC8C}" srcOrd="0" destOrd="0" presId="urn:microsoft.com/office/officeart/2005/8/layout/process4"/>
+    <dgm:cxn modelId="{09A39C51-9528-4CC8-9B46-6198E744C7CF}" type="presOf" srcId="{75684BB6-5721-4E75-93EE-FEAA8A9A12F3}" destId="{4395B903-6CD8-4D67-AC50-8CBD97F3FADD}" srcOrd="1" destOrd="0" presId="urn:microsoft.com/office/officeart/2005/8/layout/process4"/>
+    <dgm:cxn modelId="{A0CFAB93-12F4-4001-8105-5F7C58B194FD}" srcId="{75684BB6-5721-4E75-93EE-FEAA8A9A12F3}" destId="{8F9BDDDD-9348-4FF7-8653-D4B6AB249DE6}" srcOrd="1" destOrd="0" parTransId="{B72B3CC4-558E-42E7-9221-DDCA916C2511}" sibTransId="{8C2114E5-FC14-499D-B477-D15310E1C8DB}"/>
+    <dgm:cxn modelId="{8A95E995-1316-4752-936F-CD76E11614B4}" type="presOf" srcId="{75684BB6-5721-4E75-93EE-FEAA8A9A12F3}" destId="{A5B50E5F-A30F-4FC6-81F5-C1763F3838CF}" srcOrd="0" destOrd="0" presId="urn:microsoft.com/office/officeart/2005/8/layout/process4"/>
+    <dgm:cxn modelId="{0B92FEAC-829C-4FDD-973D-0928F5ECD527}" srcId="{75684BB6-5721-4E75-93EE-FEAA8A9A12F3}" destId="{75EE36AE-37A8-4B21-BF53-7E242DAFDDD9}" srcOrd="0" destOrd="0" parTransId="{FE081652-2793-46BE-8D2D-AA46F3392B65}" sibTransId="{4B4EE509-7B7B-4322-B49A-A9B858ECAD30}"/>
+    <dgm:cxn modelId="{969148BE-0527-4713-8605-BDA01658CC9D}" type="presOf" srcId="{8F9BDDDD-9348-4FF7-8653-D4B6AB249DE6}" destId="{47A2F54B-3CD9-4E7B-82C3-BF4A32781B4C}" srcOrd="0" destOrd="0" presId="urn:microsoft.com/office/officeart/2005/8/layout/process4"/>
+    <dgm:cxn modelId="{3CE4E1DB-F61A-4816-A334-F653E999A77A}" srcId="{A78E7ECA-1833-4B6F-BE06-7C477E8218AD}" destId="{888A47BF-F9BA-46CA-A6E9-B5B76D332C22}" srcOrd="0" destOrd="0" parTransId="{FDC1672B-B272-442C-A94B-3DF04808ACF2}" sibTransId="{78F466A6-D5F2-4186-9D49-B1649C10EAB7}"/>
+    <dgm:cxn modelId="{604DBCFE-59BF-4BDC-8818-46E276C6895B}" type="presOf" srcId="{62B6DEDA-4BFF-4878-BA2B-F9904FC9A161}" destId="{88B6EE8F-2B18-4C44-BB94-3125CED3D27A}" srcOrd="0" destOrd="0" presId="urn:microsoft.com/office/officeart/2005/8/layout/process4"/>
+    <dgm:cxn modelId="{43DEFAA8-BA55-46F3-8B0E-445816BAFA64}" type="presParOf" srcId="{B9EF89E5-370C-460D-9B88-2236FD99A32A}" destId="{9302A38F-11C0-49B0-9F43-32EE29A69BEC}" srcOrd="0" destOrd="0" presId="urn:microsoft.com/office/officeart/2005/8/layout/process4"/>
+    <dgm:cxn modelId="{E942ADA2-4CF2-4E36-BBA5-21A09E932169}" type="presParOf" srcId="{9302A38F-11C0-49B0-9F43-32EE29A69BEC}" destId="{A5B50E5F-A30F-4FC6-81F5-C1763F3838CF}" srcOrd="0" destOrd="0" presId="urn:microsoft.com/office/officeart/2005/8/layout/process4"/>
+    <dgm:cxn modelId="{397A2130-EFAE-463A-A2BB-02C6249DFF4F}" type="presParOf" srcId="{9302A38F-11C0-49B0-9F43-32EE29A69BEC}" destId="{4395B903-6CD8-4D67-AC50-8CBD97F3FADD}" srcOrd="1" destOrd="0" presId="urn:microsoft.com/office/officeart/2005/8/layout/process4"/>
+    <dgm:cxn modelId="{9081E272-0DDC-4C36-9E47-AE9EA9DE89E3}" type="presParOf" srcId="{9302A38F-11C0-49B0-9F43-32EE29A69BEC}" destId="{04B1F044-335F-4A5E-ADBD-E8036801797D}" srcOrd="2" destOrd="0" presId="urn:microsoft.com/office/officeart/2005/8/layout/process4"/>
+    <dgm:cxn modelId="{155244D4-6AAA-47AC-A356-4B62AF7702C0}" type="presParOf" srcId="{04B1F044-335F-4A5E-ADBD-E8036801797D}" destId="{0B3946C1-4F8E-4017-878D-EE8A9336AC8C}" srcOrd="0" destOrd="0" presId="urn:microsoft.com/office/officeart/2005/8/layout/process4"/>
+    <dgm:cxn modelId="{8DD136E5-6F8C-49E5-9CA1-3307B7BD17D4}" type="presParOf" srcId="{04B1F044-335F-4A5E-ADBD-E8036801797D}" destId="{47A2F54B-3CD9-4E7B-82C3-BF4A32781B4C}" srcOrd="1" destOrd="0" presId="urn:microsoft.com/office/officeart/2005/8/layout/process4"/>
+    <dgm:cxn modelId="{BE0A3066-B2FD-4A12-9C30-F69E21F955E1}" type="presParOf" srcId="{04B1F044-335F-4A5E-ADBD-E8036801797D}" destId="{88B6EE8F-2B18-4C44-BB94-3125CED3D27A}" srcOrd="2" destOrd="0" presId="urn:microsoft.com/office/officeart/2005/8/layout/process4"/>
+    <dgm:cxn modelId="{B7EF1E34-3D06-49E4-A9D2-CA5E6F2A519E}" type="presParOf" srcId="{04B1F044-335F-4A5E-ADBD-E8036801797D}" destId="{57E6EA23-882D-4790-866F-3BADEABF297F}" srcOrd="3" destOrd="0" presId="urn:microsoft.com/office/officeart/2005/8/layout/process4"/>
+    <dgm:cxn modelId="{F7BC64FD-72EE-468B-A302-3B2E2E012592}" type="presParOf" srcId="{B9EF89E5-370C-460D-9B88-2236FD99A32A}" destId="{DBF58DA0-A888-4F33-94A5-AD5343C1352D}" srcOrd="1" destOrd="0" presId="urn:microsoft.com/office/officeart/2005/8/layout/process4"/>
+    <dgm:cxn modelId="{0E5BC1FB-9E9D-4692-BCC9-03306F7176CD}" type="presParOf" srcId="{B9EF89E5-370C-460D-9B88-2236FD99A32A}" destId="{51B66A03-99E9-4B55-A463-6B92CAAEB73B}" srcOrd="2" destOrd="0" presId="urn:microsoft.com/office/officeart/2005/8/layout/process4"/>
+    <dgm:cxn modelId="{C3C243D1-C53F-4E87-92F7-C42C829FE889}" type="presParOf" srcId="{51B66A03-99E9-4B55-A463-6B92CAAEB73B}" destId="{1136E6B4-56F6-46DE-98CD-7D97573EE3DC}" srcOrd="0" destOrd="0" presId="urn:microsoft.com/office/officeart/2005/8/layout/process4"/>
+  </dgm:cxnLst>
+  <dgm:bg/>
+  <dgm:whole/>
+  <dgm:extLst>
+    <a:ext uri="http://schemas.microsoft.com/office/drawing/2008/diagram">
+      <dsp:dataModelExt xmlns:dsp="http://schemas.microsoft.com/office/drawing/2008/diagram" relId="rId6" minVer="http://schemas.openxmlformats.org/drawingml/2006/diagram"/>
+    </a:ext>
+  </dgm:extLst>
+</dgm:dataModel>
+</file>
+
+<file path=ppt/diagrams/data2.xml><?xml version="1.0" encoding="utf-8"?>
+<dgm:dataModel xmlns:dgm="http://schemas.openxmlformats.org/drawingml/2006/diagram" xmlns:a="http://schemas.openxmlformats.org/drawingml/2006/main">
+  <dgm:ptLst>
     <dgm:pt modelId="{6FD018CF-E52C-44D4-B2BF-0D918E39F889}" type="doc">
       <dgm:prSet loTypeId="urn:microsoft.com/office/officeart/2005/8/layout/orgChart1" loCatId="hierarchy" qsTypeId="urn:microsoft.com/office/officeart/2005/8/quickstyle/simple1" qsCatId="simple" csTypeId="urn:microsoft.com/office/officeart/2005/8/colors/accent0_2" csCatId="mainScheme" phldr="1"/>
       <dgm:spPr/>
@@ -12067,17 +13287,17 @@
       </dgm:t>
     </dgm:pt>
     <dgm:pt modelId="{FC54901A-FE60-4940-86DC-94E71732A102}">
-      <dgm:prSet phldrT="[Text]"/>
+      <dgm:prSet phldrT="[Text]" custT="1"/>
       <dgm:spPr/>
       <dgm:t>
         <a:bodyPr/>
         <a:lstStyle/>
         <a:p>
           <a:r>
-            <a:rPr lang="en-US" altLang="zh-CN" dirty="0"/>
+            <a:rPr lang="en-US" altLang="zh-CN" sz="1100" dirty="0"/>
             <a:t>Source Identification</a:t>
           </a:r>
-          <a:endParaRPr lang="zh-CN" altLang="en-US" dirty="0"/>
+          <a:endParaRPr lang="zh-CN" altLang="en-US" sz="1100" dirty="0"/>
         </a:p>
       </dgm:t>
     </dgm:pt>
@@ -12088,7 +13308,7 @@
         <a:bodyPr/>
         <a:lstStyle/>
         <a:p>
-          <a:endParaRPr lang="zh-CN" altLang="en-US"/>
+          <a:endParaRPr lang="zh-CN" altLang="en-US" sz="2400"/>
         </a:p>
       </dgm:t>
     </dgm:pt>
@@ -12099,22 +13319,22 @@
         <a:bodyPr/>
         <a:lstStyle/>
         <a:p>
-          <a:endParaRPr lang="zh-CN" altLang="en-US"/>
+          <a:endParaRPr lang="zh-CN" altLang="en-US" sz="2400"/>
         </a:p>
       </dgm:t>
     </dgm:pt>
     <dgm:pt modelId="{208DF4F7-57CE-44B6-9103-A74052940634}">
-      <dgm:prSet phldrT="[Text]"/>
+      <dgm:prSet phldrT="[Text]" custT="1"/>
       <dgm:spPr/>
       <dgm:t>
         <a:bodyPr/>
         <a:lstStyle/>
         <a:p>
           <a:r>
-            <a:rPr lang="en-US" altLang="zh-CN" dirty="0"/>
+            <a:rPr lang="en-US" altLang="zh-CN" sz="1100" dirty="0"/>
             <a:t>Dilution series from Tire extract</a:t>
           </a:r>
-          <a:endParaRPr lang="zh-CN" altLang="en-US" dirty="0"/>
+          <a:endParaRPr lang="zh-CN" altLang="en-US" sz="1100" dirty="0"/>
         </a:p>
       </dgm:t>
     </dgm:pt>
@@ -12125,7 +13345,7 @@
         <a:bodyPr/>
         <a:lstStyle/>
         <a:p>
-          <a:endParaRPr lang="zh-CN" altLang="en-US"/>
+          <a:endParaRPr lang="zh-CN" altLang="en-US" sz="2400"/>
         </a:p>
       </dgm:t>
     </dgm:pt>
@@ -12136,19 +13356,19 @@
         <a:bodyPr/>
         <a:lstStyle/>
         <a:p>
-          <a:endParaRPr lang="zh-CN" altLang="en-US"/>
+          <a:endParaRPr lang="zh-CN" altLang="en-US" sz="2400"/>
         </a:p>
       </dgm:t>
     </dgm:pt>
     <dgm:pt modelId="{D0CFC237-DE5F-4D0A-9355-582BB4E6E351}" type="asst">
-      <dgm:prSet phldrT="[Text]"/>
+      <dgm:prSet phldrT="[Text]" custT="1"/>
       <dgm:spPr/>
       <dgm:t>
         <a:bodyPr/>
         <a:lstStyle/>
         <a:p>
           <a:r>
-            <a:rPr lang="en-US" altLang="zh-CN" dirty="0">
+            <a:rPr lang="en-US" altLang="zh-CN" sz="1100" dirty="0">
               <a:solidFill>
                 <a:srgbClr val="FF0000"/>
               </a:solidFill>
@@ -12156,22 +13376,22 @@
             <a:t>How to find the end members? </a:t>
           </a:r>
           <a:r>
-            <a:rPr lang="en-US" altLang="zh-CN" dirty="0"/>
+            <a:rPr lang="en-US" altLang="zh-CN" sz="1100" dirty="0"/>
             <a:t>(anchors)</a:t>
           </a:r>
         </a:p>
         <a:p>
           <a:r>
-            <a:rPr lang="en-US" altLang="zh-CN" dirty="0"/>
+            <a:rPr lang="en-US" altLang="zh-CN" sz="1100" dirty="0"/>
             <a:t>1. Automated workflow: DBSCANS, OPTICS</a:t>
           </a:r>
         </a:p>
         <a:p>
           <a:r>
-            <a:rPr lang="en-US" altLang="zh-CN" dirty="0"/>
+            <a:rPr lang="en-US" altLang="zh-CN" sz="1100" dirty="0"/>
             <a:t>2. Manual defined criteria</a:t>
           </a:r>
-          <a:endParaRPr lang="zh-CN" altLang="en-US" dirty="0"/>
+          <a:endParaRPr lang="zh-CN" altLang="en-US" sz="1100" dirty="0"/>
         </a:p>
       </dgm:t>
     </dgm:pt>
@@ -12182,7 +13402,7 @@
         <a:bodyPr/>
         <a:lstStyle/>
         <a:p>
-          <a:endParaRPr lang="zh-CN" altLang="en-US"/>
+          <a:endParaRPr lang="zh-CN" altLang="en-US" sz="2400"/>
         </a:p>
       </dgm:t>
     </dgm:pt>
@@ -12193,22 +13413,22 @@
         <a:bodyPr/>
         <a:lstStyle/>
         <a:p>
-          <a:endParaRPr lang="zh-CN" altLang="en-US"/>
+          <a:endParaRPr lang="zh-CN" altLang="en-US" sz="2400"/>
         </a:p>
       </dgm:t>
     </dgm:pt>
     <dgm:pt modelId="{F2D99BE6-C504-4B6A-B612-2B333ED0AE13}">
-      <dgm:prSet phldrT="[Text]"/>
+      <dgm:prSet phldrT="[Text]" custT="1"/>
       <dgm:spPr/>
       <dgm:t>
         <a:bodyPr/>
         <a:lstStyle/>
         <a:p>
           <a:r>
-            <a:rPr lang="en-US" altLang="zh-CN" dirty="0"/>
+            <a:rPr lang="en-US" altLang="zh-CN" sz="1100" dirty="0"/>
             <a:t>Extended work: alignment</a:t>
           </a:r>
-          <a:endParaRPr lang="zh-CN" altLang="en-US" dirty="0"/>
+          <a:endParaRPr lang="zh-CN" altLang="en-US" sz="1100" dirty="0"/>
         </a:p>
       </dgm:t>
     </dgm:pt>
@@ -12219,7 +13439,7 @@
         <a:bodyPr/>
         <a:lstStyle/>
         <a:p>
-          <a:endParaRPr lang="zh-CN" altLang="en-US"/>
+          <a:endParaRPr lang="zh-CN" altLang="en-US" sz="2400"/>
         </a:p>
       </dgm:t>
     </dgm:pt>
@@ -12230,19 +13450,19 @@
         <a:bodyPr/>
         <a:lstStyle/>
         <a:p>
-          <a:endParaRPr lang="zh-CN" altLang="en-US"/>
+          <a:endParaRPr lang="zh-CN" altLang="en-US" sz="2400"/>
         </a:p>
       </dgm:t>
     </dgm:pt>
     <dgm:pt modelId="{01B8C992-EF7D-42E8-BDB7-45D83B7C528C}" type="asst">
-      <dgm:prSet phldrT="[Text]"/>
+      <dgm:prSet phldrT="[Text]" custT="1"/>
       <dgm:spPr/>
       <dgm:t>
         <a:bodyPr/>
         <a:lstStyle/>
         <a:p>
           <a:r>
-            <a:rPr lang="en-US" altLang="zh-CN" dirty="0">
+            <a:rPr lang="en-US" altLang="zh-CN" sz="1100" dirty="0">
               <a:solidFill>
                 <a:srgbClr val="FF0000"/>
               </a:solidFill>
@@ -12250,10 +13470,10 @@
             <a:t>Is the anchor there? </a:t>
           </a:r>
           <a:r>
-            <a:rPr lang="en-US" altLang="zh-CN" dirty="0"/>
+            <a:rPr lang="en-US" altLang="zh-CN" sz="1100" dirty="0"/>
             <a:t>(source identification)</a:t>
           </a:r>
-          <a:endParaRPr lang="zh-CN" altLang="en-US" dirty="0"/>
+          <a:endParaRPr lang="zh-CN" altLang="en-US" sz="1100" dirty="0"/>
         </a:p>
       </dgm:t>
     </dgm:pt>
@@ -12264,7 +13484,7 @@
         <a:bodyPr/>
         <a:lstStyle/>
         <a:p>
-          <a:endParaRPr lang="zh-CN" altLang="en-US"/>
+          <a:endParaRPr lang="zh-CN" altLang="en-US" sz="2400"/>
         </a:p>
       </dgm:t>
     </dgm:pt>
@@ -12275,22 +13495,22 @@
         <a:bodyPr/>
         <a:lstStyle/>
         <a:p>
-          <a:endParaRPr lang="zh-CN" altLang="en-US"/>
+          <a:endParaRPr lang="zh-CN" altLang="en-US" sz="2400"/>
         </a:p>
       </dgm:t>
     </dgm:pt>
     <dgm:pt modelId="{805F2AD4-8DF9-493B-9956-3EA58D92C458}">
-      <dgm:prSet phldrT="[Text]"/>
+      <dgm:prSet phldrT="[Text]" custT="1"/>
       <dgm:spPr/>
       <dgm:t>
         <a:bodyPr/>
         <a:lstStyle/>
         <a:p>
           <a:r>
-            <a:rPr lang="en-US" altLang="zh-CN" dirty="0"/>
+            <a:rPr lang="en-US" altLang="zh-CN" sz="1100" dirty="0"/>
             <a:t>Quantification</a:t>
           </a:r>
-          <a:endParaRPr lang="zh-CN" altLang="en-US" dirty="0"/>
+          <a:endParaRPr lang="zh-CN" altLang="en-US" sz="1100" dirty="0"/>
         </a:p>
       </dgm:t>
     </dgm:pt>
@@ -12301,7 +13521,7 @@
         <a:bodyPr/>
         <a:lstStyle/>
         <a:p>
-          <a:endParaRPr lang="zh-CN" altLang="en-US"/>
+          <a:endParaRPr lang="zh-CN" altLang="en-US" sz="2400"/>
         </a:p>
       </dgm:t>
     </dgm:pt>
@@ -12312,22 +13532,22 @@
         <a:bodyPr/>
         <a:lstStyle/>
         <a:p>
-          <a:endParaRPr lang="zh-CN" altLang="en-US"/>
+          <a:endParaRPr lang="zh-CN" altLang="en-US" sz="2400"/>
         </a:p>
       </dgm:t>
     </dgm:pt>
     <dgm:pt modelId="{AE1CB3BB-6856-443E-BE84-F0A0F9C58601}" type="asst">
-      <dgm:prSet phldrT="[Text]"/>
+      <dgm:prSet phldrT="[Text]" custT="1"/>
       <dgm:spPr/>
       <dgm:t>
         <a:bodyPr/>
         <a:lstStyle/>
         <a:p>
           <a:r>
-            <a:rPr lang="en-US" altLang="zh-CN" dirty="0"/>
+            <a:rPr lang="en-US" altLang="zh-CN" sz="1100" dirty="0"/>
             <a:t>If it is, how much likely is there? (Low dimensional image recognition or high dimensional data approaches)</a:t>
           </a:r>
-          <a:endParaRPr lang="zh-CN" altLang="en-US" dirty="0"/>
+          <a:endParaRPr lang="zh-CN" altLang="en-US" sz="1100" dirty="0"/>
         </a:p>
       </dgm:t>
     </dgm:pt>
@@ -12338,7 +13558,7 @@
         <a:bodyPr/>
         <a:lstStyle/>
         <a:p>
-          <a:endParaRPr lang="zh-CN" altLang="en-US"/>
+          <a:endParaRPr lang="zh-CN" altLang="en-US" sz="2400"/>
         </a:p>
       </dgm:t>
     </dgm:pt>
@@ -12349,19 +13569,19 @@
         <a:bodyPr/>
         <a:lstStyle/>
         <a:p>
-          <a:endParaRPr lang="zh-CN" altLang="en-US"/>
+          <a:endParaRPr lang="zh-CN" altLang="en-US" sz="2400"/>
         </a:p>
       </dgm:t>
     </dgm:pt>
     <dgm:pt modelId="{149FA484-0FFA-4973-9B91-2F98A0366DE7}">
-      <dgm:prSet phldrT="[Text]"/>
+      <dgm:prSet phldrT="[Text]" custT="1"/>
       <dgm:spPr/>
       <dgm:t>
         <a:bodyPr/>
         <a:lstStyle/>
         <a:p>
           <a:r>
-            <a:rPr lang="en-US" altLang="zh-CN" dirty="0">
+            <a:rPr lang="en-US" altLang="zh-CN" sz="1100" dirty="0">
               <a:solidFill>
                 <a:srgbClr val="FF0000"/>
               </a:solidFill>
@@ -12369,10 +13589,10 @@
             <a:t>If the source is present, how much? </a:t>
           </a:r>
           <a:r>
-            <a:rPr lang="en-US" altLang="zh-CN" dirty="0"/>
+            <a:rPr lang="en-US" altLang="zh-CN" sz="1100" dirty="0"/>
             <a:t>(Modeling approaches using the anchors)</a:t>
           </a:r>
-          <a:endParaRPr lang="zh-CN" altLang="en-US" dirty="0"/>
+          <a:endParaRPr lang="zh-CN" altLang="en-US" sz="1100" dirty="0"/>
         </a:p>
       </dgm:t>
     </dgm:pt>
@@ -12383,7 +13603,7 @@
         <a:bodyPr/>
         <a:lstStyle/>
         <a:p>
-          <a:endParaRPr lang="zh-CN" altLang="en-US"/>
+          <a:endParaRPr lang="zh-CN" altLang="en-US" sz="2400"/>
         </a:p>
       </dgm:t>
     </dgm:pt>
@@ -12394,30 +13614,30 @@
         <a:bodyPr/>
         <a:lstStyle/>
         <a:p>
-          <a:endParaRPr lang="zh-CN" altLang="en-US"/>
+          <a:endParaRPr lang="zh-CN" altLang="en-US" sz="2400"/>
         </a:p>
       </dgm:t>
     </dgm:pt>
     <dgm:pt modelId="{BDDA7748-0006-4582-9BB6-A028E04DFFDA}">
-      <dgm:prSet phldrT="[Text]"/>
+      <dgm:prSet phldrT="[Text]" custT="1"/>
       <dgm:spPr/>
       <dgm:t>
         <a:bodyPr/>
         <a:lstStyle/>
         <a:p>
           <a:r>
-            <a:rPr lang="en-US" altLang="zh-CN" dirty="0">
+            <a:rPr lang="en-US" altLang="zh-CN" sz="1100" dirty="0">
               <a:solidFill>
                 <a:srgbClr val="FF0000"/>
               </a:solidFill>
             </a:rPr>
-            <a:t>If the anchor is in different shape, can we still find it? </a:t>
+            <a:t>If the anchor is in different shape/position, can we still find it? </a:t>
           </a:r>
           <a:r>
-            <a:rPr lang="en-US" altLang="zh-CN" dirty="0"/>
+            <a:rPr lang="en-US" altLang="zh-CN" sz="1100" dirty="0"/>
             <a:t>If we can, then how can we reshape it back?</a:t>
           </a:r>
-          <a:endParaRPr lang="zh-CN" altLang="en-US" dirty="0"/>
+          <a:endParaRPr lang="zh-CN" altLang="en-US" sz="1100" dirty="0"/>
         </a:p>
       </dgm:t>
     </dgm:pt>
@@ -12428,7 +13648,7 @@
         <a:bodyPr/>
         <a:lstStyle/>
         <a:p>
-          <a:endParaRPr lang="zh-CN" altLang="en-US"/>
+          <a:endParaRPr lang="zh-CN" altLang="en-US" sz="2400"/>
         </a:p>
       </dgm:t>
     </dgm:pt>
@@ -12439,7 +13659,7 @@
         <a:bodyPr/>
         <a:lstStyle/>
         <a:p>
-          <a:endParaRPr lang="zh-CN" altLang="en-US"/>
+          <a:endParaRPr lang="zh-CN" altLang="en-US" sz="2400"/>
         </a:p>
       </dgm:t>
     </dgm:pt>
@@ -12895,6 +14115,496 @@
       <dsp:cNvGrpSpPr/>
     </dsp:nvGrpSpPr>
     <dsp:grpSpPr/>
+    <dsp:sp modelId="{4395B903-6CD8-4D67-AC50-8CBD97F3FADD}">
+      <dsp:nvSpPr>
+        <dsp:cNvPr id="0" name=""/>
+        <dsp:cNvSpPr/>
+      </dsp:nvSpPr>
+      <dsp:spPr>
+        <a:xfrm>
+          <a:off x="0" y="3315165"/>
+          <a:ext cx="6254724" cy="2175107"/>
+        </a:xfrm>
+        <a:prstGeom prst="rect">
+          <a:avLst/>
+        </a:prstGeom>
+        <a:solidFill>
+          <a:schemeClr val="accent5">
+            <a:shade val="80000"/>
+            <a:hueOff val="0"/>
+            <a:satOff val="0"/>
+            <a:lumOff val="0"/>
+            <a:alphaOff val="0"/>
+          </a:schemeClr>
+        </a:solidFill>
+        <a:ln w="19050" cap="flat" cmpd="sng" algn="ctr">
+          <a:solidFill>
+            <a:schemeClr val="lt1">
+              <a:hueOff val="0"/>
+              <a:satOff val="0"/>
+              <a:lumOff val="0"/>
+              <a:alphaOff val="0"/>
+            </a:schemeClr>
+          </a:solidFill>
+          <a:prstDash val="solid"/>
+          <a:miter lim="800000"/>
+        </a:ln>
+        <a:effectLst/>
+      </dsp:spPr>
+      <dsp:style>
+        <a:lnRef idx="3">
+          <a:scrgbClr r="0" g="0" b="0"/>
+        </a:lnRef>
+        <a:fillRef idx="1">
+          <a:scrgbClr r="0" g="0" b="0"/>
+        </a:fillRef>
+        <a:effectRef idx="1">
+          <a:scrgbClr r="0" g="0" b="0"/>
+        </a:effectRef>
+        <a:fontRef idx="minor">
+          <a:schemeClr val="lt1"/>
+        </a:fontRef>
+      </dsp:style>
+      <dsp:txBody>
+        <a:bodyPr spcFirstLastPara="0" vert="horz" wrap="square" lIns="177800" tIns="177800" rIns="177800" bIns="177800" numCol="1" spcCol="1270" anchor="ctr" anchorCtr="0">
+          <a:noAutofit/>
+        </a:bodyPr>
+        <a:lstStyle/>
+        <a:p>
+          <a:pPr marL="0" lvl="0" indent="0" algn="ctr" defTabSz="1111250">
+            <a:lnSpc>
+              <a:spcPct val="90000"/>
+            </a:lnSpc>
+            <a:spcBef>
+              <a:spcPct val="0"/>
+            </a:spcBef>
+            <a:spcAft>
+              <a:spcPct val="35000"/>
+            </a:spcAft>
+            <a:buNone/>
+          </a:pPr>
+          <a:r>
+            <a:rPr lang="en-US" sz="2500" kern="1200"/>
+            <a:t>Re-address the advantage of novelty, portability, flexibility and Scalability</a:t>
+          </a:r>
+        </a:p>
+      </dsp:txBody>
+      <dsp:txXfrm>
+        <a:off x="0" y="3315165"/>
+        <a:ext cx="6254724" cy="1174558"/>
+      </dsp:txXfrm>
+    </dsp:sp>
+    <dsp:sp modelId="{0B3946C1-4F8E-4017-878D-EE8A9336AC8C}">
+      <dsp:nvSpPr>
+        <dsp:cNvPr id="0" name=""/>
+        <dsp:cNvSpPr/>
+      </dsp:nvSpPr>
+      <dsp:spPr>
+        <a:xfrm>
+          <a:off x="0" y="4446221"/>
+          <a:ext cx="1563680" cy="1000549"/>
+        </a:xfrm>
+        <a:prstGeom prst="rect">
+          <a:avLst/>
+        </a:prstGeom>
+        <a:solidFill>
+          <a:schemeClr val="accent5">
+            <a:alpha val="90000"/>
+            <a:tint val="40000"/>
+            <a:hueOff val="0"/>
+            <a:satOff val="0"/>
+            <a:lumOff val="0"/>
+            <a:alphaOff val="0"/>
+          </a:schemeClr>
+        </a:solidFill>
+        <a:ln w="12700" cap="flat" cmpd="sng" algn="ctr">
+          <a:solidFill>
+            <a:schemeClr val="accent5">
+              <a:alpha val="90000"/>
+              <a:tint val="40000"/>
+              <a:hueOff val="0"/>
+              <a:satOff val="0"/>
+              <a:lumOff val="0"/>
+              <a:alphaOff val="0"/>
+            </a:schemeClr>
+          </a:solidFill>
+          <a:prstDash val="solid"/>
+          <a:miter lim="800000"/>
+        </a:ln>
+        <a:effectLst/>
+      </dsp:spPr>
+      <dsp:style>
+        <a:lnRef idx="2">
+          <a:scrgbClr r="0" g="0" b="0"/>
+        </a:lnRef>
+        <a:fillRef idx="1">
+          <a:scrgbClr r="0" g="0" b="0"/>
+        </a:fillRef>
+        <a:effectRef idx="0">
+          <a:scrgbClr r="0" g="0" b="0"/>
+        </a:effectRef>
+        <a:fontRef idx="minor"/>
+      </dsp:style>
+      <dsp:txBody>
+        <a:bodyPr spcFirstLastPara="0" vert="horz" wrap="square" lIns="85344" tIns="15240" rIns="85344" bIns="15240" numCol="1" spcCol="1270" anchor="ctr" anchorCtr="0">
+          <a:noAutofit/>
+        </a:bodyPr>
+        <a:lstStyle/>
+        <a:p>
+          <a:pPr marL="0" lvl="0" indent="0" algn="ctr" defTabSz="533400">
+            <a:lnSpc>
+              <a:spcPct val="90000"/>
+            </a:lnSpc>
+            <a:spcBef>
+              <a:spcPct val="0"/>
+            </a:spcBef>
+            <a:spcAft>
+              <a:spcPct val="35000"/>
+            </a:spcAft>
+            <a:buNone/>
+          </a:pPr>
+          <a:r>
+            <a:rPr lang="en-US" sz="1200" kern="1200"/>
+            <a:t>Novelty: First fully functional package for environmental analysis based on python</a:t>
+          </a:r>
+        </a:p>
+      </dsp:txBody>
+      <dsp:txXfrm>
+        <a:off x="0" y="4446221"/>
+        <a:ext cx="1563680" cy="1000549"/>
+      </dsp:txXfrm>
+    </dsp:sp>
+    <dsp:sp modelId="{47A2F54B-3CD9-4E7B-82C3-BF4A32781B4C}">
+      <dsp:nvSpPr>
+        <dsp:cNvPr id="0" name=""/>
+        <dsp:cNvSpPr/>
+      </dsp:nvSpPr>
+      <dsp:spPr>
+        <a:xfrm>
+          <a:off x="1563681" y="4446221"/>
+          <a:ext cx="1563680" cy="1000549"/>
+        </a:xfrm>
+        <a:prstGeom prst="rect">
+          <a:avLst/>
+        </a:prstGeom>
+        <a:solidFill>
+          <a:schemeClr val="accent5">
+            <a:alpha val="90000"/>
+            <a:tint val="40000"/>
+            <a:hueOff val="0"/>
+            <a:satOff val="0"/>
+            <a:lumOff val="0"/>
+            <a:alphaOff val="0"/>
+          </a:schemeClr>
+        </a:solidFill>
+        <a:ln w="12700" cap="flat" cmpd="sng" algn="ctr">
+          <a:solidFill>
+            <a:schemeClr val="accent5">
+              <a:alpha val="90000"/>
+              <a:tint val="40000"/>
+              <a:hueOff val="0"/>
+              <a:satOff val="0"/>
+              <a:lumOff val="0"/>
+              <a:alphaOff val="0"/>
+            </a:schemeClr>
+          </a:solidFill>
+          <a:prstDash val="solid"/>
+          <a:miter lim="800000"/>
+        </a:ln>
+        <a:effectLst/>
+      </dsp:spPr>
+      <dsp:style>
+        <a:lnRef idx="2">
+          <a:scrgbClr r="0" g="0" b="0"/>
+        </a:lnRef>
+        <a:fillRef idx="1">
+          <a:scrgbClr r="0" g="0" b="0"/>
+        </a:fillRef>
+        <a:effectRef idx="0">
+          <a:scrgbClr r="0" g="0" b="0"/>
+        </a:effectRef>
+        <a:fontRef idx="minor"/>
+      </dsp:style>
+      <dsp:txBody>
+        <a:bodyPr spcFirstLastPara="0" vert="horz" wrap="square" lIns="85344" tIns="15240" rIns="85344" bIns="15240" numCol="1" spcCol="1270" anchor="ctr" anchorCtr="0">
+          <a:noAutofit/>
+        </a:bodyPr>
+        <a:lstStyle/>
+        <a:p>
+          <a:pPr marL="0" lvl="0" indent="0" algn="ctr" defTabSz="533400">
+            <a:lnSpc>
+              <a:spcPct val="90000"/>
+            </a:lnSpc>
+            <a:spcBef>
+              <a:spcPct val="0"/>
+            </a:spcBef>
+            <a:spcAft>
+              <a:spcPct val="35000"/>
+            </a:spcAft>
+            <a:buNone/>
+          </a:pPr>
+          <a:r>
+            <a:rPr lang="en-US" sz="1200" kern="1200"/>
+            <a:t>Portability: unlimited external resource usage rather than workstation in lab </a:t>
+          </a:r>
+        </a:p>
+      </dsp:txBody>
+      <dsp:txXfrm>
+        <a:off x="1563681" y="4446221"/>
+        <a:ext cx="1563680" cy="1000549"/>
+      </dsp:txXfrm>
+    </dsp:sp>
+    <dsp:sp modelId="{88B6EE8F-2B18-4C44-BB94-3125CED3D27A}">
+      <dsp:nvSpPr>
+        <dsp:cNvPr id="0" name=""/>
+        <dsp:cNvSpPr/>
+      </dsp:nvSpPr>
+      <dsp:spPr>
+        <a:xfrm>
+          <a:off x="3127362" y="4446221"/>
+          <a:ext cx="1563680" cy="1000549"/>
+        </a:xfrm>
+        <a:prstGeom prst="rect">
+          <a:avLst/>
+        </a:prstGeom>
+        <a:solidFill>
+          <a:schemeClr val="accent5">
+            <a:alpha val="90000"/>
+            <a:tint val="40000"/>
+            <a:hueOff val="0"/>
+            <a:satOff val="0"/>
+            <a:lumOff val="0"/>
+            <a:alphaOff val="0"/>
+          </a:schemeClr>
+        </a:solidFill>
+        <a:ln w="12700" cap="flat" cmpd="sng" algn="ctr">
+          <a:solidFill>
+            <a:schemeClr val="accent5">
+              <a:alpha val="90000"/>
+              <a:tint val="40000"/>
+              <a:hueOff val="0"/>
+              <a:satOff val="0"/>
+              <a:lumOff val="0"/>
+              <a:alphaOff val="0"/>
+            </a:schemeClr>
+          </a:solidFill>
+          <a:prstDash val="solid"/>
+          <a:miter lim="800000"/>
+        </a:ln>
+        <a:effectLst/>
+      </dsp:spPr>
+      <dsp:style>
+        <a:lnRef idx="2">
+          <a:scrgbClr r="0" g="0" b="0"/>
+        </a:lnRef>
+        <a:fillRef idx="1">
+          <a:scrgbClr r="0" g="0" b="0"/>
+        </a:fillRef>
+        <a:effectRef idx="0">
+          <a:scrgbClr r="0" g="0" b="0"/>
+        </a:effectRef>
+        <a:fontRef idx="minor"/>
+      </dsp:style>
+      <dsp:txBody>
+        <a:bodyPr spcFirstLastPara="0" vert="horz" wrap="square" lIns="85344" tIns="15240" rIns="85344" bIns="15240" numCol="1" spcCol="1270" anchor="ctr" anchorCtr="0">
+          <a:noAutofit/>
+        </a:bodyPr>
+        <a:lstStyle/>
+        <a:p>
+          <a:pPr marL="0" lvl="0" indent="0" algn="ctr" defTabSz="533400">
+            <a:lnSpc>
+              <a:spcPct val="90000"/>
+            </a:lnSpc>
+            <a:spcBef>
+              <a:spcPct val="0"/>
+            </a:spcBef>
+            <a:spcAft>
+              <a:spcPct val="35000"/>
+            </a:spcAft>
+            <a:buNone/>
+          </a:pPr>
+          <a:r>
+            <a:rPr lang="en-US" sz="1200" kern="1200"/>
+            <a:t>Flexibility: user can reprint result by different settings immediately</a:t>
+          </a:r>
+        </a:p>
+      </dsp:txBody>
+      <dsp:txXfrm>
+        <a:off x="3127362" y="4446221"/>
+        <a:ext cx="1563680" cy="1000549"/>
+      </dsp:txXfrm>
+    </dsp:sp>
+    <dsp:sp modelId="{57E6EA23-882D-4790-866F-3BADEABF297F}">
+      <dsp:nvSpPr>
+        <dsp:cNvPr id="0" name=""/>
+        <dsp:cNvSpPr/>
+      </dsp:nvSpPr>
+      <dsp:spPr>
+        <a:xfrm>
+          <a:off x="4691043" y="4446221"/>
+          <a:ext cx="1563680" cy="1000549"/>
+        </a:xfrm>
+        <a:prstGeom prst="rect">
+          <a:avLst/>
+        </a:prstGeom>
+        <a:solidFill>
+          <a:schemeClr val="accent5">
+            <a:alpha val="90000"/>
+            <a:tint val="40000"/>
+            <a:hueOff val="0"/>
+            <a:satOff val="0"/>
+            <a:lumOff val="0"/>
+            <a:alphaOff val="0"/>
+          </a:schemeClr>
+        </a:solidFill>
+        <a:ln w="12700" cap="flat" cmpd="sng" algn="ctr">
+          <a:solidFill>
+            <a:schemeClr val="accent5">
+              <a:alpha val="90000"/>
+              <a:tint val="40000"/>
+              <a:hueOff val="0"/>
+              <a:satOff val="0"/>
+              <a:lumOff val="0"/>
+              <a:alphaOff val="0"/>
+            </a:schemeClr>
+          </a:solidFill>
+          <a:prstDash val="solid"/>
+          <a:miter lim="800000"/>
+        </a:ln>
+        <a:effectLst/>
+      </dsp:spPr>
+      <dsp:style>
+        <a:lnRef idx="2">
+          <a:scrgbClr r="0" g="0" b="0"/>
+        </a:lnRef>
+        <a:fillRef idx="1">
+          <a:scrgbClr r="0" g="0" b="0"/>
+        </a:fillRef>
+        <a:effectRef idx="0">
+          <a:scrgbClr r="0" g="0" b="0"/>
+        </a:effectRef>
+        <a:fontRef idx="minor"/>
+      </dsp:style>
+      <dsp:txBody>
+        <a:bodyPr spcFirstLastPara="0" vert="horz" wrap="square" lIns="85344" tIns="15240" rIns="85344" bIns="15240" numCol="1" spcCol="1270" anchor="ctr" anchorCtr="0">
+          <a:noAutofit/>
+        </a:bodyPr>
+        <a:lstStyle/>
+        <a:p>
+          <a:pPr marL="0" lvl="0" indent="0" algn="ctr" defTabSz="533400">
+            <a:lnSpc>
+              <a:spcPct val="90000"/>
+            </a:lnSpc>
+            <a:spcBef>
+              <a:spcPct val="0"/>
+            </a:spcBef>
+            <a:spcAft>
+              <a:spcPct val="35000"/>
+            </a:spcAft>
+            <a:buNone/>
+          </a:pPr>
+          <a:r>
+            <a:rPr lang="en-US" sz="1200" kern="1200"/>
+            <a:t>Scalability: Modularized set up for future development</a:t>
+          </a:r>
+        </a:p>
+      </dsp:txBody>
+      <dsp:txXfrm>
+        <a:off x="4691043" y="4446221"/>
+        <a:ext cx="1563680" cy="1000549"/>
+      </dsp:txXfrm>
+    </dsp:sp>
+    <dsp:sp modelId="{1136E6B4-56F6-46DE-98CD-7D97573EE3DC}">
+      <dsp:nvSpPr>
+        <dsp:cNvPr id="0" name=""/>
+        <dsp:cNvSpPr/>
+      </dsp:nvSpPr>
+      <dsp:spPr>
+        <a:xfrm rot="10800000">
+          <a:off x="0" y="2476"/>
+          <a:ext cx="6254724" cy="3345315"/>
+        </a:xfrm>
+        <a:prstGeom prst="upArrowCallout">
+          <a:avLst/>
+        </a:prstGeom>
+        <a:solidFill>
+          <a:schemeClr val="accent5">
+            <a:shade val="80000"/>
+            <a:hueOff val="271263"/>
+            <a:satOff val="5175"/>
+            <a:lumOff val="22855"/>
+            <a:alphaOff val="0"/>
+          </a:schemeClr>
+        </a:solidFill>
+        <a:ln w="19050" cap="flat" cmpd="sng" algn="ctr">
+          <a:solidFill>
+            <a:schemeClr val="lt1">
+              <a:hueOff val="0"/>
+              <a:satOff val="0"/>
+              <a:lumOff val="0"/>
+              <a:alphaOff val="0"/>
+            </a:schemeClr>
+          </a:solidFill>
+          <a:prstDash val="solid"/>
+          <a:miter lim="800000"/>
+        </a:ln>
+        <a:effectLst/>
+      </dsp:spPr>
+      <dsp:style>
+        <a:lnRef idx="3">
+          <a:scrgbClr r="0" g="0" b="0"/>
+        </a:lnRef>
+        <a:fillRef idx="1">
+          <a:scrgbClr r="0" g="0" b="0"/>
+        </a:fillRef>
+        <a:effectRef idx="1">
+          <a:scrgbClr r="0" g="0" b="0"/>
+        </a:effectRef>
+        <a:fontRef idx="minor">
+          <a:schemeClr val="lt1"/>
+        </a:fontRef>
+      </dsp:style>
+      <dsp:txBody>
+        <a:bodyPr spcFirstLastPara="0" vert="horz" wrap="square" lIns="177800" tIns="177800" rIns="177800" bIns="177800" numCol="1" spcCol="1270" anchor="ctr" anchorCtr="0">
+          <a:noAutofit/>
+        </a:bodyPr>
+        <a:lstStyle/>
+        <a:p>
+          <a:pPr marL="0" lvl="0" indent="0" algn="ctr" defTabSz="1111250">
+            <a:lnSpc>
+              <a:spcPct val="90000"/>
+            </a:lnSpc>
+            <a:spcBef>
+              <a:spcPct val="0"/>
+            </a:spcBef>
+            <a:spcAft>
+              <a:spcPct val="35000"/>
+            </a:spcAft>
+            <a:buNone/>
+          </a:pPr>
+          <a:r>
+            <a:rPr lang="en-US" sz="2500" kern="1200" dirty="0"/>
+            <a:t>Verify it is functional as other tools: solid start</a:t>
+          </a:r>
+        </a:p>
+      </dsp:txBody>
+      <dsp:txXfrm rot="10800000">
+        <a:off x="0" y="2476"/>
+        <a:ext cx="6254724" cy="2173685"/>
+      </dsp:txXfrm>
+    </dsp:sp>
+  </dsp:spTree>
+</dsp:drawing>
+</file>
+
+<file path=ppt/diagrams/drawing2.xml><?xml version="1.0" encoding="utf-8"?>
+<dsp:drawing xmlns:dgm="http://schemas.openxmlformats.org/drawingml/2006/diagram" xmlns:dsp="http://schemas.microsoft.com/office/drawing/2008/diagram" xmlns:a="http://schemas.openxmlformats.org/drawingml/2006/main">
+  <dsp:spTree>
+    <dsp:nvGrpSpPr>
+      <dsp:cNvPr id="0" name=""/>
+      <dsp:cNvGrpSpPr/>
+    </dsp:nvGrpSpPr>
+    <dsp:grpSpPr/>
     <dsp:sp modelId="{82712EA0-C4AD-4BFB-90A7-744C750A6711}">
       <dsp:nvSpPr>
         <dsp:cNvPr id="0" name=""/>
@@ -12937,6 +14647,7 @@
             </a:schemeClr>
           </a:solidFill>
           <a:prstDash val="solid"/>
+          <a:miter lim="800000"/>
         </a:ln>
         <a:effectLst/>
       </dsp:spPr>
@@ -12995,6 +14706,7 @@
             </a:schemeClr>
           </a:solidFill>
           <a:prstDash val="solid"/>
+          <a:miter lim="800000"/>
         </a:ln>
         <a:effectLst/>
       </dsp:spPr>
@@ -13053,6 +14765,7 @@
             </a:schemeClr>
           </a:solidFill>
           <a:prstDash val="solid"/>
+          <a:miter lim="800000"/>
         </a:ln>
         <a:effectLst/>
       </dsp:spPr>
@@ -13114,6 +14827,7 @@
             </a:schemeClr>
           </a:solidFill>
           <a:prstDash val="solid"/>
+          <a:miter lim="800000"/>
         </a:ln>
         <a:effectLst/>
       </dsp:spPr>
@@ -13172,6 +14886,7 @@
             </a:schemeClr>
           </a:solidFill>
           <a:prstDash val="solid"/>
+          <a:miter lim="800000"/>
         </a:ln>
         <a:effectLst/>
       </dsp:spPr>
@@ -13233,6 +14948,7 @@
             </a:schemeClr>
           </a:solidFill>
           <a:prstDash val="solid"/>
+          <a:miter lim="800000"/>
         </a:ln>
         <a:effectLst/>
       </dsp:spPr>
@@ -13291,6 +15007,7 @@
             </a:schemeClr>
           </a:solidFill>
           <a:prstDash val="solid"/>
+          <a:miter lim="800000"/>
         </a:ln>
         <a:effectLst/>
       </dsp:spPr>
@@ -13352,6 +15069,7 @@
             </a:schemeClr>
           </a:solidFill>
           <a:prstDash val="solid"/>
+          <a:miter lim="800000"/>
         </a:ln>
         <a:effectLst/>
       </dsp:spPr>
@@ -13400,6 +15118,7 @@
             </a:schemeClr>
           </a:solidFill>
           <a:prstDash val="solid"/>
+          <a:miter lim="800000"/>
         </a:ln>
         <a:effectLst/>
       </dsp:spPr>
@@ -13418,12 +15137,12 @@
         </a:fontRef>
       </dsp:style>
       <dsp:txBody>
-        <a:bodyPr spcFirstLastPara="0" vert="horz" wrap="square" lIns="7620" tIns="7620" rIns="7620" bIns="7620" numCol="1" spcCol="1270" anchor="ctr" anchorCtr="0">
+        <a:bodyPr spcFirstLastPara="0" vert="horz" wrap="square" lIns="6985" tIns="6985" rIns="6985" bIns="6985" numCol="1" spcCol="1270" anchor="ctr" anchorCtr="0">
           <a:noAutofit/>
         </a:bodyPr>
         <a:lstStyle/>
         <a:p>
-          <a:pPr marL="0" lvl="0" indent="0" algn="ctr" defTabSz="533400">
+          <a:pPr marL="0" lvl="0" indent="0" algn="ctr" defTabSz="488950">
             <a:lnSpc>
               <a:spcPct val="90000"/>
             </a:lnSpc>
@@ -13436,10 +15155,10 @@
             <a:buNone/>
           </a:pPr>
           <a:r>
-            <a:rPr lang="en-US" altLang="zh-CN" sz="1200" kern="1200" dirty="0"/>
+            <a:rPr lang="en-US" altLang="zh-CN" sz="1100" kern="1200" dirty="0"/>
             <a:t>Dilution series from Tire extract</a:t>
           </a:r>
-          <a:endParaRPr lang="zh-CN" altLang="en-US" sz="1200" kern="1200" dirty="0"/>
+          <a:endParaRPr lang="zh-CN" altLang="en-US" sz="1100" kern="1200" dirty="0"/>
         </a:p>
       </dsp:txBody>
       <dsp:txXfrm>
@@ -13479,6 +15198,7 @@
             </a:schemeClr>
           </a:solidFill>
           <a:prstDash val="solid"/>
+          <a:miter lim="800000"/>
         </a:ln>
         <a:effectLst/>
       </dsp:spPr>
@@ -13497,12 +15217,12 @@
         </a:fontRef>
       </dsp:style>
       <dsp:txBody>
-        <a:bodyPr spcFirstLastPara="0" vert="horz" wrap="square" lIns="7620" tIns="7620" rIns="7620" bIns="7620" numCol="1" spcCol="1270" anchor="ctr" anchorCtr="0">
+        <a:bodyPr spcFirstLastPara="0" vert="horz" wrap="square" lIns="6985" tIns="6985" rIns="6985" bIns="6985" numCol="1" spcCol="1270" anchor="ctr" anchorCtr="0">
           <a:noAutofit/>
         </a:bodyPr>
         <a:lstStyle/>
         <a:p>
-          <a:pPr marL="0" lvl="0" indent="0" algn="ctr" defTabSz="533400">
+          <a:pPr marL="0" lvl="0" indent="0" algn="ctr" defTabSz="488950">
             <a:lnSpc>
               <a:spcPct val="90000"/>
             </a:lnSpc>
@@ -13515,10 +15235,10 @@
             <a:buNone/>
           </a:pPr>
           <a:r>
-            <a:rPr lang="en-US" altLang="zh-CN" sz="1200" kern="1200" dirty="0"/>
+            <a:rPr lang="en-US" altLang="zh-CN" sz="1100" kern="1200" dirty="0"/>
             <a:t>Extended work: alignment</a:t>
           </a:r>
-          <a:endParaRPr lang="zh-CN" altLang="en-US" sz="1200" kern="1200" dirty="0"/>
+          <a:endParaRPr lang="zh-CN" altLang="en-US" sz="1100" kern="1200" dirty="0"/>
         </a:p>
       </dsp:txBody>
       <dsp:txXfrm>
@@ -13558,6 +15278,7 @@
             </a:schemeClr>
           </a:solidFill>
           <a:prstDash val="solid"/>
+          <a:miter lim="800000"/>
         </a:ln>
         <a:effectLst/>
       </dsp:spPr>
@@ -13576,12 +15297,12 @@
         </a:fontRef>
       </dsp:style>
       <dsp:txBody>
-        <a:bodyPr spcFirstLastPara="0" vert="horz" wrap="square" lIns="7620" tIns="7620" rIns="7620" bIns="7620" numCol="1" spcCol="1270" anchor="ctr" anchorCtr="0">
+        <a:bodyPr spcFirstLastPara="0" vert="horz" wrap="square" lIns="6985" tIns="6985" rIns="6985" bIns="6985" numCol="1" spcCol="1270" anchor="ctr" anchorCtr="0">
           <a:noAutofit/>
         </a:bodyPr>
         <a:lstStyle/>
         <a:p>
-          <a:pPr marL="0" lvl="0" indent="0" algn="ctr" defTabSz="533400">
+          <a:pPr marL="0" lvl="0" indent="0" algn="ctr" defTabSz="488950">
             <a:lnSpc>
               <a:spcPct val="90000"/>
             </a:lnSpc>
@@ -13594,18 +15315,18 @@
             <a:buNone/>
           </a:pPr>
           <a:r>
-            <a:rPr lang="en-US" altLang="zh-CN" sz="1200" kern="1200" dirty="0">
+            <a:rPr lang="en-US" altLang="zh-CN" sz="1100" kern="1200" dirty="0">
               <a:solidFill>
                 <a:srgbClr val="FF0000"/>
               </a:solidFill>
             </a:rPr>
-            <a:t>If the anchor is in different shape, can we still find it? </a:t>
+            <a:t>If the anchor is in different shape/position, can we still find it? </a:t>
           </a:r>
           <a:r>
-            <a:rPr lang="en-US" altLang="zh-CN" sz="1200" kern="1200" dirty="0"/>
+            <a:rPr lang="en-US" altLang="zh-CN" sz="1100" kern="1200" dirty="0"/>
             <a:t>If we can, then how can we reshape it back?</a:t>
           </a:r>
-          <a:endParaRPr lang="zh-CN" altLang="en-US" sz="1200" kern="1200" dirty="0"/>
+          <a:endParaRPr lang="zh-CN" altLang="en-US" sz="1100" kern="1200" dirty="0"/>
         </a:p>
       </dsp:txBody>
       <dsp:txXfrm>
@@ -13645,6 +15366,7 @@
             </a:schemeClr>
           </a:solidFill>
           <a:prstDash val="solid"/>
+          <a:miter lim="800000"/>
         </a:ln>
         <a:effectLst/>
       </dsp:spPr>
@@ -13663,12 +15385,12 @@
         </a:fontRef>
       </dsp:style>
       <dsp:txBody>
-        <a:bodyPr spcFirstLastPara="0" vert="horz" wrap="square" lIns="7620" tIns="7620" rIns="7620" bIns="7620" numCol="1" spcCol="1270" anchor="ctr" anchorCtr="0">
+        <a:bodyPr spcFirstLastPara="0" vert="horz" wrap="square" lIns="6985" tIns="6985" rIns="6985" bIns="6985" numCol="1" spcCol="1270" anchor="ctr" anchorCtr="0">
           <a:noAutofit/>
         </a:bodyPr>
         <a:lstStyle/>
         <a:p>
-          <a:pPr marL="0" lvl="0" indent="0" algn="ctr" defTabSz="533400">
+          <a:pPr marL="0" lvl="0" indent="0" algn="ctr" defTabSz="488950">
             <a:lnSpc>
               <a:spcPct val="90000"/>
             </a:lnSpc>
@@ -13681,10 +15403,10 @@
             <a:buNone/>
           </a:pPr>
           <a:r>
-            <a:rPr lang="en-US" altLang="zh-CN" sz="1200" kern="1200" dirty="0"/>
+            <a:rPr lang="en-US" altLang="zh-CN" sz="1100" kern="1200" dirty="0"/>
             <a:t>Quantification</a:t>
           </a:r>
-          <a:endParaRPr lang="zh-CN" altLang="en-US" sz="1200" kern="1200" dirty="0"/>
+          <a:endParaRPr lang="zh-CN" altLang="en-US" sz="1100" kern="1200" dirty="0"/>
         </a:p>
       </dsp:txBody>
       <dsp:txXfrm>
@@ -13724,6 +15446,7 @@
             </a:schemeClr>
           </a:solidFill>
           <a:prstDash val="solid"/>
+          <a:miter lim="800000"/>
         </a:ln>
         <a:effectLst/>
       </dsp:spPr>
@@ -13742,12 +15465,12 @@
         </a:fontRef>
       </dsp:style>
       <dsp:txBody>
-        <a:bodyPr spcFirstLastPara="0" vert="horz" wrap="square" lIns="7620" tIns="7620" rIns="7620" bIns="7620" numCol="1" spcCol="1270" anchor="ctr" anchorCtr="0">
+        <a:bodyPr spcFirstLastPara="0" vert="horz" wrap="square" lIns="6985" tIns="6985" rIns="6985" bIns="6985" numCol="1" spcCol="1270" anchor="ctr" anchorCtr="0">
           <a:noAutofit/>
         </a:bodyPr>
         <a:lstStyle/>
         <a:p>
-          <a:pPr marL="0" lvl="0" indent="0" algn="ctr" defTabSz="533400">
+          <a:pPr marL="0" lvl="0" indent="0" algn="ctr" defTabSz="488950">
             <a:lnSpc>
               <a:spcPct val="90000"/>
             </a:lnSpc>
@@ -13760,7 +15483,7 @@
             <a:buNone/>
           </a:pPr>
           <a:r>
-            <a:rPr lang="en-US" altLang="zh-CN" sz="1200" kern="1200" dirty="0">
+            <a:rPr lang="en-US" altLang="zh-CN" sz="1100" kern="1200" dirty="0">
               <a:solidFill>
                 <a:srgbClr val="FF0000"/>
               </a:solidFill>
@@ -13768,10 +15491,10 @@
             <a:t>If the source is present, how much? </a:t>
           </a:r>
           <a:r>
-            <a:rPr lang="en-US" altLang="zh-CN" sz="1200" kern="1200" dirty="0"/>
+            <a:rPr lang="en-US" altLang="zh-CN" sz="1100" kern="1200" dirty="0"/>
             <a:t>(Modeling approaches using the anchors)</a:t>
           </a:r>
-          <a:endParaRPr lang="zh-CN" altLang="en-US" sz="1200" kern="1200" dirty="0"/>
+          <a:endParaRPr lang="zh-CN" altLang="en-US" sz="1100" kern="1200" dirty="0"/>
         </a:p>
       </dsp:txBody>
       <dsp:txXfrm>
@@ -13811,6 +15534,7 @@
             </a:schemeClr>
           </a:solidFill>
           <a:prstDash val="solid"/>
+          <a:miter lim="800000"/>
         </a:ln>
         <a:effectLst/>
       </dsp:spPr>
@@ -13829,12 +15553,12 @@
         </a:fontRef>
       </dsp:style>
       <dsp:txBody>
-        <a:bodyPr spcFirstLastPara="0" vert="horz" wrap="square" lIns="7620" tIns="7620" rIns="7620" bIns="7620" numCol="1" spcCol="1270" anchor="ctr" anchorCtr="0">
+        <a:bodyPr spcFirstLastPara="0" vert="horz" wrap="square" lIns="6985" tIns="6985" rIns="6985" bIns="6985" numCol="1" spcCol="1270" anchor="ctr" anchorCtr="0">
           <a:noAutofit/>
         </a:bodyPr>
         <a:lstStyle/>
         <a:p>
-          <a:pPr marL="0" lvl="0" indent="0" algn="ctr" defTabSz="533400">
+          <a:pPr marL="0" lvl="0" indent="0" algn="ctr" defTabSz="488950">
             <a:lnSpc>
               <a:spcPct val="90000"/>
             </a:lnSpc>
@@ -13847,10 +15571,10 @@
             <a:buNone/>
           </a:pPr>
           <a:r>
-            <a:rPr lang="en-US" altLang="zh-CN" sz="1200" kern="1200" dirty="0"/>
+            <a:rPr lang="en-US" altLang="zh-CN" sz="1100" kern="1200" dirty="0"/>
             <a:t>Source Identification</a:t>
           </a:r>
-          <a:endParaRPr lang="zh-CN" altLang="en-US" sz="1200" kern="1200" dirty="0"/>
+          <a:endParaRPr lang="zh-CN" altLang="en-US" sz="1100" kern="1200" dirty="0"/>
         </a:p>
       </dsp:txBody>
       <dsp:txXfrm>
@@ -13890,6 +15614,7 @@
             </a:schemeClr>
           </a:solidFill>
           <a:prstDash val="solid"/>
+          <a:miter lim="800000"/>
         </a:ln>
         <a:effectLst/>
       </dsp:spPr>
@@ -13908,12 +15633,12 @@
         </a:fontRef>
       </dsp:style>
       <dsp:txBody>
-        <a:bodyPr spcFirstLastPara="0" vert="horz" wrap="square" lIns="7620" tIns="7620" rIns="7620" bIns="7620" numCol="1" spcCol="1270" anchor="ctr" anchorCtr="0">
+        <a:bodyPr spcFirstLastPara="0" vert="horz" wrap="square" lIns="6985" tIns="6985" rIns="6985" bIns="6985" numCol="1" spcCol="1270" anchor="ctr" anchorCtr="0">
           <a:noAutofit/>
         </a:bodyPr>
         <a:lstStyle/>
         <a:p>
-          <a:pPr marL="0" lvl="0" indent="0" algn="ctr" defTabSz="533400">
+          <a:pPr marL="0" lvl="0" indent="0" algn="ctr" defTabSz="488950">
             <a:lnSpc>
               <a:spcPct val="90000"/>
             </a:lnSpc>
@@ -13926,7 +15651,7 @@
             <a:buNone/>
           </a:pPr>
           <a:r>
-            <a:rPr lang="en-US" altLang="zh-CN" sz="1200" kern="1200" dirty="0">
+            <a:rPr lang="en-US" altLang="zh-CN" sz="1100" kern="1200" dirty="0">
               <a:solidFill>
                 <a:srgbClr val="FF0000"/>
               </a:solidFill>
@@ -13934,10 +15659,10 @@
             <a:t>Is the anchor there? </a:t>
           </a:r>
           <a:r>
-            <a:rPr lang="en-US" altLang="zh-CN" sz="1200" kern="1200" dirty="0"/>
+            <a:rPr lang="en-US" altLang="zh-CN" sz="1100" kern="1200" dirty="0"/>
             <a:t>(source identification)</a:t>
           </a:r>
-          <a:endParaRPr lang="zh-CN" altLang="en-US" sz="1200" kern="1200" dirty="0"/>
+          <a:endParaRPr lang="zh-CN" altLang="en-US" sz="1100" kern="1200" dirty="0"/>
         </a:p>
       </dsp:txBody>
       <dsp:txXfrm>
@@ -13977,6 +15702,7 @@
             </a:schemeClr>
           </a:solidFill>
           <a:prstDash val="solid"/>
+          <a:miter lim="800000"/>
         </a:ln>
         <a:effectLst/>
       </dsp:spPr>
@@ -13995,12 +15721,12 @@
         </a:fontRef>
       </dsp:style>
       <dsp:txBody>
-        <a:bodyPr spcFirstLastPara="0" vert="horz" wrap="square" lIns="7620" tIns="7620" rIns="7620" bIns="7620" numCol="1" spcCol="1270" anchor="ctr" anchorCtr="0">
+        <a:bodyPr spcFirstLastPara="0" vert="horz" wrap="square" lIns="6985" tIns="6985" rIns="6985" bIns="6985" numCol="1" spcCol="1270" anchor="ctr" anchorCtr="0">
           <a:noAutofit/>
         </a:bodyPr>
         <a:lstStyle/>
         <a:p>
-          <a:pPr marL="0" lvl="0" indent="0" algn="ctr" defTabSz="533400">
+          <a:pPr marL="0" lvl="0" indent="0" algn="ctr" defTabSz="488950">
             <a:lnSpc>
               <a:spcPct val="90000"/>
             </a:lnSpc>
@@ -14013,10 +15739,10 @@
             <a:buNone/>
           </a:pPr>
           <a:r>
-            <a:rPr lang="en-US" altLang="zh-CN" sz="1200" kern="1200" dirty="0"/>
+            <a:rPr lang="en-US" altLang="zh-CN" sz="1100" kern="1200" dirty="0"/>
             <a:t>If it is, how much likely is there? (Low dimensional image recognition or high dimensional data approaches)</a:t>
           </a:r>
-          <a:endParaRPr lang="zh-CN" altLang="en-US" sz="1200" kern="1200" dirty="0"/>
+          <a:endParaRPr lang="zh-CN" altLang="en-US" sz="1100" kern="1200" dirty="0"/>
         </a:p>
       </dsp:txBody>
       <dsp:txXfrm>
@@ -14056,6 +15782,7 @@
             </a:schemeClr>
           </a:solidFill>
           <a:prstDash val="solid"/>
+          <a:miter lim="800000"/>
         </a:ln>
         <a:effectLst/>
       </dsp:spPr>
@@ -14074,12 +15801,12 @@
         </a:fontRef>
       </dsp:style>
       <dsp:txBody>
-        <a:bodyPr spcFirstLastPara="0" vert="horz" wrap="square" lIns="7620" tIns="7620" rIns="7620" bIns="7620" numCol="1" spcCol="1270" anchor="ctr" anchorCtr="0">
+        <a:bodyPr spcFirstLastPara="0" vert="horz" wrap="square" lIns="6985" tIns="6985" rIns="6985" bIns="6985" numCol="1" spcCol="1270" anchor="ctr" anchorCtr="0">
           <a:noAutofit/>
         </a:bodyPr>
         <a:lstStyle/>
         <a:p>
-          <a:pPr marL="0" lvl="0" indent="0" algn="ctr" defTabSz="533400">
+          <a:pPr marL="0" lvl="0" indent="0" algn="ctr" defTabSz="488950">
             <a:lnSpc>
               <a:spcPct val="90000"/>
             </a:lnSpc>
@@ -14092,7 +15819,7 @@
             <a:buNone/>
           </a:pPr>
           <a:r>
-            <a:rPr lang="en-US" altLang="zh-CN" sz="1200" kern="1200" dirty="0">
+            <a:rPr lang="en-US" altLang="zh-CN" sz="1100" kern="1200" dirty="0">
               <a:solidFill>
                 <a:srgbClr val="FF0000"/>
               </a:solidFill>
@@ -14100,12 +15827,12 @@
             <a:t>How to find the end members? </a:t>
           </a:r>
           <a:r>
-            <a:rPr lang="en-US" altLang="zh-CN" sz="1200" kern="1200" dirty="0"/>
+            <a:rPr lang="en-US" altLang="zh-CN" sz="1100" kern="1200" dirty="0"/>
             <a:t>(anchors)</a:t>
           </a:r>
         </a:p>
         <a:p>
-          <a:pPr marL="0" lvl="0" indent="0" algn="ctr" defTabSz="533400">
+          <a:pPr marL="0" lvl="0" indent="0" algn="ctr" defTabSz="488950">
             <a:lnSpc>
               <a:spcPct val="90000"/>
             </a:lnSpc>
@@ -14118,12 +15845,12 @@
             <a:buNone/>
           </a:pPr>
           <a:r>
-            <a:rPr lang="en-US" altLang="zh-CN" sz="1200" kern="1200" dirty="0"/>
+            <a:rPr lang="en-US" altLang="zh-CN" sz="1100" kern="1200" dirty="0"/>
             <a:t>1. Automated workflow: DBSCANS, OPTICS</a:t>
           </a:r>
         </a:p>
         <a:p>
-          <a:pPr marL="0" lvl="0" indent="0" algn="ctr" defTabSz="533400">
+          <a:pPr marL="0" lvl="0" indent="0" algn="ctr" defTabSz="488950">
             <a:lnSpc>
               <a:spcPct val="90000"/>
             </a:lnSpc>
@@ -14136,10 +15863,10 @@
             <a:buNone/>
           </a:pPr>
           <a:r>
-            <a:rPr lang="en-US" altLang="zh-CN" sz="1200" kern="1200" dirty="0"/>
+            <a:rPr lang="en-US" altLang="zh-CN" sz="1100" kern="1200" dirty="0"/>
             <a:t>2. Manual defined criteria</a:t>
           </a:r>
-          <a:endParaRPr lang="zh-CN" altLang="en-US" sz="1200" kern="1200" dirty="0"/>
+          <a:endParaRPr lang="zh-CN" altLang="en-US" sz="1100" kern="1200" dirty="0"/>
         </a:p>
       </dsp:txBody>
       <dsp:txXfrm>
@@ -14152,6 +15879,359 @@
 </file>
 
 <file path=ppt/diagrams/layout1.xml><?xml version="1.0" encoding="utf-8"?>
+<dgm:layoutDef xmlns:dgm="http://schemas.openxmlformats.org/drawingml/2006/diagram" xmlns:a="http://schemas.openxmlformats.org/drawingml/2006/main" uniqueId="urn:microsoft.com/office/officeart/2005/8/layout/process4">
+  <dgm:title val=""/>
+  <dgm:desc val=""/>
+  <dgm:catLst>
+    <dgm:cat type="process" pri="16000"/>
+    <dgm:cat type="list" pri="20000"/>
+  </dgm:catLst>
+  <dgm:sampData>
+    <dgm:dataModel>
+      <dgm:ptLst>
+        <dgm:pt modelId="0" type="doc"/>
+        <dgm:pt modelId="1">
+          <dgm:prSet phldr="1"/>
+        </dgm:pt>
+        <dgm:pt modelId="11">
+          <dgm:prSet phldr="1"/>
+        </dgm:pt>
+        <dgm:pt modelId="12">
+          <dgm:prSet phldr="1"/>
+        </dgm:pt>
+        <dgm:pt modelId="2">
+          <dgm:prSet phldr="1"/>
+        </dgm:pt>
+        <dgm:pt modelId="21">
+          <dgm:prSet phldr="1"/>
+        </dgm:pt>
+        <dgm:pt modelId="22">
+          <dgm:prSet phldr="1"/>
+        </dgm:pt>
+        <dgm:pt modelId="3">
+          <dgm:prSet phldr="1"/>
+        </dgm:pt>
+        <dgm:pt modelId="31">
+          <dgm:prSet phldr="1"/>
+        </dgm:pt>
+        <dgm:pt modelId="32">
+          <dgm:prSet phldr="1"/>
+        </dgm:pt>
+      </dgm:ptLst>
+      <dgm:cxnLst>
+        <dgm:cxn modelId="4" srcId="0" destId="1" srcOrd="0" destOrd="0"/>
+        <dgm:cxn modelId="5" srcId="0" destId="2" srcOrd="1" destOrd="0"/>
+        <dgm:cxn modelId="6" srcId="0" destId="3" srcOrd="2" destOrd="0"/>
+        <dgm:cxn modelId="13" srcId="1" destId="11" srcOrd="0" destOrd="0"/>
+        <dgm:cxn modelId="14" srcId="1" destId="12" srcOrd="1" destOrd="0"/>
+        <dgm:cxn modelId="23" srcId="2" destId="21" srcOrd="0" destOrd="0"/>
+        <dgm:cxn modelId="24" srcId="2" destId="22" srcOrd="1" destOrd="0"/>
+        <dgm:cxn modelId="33" srcId="3" destId="31" srcOrd="0" destOrd="0"/>
+        <dgm:cxn modelId="34" srcId="3" destId="32" srcOrd="1" destOrd="0"/>
+      </dgm:cxnLst>
+      <dgm:bg/>
+      <dgm:whole/>
+    </dgm:dataModel>
+  </dgm:sampData>
+  <dgm:styleData>
+    <dgm:dataModel>
+      <dgm:ptLst>
+        <dgm:pt modelId="0" type="doc"/>
+        <dgm:pt modelId="1"/>
+        <dgm:pt modelId="11"/>
+        <dgm:pt modelId="2"/>
+        <dgm:pt modelId="21"/>
+      </dgm:ptLst>
+      <dgm:cxnLst>
+        <dgm:cxn modelId="4" srcId="0" destId="1" srcOrd="0" destOrd="0"/>
+        <dgm:cxn modelId="5" srcId="0" destId="2" srcOrd="1" destOrd="0"/>
+        <dgm:cxn modelId="13" srcId="1" destId="11" srcOrd="0" destOrd="0"/>
+        <dgm:cxn modelId="23" srcId="2" destId="21" srcOrd="0" destOrd="0"/>
+      </dgm:cxnLst>
+      <dgm:bg/>
+      <dgm:whole/>
+    </dgm:dataModel>
+  </dgm:styleData>
+  <dgm:clrData>
+    <dgm:dataModel>
+      <dgm:ptLst>
+        <dgm:pt modelId="0" type="doc"/>
+        <dgm:pt modelId="1"/>
+        <dgm:pt modelId="11"/>
+        <dgm:pt modelId="2"/>
+        <dgm:pt modelId="21"/>
+        <dgm:pt modelId="3"/>
+        <dgm:pt modelId="31"/>
+        <dgm:pt modelId="4"/>
+        <dgm:pt modelId="41"/>
+      </dgm:ptLst>
+      <dgm:cxnLst>
+        <dgm:cxn modelId="5" srcId="0" destId="1" srcOrd="0" destOrd="0"/>
+        <dgm:cxn modelId="6" srcId="0" destId="2" srcOrd="1" destOrd="0"/>
+        <dgm:cxn modelId="7" srcId="0" destId="3" srcOrd="2" destOrd="0"/>
+        <dgm:cxn modelId="8" srcId="0" destId="4" srcOrd="3" destOrd="0"/>
+        <dgm:cxn modelId="13" srcId="1" destId="11" srcOrd="0" destOrd="0"/>
+        <dgm:cxn modelId="23" srcId="2" destId="21" srcOrd="0" destOrd="0"/>
+        <dgm:cxn modelId="33" srcId="3" destId="31" srcOrd="0" destOrd="0"/>
+        <dgm:cxn modelId="43" srcId="4" destId="41" srcOrd="0" destOrd="0"/>
+      </dgm:cxnLst>
+      <dgm:bg/>
+      <dgm:whole/>
+    </dgm:dataModel>
+  </dgm:clrData>
+  <dgm:layoutNode name="Name0">
+    <dgm:varLst>
+      <dgm:dir/>
+      <dgm:animLvl val="lvl"/>
+      <dgm:resizeHandles val="exact"/>
+    </dgm:varLst>
+    <dgm:alg type="lin">
+      <dgm:param type="linDir" val="fromB"/>
+    </dgm:alg>
+    <dgm:shape xmlns:r="http://schemas.openxmlformats.org/officeDocument/2006/relationships" r:blip="">
+      <dgm:adjLst/>
+    </dgm:shape>
+    <dgm:presOf/>
+    <dgm:constrLst>
+      <dgm:constr type="h" for="ch" forName="boxAndChildren" refType="h"/>
+      <dgm:constr type="h" for="ch" forName="arrowAndChildren" refType="h" refFor="ch" refForName="boxAndChildren" op="equ" fact="1.538"/>
+      <dgm:constr type="w" for="ch" forName="arrowAndChildren" refType="w"/>
+      <dgm:constr type="w" for="ch" forName="boxAndChildren" refType="w"/>
+      <dgm:constr type="h" for="ch" forName="sp" refType="h" fact="-0.015"/>
+      <dgm:constr type="primFontSz" for="des" forName="parentTextBox" val="65"/>
+      <dgm:constr type="primFontSz" for="des" forName="parentTextArrow" refType="primFontSz" refFor="des" refForName="parentTextBox" op="equ"/>
+      <dgm:constr type="primFontSz" for="des" forName="childTextArrow" val="65"/>
+      <dgm:constr type="primFontSz" for="des" forName="childTextBox" refType="primFontSz" refFor="des" refForName="childTextArrow" op="equ"/>
+    </dgm:constrLst>
+    <dgm:ruleLst/>
+    <dgm:forEach name="Name1" axis="ch" ptType="node" st="-1" step="-1">
+      <dgm:choose name="Name2">
+        <dgm:if name="Name3" axis="self" ptType="node" func="revPos" op="equ" val="1">
+          <dgm:layoutNode name="boxAndChildren">
+            <dgm:alg type="composite"/>
+            <dgm:shape xmlns:r="http://schemas.openxmlformats.org/officeDocument/2006/relationships" r:blip="">
+              <dgm:adjLst/>
+            </dgm:shape>
+            <dgm:presOf/>
+            <dgm:choose name="Name4">
+              <dgm:if name="Name5" axis="ch" ptType="node" func="cnt" op="gte" val="1">
+                <dgm:constrLst>
+                  <dgm:constr type="w" for="ch" forName="parentTextBox" refType="w"/>
+                  <dgm:constr type="h" for="ch" forName="parentTextBox" refType="h" fact="0.54"/>
+                  <dgm:constr type="t" for="ch" forName="parentTextBox"/>
+                  <dgm:constr type="w" for="ch" forName="entireBox" refType="w"/>
+                  <dgm:constr type="h" for="ch" forName="entireBox" refType="h"/>
+                  <dgm:constr type="w" for="ch" forName="descendantBox" refType="w"/>
+                  <dgm:constr type="b" for="ch" forName="descendantBox" refType="h" fact="0.98"/>
+                  <dgm:constr type="h" for="ch" forName="descendantBox" refType="h" fact="0.46"/>
+                </dgm:constrLst>
+              </dgm:if>
+              <dgm:else name="Name6">
+                <dgm:constrLst>
+                  <dgm:constr type="w" for="ch" forName="parentTextBox" refType="w"/>
+                  <dgm:constr type="h" for="ch" forName="parentTextBox" refType="h"/>
+                </dgm:constrLst>
+              </dgm:else>
+            </dgm:choose>
+            <dgm:ruleLst/>
+            <dgm:layoutNode name="parentTextBox">
+              <dgm:alg type="tx"/>
+              <dgm:choose name="Name7">
+                <dgm:if name="Name8" axis="ch" ptType="node" func="cnt" op="gte" val="1">
+                  <dgm:shape xmlns:r="http://schemas.openxmlformats.org/officeDocument/2006/relationships" type="rect" r:blip="" zOrderOff="1" hideGeom="1">
+                    <dgm:adjLst/>
+                  </dgm:shape>
+                </dgm:if>
+                <dgm:else name="Name9">
+                  <dgm:shape xmlns:r="http://schemas.openxmlformats.org/officeDocument/2006/relationships" type="rect" r:blip="">
+                    <dgm:adjLst/>
+                  </dgm:shape>
+                </dgm:else>
+              </dgm:choose>
+              <dgm:presOf axis="self"/>
+              <dgm:constrLst/>
+              <dgm:ruleLst>
+                <dgm:rule type="primFontSz" val="5" fact="NaN" max="NaN"/>
+              </dgm:ruleLst>
+            </dgm:layoutNode>
+            <dgm:choose name="Name10">
+              <dgm:if name="Name11" axis="ch" ptType="node" func="cnt" op="gte" val="1">
+                <dgm:layoutNode name="entireBox">
+                  <dgm:alg type="sp"/>
+                  <dgm:shape xmlns:r="http://schemas.openxmlformats.org/officeDocument/2006/relationships" type="rect" r:blip="">
+                    <dgm:adjLst/>
+                  </dgm:shape>
+                  <dgm:presOf axis="self"/>
+                  <dgm:constrLst/>
+                  <dgm:ruleLst/>
+                </dgm:layoutNode>
+                <dgm:layoutNode name="descendantBox" styleLbl="fgAccFollowNode1">
+                  <dgm:choose name="Name12">
+                    <dgm:if name="Name13" func="var" arg="dir" op="equ" val="norm">
+                      <dgm:alg type="lin"/>
+                    </dgm:if>
+                    <dgm:else name="Name14">
+                      <dgm:alg type="lin">
+                        <dgm:param type="linDir" val="fromR"/>
+                      </dgm:alg>
+                    </dgm:else>
+                  </dgm:choose>
+                  <dgm:shape xmlns:r="http://schemas.openxmlformats.org/officeDocument/2006/relationships" r:blip="">
+                    <dgm:adjLst/>
+                  </dgm:shape>
+                  <dgm:presOf/>
+                  <dgm:constrLst>
+                    <dgm:constr type="w" for="ch" forName="childTextBox" refType="w"/>
+                    <dgm:constr type="h" for="ch" forName="childTextBox" refType="h"/>
+                  </dgm:constrLst>
+                  <dgm:ruleLst/>
+                  <dgm:forEach name="Name15" axis="ch" ptType="node">
+                    <dgm:layoutNode name="childTextBox" styleLbl="fgAccFollowNode1">
+                      <dgm:varLst>
+                        <dgm:bulletEnabled val="1"/>
+                      </dgm:varLst>
+                      <dgm:alg type="tx"/>
+                      <dgm:shape xmlns:r="http://schemas.openxmlformats.org/officeDocument/2006/relationships" type="rect" r:blip="">
+                        <dgm:adjLst/>
+                      </dgm:shape>
+                      <dgm:presOf axis="desOrSelf" ptType="node"/>
+                      <dgm:constrLst>
+                        <dgm:constr type="tMarg" refType="primFontSz" fact="0.1"/>
+                        <dgm:constr type="bMarg" refType="primFontSz" fact="0.1"/>
+                      </dgm:constrLst>
+                      <dgm:ruleLst>
+                        <dgm:rule type="primFontSz" val="5" fact="NaN" max="NaN"/>
+                      </dgm:ruleLst>
+                    </dgm:layoutNode>
+                  </dgm:forEach>
+                </dgm:layoutNode>
+              </dgm:if>
+              <dgm:else name="Name16"/>
+            </dgm:choose>
+          </dgm:layoutNode>
+        </dgm:if>
+        <dgm:else name="Name17">
+          <dgm:layoutNode name="arrowAndChildren">
+            <dgm:alg type="composite"/>
+            <dgm:shape xmlns:r="http://schemas.openxmlformats.org/officeDocument/2006/relationships" r:blip="">
+              <dgm:adjLst/>
+            </dgm:shape>
+            <dgm:presOf/>
+            <dgm:choose name="Name18">
+              <dgm:if name="Name19" axis="ch" ptType="node" func="cnt" op="gte" val="1">
+                <dgm:constrLst>
+                  <dgm:constr type="w" for="ch" forName="parentTextArrow" refType="w"/>
+                  <dgm:constr type="t" for="ch" forName="parentTextArrow"/>
+                  <dgm:constr type="h" for="ch" forName="parentTextArrow" refType="h" fact="0.351"/>
+                  <dgm:constr type="w" for="ch" forName="arrow" refType="w"/>
+                  <dgm:constr type="h" for="ch" forName="arrow" refType="h"/>
+                  <dgm:constr type="w" for="ch" forName="descendantArrow" refType="w"/>
+                  <dgm:constr type="b" for="ch" forName="descendantArrow" refType="h" fact="0.65"/>
+                  <dgm:constr type="h" for="ch" forName="descendantArrow" refType="h" fact="0.299"/>
+                </dgm:constrLst>
+              </dgm:if>
+              <dgm:else name="Name20">
+                <dgm:constrLst>
+                  <dgm:constr type="w" for="ch" forName="parentTextArrow" refType="w"/>
+                  <dgm:constr type="h" for="ch" forName="parentTextArrow" refType="h"/>
+                </dgm:constrLst>
+              </dgm:else>
+            </dgm:choose>
+            <dgm:ruleLst/>
+            <dgm:layoutNode name="parentTextArrow">
+              <dgm:alg type="tx"/>
+              <dgm:choose name="Name21">
+                <dgm:if name="Name22" axis="ch" ptType="node" func="cnt" op="gte" val="1">
+                  <dgm:shape xmlns:r="http://schemas.openxmlformats.org/officeDocument/2006/relationships" type="rect" r:blip="" zOrderOff="1" hideGeom="1">
+                    <dgm:adjLst/>
+                  </dgm:shape>
+                </dgm:if>
+                <dgm:else name="Name23">
+                  <dgm:shape xmlns:r="http://schemas.openxmlformats.org/officeDocument/2006/relationships" rot="180" type="upArrowCallout" r:blip="">
+                    <dgm:adjLst/>
+                  </dgm:shape>
+                </dgm:else>
+              </dgm:choose>
+              <dgm:presOf axis="self"/>
+              <dgm:constrLst/>
+              <dgm:ruleLst>
+                <dgm:rule type="primFontSz" val="5" fact="NaN" max="NaN"/>
+              </dgm:ruleLst>
+            </dgm:layoutNode>
+            <dgm:choose name="Name24">
+              <dgm:if name="Name25" axis="ch" ptType="node" func="cnt" op="gte" val="1">
+                <dgm:layoutNode name="arrow">
+                  <dgm:alg type="sp"/>
+                  <dgm:shape xmlns:r="http://schemas.openxmlformats.org/officeDocument/2006/relationships" rot="180" type="upArrowCallout" r:blip="">
+                    <dgm:adjLst/>
+                  </dgm:shape>
+                  <dgm:presOf axis="self"/>
+                  <dgm:constrLst/>
+                  <dgm:ruleLst/>
+                </dgm:layoutNode>
+                <dgm:layoutNode name="descendantArrow">
+                  <dgm:choose name="Name26">
+                    <dgm:if name="Name27" func="var" arg="dir" op="equ" val="norm">
+                      <dgm:alg type="lin"/>
+                    </dgm:if>
+                    <dgm:else name="Name28">
+                      <dgm:alg type="lin">
+                        <dgm:param type="linDir" val="fromR"/>
+                      </dgm:alg>
+                    </dgm:else>
+                  </dgm:choose>
+                  <dgm:shape xmlns:r="http://schemas.openxmlformats.org/officeDocument/2006/relationships" r:blip="">
+                    <dgm:adjLst/>
+                  </dgm:shape>
+                  <dgm:presOf/>
+                  <dgm:constrLst>
+                    <dgm:constr type="w" for="ch" forName="childTextArrow" refType="w"/>
+                    <dgm:constr type="h" for="ch" forName="childTextArrow" refType="h"/>
+                  </dgm:constrLst>
+                  <dgm:ruleLst/>
+                  <dgm:forEach name="Name29" axis="ch" ptType="node">
+                    <dgm:layoutNode name="childTextArrow" styleLbl="fgAccFollowNode1">
+                      <dgm:varLst>
+                        <dgm:bulletEnabled val="1"/>
+                      </dgm:varLst>
+                      <dgm:alg type="tx"/>
+                      <dgm:shape xmlns:r="http://schemas.openxmlformats.org/officeDocument/2006/relationships" type="rect" r:blip="">
+                        <dgm:adjLst/>
+                      </dgm:shape>
+                      <dgm:presOf axis="desOrSelf" ptType="node"/>
+                      <dgm:constrLst>
+                        <dgm:constr type="tMarg" refType="primFontSz" fact="0.1"/>
+                        <dgm:constr type="bMarg" refType="primFontSz" fact="0.1"/>
+                      </dgm:constrLst>
+                      <dgm:ruleLst>
+                        <dgm:rule type="primFontSz" val="5" fact="NaN" max="NaN"/>
+                      </dgm:ruleLst>
+                    </dgm:layoutNode>
+                  </dgm:forEach>
+                </dgm:layoutNode>
+              </dgm:if>
+              <dgm:else name="Name30"/>
+            </dgm:choose>
+          </dgm:layoutNode>
+        </dgm:else>
+      </dgm:choose>
+      <dgm:forEach name="Name31" axis="precedSib" ptType="sibTrans" st="-1" cnt="1">
+        <dgm:layoutNode name="sp">
+          <dgm:alg type="sp"/>
+          <dgm:shape xmlns:r="http://schemas.openxmlformats.org/officeDocument/2006/relationships" r:blip="">
+            <dgm:adjLst/>
+          </dgm:shape>
+          <dgm:presOf axis="self"/>
+          <dgm:constrLst/>
+          <dgm:ruleLst/>
+        </dgm:layoutNode>
+      </dgm:forEach>
+    </dgm:forEach>
+  </dgm:layoutNode>
+</dgm:layoutDef>
+</file>
+
+<file path=ppt/diagrams/layout2.xml><?xml version="1.0" encoding="utf-8"?>
 <dgm:layoutDef xmlns:dgm="http://schemas.openxmlformats.org/drawingml/2006/diagram" xmlns:a="http://schemas.openxmlformats.org/drawingml/2006/main" uniqueId="urn:microsoft.com/office/officeart/2005/8/layout/orgChart1">
   <dgm:title val=""/>
   <dgm:desc val=""/>
@@ -15298,6 +17378,1040 @@
 </file>
 
 <file path=ppt/diagrams/quickStyle1.xml><?xml version="1.0" encoding="utf-8"?>
+<dgm:styleDef xmlns:dgm="http://schemas.openxmlformats.org/drawingml/2006/diagram" xmlns:a="http://schemas.openxmlformats.org/drawingml/2006/main" uniqueId="urn:microsoft.com/office/officeart/2005/8/quickstyle/simple2">
+  <dgm:title val=""/>
+  <dgm:desc val=""/>
+  <dgm:catLst>
+    <dgm:cat type="simple" pri="10200"/>
+  </dgm:catLst>
+  <dgm:scene3d>
+    <a:camera prst="orthographicFront"/>
+    <a:lightRig rig="threePt" dir="t"/>
+  </dgm:scene3d>
+  <dgm:styleLbl name="node0">
+    <dgm:scene3d>
+      <a:camera prst="orthographicFront"/>
+      <a:lightRig rig="threePt" dir="t"/>
+    </dgm:scene3d>
+    <dgm:sp3d/>
+    <dgm:txPr/>
+    <dgm:style>
+      <a:lnRef idx="3">
+        <a:scrgbClr r="0" g="0" b="0"/>
+      </a:lnRef>
+      <a:fillRef idx="1">
+        <a:scrgbClr r="0" g="0" b="0"/>
+      </a:fillRef>
+      <a:effectRef idx="1">
+        <a:scrgbClr r="0" g="0" b="0"/>
+      </a:effectRef>
+      <a:fontRef idx="minor">
+        <a:schemeClr val="lt1"/>
+      </a:fontRef>
+    </dgm:style>
+  </dgm:styleLbl>
+  <dgm:styleLbl name="lnNode1">
+    <dgm:scene3d>
+      <a:camera prst="orthographicFront"/>
+      <a:lightRig rig="threePt" dir="t"/>
+    </dgm:scene3d>
+    <dgm:sp3d/>
+    <dgm:txPr/>
+    <dgm:style>
+      <a:lnRef idx="3">
+        <a:scrgbClr r="0" g="0" b="0"/>
+      </a:lnRef>
+      <a:fillRef idx="1">
+        <a:scrgbClr r="0" g="0" b="0"/>
+      </a:fillRef>
+      <a:effectRef idx="1">
+        <a:scrgbClr r="0" g="0" b="0"/>
+      </a:effectRef>
+      <a:fontRef idx="minor">
+        <a:schemeClr val="lt1"/>
+      </a:fontRef>
+    </dgm:style>
+  </dgm:styleLbl>
+  <dgm:styleLbl name="vennNode1">
+    <dgm:scene3d>
+      <a:camera prst="orthographicFront"/>
+      <a:lightRig rig="threePt" dir="t"/>
+    </dgm:scene3d>
+    <dgm:sp3d/>
+    <dgm:txPr/>
+    <dgm:style>
+      <a:lnRef idx="3">
+        <a:scrgbClr r="0" g="0" b="0"/>
+      </a:lnRef>
+      <a:fillRef idx="1">
+        <a:scrgbClr r="0" g="0" b="0"/>
+      </a:fillRef>
+      <a:effectRef idx="0">
+        <a:scrgbClr r="0" g="0" b="0"/>
+      </a:effectRef>
+      <a:fontRef idx="minor">
+        <a:schemeClr val="tx1"/>
+      </a:fontRef>
+    </dgm:style>
+  </dgm:styleLbl>
+  <dgm:styleLbl name="alignNode1">
+    <dgm:scene3d>
+      <a:camera prst="orthographicFront"/>
+      <a:lightRig rig="threePt" dir="t"/>
+    </dgm:scene3d>
+    <dgm:sp3d/>
+    <dgm:txPr/>
+    <dgm:style>
+      <a:lnRef idx="2">
+        <a:scrgbClr r="0" g="0" b="0"/>
+      </a:lnRef>
+      <a:fillRef idx="1">
+        <a:scrgbClr r="0" g="0" b="0"/>
+      </a:fillRef>
+      <a:effectRef idx="1">
+        <a:scrgbClr r="0" g="0" b="0"/>
+      </a:effectRef>
+      <a:fontRef idx="minor">
+        <a:schemeClr val="lt1"/>
+      </a:fontRef>
+    </dgm:style>
+  </dgm:styleLbl>
+  <dgm:styleLbl name="node1">
+    <dgm:scene3d>
+      <a:camera prst="orthographicFront"/>
+      <a:lightRig rig="threePt" dir="t"/>
+    </dgm:scene3d>
+    <dgm:sp3d/>
+    <dgm:txPr/>
+    <dgm:style>
+      <a:lnRef idx="3">
+        <a:scrgbClr r="0" g="0" b="0"/>
+      </a:lnRef>
+      <a:fillRef idx="1">
+        <a:scrgbClr r="0" g="0" b="0"/>
+      </a:fillRef>
+      <a:effectRef idx="1">
+        <a:scrgbClr r="0" g="0" b="0"/>
+      </a:effectRef>
+      <a:fontRef idx="minor">
+        <a:schemeClr val="lt1"/>
+      </a:fontRef>
+    </dgm:style>
+  </dgm:styleLbl>
+  <dgm:styleLbl name="node2">
+    <dgm:scene3d>
+      <a:camera prst="orthographicFront"/>
+      <a:lightRig rig="threePt" dir="t"/>
+    </dgm:scene3d>
+    <dgm:sp3d/>
+    <dgm:txPr/>
+    <dgm:style>
+      <a:lnRef idx="3">
+        <a:scrgbClr r="0" g="0" b="0"/>
+      </a:lnRef>
+      <a:fillRef idx="1">
+        <a:scrgbClr r="0" g="0" b="0"/>
+      </a:fillRef>
+      <a:effectRef idx="1">
+        <a:scrgbClr r="0" g="0" b="0"/>
+      </a:effectRef>
+      <a:fontRef idx="minor">
+        <a:schemeClr val="lt1"/>
+      </a:fontRef>
+    </dgm:style>
+  </dgm:styleLbl>
+  <dgm:styleLbl name="node3">
+    <dgm:scene3d>
+      <a:camera prst="orthographicFront"/>
+      <a:lightRig rig="threePt" dir="t"/>
+    </dgm:scene3d>
+    <dgm:sp3d/>
+    <dgm:txPr/>
+    <dgm:style>
+      <a:lnRef idx="3">
+        <a:scrgbClr r="0" g="0" b="0"/>
+      </a:lnRef>
+      <a:fillRef idx="1">
+        <a:scrgbClr r="0" g="0" b="0"/>
+      </a:fillRef>
+      <a:effectRef idx="1">
+        <a:scrgbClr r="0" g="0" b="0"/>
+      </a:effectRef>
+      <a:fontRef idx="minor">
+        <a:schemeClr val="lt1"/>
+      </a:fontRef>
+    </dgm:style>
+  </dgm:styleLbl>
+  <dgm:styleLbl name="node4">
+    <dgm:scene3d>
+      <a:camera prst="orthographicFront"/>
+      <a:lightRig rig="threePt" dir="t"/>
+    </dgm:scene3d>
+    <dgm:sp3d/>
+    <dgm:txPr/>
+    <dgm:style>
+      <a:lnRef idx="3">
+        <a:scrgbClr r="0" g="0" b="0"/>
+      </a:lnRef>
+      <a:fillRef idx="1">
+        <a:scrgbClr r="0" g="0" b="0"/>
+      </a:fillRef>
+      <a:effectRef idx="1">
+        <a:scrgbClr r="0" g="0" b="0"/>
+      </a:effectRef>
+      <a:fontRef idx="minor">
+        <a:schemeClr val="lt1"/>
+      </a:fontRef>
+    </dgm:style>
+  </dgm:styleLbl>
+  <dgm:styleLbl name="fgImgPlace1">
+    <dgm:scene3d>
+      <a:camera prst="orthographicFront"/>
+      <a:lightRig rig="threePt" dir="t"/>
+    </dgm:scene3d>
+    <dgm:sp3d/>
+    <dgm:txPr/>
+    <dgm:style>
+      <a:lnRef idx="3">
+        <a:scrgbClr r="0" g="0" b="0"/>
+      </a:lnRef>
+      <a:fillRef idx="1">
+        <a:scrgbClr r="0" g="0" b="0"/>
+      </a:fillRef>
+      <a:effectRef idx="1">
+        <a:scrgbClr r="0" g="0" b="0"/>
+      </a:effectRef>
+      <a:fontRef idx="minor"/>
+    </dgm:style>
+  </dgm:styleLbl>
+  <dgm:styleLbl name="alignImgPlace1">
+    <dgm:scene3d>
+      <a:camera prst="orthographicFront"/>
+      <a:lightRig rig="threePt" dir="t"/>
+    </dgm:scene3d>
+    <dgm:sp3d/>
+    <dgm:txPr/>
+    <dgm:style>
+      <a:lnRef idx="3">
+        <a:scrgbClr r="0" g="0" b="0"/>
+      </a:lnRef>
+      <a:fillRef idx="1">
+        <a:scrgbClr r="0" g="0" b="0"/>
+      </a:fillRef>
+      <a:effectRef idx="1">
+        <a:scrgbClr r="0" g="0" b="0"/>
+      </a:effectRef>
+      <a:fontRef idx="minor"/>
+    </dgm:style>
+  </dgm:styleLbl>
+  <dgm:styleLbl name="bgImgPlace1">
+    <dgm:scene3d>
+      <a:camera prst="orthographicFront"/>
+      <a:lightRig rig="threePt" dir="t"/>
+    </dgm:scene3d>
+    <dgm:sp3d/>
+    <dgm:txPr/>
+    <dgm:style>
+      <a:lnRef idx="3">
+        <a:scrgbClr r="0" g="0" b="0"/>
+      </a:lnRef>
+      <a:fillRef idx="1">
+        <a:scrgbClr r="0" g="0" b="0"/>
+      </a:fillRef>
+      <a:effectRef idx="1">
+        <a:scrgbClr r="0" g="0" b="0"/>
+      </a:effectRef>
+      <a:fontRef idx="minor"/>
+    </dgm:style>
+  </dgm:styleLbl>
+  <dgm:styleLbl name="sibTrans2D1">
+    <dgm:scene3d>
+      <a:camera prst="orthographicFront"/>
+      <a:lightRig rig="threePt" dir="t"/>
+    </dgm:scene3d>
+    <dgm:sp3d/>
+    <dgm:txPr/>
+    <dgm:style>
+      <a:lnRef idx="0">
+        <a:scrgbClr r="0" g="0" b="0"/>
+      </a:lnRef>
+      <a:fillRef idx="1">
+        <a:scrgbClr r="0" g="0" b="0"/>
+      </a:fillRef>
+      <a:effectRef idx="1">
+        <a:scrgbClr r="0" g="0" b="0"/>
+      </a:effectRef>
+      <a:fontRef idx="minor">
+        <a:schemeClr val="lt1"/>
+      </a:fontRef>
+    </dgm:style>
+  </dgm:styleLbl>
+  <dgm:styleLbl name="fgSibTrans2D1">
+    <dgm:scene3d>
+      <a:camera prst="orthographicFront"/>
+      <a:lightRig rig="threePt" dir="t"/>
+    </dgm:scene3d>
+    <dgm:sp3d/>
+    <dgm:txPr/>
+    <dgm:style>
+      <a:lnRef idx="0">
+        <a:scrgbClr r="0" g="0" b="0"/>
+      </a:lnRef>
+      <a:fillRef idx="1">
+        <a:scrgbClr r="0" g="0" b="0"/>
+      </a:fillRef>
+      <a:effectRef idx="1">
+        <a:scrgbClr r="0" g="0" b="0"/>
+      </a:effectRef>
+      <a:fontRef idx="minor">
+        <a:schemeClr val="lt1"/>
+      </a:fontRef>
+    </dgm:style>
+  </dgm:styleLbl>
+  <dgm:styleLbl name="bgSibTrans2D1">
+    <dgm:scene3d>
+      <a:camera prst="orthographicFront"/>
+      <a:lightRig rig="threePt" dir="t"/>
+    </dgm:scene3d>
+    <dgm:sp3d/>
+    <dgm:txPr/>
+    <dgm:style>
+      <a:lnRef idx="0">
+        <a:scrgbClr r="0" g="0" b="0"/>
+      </a:lnRef>
+      <a:fillRef idx="1">
+        <a:scrgbClr r="0" g="0" b="0"/>
+      </a:fillRef>
+      <a:effectRef idx="1">
+        <a:scrgbClr r="0" g="0" b="0"/>
+      </a:effectRef>
+      <a:fontRef idx="minor">
+        <a:schemeClr val="lt1"/>
+      </a:fontRef>
+    </dgm:style>
+  </dgm:styleLbl>
+  <dgm:styleLbl name="sibTrans1D1">
+    <dgm:scene3d>
+      <a:camera prst="orthographicFront"/>
+      <a:lightRig rig="threePt" dir="t"/>
+    </dgm:scene3d>
+    <dgm:sp3d/>
+    <dgm:txPr/>
+    <dgm:style>
+      <a:lnRef idx="1">
+        <a:scrgbClr r="0" g="0" b="0"/>
+      </a:lnRef>
+      <a:fillRef idx="0">
+        <a:scrgbClr r="0" g="0" b="0"/>
+      </a:fillRef>
+      <a:effectRef idx="0">
+        <a:scrgbClr r="0" g="0" b="0"/>
+      </a:effectRef>
+      <a:fontRef idx="minor"/>
+    </dgm:style>
+  </dgm:styleLbl>
+  <dgm:styleLbl name="callout">
+    <dgm:scene3d>
+      <a:camera prst="orthographicFront"/>
+      <a:lightRig rig="threePt" dir="t"/>
+    </dgm:scene3d>
+    <dgm:sp3d/>
+    <dgm:txPr/>
+    <dgm:style>
+      <a:lnRef idx="2">
+        <a:scrgbClr r="0" g="0" b="0"/>
+      </a:lnRef>
+      <a:fillRef idx="1">
+        <a:scrgbClr r="0" g="0" b="0"/>
+      </a:fillRef>
+      <a:effectRef idx="1">
+        <a:scrgbClr r="0" g="0" b="0"/>
+      </a:effectRef>
+      <a:fontRef idx="minor"/>
+    </dgm:style>
+  </dgm:styleLbl>
+  <dgm:styleLbl name="asst0">
+    <dgm:scene3d>
+      <a:camera prst="orthographicFront"/>
+      <a:lightRig rig="threePt" dir="t"/>
+    </dgm:scene3d>
+    <dgm:sp3d/>
+    <dgm:txPr/>
+    <dgm:style>
+      <a:lnRef idx="3">
+        <a:scrgbClr r="0" g="0" b="0"/>
+      </a:lnRef>
+      <a:fillRef idx="1">
+        <a:scrgbClr r="0" g="0" b="0"/>
+      </a:fillRef>
+      <a:effectRef idx="1">
+        <a:scrgbClr r="0" g="0" b="0"/>
+      </a:effectRef>
+      <a:fontRef idx="minor">
+        <a:schemeClr val="lt1"/>
+      </a:fontRef>
+    </dgm:style>
+  </dgm:styleLbl>
+  <dgm:styleLbl name="asst1">
+    <dgm:scene3d>
+      <a:camera prst="orthographicFront"/>
+      <a:lightRig rig="threePt" dir="t"/>
+    </dgm:scene3d>
+    <dgm:sp3d/>
+    <dgm:txPr/>
+    <dgm:style>
+      <a:lnRef idx="3">
+        <a:scrgbClr r="0" g="0" b="0"/>
+      </a:lnRef>
+      <a:fillRef idx="1">
+        <a:scrgbClr r="0" g="0" b="0"/>
+      </a:fillRef>
+      <a:effectRef idx="1">
+        <a:scrgbClr r="0" g="0" b="0"/>
+      </a:effectRef>
+      <a:fontRef idx="minor">
+        <a:schemeClr val="lt1"/>
+      </a:fontRef>
+    </dgm:style>
+  </dgm:styleLbl>
+  <dgm:styleLbl name="asst2">
+    <dgm:scene3d>
+      <a:camera prst="orthographicFront"/>
+      <a:lightRig rig="threePt" dir="t"/>
+    </dgm:scene3d>
+    <dgm:sp3d/>
+    <dgm:txPr/>
+    <dgm:style>
+      <a:lnRef idx="3">
+        <a:scrgbClr r="0" g="0" b="0"/>
+      </a:lnRef>
+      <a:fillRef idx="1">
+        <a:scrgbClr r="0" g="0" b="0"/>
+      </a:fillRef>
+      <a:effectRef idx="1">
+        <a:scrgbClr r="0" g="0" b="0"/>
+      </a:effectRef>
+      <a:fontRef idx="minor">
+        <a:schemeClr val="lt1"/>
+      </a:fontRef>
+    </dgm:style>
+  </dgm:styleLbl>
+  <dgm:styleLbl name="asst3">
+    <dgm:scene3d>
+      <a:camera prst="orthographicFront"/>
+      <a:lightRig rig="threePt" dir="t"/>
+    </dgm:scene3d>
+    <dgm:sp3d/>
+    <dgm:txPr/>
+    <dgm:style>
+      <a:lnRef idx="3">
+        <a:scrgbClr r="0" g="0" b="0"/>
+      </a:lnRef>
+      <a:fillRef idx="1">
+        <a:scrgbClr r="0" g="0" b="0"/>
+      </a:fillRef>
+      <a:effectRef idx="1">
+        <a:scrgbClr r="0" g="0" b="0"/>
+      </a:effectRef>
+      <a:fontRef idx="minor">
+        <a:schemeClr val="lt1"/>
+      </a:fontRef>
+    </dgm:style>
+  </dgm:styleLbl>
+  <dgm:styleLbl name="asst4">
+    <dgm:scene3d>
+      <a:camera prst="orthographicFront"/>
+      <a:lightRig rig="threePt" dir="t"/>
+    </dgm:scene3d>
+    <dgm:sp3d/>
+    <dgm:txPr/>
+    <dgm:style>
+      <a:lnRef idx="3">
+        <a:scrgbClr r="0" g="0" b="0"/>
+      </a:lnRef>
+      <a:fillRef idx="1">
+        <a:scrgbClr r="0" g="0" b="0"/>
+      </a:fillRef>
+      <a:effectRef idx="1">
+        <a:scrgbClr r="0" g="0" b="0"/>
+      </a:effectRef>
+      <a:fontRef idx="minor">
+        <a:schemeClr val="lt1"/>
+      </a:fontRef>
+    </dgm:style>
+  </dgm:styleLbl>
+  <dgm:styleLbl name="parChTrans2D1">
+    <dgm:scene3d>
+      <a:camera prst="orthographicFront"/>
+      <a:lightRig rig="threePt" dir="t"/>
+    </dgm:scene3d>
+    <dgm:sp3d/>
+    <dgm:txPr/>
+    <dgm:style>
+      <a:lnRef idx="3">
+        <a:scrgbClr r="0" g="0" b="0"/>
+      </a:lnRef>
+      <a:fillRef idx="1">
+        <a:scrgbClr r="0" g="0" b="0"/>
+      </a:fillRef>
+      <a:effectRef idx="1">
+        <a:scrgbClr r="0" g="0" b="0"/>
+      </a:effectRef>
+      <a:fontRef idx="minor">
+        <a:schemeClr val="lt1"/>
+      </a:fontRef>
+    </dgm:style>
+  </dgm:styleLbl>
+  <dgm:styleLbl name="parChTrans2D2">
+    <dgm:scene3d>
+      <a:camera prst="orthographicFront"/>
+      <a:lightRig rig="threePt" dir="t"/>
+    </dgm:scene3d>
+    <dgm:sp3d/>
+    <dgm:txPr/>
+    <dgm:style>
+      <a:lnRef idx="3">
+        <a:scrgbClr r="0" g="0" b="0"/>
+      </a:lnRef>
+      <a:fillRef idx="1">
+        <a:scrgbClr r="0" g="0" b="0"/>
+      </a:fillRef>
+      <a:effectRef idx="1">
+        <a:scrgbClr r="0" g="0" b="0"/>
+      </a:effectRef>
+      <a:fontRef idx="minor">
+        <a:schemeClr val="lt1"/>
+      </a:fontRef>
+    </dgm:style>
+  </dgm:styleLbl>
+  <dgm:styleLbl name="parChTrans2D3">
+    <dgm:scene3d>
+      <a:camera prst="orthographicFront"/>
+      <a:lightRig rig="threePt" dir="t"/>
+    </dgm:scene3d>
+    <dgm:sp3d/>
+    <dgm:txPr/>
+    <dgm:style>
+      <a:lnRef idx="3">
+        <a:scrgbClr r="0" g="0" b="0"/>
+      </a:lnRef>
+      <a:fillRef idx="1">
+        <a:scrgbClr r="0" g="0" b="0"/>
+      </a:fillRef>
+      <a:effectRef idx="1">
+        <a:scrgbClr r="0" g="0" b="0"/>
+      </a:effectRef>
+      <a:fontRef idx="minor">
+        <a:schemeClr val="lt1"/>
+      </a:fontRef>
+    </dgm:style>
+  </dgm:styleLbl>
+  <dgm:styleLbl name="parChTrans2D4">
+    <dgm:scene3d>
+      <a:camera prst="orthographicFront"/>
+      <a:lightRig rig="threePt" dir="t"/>
+    </dgm:scene3d>
+    <dgm:sp3d/>
+    <dgm:txPr/>
+    <dgm:style>
+      <a:lnRef idx="3">
+        <a:scrgbClr r="0" g="0" b="0"/>
+      </a:lnRef>
+      <a:fillRef idx="1">
+        <a:scrgbClr r="0" g="0" b="0"/>
+      </a:fillRef>
+      <a:effectRef idx="1">
+        <a:scrgbClr r="0" g="0" b="0"/>
+      </a:effectRef>
+      <a:fontRef idx="minor">
+        <a:schemeClr val="lt1"/>
+      </a:fontRef>
+    </dgm:style>
+  </dgm:styleLbl>
+  <dgm:styleLbl name="parChTrans1D1">
+    <dgm:scene3d>
+      <a:camera prst="orthographicFront"/>
+      <a:lightRig rig="threePt" dir="t"/>
+    </dgm:scene3d>
+    <dgm:sp3d/>
+    <dgm:txPr/>
+    <dgm:style>
+      <a:lnRef idx="2">
+        <a:scrgbClr r="0" g="0" b="0"/>
+      </a:lnRef>
+      <a:fillRef idx="0">
+        <a:scrgbClr r="0" g="0" b="0"/>
+      </a:fillRef>
+      <a:effectRef idx="0">
+        <a:scrgbClr r="0" g="0" b="0"/>
+      </a:effectRef>
+      <a:fontRef idx="minor"/>
+    </dgm:style>
+  </dgm:styleLbl>
+  <dgm:styleLbl name="parChTrans1D2">
+    <dgm:scene3d>
+      <a:camera prst="orthographicFront"/>
+      <a:lightRig rig="threePt" dir="t"/>
+    </dgm:scene3d>
+    <dgm:sp3d/>
+    <dgm:txPr/>
+    <dgm:style>
+      <a:lnRef idx="2">
+        <a:scrgbClr r="0" g="0" b="0"/>
+      </a:lnRef>
+      <a:fillRef idx="0">
+        <a:scrgbClr r="0" g="0" b="0"/>
+      </a:fillRef>
+      <a:effectRef idx="0">
+        <a:scrgbClr r="0" g="0" b="0"/>
+      </a:effectRef>
+      <a:fontRef idx="minor"/>
+    </dgm:style>
+  </dgm:styleLbl>
+  <dgm:styleLbl name="parChTrans1D3">
+    <dgm:scene3d>
+      <a:camera prst="orthographicFront"/>
+      <a:lightRig rig="threePt" dir="t"/>
+    </dgm:scene3d>
+    <dgm:sp3d/>
+    <dgm:txPr/>
+    <dgm:style>
+      <a:lnRef idx="2">
+        <a:scrgbClr r="0" g="0" b="0"/>
+      </a:lnRef>
+      <a:fillRef idx="0">
+        <a:scrgbClr r="0" g="0" b="0"/>
+      </a:fillRef>
+      <a:effectRef idx="0">
+        <a:scrgbClr r="0" g="0" b="0"/>
+      </a:effectRef>
+      <a:fontRef idx="minor"/>
+    </dgm:style>
+  </dgm:styleLbl>
+  <dgm:styleLbl name="parChTrans1D4">
+    <dgm:scene3d>
+      <a:camera prst="orthographicFront"/>
+      <a:lightRig rig="threePt" dir="t"/>
+    </dgm:scene3d>
+    <dgm:sp3d/>
+    <dgm:txPr/>
+    <dgm:style>
+      <a:lnRef idx="2">
+        <a:scrgbClr r="0" g="0" b="0"/>
+      </a:lnRef>
+      <a:fillRef idx="0">
+        <a:scrgbClr r="0" g="0" b="0"/>
+      </a:fillRef>
+      <a:effectRef idx="0">
+        <a:scrgbClr r="0" g="0" b="0"/>
+      </a:effectRef>
+      <a:fontRef idx="minor"/>
+    </dgm:style>
+  </dgm:styleLbl>
+  <dgm:styleLbl name="fgAcc1">
+    <dgm:scene3d>
+      <a:camera prst="orthographicFront"/>
+      <a:lightRig rig="threePt" dir="t"/>
+    </dgm:scene3d>
+    <dgm:sp3d/>
+    <dgm:txPr/>
+    <dgm:style>
+      <a:lnRef idx="2">
+        <a:scrgbClr r="0" g="0" b="0"/>
+      </a:lnRef>
+      <a:fillRef idx="1">
+        <a:scrgbClr r="0" g="0" b="0"/>
+      </a:fillRef>
+      <a:effectRef idx="0">
+        <a:scrgbClr r="0" g="0" b="0"/>
+      </a:effectRef>
+      <a:fontRef idx="minor"/>
+    </dgm:style>
+  </dgm:styleLbl>
+  <dgm:styleLbl name="conFgAcc1">
+    <dgm:scene3d>
+      <a:camera prst="orthographicFront"/>
+      <a:lightRig rig="threePt" dir="t"/>
+    </dgm:scene3d>
+    <dgm:sp3d/>
+    <dgm:txPr/>
+    <dgm:style>
+      <a:lnRef idx="2">
+        <a:scrgbClr r="0" g="0" b="0"/>
+      </a:lnRef>
+      <a:fillRef idx="1">
+        <a:scrgbClr r="0" g="0" b="0"/>
+      </a:fillRef>
+      <a:effectRef idx="0">
+        <a:scrgbClr r="0" g="0" b="0"/>
+      </a:effectRef>
+      <a:fontRef idx="minor"/>
+    </dgm:style>
+  </dgm:styleLbl>
+  <dgm:styleLbl name="alignAcc1">
+    <dgm:scene3d>
+      <a:camera prst="orthographicFront"/>
+      <a:lightRig rig="threePt" dir="t"/>
+    </dgm:scene3d>
+    <dgm:sp3d/>
+    <dgm:txPr/>
+    <dgm:style>
+      <a:lnRef idx="2">
+        <a:scrgbClr r="0" g="0" b="0"/>
+      </a:lnRef>
+      <a:fillRef idx="1">
+        <a:scrgbClr r="0" g="0" b="0"/>
+      </a:fillRef>
+      <a:effectRef idx="0">
+        <a:scrgbClr r="0" g="0" b="0"/>
+      </a:effectRef>
+      <a:fontRef idx="minor"/>
+    </dgm:style>
+  </dgm:styleLbl>
+  <dgm:styleLbl name="trAlignAcc1">
+    <dgm:scene3d>
+      <a:camera prst="orthographicFront"/>
+      <a:lightRig rig="threePt" dir="t"/>
+    </dgm:scene3d>
+    <dgm:sp3d/>
+    <dgm:txPr/>
+    <dgm:style>
+      <a:lnRef idx="1">
+        <a:scrgbClr r="0" g="0" b="0"/>
+      </a:lnRef>
+      <a:fillRef idx="1">
+        <a:scrgbClr r="0" g="0" b="0"/>
+      </a:fillRef>
+      <a:effectRef idx="0">
+        <a:scrgbClr r="0" g="0" b="0"/>
+      </a:effectRef>
+      <a:fontRef idx="minor"/>
+    </dgm:style>
+  </dgm:styleLbl>
+  <dgm:styleLbl name="bgAcc1">
+    <dgm:scene3d>
+      <a:camera prst="orthographicFront"/>
+      <a:lightRig rig="threePt" dir="t"/>
+    </dgm:scene3d>
+    <dgm:sp3d/>
+    <dgm:txPr/>
+    <dgm:style>
+      <a:lnRef idx="2">
+        <a:scrgbClr r="0" g="0" b="0"/>
+      </a:lnRef>
+      <a:fillRef idx="1">
+        <a:scrgbClr r="0" g="0" b="0"/>
+      </a:fillRef>
+      <a:effectRef idx="0">
+        <a:scrgbClr r="0" g="0" b="0"/>
+      </a:effectRef>
+      <a:fontRef idx="minor"/>
+    </dgm:style>
+  </dgm:styleLbl>
+  <dgm:styleLbl name="solidFgAcc1">
+    <dgm:scene3d>
+      <a:camera prst="orthographicFront"/>
+      <a:lightRig rig="threePt" dir="t"/>
+    </dgm:scene3d>
+    <dgm:sp3d/>
+    <dgm:txPr/>
+    <dgm:style>
+      <a:lnRef idx="2">
+        <a:scrgbClr r="0" g="0" b="0"/>
+      </a:lnRef>
+      <a:fillRef idx="1">
+        <a:scrgbClr r="0" g="0" b="0"/>
+      </a:fillRef>
+      <a:effectRef idx="0">
+        <a:scrgbClr r="0" g="0" b="0"/>
+      </a:effectRef>
+      <a:fontRef idx="minor"/>
+    </dgm:style>
+  </dgm:styleLbl>
+  <dgm:styleLbl name="solidAlignAcc1">
+    <dgm:scene3d>
+      <a:camera prst="orthographicFront"/>
+      <a:lightRig rig="threePt" dir="t"/>
+    </dgm:scene3d>
+    <dgm:sp3d/>
+    <dgm:txPr/>
+    <dgm:style>
+      <a:lnRef idx="2">
+        <a:scrgbClr r="0" g="0" b="0"/>
+      </a:lnRef>
+      <a:fillRef idx="1">
+        <a:scrgbClr r="0" g="0" b="0"/>
+      </a:fillRef>
+      <a:effectRef idx="0">
+        <a:scrgbClr r="0" g="0" b="0"/>
+      </a:effectRef>
+      <a:fontRef idx="minor"/>
+    </dgm:style>
+  </dgm:styleLbl>
+  <dgm:styleLbl name="solidBgAcc1">
+    <dgm:scene3d>
+      <a:camera prst="orthographicFront"/>
+      <a:lightRig rig="threePt" dir="t"/>
+    </dgm:scene3d>
+    <dgm:sp3d/>
+    <dgm:txPr/>
+    <dgm:style>
+      <a:lnRef idx="2">
+        <a:scrgbClr r="0" g="0" b="0"/>
+      </a:lnRef>
+      <a:fillRef idx="1">
+        <a:scrgbClr r="0" g="0" b="0"/>
+      </a:fillRef>
+      <a:effectRef idx="0">
+        <a:scrgbClr r="0" g="0" b="0"/>
+      </a:effectRef>
+      <a:fontRef idx="minor"/>
+    </dgm:style>
+  </dgm:styleLbl>
+  <dgm:styleLbl name="fgAccFollowNode1">
+    <dgm:scene3d>
+      <a:camera prst="orthographicFront"/>
+      <a:lightRig rig="threePt" dir="t"/>
+    </dgm:scene3d>
+    <dgm:sp3d/>
+    <dgm:txPr/>
+    <dgm:style>
+      <a:lnRef idx="2">
+        <a:scrgbClr r="0" g="0" b="0"/>
+      </a:lnRef>
+      <a:fillRef idx="1">
+        <a:scrgbClr r="0" g="0" b="0"/>
+      </a:fillRef>
+      <a:effectRef idx="0">
+        <a:scrgbClr r="0" g="0" b="0"/>
+      </a:effectRef>
+      <a:fontRef idx="minor"/>
+    </dgm:style>
+  </dgm:styleLbl>
+  <dgm:styleLbl name="alignAccFollowNode1">
+    <dgm:scene3d>
+      <a:camera prst="orthographicFront"/>
+      <a:lightRig rig="threePt" dir="t"/>
+    </dgm:scene3d>
+    <dgm:sp3d/>
+    <dgm:txPr/>
+    <dgm:style>
+      <a:lnRef idx="2">
+        <a:scrgbClr r="0" g="0" b="0"/>
+      </a:lnRef>
+      <a:fillRef idx="1">
+        <a:scrgbClr r="0" g="0" b="0"/>
+      </a:fillRef>
+      <a:effectRef idx="0">
+        <a:scrgbClr r="0" g="0" b="0"/>
+      </a:effectRef>
+      <a:fontRef idx="minor"/>
+    </dgm:style>
+  </dgm:styleLbl>
+  <dgm:styleLbl name="bgAccFollowNode1">
+    <dgm:scene3d>
+      <a:camera prst="orthographicFront"/>
+      <a:lightRig rig="threePt" dir="t"/>
+    </dgm:scene3d>
+    <dgm:sp3d/>
+    <dgm:txPr/>
+    <dgm:style>
+      <a:lnRef idx="2">
+        <a:scrgbClr r="0" g="0" b="0"/>
+      </a:lnRef>
+      <a:fillRef idx="1">
+        <a:scrgbClr r="0" g="0" b="0"/>
+      </a:fillRef>
+      <a:effectRef idx="0">
+        <a:scrgbClr r="0" g="0" b="0"/>
+      </a:effectRef>
+      <a:fontRef idx="minor"/>
+    </dgm:style>
+  </dgm:styleLbl>
+  <dgm:styleLbl name="fgAcc0">
+    <dgm:scene3d>
+      <a:camera prst="orthographicFront"/>
+      <a:lightRig rig="threePt" dir="t"/>
+    </dgm:scene3d>
+    <dgm:sp3d/>
+    <dgm:txPr/>
+    <dgm:style>
+      <a:lnRef idx="2">
+        <a:scrgbClr r="0" g="0" b="0"/>
+      </a:lnRef>
+      <a:fillRef idx="1">
+        <a:scrgbClr r="0" g="0" b="0"/>
+      </a:fillRef>
+      <a:effectRef idx="0">
+        <a:scrgbClr r="0" g="0" b="0"/>
+      </a:effectRef>
+      <a:fontRef idx="minor"/>
+    </dgm:style>
+  </dgm:styleLbl>
+  <dgm:styleLbl name="fgAcc2">
+    <dgm:scene3d>
+      <a:camera prst="orthographicFront"/>
+      <a:lightRig rig="threePt" dir="t"/>
+    </dgm:scene3d>
+    <dgm:sp3d/>
+    <dgm:txPr/>
+    <dgm:style>
+      <a:lnRef idx="2">
+        <a:scrgbClr r="0" g="0" b="0"/>
+      </a:lnRef>
+      <a:fillRef idx="1">
+        <a:scrgbClr r="0" g="0" b="0"/>
+      </a:fillRef>
+      <a:effectRef idx="0">
+        <a:scrgbClr r="0" g="0" b="0"/>
+      </a:effectRef>
+      <a:fontRef idx="minor"/>
+    </dgm:style>
+  </dgm:styleLbl>
+  <dgm:styleLbl name="fgAcc3">
+    <dgm:scene3d>
+      <a:camera prst="orthographicFront"/>
+      <a:lightRig rig="threePt" dir="t"/>
+    </dgm:scene3d>
+    <dgm:sp3d/>
+    <dgm:txPr/>
+    <dgm:style>
+      <a:lnRef idx="2">
+        <a:scrgbClr r="0" g="0" b="0"/>
+      </a:lnRef>
+      <a:fillRef idx="1">
+        <a:scrgbClr r="0" g="0" b="0"/>
+      </a:fillRef>
+      <a:effectRef idx="0">
+        <a:scrgbClr r="0" g="0" b="0"/>
+      </a:effectRef>
+      <a:fontRef idx="minor"/>
+    </dgm:style>
+  </dgm:styleLbl>
+  <dgm:styleLbl name="fgAcc4">
+    <dgm:scene3d>
+      <a:camera prst="orthographicFront"/>
+      <a:lightRig rig="threePt" dir="t"/>
+    </dgm:scene3d>
+    <dgm:sp3d/>
+    <dgm:txPr/>
+    <dgm:style>
+      <a:lnRef idx="2">
+        <a:scrgbClr r="0" g="0" b="0"/>
+      </a:lnRef>
+      <a:fillRef idx="1">
+        <a:scrgbClr r="0" g="0" b="0"/>
+      </a:fillRef>
+      <a:effectRef idx="0">
+        <a:scrgbClr r="0" g="0" b="0"/>
+      </a:effectRef>
+      <a:fontRef idx="minor"/>
+    </dgm:style>
+  </dgm:styleLbl>
+  <dgm:styleLbl name="bgShp">
+    <dgm:scene3d>
+      <a:camera prst="orthographicFront"/>
+      <a:lightRig rig="threePt" dir="t"/>
+    </dgm:scene3d>
+    <dgm:sp3d/>
+    <dgm:txPr/>
+    <dgm:style>
+      <a:lnRef idx="0">
+        <a:scrgbClr r="0" g="0" b="0"/>
+      </a:lnRef>
+      <a:fillRef idx="1">
+        <a:scrgbClr r="0" g="0" b="0"/>
+      </a:fillRef>
+      <a:effectRef idx="0">
+        <a:scrgbClr r="0" g="0" b="0"/>
+      </a:effectRef>
+      <a:fontRef idx="minor"/>
+    </dgm:style>
+  </dgm:styleLbl>
+  <dgm:styleLbl name="dkBgShp">
+    <dgm:scene3d>
+      <a:camera prst="orthographicFront"/>
+      <a:lightRig rig="threePt" dir="t"/>
+    </dgm:scene3d>
+    <dgm:sp3d/>
+    <dgm:txPr/>
+    <dgm:style>
+      <a:lnRef idx="0">
+        <a:scrgbClr r="0" g="0" b="0"/>
+      </a:lnRef>
+      <a:fillRef idx="1">
+        <a:scrgbClr r="0" g="0" b="0"/>
+      </a:fillRef>
+      <a:effectRef idx="0">
+        <a:scrgbClr r="0" g="0" b="0"/>
+      </a:effectRef>
+      <a:fontRef idx="minor"/>
+    </dgm:style>
+  </dgm:styleLbl>
+  <dgm:styleLbl name="trBgShp">
+    <dgm:scene3d>
+      <a:camera prst="orthographicFront"/>
+      <a:lightRig rig="threePt" dir="t"/>
+    </dgm:scene3d>
+    <dgm:sp3d/>
+    <dgm:txPr/>
+    <dgm:style>
+      <a:lnRef idx="0">
+        <a:scrgbClr r="0" g="0" b="0"/>
+      </a:lnRef>
+      <a:fillRef idx="1">
+        <a:scrgbClr r="0" g="0" b="0"/>
+      </a:fillRef>
+      <a:effectRef idx="0">
+        <a:scrgbClr r="0" g="0" b="0"/>
+      </a:effectRef>
+      <a:fontRef idx="minor"/>
+    </dgm:style>
+  </dgm:styleLbl>
+  <dgm:styleLbl name="fgShp">
+    <dgm:scene3d>
+      <a:camera prst="orthographicFront"/>
+      <a:lightRig rig="threePt" dir="t"/>
+    </dgm:scene3d>
+    <dgm:sp3d/>
+    <dgm:txPr/>
+    <dgm:style>
+      <a:lnRef idx="3">
+        <a:scrgbClr r="0" g="0" b="0"/>
+      </a:lnRef>
+      <a:fillRef idx="1">
+        <a:scrgbClr r="0" g="0" b="0"/>
+      </a:fillRef>
+      <a:effectRef idx="1">
+        <a:scrgbClr r="0" g="0" b="0"/>
+      </a:effectRef>
+      <a:fontRef idx="minor"/>
+    </dgm:style>
+  </dgm:styleLbl>
+  <dgm:styleLbl name="revTx">
+    <dgm:scene3d>
+      <a:camera prst="orthographicFront"/>
+      <a:lightRig rig="threePt" dir="t"/>
+    </dgm:scene3d>
+    <dgm:sp3d/>
+    <dgm:txPr/>
+    <dgm:style>
+      <a:lnRef idx="0">
+        <a:scrgbClr r="0" g="0" b="0"/>
+      </a:lnRef>
+      <a:fillRef idx="0">
+        <a:scrgbClr r="0" g="0" b="0"/>
+      </a:fillRef>
+      <a:effectRef idx="0">
+        <a:scrgbClr r="0" g="0" b="0"/>
+      </a:effectRef>
+      <a:fontRef idx="minor"/>
+    </dgm:style>
+  </dgm:styleLbl>
+</dgm:styleDef>
+</file>
+
+<file path=ppt/diagrams/quickStyle2.xml><?xml version="1.0" encoding="utf-8"?>
 <dgm:styleDef xmlns:dgm="http://schemas.openxmlformats.org/drawingml/2006/diagram" xmlns:a="http://schemas.openxmlformats.org/drawingml/2006/main" uniqueId="urn:microsoft.com/office/officeart/2005/8/quickstyle/simple1">
   <dgm:title val=""/>
   <dgm:desc val=""/>
@@ -16413,7 +19527,7 @@
           <a:p>
             <a:fld id="{B2C672BB-B3B4-4FBF-90A2-6A60658A0A14}" type="datetimeFigureOut">
               <a:rPr lang="zh-CN" altLang="en-US" smtClean="0"/>
-              <a:t>2020/11/2</a:t>
+              <a:t>2020/11/4</a:t>
             </a:fld>
             <a:endParaRPr lang="zh-CN" altLang="en-US"/>
           </a:p>
@@ -16746,7 +19860,7 @@
           <a:p>
             <a:fld id="{746C74C0-976F-4512-80DA-5B4D20DBCA5C}" type="slidenum">
               <a:rPr lang="zh-CN" altLang="en-US" smtClean="0"/>
-              <a:t>4</a:t>
+              <a:t>5</a:t>
             </a:fld>
             <a:endParaRPr lang="zh-CN" altLang="en-US"/>
           </a:p>
@@ -16768,14 +19882,6 @@
 <file path=ppt/slideLayouts/slideLayout1.xml><?xml version="1.0" encoding="utf-8"?>
 <p:sldLayout xmlns:a="http://schemas.openxmlformats.org/drawingml/2006/main" xmlns:r="http://schemas.openxmlformats.org/officeDocument/2006/relationships" xmlns:p="http://schemas.openxmlformats.org/presentationml/2006/main" type="title" preserve="1">
   <p:cSld name="Title Slide">
-    <p:bg>
-      <p:bgPr>
-        <a:solidFill>
-          <a:schemeClr val="accent1"/>
-        </a:solidFill>
-        <a:effectLst/>
-      </p:bgPr>
-    </p:bg>
     <p:spTree>
       <p:nvGrpSpPr>
         <p:cNvPr id="1" name=""/>
@@ -16792,42 +19898,13 @@
       </p:grpSpPr>
       <p:sp>
         <p:nvSpPr>
-          <p:cNvPr id="4" name="Rectangle 3"/>
-          <p:cNvSpPr/>
-          <p:nvPr/>
-        </p:nvSpPr>
-        <p:spPr>
-          <a:xfrm>
-            <a:off x="0" y="0"/>
-            <a:ext cx="12192000" cy="6858000"/>
-          </a:xfrm>
-          <a:prstGeom prst="rect">
-            <a:avLst/>
-          </a:prstGeom>
-          <a:ln>
-            <a:noFill/>
-          </a:ln>
-        </p:spPr>
-        <p:style>
-          <a:lnRef idx="2">
-            <a:schemeClr val="accent1">
-              <a:shade val="50000"/>
-            </a:schemeClr>
-          </a:lnRef>
-          <a:fillRef idx="1">
-            <a:schemeClr val="accent1"/>
-          </a:fillRef>
-          <a:effectRef idx="0">
-            <a:schemeClr val="accent1"/>
-          </a:effectRef>
-          <a:fontRef idx="minor">
-            <a:schemeClr val="lt1"/>
-          </a:fontRef>
-        </p:style>
-      </p:sp>
-      <p:sp>
-        <p:nvSpPr>
-          <p:cNvPr id="2" name="Title 1"/>
+          <p:cNvPr id="2" name="Title 1">
+            <a:extLst>
+              <a:ext uri="{FF2B5EF4-FFF2-40B4-BE49-F238E27FC236}">
+                <a16:creationId xmlns:a16="http://schemas.microsoft.com/office/drawing/2014/main" id="{E313BAE4-55BF-40B6-BAAE-EEE4400E6950}"/>
+              </a:ext>
+            </a:extLst>
+          </p:cNvPr>
           <p:cNvSpPr>
             <a:spLocks noGrp="1"/>
           </p:cNvSpPr>
@@ -16837,24 +19914,15 @@
         </p:nvSpPr>
         <p:spPr>
           <a:xfrm>
-            <a:off x="603504" y="770467"/>
-            <a:ext cx="10782300" cy="3352800"/>
+            <a:off x="1524000" y="1122363"/>
+            <a:ext cx="9144000" cy="2387600"/>
           </a:xfrm>
         </p:spPr>
         <p:txBody>
-          <a:bodyPr anchor="b">
-            <a:noAutofit/>
-          </a:bodyPr>
+          <a:bodyPr anchor="b"/>
           <a:lstStyle>
-            <a:lvl1pPr algn="l">
-              <a:lnSpc>
-                <a:spcPct val="80000"/>
-              </a:lnSpc>
-              <a:defRPr sz="8800" spc="-120" baseline="0">
-                <a:solidFill>
-                  <a:srgbClr val="FFFFFF"/>
-                </a:solidFill>
-              </a:defRPr>
+            <a:lvl1pPr algn="ctr">
+              <a:defRPr sz="6000"/>
             </a:lvl1pPr>
           </a:lstStyle>
           <a:p>
@@ -16862,13 +19930,19 @@
               <a:rPr lang="en-US" altLang="zh-CN"/>
               <a:t>Click to edit Master title style</a:t>
             </a:r>
-            <a:endParaRPr lang="en-US" dirty="0"/>
+            <a:endParaRPr lang="zh-CN" altLang="en-US"/>
           </a:p>
         </p:txBody>
       </p:sp>
       <p:sp>
         <p:nvSpPr>
-          <p:cNvPr id="3" name="Subtitle 2"/>
+          <p:cNvPr id="3" name="Subtitle 2">
+            <a:extLst>
+              <a:ext uri="{FF2B5EF4-FFF2-40B4-BE49-F238E27FC236}">
+                <a16:creationId xmlns:a16="http://schemas.microsoft.com/office/drawing/2014/main" id="{9502C98F-671A-4B24-9331-4D8D6B272B72}"/>
+              </a:ext>
+            </a:extLst>
+          </p:cNvPr>
           <p:cNvSpPr>
             <a:spLocks noGrp="1"/>
           </p:cNvSpPr>
@@ -16878,55 +19952,48 @@
         </p:nvSpPr>
         <p:spPr>
           <a:xfrm>
-            <a:off x="667512" y="4206876"/>
-            <a:ext cx="9228201" cy="1645920"/>
+            <a:off x="1524000" y="3602038"/>
+            <a:ext cx="9144000" cy="1655762"/>
           </a:xfrm>
         </p:spPr>
         <p:txBody>
-          <a:bodyPr>
-            <a:normAutofit/>
-          </a:bodyPr>
+          <a:bodyPr/>
           <a:lstStyle>
-            <a:lvl1pPr marL="0" indent="0" algn="l">
+            <a:lvl1pPr marL="0" indent="0" algn="ctr">
               <a:buNone/>
-              <a:defRPr sz="3200">
-                <a:solidFill>
-                  <a:schemeClr val="bg1"/>
-                </a:solidFill>
-                <a:latin typeface="+mj-lt"/>
-              </a:defRPr>
+              <a:defRPr sz="2400"/>
             </a:lvl1pPr>
             <a:lvl2pPr marL="457200" indent="0" algn="ctr">
               <a:buNone/>
-              <a:defRPr sz="2800"/>
+              <a:defRPr sz="2000"/>
             </a:lvl2pPr>
             <a:lvl3pPr marL="914400" indent="0" algn="ctr">
               <a:buNone/>
-              <a:defRPr sz="2400"/>
+              <a:defRPr sz="1800"/>
             </a:lvl3pPr>
             <a:lvl4pPr marL="1371600" indent="0" algn="ctr">
               <a:buNone/>
-              <a:defRPr sz="2000"/>
+              <a:defRPr sz="1600"/>
             </a:lvl4pPr>
             <a:lvl5pPr marL="1828800" indent="0" algn="ctr">
               <a:buNone/>
-              <a:defRPr sz="2000"/>
+              <a:defRPr sz="1600"/>
             </a:lvl5pPr>
             <a:lvl6pPr marL="2286000" indent="0" algn="ctr">
               <a:buNone/>
-              <a:defRPr sz="2000"/>
+              <a:defRPr sz="1600"/>
             </a:lvl6pPr>
             <a:lvl7pPr marL="2743200" indent="0" algn="ctr">
               <a:buNone/>
-              <a:defRPr sz="2000"/>
+              <a:defRPr sz="1600"/>
             </a:lvl7pPr>
             <a:lvl8pPr marL="3200400" indent="0" algn="ctr">
               <a:buNone/>
-              <a:defRPr sz="2000"/>
+              <a:defRPr sz="1600"/>
             </a:lvl8pPr>
             <a:lvl9pPr marL="3657600" indent="0" algn="ctr">
               <a:buNone/>
-              <a:defRPr sz="2000"/>
+              <a:defRPr sz="1600"/>
             </a:lvl9pPr>
           </a:lstStyle>
           <a:p>
@@ -16934,13 +20001,19 @@
               <a:rPr lang="en-US" altLang="zh-CN"/>
               <a:t>Click to edit Master subtitle style</a:t>
             </a:r>
-            <a:endParaRPr lang="en-US" dirty="0"/>
+            <a:endParaRPr lang="zh-CN" altLang="en-US"/>
           </a:p>
         </p:txBody>
       </p:sp>
       <p:sp>
         <p:nvSpPr>
-          <p:cNvPr id="7" name="Date Placeholder 6"/>
+          <p:cNvPr id="4" name="Date Placeholder 3">
+            <a:extLst>
+              <a:ext uri="{FF2B5EF4-FFF2-40B4-BE49-F238E27FC236}">
+                <a16:creationId xmlns:a16="http://schemas.microsoft.com/office/drawing/2014/main" id="{04DFA34F-EF87-456A-9569-912EC0E6D00D}"/>
+              </a:ext>
+            </a:extLst>
+          </p:cNvPr>
           <p:cNvSpPr>
             <a:spLocks noGrp="1"/>
           </p:cNvSpPr>
@@ -16951,21 +20024,11 @@
         <p:spPr/>
         <p:txBody>
           <a:bodyPr/>
-          <a:lstStyle>
-            <a:lvl1pPr>
-              <a:defRPr>
-                <a:solidFill>
-                  <a:srgbClr val="FFFFFF">
-                    <a:alpha val="80000"/>
-                  </a:srgbClr>
-                </a:solidFill>
-              </a:defRPr>
-            </a:lvl1pPr>
-          </a:lstStyle>
+          <a:lstStyle/>
           <a:p>
             <a:fld id="{10A48F74-127B-42CF-888B-710581E03464}" type="datetimeFigureOut">
               <a:rPr lang="zh-CN" altLang="en-US" smtClean="0"/>
-              <a:t>2020/11/2</a:t>
+              <a:t>2020/11/4</a:t>
             </a:fld>
             <a:endParaRPr lang="zh-CN" altLang="en-US"/>
           </a:p>
@@ -16973,7 +20036,13 @@
       </p:sp>
       <p:sp>
         <p:nvSpPr>
-          <p:cNvPr id="8" name="Footer Placeholder 7"/>
+          <p:cNvPr id="5" name="Footer Placeholder 4">
+            <a:extLst>
+              <a:ext uri="{FF2B5EF4-FFF2-40B4-BE49-F238E27FC236}">
+                <a16:creationId xmlns:a16="http://schemas.microsoft.com/office/drawing/2014/main" id="{845ABFDE-FFDB-4A0E-8CAF-B2F03E450E55}"/>
+              </a:ext>
+            </a:extLst>
+          </p:cNvPr>
           <p:cNvSpPr>
             <a:spLocks noGrp="1"/>
           </p:cNvSpPr>
@@ -16984,17 +20053,7 @@
         <p:spPr/>
         <p:txBody>
           <a:bodyPr/>
-          <a:lstStyle>
-            <a:lvl1pPr>
-              <a:defRPr>
-                <a:solidFill>
-                  <a:srgbClr val="FFFFFF">
-                    <a:alpha val="80000"/>
-                  </a:srgbClr>
-                </a:solidFill>
-              </a:defRPr>
-            </a:lvl1pPr>
-          </a:lstStyle>
+          <a:lstStyle/>
           <a:p>
             <a:endParaRPr lang="zh-CN" altLang="en-US"/>
           </a:p>
@@ -17002,7 +20061,13 @@
       </p:sp>
       <p:sp>
         <p:nvSpPr>
-          <p:cNvPr id="9" name="Slide Number Placeholder 8"/>
+          <p:cNvPr id="6" name="Slide Number Placeholder 5">
+            <a:extLst>
+              <a:ext uri="{FF2B5EF4-FFF2-40B4-BE49-F238E27FC236}">
+                <a16:creationId xmlns:a16="http://schemas.microsoft.com/office/drawing/2014/main" id="{DAF8DB7B-77F9-474E-961C-13034B9FF4F5}"/>
+              </a:ext>
+            </a:extLst>
+          </p:cNvPr>
           <p:cNvSpPr>
             <a:spLocks noGrp="1"/>
           </p:cNvSpPr>
@@ -17013,17 +20078,7 @@
         <p:spPr/>
         <p:txBody>
           <a:bodyPr/>
-          <a:lstStyle>
-            <a:lvl1pPr>
-              <a:defRPr>
-                <a:solidFill>
-                  <a:srgbClr val="FFFFFF">
-                    <a:alpha val="25000"/>
-                  </a:srgbClr>
-                </a:solidFill>
-              </a:defRPr>
-            </a:lvl1pPr>
-          </a:lstStyle>
+          <a:lstStyle/>
           <a:p>
             <a:fld id="{C9A9B34B-905B-4F4A-BC66-D257533B6BB0}" type="slidenum">
               <a:rPr lang="zh-CN" altLang="en-US" smtClean="0"/>
@@ -17036,7 +20091,7 @@
     </p:spTree>
     <p:extLst>
       <p:ext uri="{BB962C8B-B14F-4D97-AF65-F5344CB8AC3E}">
-        <p14:creationId xmlns:p14="http://schemas.microsoft.com/office/powerpoint/2010/main" val="2863236634"/>
+        <p14:creationId xmlns:p14="http://schemas.microsoft.com/office/powerpoint/2010/main" val="2181828350"/>
       </p:ext>
     </p:extLst>
   </p:cSld>
@@ -17065,7 +20120,13 @@
       </p:grpSpPr>
       <p:sp>
         <p:nvSpPr>
-          <p:cNvPr id="2" name="Title 1"/>
+          <p:cNvPr id="2" name="Title 1">
+            <a:extLst>
+              <a:ext uri="{FF2B5EF4-FFF2-40B4-BE49-F238E27FC236}">
+                <a16:creationId xmlns:a16="http://schemas.microsoft.com/office/drawing/2014/main" id="{DE15F694-B99C-4630-B0F8-908F778F4AC0}"/>
+              </a:ext>
+            </a:extLst>
+          </p:cNvPr>
           <p:cNvSpPr>
             <a:spLocks noGrp="1"/>
           </p:cNvSpPr>
@@ -17082,13 +20143,19 @@
               <a:rPr lang="en-US" altLang="zh-CN"/>
               <a:t>Click to edit Master title style</a:t>
             </a:r>
-            <a:endParaRPr lang="en-US" dirty="0"/>
+            <a:endParaRPr lang="zh-CN" altLang="en-US"/>
           </a:p>
         </p:txBody>
       </p:sp>
       <p:sp>
         <p:nvSpPr>
-          <p:cNvPr id="3" name="Vertical Text Placeholder 2"/>
+          <p:cNvPr id="3" name="Vertical Text Placeholder 2">
+            <a:extLst>
+              <a:ext uri="{FF2B5EF4-FFF2-40B4-BE49-F238E27FC236}">
+                <a16:creationId xmlns:a16="http://schemas.microsoft.com/office/drawing/2014/main" id="{D5407AF5-D2EA-4839-A6E8-25D90473415A}"/>
+              </a:ext>
+            </a:extLst>
+          </p:cNvPr>
           <p:cNvSpPr>
             <a:spLocks noGrp="1"/>
           </p:cNvSpPr>
@@ -17134,13 +20201,19 @@
               <a:rPr lang="en-US" altLang="zh-CN"/>
               <a:t>Fifth level</a:t>
             </a:r>
-            <a:endParaRPr lang="en-US" dirty="0"/>
+            <a:endParaRPr lang="zh-CN" altLang="en-US"/>
           </a:p>
         </p:txBody>
       </p:sp>
       <p:sp>
         <p:nvSpPr>
-          <p:cNvPr id="4" name="Date Placeholder 3"/>
+          <p:cNvPr id="4" name="Date Placeholder 3">
+            <a:extLst>
+              <a:ext uri="{FF2B5EF4-FFF2-40B4-BE49-F238E27FC236}">
+                <a16:creationId xmlns:a16="http://schemas.microsoft.com/office/drawing/2014/main" id="{AC167823-0CAA-4EA9-979A-DA30DEFB1DC5}"/>
+              </a:ext>
+            </a:extLst>
+          </p:cNvPr>
           <p:cNvSpPr>
             <a:spLocks noGrp="1"/>
           </p:cNvSpPr>
@@ -17155,7 +20228,7 @@
           <a:p>
             <a:fld id="{10A48F74-127B-42CF-888B-710581E03464}" type="datetimeFigureOut">
               <a:rPr lang="zh-CN" altLang="en-US" smtClean="0"/>
-              <a:t>2020/11/2</a:t>
+              <a:t>2020/11/4</a:t>
             </a:fld>
             <a:endParaRPr lang="zh-CN" altLang="en-US"/>
           </a:p>
@@ -17163,7 +20236,13 @@
       </p:sp>
       <p:sp>
         <p:nvSpPr>
-          <p:cNvPr id="5" name="Footer Placeholder 4"/>
+          <p:cNvPr id="5" name="Footer Placeholder 4">
+            <a:extLst>
+              <a:ext uri="{FF2B5EF4-FFF2-40B4-BE49-F238E27FC236}">
+                <a16:creationId xmlns:a16="http://schemas.microsoft.com/office/drawing/2014/main" id="{1D734F5C-7469-4A60-93CD-0091F486950F}"/>
+              </a:ext>
+            </a:extLst>
+          </p:cNvPr>
           <p:cNvSpPr>
             <a:spLocks noGrp="1"/>
           </p:cNvSpPr>
@@ -17182,7 +20261,13 @@
       </p:sp>
       <p:sp>
         <p:nvSpPr>
-          <p:cNvPr id="6" name="Slide Number Placeholder 5"/>
+          <p:cNvPr id="6" name="Slide Number Placeholder 5">
+            <a:extLst>
+              <a:ext uri="{FF2B5EF4-FFF2-40B4-BE49-F238E27FC236}">
+                <a16:creationId xmlns:a16="http://schemas.microsoft.com/office/drawing/2014/main" id="{D69CF0A4-86DD-4121-AA7D-506FDF57D166}"/>
+              </a:ext>
+            </a:extLst>
+          </p:cNvPr>
           <p:cNvSpPr>
             <a:spLocks noGrp="1"/>
           </p:cNvSpPr>
@@ -17206,7 +20291,7 @@
     </p:spTree>
     <p:extLst>
       <p:ext uri="{BB962C8B-B14F-4D97-AF65-F5344CB8AC3E}">
-        <p14:creationId xmlns:p14="http://schemas.microsoft.com/office/powerpoint/2010/main" val="3934706055"/>
+        <p14:creationId xmlns:p14="http://schemas.microsoft.com/office/powerpoint/2010/main" val="4047059499"/>
       </p:ext>
     </p:extLst>
   </p:cSld>
@@ -17235,7 +20320,13 @@
       </p:grpSpPr>
       <p:sp>
         <p:nvSpPr>
-          <p:cNvPr id="2" name="Vertical Title 1"/>
+          <p:cNvPr id="2" name="Vertical Title 1">
+            <a:extLst>
+              <a:ext uri="{FF2B5EF4-FFF2-40B4-BE49-F238E27FC236}">
+                <a16:creationId xmlns:a16="http://schemas.microsoft.com/office/drawing/2014/main" id="{D57E3080-B04C-421F-A054-C536E8744CDD}"/>
+              </a:ext>
+            </a:extLst>
+          </p:cNvPr>
           <p:cNvSpPr>
             <a:spLocks noGrp="1"/>
           </p:cNvSpPr>
@@ -17245,8 +20336,8 @@
         </p:nvSpPr>
         <p:spPr>
           <a:xfrm>
-            <a:off x="8743950" y="695325"/>
-            <a:ext cx="2628900" cy="4800600"/>
+            <a:off x="8724900" y="365125"/>
+            <a:ext cx="2628900" cy="5811838"/>
           </a:xfrm>
         </p:spPr>
         <p:txBody>
@@ -17257,13 +20348,19 @@
               <a:rPr lang="en-US" altLang="zh-CN"/>
               <a:t>Click to edit Master title style</a:t>
             </a:r>
-            <a:endParaRPr lang="en-US" dirty="0"/>
+            <a:endParaRPr lang="zh-CN" altLang="en-US"/>
           </a:p>
         </p:txBody>
       </p:sp>
       <p:sp>
         <p:nvSpPr>
-          <p:cNvPr id="3" name="Vertical Text Placeholder 2"/>
+          <p:cNvPr id="3" name="Vertical Text Placeholder 2">
+            <a:extLst>
+              <a:ext uri="{FF2B5EF4-FFF2-40B4-BE49-F238E27FC236}">
+                <a16:creationId xmlns:a16="http://schemas.microsoft.com/office/drawing/2014/main" id="{303D7C7D-E621-4705-A0D8-0CDFAAB14C76}"/>
+              </a:ext>
+            </a:extLst>
+          </p:cNvPr>
           <p:cNvSpPr>
             <a:spLocks noGrp="1"/>
           </p:cNvSpPr>
@@ -17273,8 +20370,8 @@
         </p:nvSpPr>
         <p:spPr>
           <a:xfrm>
-            <a:off x="771525" y="714375"/>
-            <a:ext cx="7734300" cy="5400675"/>
+            <a:off x="838200" y="365125"/>
+            <a:ext cx="7734300" cy="5811838"/>
           </a:xfrm>
         </p:spPr>
         <p:txBody>
@@ -17314,13 +20411,19 @@
               <a:rPr lang="en-US" altLang="zh-CN"/>
               <a:t>Fifth level</a:t>
             </a:r>
-            <a:endParaRPr lang="en-US" dirty="0"/>
+            <a:endParaRPr lang="zh-CN" altLang="en-US"/>
           </a:p>
         </p:txBody>
       </p:sp>
       <p:sp>
         <p:nvSpPr>
-          <p:cNvPr id="4" name="Date Placeholder 3"/>
+          <p:cNvPr id="4" name="Date Placeholder 3">
+            <a:extLst>
+              <a:ext uri="{FF2B5EF4-FFF2-40B4-BE49-F238E27FC236}">
+                <a16:creationId xmlns:a16="http://schemas.microsoft.com/office/drawing/2014/main" id="{1CE2128A-A309-4D58-96FD-334C2F0584DF}"/>
+              </a:ext>
+            </a:extLst>
+          </p:cNvPr>
           <p:cNvSpPr>
             <a:spLocks noGrp="1"/>
           </p:cNvSpPr>
@@ -17335,7 +20438,7 @@
           <a:p>
             <a:fld id="{10A48F74-127B-42CF-888B-710581E03464}" type="datetimeFigureOut">
               <a:rPr lang="zh-CN" altLang="en-US" smtClean="0"/>
-              <a:t>2020/11/2</a:t>
+              <a:t>2020/11/4</a:t>
             </a:fld>
             <a:endParaRPr lang="zh-CN" altLang="en-US"/>
           </a:p>
@@ -17343,7 +20446,13 @@
       </p:sp>
       <p:sp>
         <p:nvSpPr>
-          <p:cNvPr id="5" name="Footer Placeholder 4"/>
+          <p:cNvPr id="5" name="Footer Placeholder 4">
+            <a:extLst>
+              <a:ext uri="{FF2B5EF4-FFF2-40B4-BE49-F238E27FC236}">
+                <a16:creationId xmlns:a16="http://schemas.microsoft.com/office/drawing/2014/main" id="{7AB72F8F-99CD-455B-9A04-D8F8B3EDFFBC}"/>
+              </a:ext>
+            </a:extLst>
+          </p:cNvPr>
           <p:cNvSpPr>
             <a:spLocks noGrp="1"/>
           </p:cNvSpPr>
@@ -17362,7 +20471,13 @@
       </p:sp>
       <p:sp>
         <p:nvSpPr>
-          <p:cNvPr id="6" name="Slide Number Placeholder 5"/>
+          <p:cNvPr id="6" name="Slide Number Placeholder 5">
+            <a:extLst>
+              <a:ext uri="{FF2B5EF4-FFF2-40B4-BE49-F238E27FC236}">
+                <a16:creationId xmlns:a16="http://schemas.microsoft.com/office/drawing/2014/main" id="{E9C29A49-B6E0-4648-AA75-75FAA257AB6F}"/>
+              </a:ext>
+            </a:extLst>
+          </p:cNvPr>
           <p:cNvSpPr>
             <a:spLocks noGrp="1"/>
           </p:cNvSpPr>
@@ -17386,7 +20501,7 @@
     </p:spTree>
     <p:extLst>
       <p:ext uri="{BB962C8B-B14F-4D97-AF65-F5344CB8AC3E}">
-        <p14:creationId xmlns:p14="http://schemas.microsoft.com/office/powerpoint/2010/main" val="3716212755"/>
+        <p14:creationId xmlns:p14="http://schemas.microsoft.com/office/powerpoint/2010/main" val="537813577"/>
       </p:ext>
     </p:extLst>
   </p:cSld>
@@ -17415,7 +20530,13 @@
       </p:grpSpPr>
       <p:sp>
         <p:nvSpPr>
-          <p:cNvPr id="2" name="Title 1"/>
+          <p:cNvPr id="2" name="Title 1">
+            <a:extLst>
+              <a:ext uri="{FF2B5EF4-FFF2-40B4-BE49-F238E27FC236}">
+                <a16:creationId xmlns:a16="http://schemas.microsoft.com/office/drawing/2014/main" id="{3EBD2E6F-6DF8-4B6D-9747-38DC8D178BD9}"/>
+              </a:ext>
+            </a:extLst>
+          </p:cNvPr>
           <p:cNvSpPr>
             <a:spLocks noGrp="1"/>
           </p:cNvSpPr>
@@ -17432,13 +20553,19 @@
               <a:rPr lang="en-US" altLang="zh-CN"/>
               <a:t>Click to edit Master title style</a:t>
             </a:r>
-            <a:endParaRPr lang="en-US" dirty="0"/>
+            <a:endParaRPr lang="zh-CN" altLang="en-US"/>
           </a:p>
         </p:txBody>
       </p:sp>
       <p:sp>
         <p:nvSpPr>
-          <p:cNvPr id="3" name="Content Placeholder 2"/>
+          <p:cNvPr id="3" name="Content Placeholder 2">
+            <a:extLst>
+              <a:ext uri="{FF2B5EF4-FFF2-40B4-BE49-F238E27FC236}">
+                <a16:creationId xmlns:a16="http://schemas.microsoft.com/office/drawing/2014/main" id="{1361CBC6-3AE1-4EAA-B236-9B7610F79814}"/>
+              </a:ext>
+            </a:extLst>
+          </p:cNvPr>
           <p:cNvSpPr>
             <a:spLocks noGrp="1"/>
           </p:cNvSpPr>
@@ -17484,13 +20611,19 @@
               <a:rPr lang="en-US" altLang="zh-CN"/>
               <a:t>Fifth level</a:t>
             </a:r>
-            <a:endParaRPr lang="en-US" dirty="0"/>
+            <a:endParaRPr lang="zh-CN" altLang="en-US"/>
           </a:p>
         </p:txBody>
       </p:sp>
       <p:sp>
         <p:nvSpPr>
-          <p:cNvPr id="4" name="Date Placeholder 3"/>
+          <p:cNvPr id="4" name="Date Placeholder 3">
+            <a:extLst>
+              <a:ext uri="{FF2B5EF4-FFF2-40B4-BE49-F238E27FC236}">
+                <a16:creationId xmlns:a16="http://schemas.microsoft.com/office/drawing/2014/main" id="{42EE325C-1D73-4FD4-A5FF-C32EF94898C9}"/>
+              </a:ext>
+            </a:extLst>
+          </p:cNvPr>
           <p:cNvSpPr>
             <a:spLocks noGrp="1"/>
           </p:cNvSpPr>
@@ -17505,7 +20638,7 @@
           <a:p>
             <a:fld id="{10A48F74-127B-42CF-888B-710581E03464}" type="datetimeFigureOut">
               <a:rPr lang="zh-CN" altLang="en-US" smtClean="0"/>
-              <a:t>2020/11/2</a:t>
+              <a:t>2020/11/4</a:t>
             </a:fld>
             <a:endParaRPr lang="zh-CN" altLang="en-US"/>
           </a:p>
@@ -17513,7 +20646,13 @@
       </p:sp>
       <p:sp>
         <p:nvSpPr>
-          <p:cNvPr id="5" name="Footer Placeholder 4"/>
+          <p:cNvPr id="5" name="Footer Placeholder 4">
+            <a:extLst>
+              <a:ext uri="{FF2B5EF4-FFF2-40B4-BE49-F238E27FC236}">
+                <a16:creationId xmlns:a16="http://schemas.microsoft.com/office/drawing/2014/main" id="{22CBE019-D0C7-4F12-AC5F-0E70ACE270F7}"/>
+              </a:ext>
+            </a:extLst>
+          </p:cNvPr>
           <p:cNvSpPr>
             <a:spLocks noGrp="1"/>
           </p:cNvSpPr>
@@ -17532,7 +20671,13 @@
       </p:sp>
       <p:sp>
         <p:nvSpPr>
-          <p:cNvPr id="6" name="Slide Number Placeholder 5"/>
+          <p:cNvPr id="6" name="Slide Number Placeholder 5">
+            <a:extLst>
+              <a:ext uri="{FF2B5EF4-FFF2-40B4-BE49-F238E27FC236}">
+                <a16:creationId xmlns:a16="http://schemas.microsoft.com/office/drawing/2014/main" id="{086F79D0-ED7A-42F2-BF32-411289723B10}"/>
+              </a:ext>
+            </a:extLst>
+          </p:cNvPr>
           <p:cNvSpPr>
             <a:spLocks noGrp="1"/>
           </p:cNvSpPr>
@@ -17556,7 +20701,7 @@
     </p:spTree>
     <p:extLst>
       <p:ext uri="{BB962C8B-B14F-4D97-AF65-F5344CB8AC3E}">
-        <p14:creationId xmlns:p14="http://schemas.microsoft.com/office/powerpoint/2010/main" val="3216426159"/>
+        <p14:creationId xmlns:p14="http://schemas.microsoft.com/office/powerpoint/2010/main" val="2061264608"/>
       </p:ext>
     </p:extLst>
   </p:cSld>
@@ -17585,7 +20730,13 @@
       </p:grpSpPr>
       <p:sp>
         <p:nvSpPr>
-          <p:cNvPr id="2" name="Title 1"/>
+          <p:cNvPr id="2" name="Title 1">
+            <a:extLst>
+              <a:ext uri="{FF2B5EF4-FFF2-40B4-BE49-F238E27FC236}">
+                <a16:creationId xmlns:a16="http://schemas.microsoft.com/office/drawing/2014/main" id="{FD1936CA-196D-4F8D-9C19-5E33C9FE3978}"/>
+              </a:ext>
+            </a:extLst>
+          </p:cNvPr>
           <p:cNvSpPr>
             <a:spLocks noGrp="1"/>
           </p:cNvSpPr>
@@ -17595,24 +20746,15 @@
         </p:nvSpPr>
         <p:spPr>
           <a:xfrm>
-            <a:off x="603504" y="767419"/>
-            <a:ext cx="10780776" cy="3355848"/>
+            <a:off x="831850" y="1709738"/>
+            <a:ext cx="10515600" cy="2852737"/>
           </a:xfrm>
         </p:spPr>
         <p:txBody>
-          <a:bodyPr anchor="b">
-            <a:normAutofit/>
-          </a:bodyPr>
+          <a:bodyPr anchor="b"/>
           <a:lstStyle>
             <a:lvl1pPr>
-              <a:lnSpc>
-                <a:spcPct val="80000"/>
-              </a:lnSpc>
-              <a:defRPr sz="8800" b="0" baseline="0">
-                <a:solidFill>
-                  <a:schemeClr val="accent1"/>
-                </a:solidFill>
-              </a:defRPr>
+              <a:defRPr sz="6000"/>
             </a:lvl1pPr>
           </a:lstStyle>
           <a:p>
@@ -17620,13 +20762,19 @@
               <a:rPr lang="en-US" altLang="zh-CN"/>
               <a:t>Click to edit Master title style</a:t>
             </a:r>
-            <a:endParaRPr lang="en-US" dirty="0"/>
+            <a:endParaRPr lang="zh-CN" altLang="en-US"/>
           </a:p>
         </p:txBody>
       </p:sp>
       <p:sp>
         <p:nvSpPr>
-          <p:cNvPr id="3" name="Text Placeholder 2"/>
+          <p:cNvPr id="3" name="Text Placeholder 2">
+            <a:extLst>
+              <a:ext uri="{FF2B5EF4-FFF2-40B4-BE49-F238E27FC236}">
+                <a16:creationId xmlns:a16="http://schemas.microsoft.com/office/drawing/2014/main" id="{71588351-253B-45B3-8C85-4AD62EC1B1C9}"/>
+              </a:ext>
+            </a:extLst>
+          </p:cNvPr>
           <p:cNvSpPr>
             <a:spLocks noGrp="1"/>
           </p:cNvSpPr>
@@ -17636,27 +20784,26 @@
         </p:nvSpPr>
         <p:spPr>
           <a:xfrm>
-            <a:off x="667512" y="4204209"/>
-            <a:ext cx="9226296" cy="1645920"/>
+            <a:off x="831850" y="4589463"/>
+            <a:ext cx="10515600" cy="1500187"/>
           </a:xfrm>
         </p:spPr>
         <p:txBody>
-          <a:bodyPr anchor="t">
-            <a:normAutofit/>
-          </a:bodyPr>
+          <a:bodyPr/>
           <a:lstStyle>
             <a:lvl1pPr marL="0" indent="0">
               <a:buNone/>
-              <a:defRPr sz="3200">
+              <a:defRPr sz="2400">
                 <a:solidFill>
-                  <a:schemeClr val="tx1"/>
+                  <a:schemeClr val="tx1">
+                    <a:tint val="75000"/>
+                  </a:schemeClr>
                 </a:solidFill>
-                <a:latin typeface="+mj-lt"/>
               </a:defRPr>
             </a:lvl1pPr>
             <a:lvl2pPr marL="457200" indent="0">
               <a:buNone/>
-              <a:defRPr sz="1800">
+              <a:defRPr sz="2000">
                 <a:solidFill>
                   <a:schemeClr val="tx1">
                     <a:tint val="75000"/>
@@ -17666,7 +20813,7 @@
             </a:lvl2pPr>
             <a:lvl3pPr marL="914400" indent="0">
               <a:buNone/>
-              <a:defRPr sz="1600">
+              <a:defRPr sz="1800">
                 <a:solidFill>
                   <a:schemeClr val="tx1">
                     <a:tint val="75000"/>
@@ -17676,7 +20823,7 @@
             </a:lvl3pPr>
             <a:lvl4pPr marL="1371600" indent="0">
               <a:buNone/>
-              <a:defRPr sz="1400">
+              <a:defRPr sz="1600">
                 <a:solidFill>
                   <a:schemeClr val="tx1">
                     <a:tint val="75000"/>
@@ -17686,7 +20833,7 @@
             </a:lvl4pPr>
             <a:lvl5pPr marL="1828800" indent="0">
               <a:buNone/>
-              <a:defRPr sz="1400">
+              <a:defRPr sz="1600">
                 <a:solidFill>
                   <a:schemeClr val="tx1">
                     <a:tint val="75000"/>
@@ -17696,7 +20843,7 @@
             </a:lvl5pPr>
             <a:lvl6pPr marL="2286000" indent="0">
               <a:buNone/>
-              <a:defRPr sz="1400">
+              <a:defRPr sz="1600">
                 <a:solidFill>
                   <a:schemeClr val="tx1">
                     <a:tint val="75000"/>
@@ -17706,7 +20853,7 @@
             </a:lvl6pPr>
             <a:lvl7pPr marL="2743200" indent="0">
               <a:buNone/>
-              <a:defRPr sz="1400">
+              <a:defRPr sz="1600">
                 <a:solidFill>
                   <a:schemeClr val="tx1">
                     <a:tint val="75000"/>
@@ -17716,7 +20863,7 @@
             </a:lvl7pPr>
             <a:lvl8pPr marL="3200400" indent="0">
               <a:buNone/>
-              <a:defRPr sz="1400">
+              <a:defRPr sz="1600">
                 <a:solidFill>
                   <a:schemeClr val="tx1">
                     <a:tint val="75000"/>
@@ -17726,7 +20873,7 @@
             </a:lvl8pPr>
             <a:lvl9pPr marL="3657600" indent="0">
               <a:buNone/>
-              <a:defRPr sz="1400">
+              <a:defRPr sz="1600">
                 <a:solidFill>
                   <a:schemeClr val="tx1">
                     <a:tint val="75000"/>
@@ -17746,7 +20893,13 @@
       </p:sp>
       <p:sp>
         <p:nvSpPr>
-          <p:cNvPr id="4" name="Date Placeholder 3"/>
+          <p:cNvPr id="4" name="Date Placeholder 3">
+            <a:extLst>
+              <a:ext uri="{FF2B5EF4-FFF2-40B4-BE49-F238E27FC236}">
+                <a16:creationId xmlns:a16="http://schemas.microsoft.com/office/drawing/2014/main" id="{3B5C493F-6827-4AC3-85AA-AC2400A3A4CC}"/>
+              </a:ext>
+            </a:extLst>
+          </p:cNvPr>
           <p:cNvSpPr>
             <a:spLocks noGrp="1"/>
           </p:cNvSpPr>
@@ -17761,7 +20914,7 @@
           <a:p>
             <a:fld id="{10A48F74-127B-42CF-888B-710581E03464}" type="datetimeFigureOut">
               <a:rPr lang="zh-CN" altLang="en-US" smtClean="0"/>
-              <a:t>2020/11/2</a:t>
+              <a:t>2020/11/4</a:t>
             </a:fld>
             <a:endParaRPr lang="zh-CN" altLang="en-US"/>
           </a:p>
@@ -17769,7 +20922,13 @@
       </p:sp>
       <p:sp>
         <p:nvSpPr>
-          <p:cNvPr id="5" name="Footer Placeholder 4"/>
+          <p:cNvPr id="5" name="Footer Placeholder 4">
+            <a:extLst>
+              <a:ext uri="{FF2B5EF4-FFF2-40B4-BE49-F238E27FC236}">
+                <a16:creationId xmlns:a16="http://schemas.microsoft.com/office/drawing/2014/main" id="{E4CB4FD4-269E-4ACD-9AFE-9D0C795C1DA9}"/>
+              </a:ext>
+            </a:extLst>
+          </p:cNvPr>
           <p:cNvSpPr>
             <a:spLocks noGrp="1"/>
           </p:cNvSpPr>
@@ -17788,7 +20947,13 @@
       </p:sp>
       <p:sp>
         <p:nvSpPr>
-          <p:cNvPr id="6" name="Slide Number Placeholder 5"/>
+          <p:cNvPr id="6" name="Slide Number Placeholder 5">
+            <a:extLst>
+              <a:ext uri="{FF2B5EF4-FFF2-40B4-BE49-F238E27FC236}">
+                <a16:creationId xmlns:a16="http://schemas.microsoft.com/office/drawing/2014/main" id="{A43449CF-A2EA-4152-9799-18E442277309}"/>
+              </a:ext>
+            </a:extLst>
+          </p:cNvPr>
           <p:cNvSpPr>
             <a:spLocks noGrp="1"/>
           </p:cNvSpPr>
@@ -17812,7 +20977,7 @@
     </p:spTree>
     <p:extLst>
       <p:ext uri="{BB962C8B-B14F-4D97-AF65-F5344CB8AC3E}">
-        <p14:creationId xmlns:p14="http://schemas.microsoft.com/office/powerpoint/2010/main" val="4038876242"/>
+        <p14:creationId xmlns:p14="http://schemas.microsoft.com/office/powerpoint/2010/main" val="3831754212"/>
       </p:ext>
     </p:extLst>
   </p:cSld>
@@ -17841,7 +21006,13 @@
       </p:grpSpPr>
       <p:sp>
         <p:nvSpPr>
-          <p:cNvPr id="2" name="Title 1"/>
+          <p:cNvPr id="2" name="Title 1">
+            <a:extLst>
+              <a:ext uri="{FF2B5EF4-FFF2-40B4-BE49-F238E27FC236}">
+                <a16:creationId xmlns:a16="http://schemas.microsoft.com/office/drawing/2014/main" id="{2DD54A51-3144-436C-87CF-C0A19F3ECE50}"/>
+              </a:ext>
+            </a:extLst>
+          </p:cNvPr>
           <p:cNvSpPr>
             <a:spLocks noGrp="1"/>
           </p:cNvSpPr>
@@ -17858,13 +21029,19 @@
               <a:rPr lang="en-US" altLang="zh-CN"/>
               <a:t>Click to edit Master title style</a:t>
             </a:r>
-            <a:endParaRPr lang="en-US" dirty="0"/>
+            <a:endParaRPr lang="zh-CN" altLang="en-US"/>
           </a:p>
         </p:txBody>
       </p:sp>
       <p:sp>
         <p:nvSpPr>
-          <p:cNvPr id="3" name="Content Placeholder 2"/>
+          <p:cNvPr id="3" name="Content Placeholder 2">
+            <a:extLst>
+              <a:ext uri="{FF2B5EF4-FFF2-40B4-BE49-F238E27FC236}">
+                <a16:creationId xmlns:a16="http://schemas.microsoft.com/office/drawing/2014/main" id="{58A573B0-459E-4506-8BB4-3D9A3BC5F54E}"/>
+              </a:ext>
+            </a:extLst>
+          </p:cNvPr>
           <p:cNvSpPr>
             <a:spLocks noGrp="1"/>
           </p:cNvSpPr>
@@ -17874,41 +21051,13 @@
         </p:nvSpPr>
         <p:spPr>
           <a:xfrm>
-            <a:off x="676656" y="1998134"/>
-            <a:ext cx="4663440" cy="3767328"/>
+            <a:off x="838200" y="1825625"/>
+            <a:ext cx="5181600" cy="4351338"/>
           </a:xfrm>
         </p:spPr>
         <p:txBody>
           <a:bodyPr/>
-          <a:lstStyle>
-            <a:lvl1pPr>
-              <a:defRPr sz="2400"/>
-            </a:lvl1pPr>
-            <a:lvl2pPr>
-              <a:defRPr sz="2000"/>
-            </a:lvl2pPr>
-            <a:lvl3pPr>
-              <a:defRPr sz="1800"/>
-            </a:lvl3pPr>
-            <a:lvl4pPr>
-              <a:defRPr sz="1600"/>
-            </a:lvl4pPr>
-            <a:lvl5pPr>
-              <a:defRPr sz="1600"/>
-            </a:lvl5pPr>
-            <a:lvl6pPr>
-              <a:defRPr sz="1600"/>
-            </a:lvl6pPr>
-            <a:lvl7pPr>
-              <a:defRPr sz="1600"/>
-            </a:lvl7pPr>
-            <a:lvl8pPr>
-              <a:defRPr sz="1600"/>
-            </a:lvl8pPr>
-            <a:lvl9pPr>
-              <a:defRPr sz="1600"/>
-            </a:lvl9pPr>
-          </a:lstStyle>
+          <a:lstStyle/>
           <a:p>
             <a:pPr lvl="0"/>
             <a:r>
@@ -17943,13 +21092,19 @@
               <a:rPr lang="en-US" altLang="zh-CN"/>
               <a:t>Fifth level</a:t>
             </a:r>
-            <a:endParaRPr lang="en-US" dirty="0"/>
+            <a:endParaRPr lang="zh-CN" altLang="en-US"/>
           </a:p>
         </p:txBody>
       </p:sp>
       <p:sp>
         <p:nvSpPr>
-          <p:cNvPr id="4" name="Content Placeholder 3"/>
+          <p:cNvPr id="4" name="Content Placeholder 3">
+            <a:extLst>
+              <a:ext uri="{FF2B5EF4-FFF2-40B4-BE49-F238E27FC236}">
+                <a16:creationId xmlns:a16="http://schemas.microsoft.com/office/drawing/2014/main" id="{AFBF75EF-F887-4534-A7F7-F89284FDFF80}"/>
+              </a:ext>
+            </a:extLst>
+          </p:cNvPr>
           <p:cNvSpPr>
             <a:spLocks noGrp="1"/>
           </p:cNvSpPr>
@@ -17959,41 +21114,13 @@
         </p:nvSpPr>
         <p:spPr>
           <a:xfrm>
-            <a:off x="6011330" y="1998134"/>
-            <a:ext cx="4663440" cy="3767328"/>
+            <a:off x="6172200" y="1825625"/>
+            <a:ext cx="5181600" cy="4351338"/>
           </a:xfrm>
         </p:spPr>
         <p:txBody>
           <a:bodyPr/>
-          <a:lstStyle>
-            <a:lvl1pPr>
-              <a:defRPr sz="2400"/>
-            </a:lvl1pPr>
-            <a:lvl2pPr>
-              <a:defRPr sz="2000"/>
-            </a:lvl2pPr>
-            <a:lvl3pPr>
-              <a:defRPr sz="1800"/>
-            </a:lvl3pPr>
-            <a:lvl4pPr>
-              <a:defRPr sz="1600"/>
-            </a:lvl4pPr>
-            <a:lvl5pPr>
-              <a:defRPr sz="1600"/>
-            </a:lvl5pPr>
-            <a:lvl6pPr>
-              <a:defRPr sz="1600"/>
-            </a:lvl6pPr>
-            <a:lvl7pPr>
-              <a:defRPr sz="1600"/>
-            </a:lvl7pPr>
-            <a:lvl8pPr>
-              <a:defRPr sz="1600"/>
-            </a:lvl8pPr>
-            <a:lvl9pPr>
-              <a:defRPr sz="1600"/>
-            </a:lvl9pPr>
-          </a:lstStyle>
+          <a:lstStyle/>
           <a:p>
             <a:pPr lvl="0"/>
             <a:r>
@@ -18028,13 +21155,19 @@
               <a:rPr lang="en-US" altLang="zh-CN"/>
               <a:t>Fifth level</a:t>
             </a:r>
-            <a:endParaRPr lang="en-US" dirty="0"/>
+            <a:endParaRPr lang="zh-CN" altLang="en-US"/>
           </a:p>
         </p:txBody>
       </p:sp>
       <p:sp>
         <p:nvSpPr>
-          <p:cNvPr id="5" name="Date Placeholder 4"/>
+          <p:cNvPr id="5" name="Date Placeholder 4">
+            <a:extLst>
+              <a:ext uri="{FF2B5EF4-FFF2-40B4-BE49-F238E27FC236}">
+                <a16:creationId xmlns:a16="http://schemas.microsoft.com/office/drawing/2014/main" id="{2D7D6194-FF6A-4600-BA37-0D69579BA118}"/>
+              </a:ext>
+            </a:extLst>
+          </p:cNvPr>
           <p:cNvSpPr>
             <a:spLocks noGrp="1"/>
           </p:cNvSpPr>
@@ -18049,7 +21182,7 @@
           <a:p>
             <a:fld id="{10A48F74-127B-42CF-888B-710581E03464}" type="datetimeFigureOut">
               <a:rPr lang="zh-CN" altLang="en-US" smtClean="0"/>
-              <a:t>2020/11/2</a:t>
+              <a:t>2020/11/4</a:t>
             </a:fld>
             <a:endParaRPr lang="zh-CN" altLang="en-US"/>
           </a:p>
@@ -18057,7 +21190,13 @@
       </p:sp>
       <p:sp>
         <p:nvSpPr>
-          <p:cNvPr id="6" name="Footer Placeholder 5"/>
+          <p:cNvPr id="6" name="Footer Placeholder 5">
+            <a:extLst>
+              <a:ext uri="{FF2B5EF4-FFF2-40B4-BE49-F238E27FC236}">
+                <a16:creationId xmlns:a16="http://schemas.microsoft.com/office/drawing/2014/main" id="{3F701A65-A60A-449E-B0DB-7CC05EDF11DF}"/>
+              </a:ext>
+            </a:extLst>
+          </p:cNvPr>
           <p:cNvSpPr>
             <a:spLocks noGrp="1"/>
           </p:cNvSpPr>
@@ -18076,7 +21215,13 @@
       </p:sp>
       <p:sp>
         <p:nvSpPr>
-          <p:cNvPr id="7" name="Slide Number Placeholder 6"/>
+          <p:cNvPr id="7" name="Slide Number Placeholder 6">
+            <a:extLst>
+              <a:ext uri="{FF2B5EF4-FFF2-40B4-BE49-F238E27FC236}">
+                <a16:creationId xmlns:a16="http://schemas.microsoft.com/office/drawing/2014/main" id="{E6AE4867-F256-4D1A-9572-CBA483D0D238}"/>
+              </a:ext>
+            </a:extLst>
+          </p:cNvPr>
           <p:cNvSpPr>
             <a:spLocks noGrp="1"/>
           </p:cNvSpPr>
@@ -18100,7 +21245,7 @@
     </p:spTree>
     <p:extLst>
       <p:ext uri="{BB962C8B-B14F-4D97-AF65-F5344CB8AC3E}">
-        <p14:creationId xmlns:p14="http://schemas.microsoft.com/office/powerpoint/2010/main" val="1410318599"/>
+        <p14:creationId xmlns:p14="http://schemas.microsoft.com/office/powerpoint/2010/main" val="1241514896"/>
       </p:ext>
     </p:extLst>
   </p:cSld>
@@ -18129,7 +21274,13 @@
       </p:grpSpPr>
       <p:sp>
         <p:nvSpPr>
-          <p:cNvPr id="10" name="Title 9"/>
+          <p:cNvPr id="2" name="Title 1">
+            <a:extLst>
+              <a:ext uri="{FF2B5EF4-FFF2-40B4-BE49-F238E27FC236}">
+                <a16:creationId xmlns:a16="http://schemas.microsoft.com/office/drawing/2014/main" id="{E2EDC885-5D7D-4F59-93BA-90BEDDC2FD2F}"/>
+              </a:ext>
+            </a:extLst>
+          </p:cNvPr>
           <p:cNvSpPr>
             <a:spLocks noGrp="1"/>
           </p:cNvSpPr>
@@ -18137,7 +21288,12 @@
             <p:ph type="title"/>
           </p:nvPr>
         </p:nvSpPr>
-        <p:spPr/>
+        <p:spPr>
+          <a:xfrm>
+            <a:off x="839788" y="365125"/>
+            <a:ext cx="10515600" cy="1325563"/>
+          </a:xfrm>
+        </p:spPr>
         <p:txBody>
           <a:bodyPr/>
           <a:lstStyle/>
@@ -18146,13 +21302,19 @@
               <a:rPr lang="en-US" altLang="zh-CN"/>
               <a:t>Click to edit Master title style</a:t>
             </a:r>
-            <a:endParaRPr lang="en-US" dirty="0"/>
+            <a:endParaRPr lang="zh-CN" altLang="en-US"/>
           </a:p>
         </p:txBody>
       </p:sp>
       <p:sp>
         <p:nvSpPr>
-          <p:cNvPr id="3" name="Text Placeholder 2"/>
+          <p:cNvPr id="3" name="Text Placeholder 2">
+            <a:extLst>
+              <a:ext uri="{FF2B5EF4-FFF2-40B4-BE49-F238E27FC236}">
+                <a16:creationId xmlns:a16="http://schemas.microsoft.com/office/drawing/2014/main" id="{6446BFC8-960D-481B-B799-214BE3934AF8}"/>
+              </a:ext>
+            </a:extLst>
+          </p:cNvPr>
           <p:cNvSpPr>
             <a:spLocks noGrp="1"/>
           </p:cNvSpPr>
@@ -18162,26 +21324,16 @@
         </p:nvSpPr>
         <p:spPr>
           <a:xfrm>
-            <a:off x="676656" y="2040467"/>
-            <a:ext cx="4663440" cy="723400"/>
+            <a:off x="839788" y="1681163"/>
+            <a:ext cx="5157787" cy="823912"/>
           </a:xfrm>
         </p:spPr>
         <p:txBody>
-          <a:bodyPr anchor="ctr">
-            <a:normAutofit/>
-          </a:bodyPr>
+          <a:bodyPr anchor="b"/>
           <a:lstStyle>
             <a:lvl1pPr marL="0" indent="0">
               <a:buNone/>
-              <a:defRPr sz="2200" b="0" cap="all" baseline="0">
-                <a:solidFill>
-                  <a:schemeClr val="tx1">
-                    <a:lumMod val="85000"/>
-                    <a:lumOff val="15000"/>
-                  </a:schemeClr>
-                </a:solidFill>
-                <a:latin typeface="+mj-lt"/>
-              </a:defRPr>
+              <a:defRPr sz="2400" b="1"/>
             </a:lvl1pPr>
             <a:lvl2pPr marL="457200" indent="0">
               <a:buNone/>
@@ -18227,7 +21379,13 @@
       </p:sp>
       <p:sp>
         <p:nvSpPr>
-          <p:cNvPr id="4" name="Content Placeholder 3"/>
+          <p:cNvPr id="4" name="Content Placeholder 3">
+            <a:extLst>
+              <a:ext uri="{FF2B5EF4-FFF2-40B4-BE49-F238E27FC236}">
+                <a16:creationId xmlns:a16="http://schemas.microsoft.com/office/drawing/2014/main" id="{DAA39DBD-E3AF-4785-86C4-0F55AF94087C}"/>
+              </a:ext>
+            </a:extLst>
+          </p:cNvPr>
           <p:cNvSpPr>
             <a:spLocks noGrp="1"/>
           </p:cNvSpPr>
@@ -18237,41 +21395,13 @@
         </p:nvSpPr>
         <p:spPr>
           <a:xfrm>
-            <a:off x="676656" y="2753084"/>
-            <a:ext cx="4663440" cy="3200400"/>
+            <a:off x="839788" y="2505075"/>
+            <a:ext cx="5157787" cy="3684588"/>
           </a:xfrm>
         </p:spPr>
         <p:txBody>
           <a:bodyPr/>
-          <a:lstStyle>
-            <a:lvl1pPr>
-              <a:defRPr sz="2400"/>
-            </a:lvl1pPr>
-            <a:lvl2pPr>
-              <a:defRPr sz="2000"/>
-            </a:lvl2pPr>
-            <a:lvl3pPr>
-              <a:defRPr sz="1800"/>
-            </a:lvl3pPr>
-            <a:lvl4pPr>
-              <a:defRPr sz="1600"/>
-            </a:lvl4pPr>
-            <a:lvl5pPr>
-              <a:defRPr sz="1600"/>
-            </a:lvl5pPr>
-            <a:lvl6pPr>
-              <a:defRPr sz="1600"/>
-            </a:lvl6pPr>
-            <a:lvl7pPr>
-              <a:defRPr sz="1600"/>
-            </a:lvl7pPr>
-            <a:lvl8pPr>
-              <a:defRPr sz="1600"/>
-            </a:lvl8pPr>
-            <a:lvl9pPr>
-              <a:defRPr sz="1600"/>
-            </a:lvl9pPr>
-          </a:lstStyle>
+          <a:lstStyle/>
           <a:p>
             <a:pPr lvl="0"/>
             <a:r>
@@ -18306,13 +21436,19 @@
               <a:rPr lang="en-US" altLang="zh-CN"/>
               <a:t>Fifth level</a:t>
             </a:r>
-            <a:endParaRPr lang="en-US" dirty="0"/>
+            <a:endParaRPr lang="zh-CN" altLang="en-US"/>
           </a:p>
         </p:txBody>
       </p:sp>
       <p:sp>
         <p:nvSpPr>
-          <p:cNvPr id="5" name="Text Placeholder 4"/>
+          <p:cNvPr id="5" name="Text Placeholder 4">
+            <a:extLst>
+              <a:ext uri="{FF2B5EF4-FFF2-40B4-BE49-F238E27FC236}">
+                <a16:creationId xmlns:a16="http://schemas.microsoft.com/office/drawing/2014/main" id="{C51C1CC3-8E3E-4506-9EC0-A0ABE1BE6F23}"/>
+              </a:ext>
+            </a:extLst>
+          </p:cNvPr>
           <p:cNvSpPr>
             <a:spLocks noGrp="1"/>
           </p:cNvSpPr>
@@ -18322,26 +21458,16 @@
         </p:nvSpPr>
         <p:spPr>
           <a:xfrm>
-            <a:off x="6007608" y="2038435"/>
-            <a:ext cx="4663440" cy="722376"/>
+            <a:off x="6172200" y="1681163"/>
+            <a:ext cx="5183188" cy="823912"/>
           </a:xfrm>
         </p:spPr>
         <p:txBody>
-          <a:bodyPr anchor="ctr">
-            <a:normAutofit/>
-          </a:bodyPr>
+          <a:bodyPr anchor="b"/>
           <a:lstStyle>
             <a:lvl1pPr marL="0" indent="0">
               <a:buNone/>
-              <a:defRPr sz="2200" b="0" cap="all" baseline="0">
-                <a:solidFill>
-                  <a:schemeClr val="tx1">
-                    <a:lumMod val="85000"/>
-                    <a:lumOff val="15000"/>
-                  </a:schemeClr>
-                </a:solidFill>
-                <a:latin typeface="+mj-lt"/>
-              </a:defRPr>
+              <a:defRPr sz="2400" b="1"/>
             </a:lvl1pPr>
             <a:lvl2pPr marL="457200" indent="0">
               <a:buNone/>
@@ -18387,7 +21513,13 @@
       </p:sp>
       <p:sp>
         <p:nvSpPr>
-          <p:cNvPr id="6" name="Content Placeholder 5"/>
+          <p:cNvPr id="6" name="Content Placeholder 5">
+            <a:extLst>
+              <a:ext uri="{FF2B5EF4-FFF2-40B4-BE49-F238E27FC236}">
+                <a16:creationId xmlns:a16="http://schemas.microsoft.com/office/drawing/2014/main" id="{3623AE00-902E-48C3-A546-44046CBA2F4D}"/>
+              </a:ext>
+            </a:extLst>
+          </p:cNvPr>
           <p:cNvSpPr>
             <a:spLocks noGrp="1"/>
           </p:cNvSpPr>
@@ -18397,41 +21529,13 @@
         </p:nvSpPr>
         <p:spPr>
           <a:xfrm>
-            <a:off x="6007608" y="2750990"/>
-            <a:ext cx="4663440" cy="3200400"/>
+            <a:off x="6172200" y="2505075"/>
+            <a:ext cx="5183188" cy="3684588"/>
           </a:xfrm>
         </p:spPr>
         <p:txBody>
           <a:bodyPr/>
-          <a:lstStyle>
-            <a:lvl1pPr>
-              <a:defRPr sz="2400"/>
-            </a:lvl1pPr>
-            <a:lvl2pPr>
-              <a:defRPr sz="2000"/>
-            </a:lvl2pPr>
-            <a:lvl3pPr>
-              <a:defRPr sz="1800"/>
-            </a:lvl3pPr>
-            <a:lvl4pPr>
-              <a:defRPr sz="1600"/>
-            </a:lvl4pPr>
-            <a:lvl5pPr>
-              <a:defRPr sz="1600"/>
-            </a:lvl5pPr>
-            <a:lvl6pPr>
-              <a:defRPr sz="1600"/>
-            </a:lvl6pPr>
-            <a:lvl7pPr>
-              <a:defRPr sz="1600"/>
-            </a:lvl7pPr>
-            <a:lvl8pPr>
-              <a:defRPr sz="1600"/>
-            </a:lvl8pPr>
-            <a:lvl9pPr>
-              <a:defRPr sz="1600"/>
-            </a:lvl9pPr>
-          </a:lstStyle>
+          <a:lstStyle/>
           <a:p>
             <a:pPr lvl="0"/>
             <a:r>
@@ -18466,13 +21570,19 @@
               <a:rPr lang="en-US" altLang="zh-CN"/>
               <a:t>Fifth level</a:t>
             </a:r>
-            <a:endParaRPr lang="en-US" dirty="0"/>
+            <a:endParaRPr lang="zh-CN" altLang="en-US"/>
           </a:p>
         </p:txBody>
       </p:sp>
       <p:sp>
         <p:nvSpPr>
-          <p:cNvPr id="7" name="Date Placeholder 6"/>
+          <p:cNvPr id="7" name="Date Placeholder 6">
+            <a:extLst>
+              <a:ext uri="{FF2B5EF4-FFF2-40B4-BE49-F238E27FC236}">
+                <a16:creationId xmlns:a16="http://schemas.microsoft.com/office/drawing/2014/main" id="{DCA28529-EB89-4BE7-850D-6B6568ED5633}"/>
+              </a:ext>
+            </a:extLst>
+          </p:cNvPr>
           <p:cNvSpPr>
             <a:spLocks noGrp="1"/>
           </p:cNvSpPr>
@@ -18487,7 +21597,7 @@
           <a:p>
             <a:fld id="{10A48F74-127B-42CF-888B-710581E03464}" type="datetimeFigureOut">
               <a:rPr lang="zh-CN" altLang="en-US" smtClean="0"/>
-              <a:t>2020/11/2</a:t>
+              <a:t>2020/11/4</a:t>
             </a:fld>
             <a:endParaRPr lang="zh-CN" altLang="en-US"/>
           </a:p>
@@ -18495,7 +21605,13 @@
       </p:sp>
       <p:sp>
         <p:nvSpPr>
-          <p:cNvPr id="8" name="Footer Placeholder 7"/>
+          <p:cNvPr id="8" name="Footer Placeholder 7">
+            <a:extLst>
+              <a:ext uri="{FF2B5EF4-FFF2-40B4-BE49-F238E27FC236}">
+                <a16:creationId xmlns:a16="http://schemas.microsoft.com/office/drawing/2014/main" id="{371901DE-BA84-4862-937C-92BB80B52005}"/>
+              </a:ext>
+            </a:extLst>
+          </p:cNvPr>
           <p:cNvSpPr>
             <a:spLocks noGrp="1"/>
           </p:cNvSpPr>
@@ -18514,7 +21630,13 @@
       </p:sp>
       <p:sp>
         <p:nvSpPr>
-          <p:cNvPr id="9" name="Slide Number Placeholder 8"/>
+          <p:cNvPr id="9" name="Slide Number Placeholder 8">
+            <a:extLst>
+              <a:ext uri="{FF2B5EF4-FFF2-40B4-BE49-F238E27FC236}">
+                <a16:creationId xmlns:a16="http://schemas.microsoft.com/office/drawing/2014/main" id="{38D03FE7-F2AE-4D8A-88BF-AEA62313DDAB}"/>
+              </a:ext>
+            </a:extLst>
+          </p:cNvPr>
           <p:cNvSpPr>
             <a:spLocks noGrp="1"/>
           </p:cNvSpPr>
@@ -18538,7 +21660,7 @@
     </p:spTree>
     <p:extLst>
       <p:ext uri="{BB962C8B-B14F-4D97-AF65-F5344CB8AC3E}">
-        <p14:creationId xmlns:p14="http://schemas.microsoft.com/office/powerpoint/2010/main" val="3930960436"/>
+        <p14:creationId xmlns:p14="http://schemas.microsoft.com/office/powerpoint/2010/main" val="3168380123"/>
       </p:ext>
     </p:extLst>
   </p:cSld>
@@ -18567,7 +21689,13 @@
       </p:grpSpPr>
       <p:sp>
         <p:nvSpPr>
-          <p:cNvPr id="6" name="Title 5"/>
+          <p:cNvPr id="2" name="Title 1">
+            <a:extLst>
+              <a:ext uri="{FF2B5EF4-FFF2-40B4-BE49-F238E27FC236}">
+                <a16:creationId xmlns:a16="http://schemas.microsoft.com/office/drawing/2014/main" id="{E9C5799B-39B8-42B2-A7C6-883A9E5E6804}"/>
+              </a:ext>
+            </a:extLst>
+          </p:cNvPr>
           <p:cNvSpPr>
             <a:spLocks noGrp="1"/>
           </p:cNvSpPr>
@@ -18584,13 +21712,19 @@
               <a:rPr lang="en-US" altLang="zh-CN"/>
               <a:t>Click to edit Master title style</a:t>
             </a:r>
-            <a:endParaRPr lang="en-US" dirty="0"/>
+            <a:endParaRPr lang="zh-CN" altLang="en-US"/>
           </a:p>
         </p:txBody>
       </p:sp>
       <p:sp>
         <p:nvSpPr>
-          <p:cNvPr id="3" name="Date Placeholder 2"/>
+          <p:cNvPr id="3" name="Date Placeholder 2">
+            <a:extLst>
+              <a:ext uri="{FF2B5EF4-FFF2-40B4-BE49-F238E27FC236}">
+                <a16:creationId xmlns:a16="http://schemas.microsoft.com/office/drawing/2014/main" id="{7E20A677-4C03-4AB8-BA6E-FFED211EE230}"/>
+              </a:ext>
+            </a:extLst>
+          </p:cNvPr>
           <p:cNvSpPr>
             <a:spLocks noGrp="1"/>
           </p:cNvSpPr>
@@ -18605,7 +21739,7 @@
           <a:p>
             <a:fld id="{10A48F74-127B-42CF-888B-710581E03464}" type="datetimeFigureOut">
               <a:rPr lang="zh-CN" altLang="en-US" smtClean="0"/>
-              <a:t>2020/11/2</a:t>
+              <a:t>2020/11/4</a:t>
             </a:fld>
             <a:endParaRPr lang="zh-CN" altLang="en-US"/>
           </a:p>
@@ -18613,7 +21747,13 @@
       </p:sp>
       <p:sp>
         <p:nvSpPr>
-          <p:cNvPr id="4" name="Footer Placeholder 3"/>
+          <p:cNvPr id="4" name="Footer Placeholder 3">
+            <a:extLst>
+              <a:ext uri="{FF2B5EF4-FFF2-40B4-BE49-F238E27FC236}">
+                <a16:creationId xmlns:a16="http://schemas.microsoft.com/office/drawing/2014/main" id="{3E488971-5864-4488-BCB5-25A50FD888B3}"/>
+              </a:ext>
+            </a:extLst>
+          </p:cNvPr>
           <p:cNvSpPr>
             <a:spLocks noGrp="1"/>
           </p:cNvSpPr>
@@ -18632,7 +21772,13 @@
       </p:sp>
       <p:sp>
         <p:nvSpPr>
-          <p:cNvPr id="5" name="Slide Number Placeholder 4"/>
+          <p:cNvPr id="5" name="Slide Number Placeholder 4">
+            <a:extLst>
+              <a:ext uri="{FF2B5EF4-FFF2-40B4-BE49-F238E27FC236}">
+                <a16:creationId xmlns:a16="http://schemas.microsoft.com/office/drawing/2014/main" id="{4251D420-5653-4875-A085-32DF6E9E3841}"/>
+              </a:ext>
+            </a:extLst>
+          </p:cNvPr>
           <p:cNvSpPr>
             <a:spLocks noGrp="1"/>
           </p:cNvSpPr>
@@ -18656,7 +21802,7 @@
     </p:spTree>
     <p:extLst>
       <p:ext uri="{BB962C8B-B14F-4D97-AF65-F5344CB8AC3E}">
-        <p14:creationId xmlns:p14="http://schemas.microsoft.com/office/powerpoint/2010/main" val="3962605593"/>
+        <p14:creationId xmlns:p14="http://schemas.microsoft.com/office/powerpoint/2010/main" val="1517870523"/>
       </p:ext>
     </p:extLst>
   </p:cSld>
@@ -18685,7 +21831,13 @@
       </p:grpSpPr>
       <p:sp>
         <p:nvSpPr>
-          <p:cNvPr id="2" name="Date Placeholder 1"/>
+          <p:cNvPr id="2" name="Date Placeholder 1">
+            <a:extLst>
+              <a:ext uri="{FF2B5EF4-FFF2-40B4-BE49-F238E27FC236}">
+                <a16:creationId xmlns:a16="http://schemas.microsoft.com/office/drawing/2014/main" id="{7DFC095E-24E5-46E0-84E0-5980606B4379}"/>
+              </a:ext>
+            </a:extLst>
+          </p:cNvPr>
           <p:cNvSpPr>
             <a:spLocks noGrp="1"/>
           </p:cNvSpPr>
@@ -18700,7 +21852,7 @@
           <a:p>
             <a:fld id="{10A48F74-127B-42CF-888B-710581E03464}" type="datetimeFigureOut">
               <a:rPr lang="zh-CN" altLang="en-US" smtClean="0"/>
-              <a:t>2020/11/2</a:t>
+              <a:t>2020/11/4</a:t>
             </a:fld>
             <a:endParaRPr lang="zh-CN" altLang="en-US"/>
           </a:p>
@@ -18708,7 +21860,13 @@
       </p:sp>
       <p:sp>
         <p:nvSpPr>
-          <p:cNvPr id="3" name="Footer Placeholder 2"/>
+          <p:cNvPr id="3" name="Footer Placeholder 2">
+            <a:extLst>
+              <a:ext uri="{FF2B5EF4-FFF2-40B4-BE49-F238E27FC236}">
+                <a16:creationId xmlns:a16="http://schemas.microsoft.com/office/drawing/2014/main" id="{8D03A5BF-B47F-4846-86DA-2CD40DB2E9B4}"/>
+              </a:ext>
+            </a:extLst>
+          </p:cNvPr>
           <p:cNvSpPr>
             <a:spLocks noGrp="1"/>
           </p:cNvSpPr>
@@ -18727,7 +21885,13 @@
       </p:sp>
       <p:sp>
         <p:nvSpPr>
-          <p:cNvPr id="4" name="Slide Number Placeholder 3"/>
+          <p:cNvPr id="4" name="Slide Number Placeholder 3">
+            <a:extLst>
+              <a:ext uri="{FF2B5EF4-FFF2-40B4-BE49-F238E27FC236}">
+                <a16:creationId xmlns:a16="http://schemas.microsoft.com/office/drawing/2014/main" id="{339E5616-3988-4FC4-9F1E-50C5B4548D12}"/>
+              </a:ext>
+            </a:extLst>
+          </p:cNvPr>
           <p:cNvSpPr>
             <a:spLocks noGrp="1"/>
           </p:cNvSpPr>
@@ -18751,7 +21915,7 @@
     </p:spTree>
     <p:extLst>
       <p:ext uri="{BB962C8B-B14F-4D97-AF65-F5344CB8AC3E}">
-        <p14:creationId xmlns:p14="http://schemas.microsoft.com/office/powerpoint/2010/main" val="76266771"/>
+        <p14:creationId xmlns:p14="http://schemas.microsoft.com/office/powerpoint/2010/main" val="2586912561"/>
       </p:ext>
     </p:extLst>
   </p:cSld>
@@ -18780,42 +21944,13 @@
       </p:grpSpPr>
       <p:sp>
         <p:nvSpPr>
-          <p:cNvPr id="2" name="Rectangle 1"/>
-          <p:cNvSpPr/>
-          <p:nvPr/>
-        </p:nvSpPr>
-        <p:spPr>
-          <a:xfrm>
-            <a:off x="7620000" y="0"/>
-            <a:ext cx="4572000" cy="6858000"/>
-          </a:xfrm>
-          <a:prstGeom prst="rect">
-            <a:avLst/>
-          </a:prstGeom>
-          <a:ln>
-            <a:noFill/>
-          </a:ln>
-        </p:spPr>
-        <p:style>
-          <a:lnRef idx="2">
-            <a:schemeClr val="accent1">
-              <a:shade val="50000"/>
-            </a:schemeClr>
-          </a:lnRef>
-          <a:fillRef idx="1">
-            <a:schemeClr val="accent1"/>
-          </a:fillRef>
-          <a:effectRef idx="0">
-            <a:schemeClr val="accent1"/>
-          </a:effectRef>
-          <a:fontRef idx="minor">
-            <a:schemeClr val="lt1"/>
-          </a:fontRef>
-        </p:style>
-      </p:sp>
-      <p:sp>
-        <p:nvSpPr>
-          <p:cNvPr id="9" name="Title 8"/>
+          <p:cNvPr id="2" name="Title 1">
+            <a:extLst>
+              <a:ext uri="{FF2B5EF4-FFF2-40B4-BE49-F238E27FC236}">
+                <a16:creationId xmlns:a16="http://schemas.microsoft.com/office/drawing/2014/main" id="{1153392A-C16D-4587-9850-239527B5DCE4}"/>
+              </a:ext>
+            </a:extLst>
+          </p:cNvPr>
           <p:cNvSpPr>
             <a:spLocks noGrp="1"/>
           </p:cNvSpPr>
@@ -18825,24 +21960,15 @@
         </p:nvSpPr>
         <p:spPr>
           <a:xfrm>
-            <a:off x="8261404" y="542282"/>
-            <a:ext cx="3383280" cy="1920240"/>
+            <a:off x="839788" y="457200"/>
+            <a:ext cx="3932237" cy="1600200"/>
           </a:xfrm>
         </p:spPr>
         <p:txBody>
-          <a:bodyPr anchor="b">
-            <a:noAutofit/>
-          </a:bodyPr>
+          <a:bodyPr anchor="b"/>
           <a:lstStyle>
             <a:lvl1pPr>
-              <a:lnSpc>
-                <a:spcPct val="85000"/>
-              </a:lnSpc>
-              <a:defRPr sz="4000">
-                <a:solidFill>
-                  <a:srgbClr val="FFFFFF"/>
-                </a:solidFill>
-              </a:defRPr>
+              <a:defRPr sz="3200"/>
             </a:lvl1pPr>
           </a:lstStyle>
           <a:p>
@@ -18850,13 +21976,19 @@
               <a:rPr lang="en-US" altLang="zh-CN"/>
               <a:t>Click to edit Master title style</a:t>
             </a:r>
-            <a:endParaRPr lang="en-US" dirty="0"/>
+            <a:endParaRPr lang="zh-CN" altLang="en-US"/>
           </a:p>
         </p:txBody>
       </p:sp>
       <p:sp>
         <p:nvSpPr>
-          <p:cNvPr id="3" name="Content Placeholder 2"/>
+          <p:cNvPr id="3" name="Content Placeholder 2">
+            <a:extLst>
+              <a:ext uri="{FF2B5EF4-FFF2-40B4-BE49-F238E27FC236}">
+                <a16:creationId xmlns:a16="http://schemas.microsoft.com/office/drawing/2014/main" id="{38B73E8C-5000-481C-BBED-690A70F494A0}"/>
+              </a:ext>
+            </a:extLst>
+          </p:cNvPr>
           <p:cNvSpPr>
             <a:spLocks noGrp="1"/>
           </p:cNvSpPr>
@@ -18866,8 +21998,8 @@
         </p:nvSpPr>
         <p:spPr>
           <a:xfrm>
-            <a:off x="762000" y="762000"/>
-            <a:ext cx="6096000" cy="4572000"/>
+            <a:off x="5183188" y="987425"/>
+            <a:ext cx="6172200" cy="4873625"/>
           </a:xfrm>
         </p:spPr>
         <p:txBody>
@@ -18935,13 +22067,19 @@
               <a:rPr lang="en-US" altLang="zh-CN"/>
               <a:t>Fifth level</a:t>
             </a:r>
-            <a:endParaRPr lang="en-US" dirty="0"/>
+            <a:endParaRPr lang="zh-CN" altLang="en-US"/>
           </a:p>
         </p:txBody>
       </p:sp>
       <p:sp>
         <p:nvSpPr>
-          <p:cNvPr id="4" name="Text Placeholder 3"/>
+          <p:cNvPr id="4" name="Text Placeholder 3">
+            <a:extLst>
+              <a:ext uri="{FF2B5EF4-FFF2-40B4-BE49-F238E27FC236}">
+                <a16:creationId xmlns:a16="http://schemas.microsoft.com/office/drawing/2014/main" id="{167E6AAE-8637-4E63-9385-F47E0E5783D2}"/>
+              </a:ext>
+            </a:extLst>
+          </p:cNvPr>
           <p:cNvSpPr>
             <a:spLocks noGrp="1"/>
           </p:cNvSpPr>
@@ -18951,87 +22089,52 @@
         </p:nvSpPr>
         <p:spPr>
           <a:xfrm>
-            <a:off x="8275982" y="2511813"/>
-            <a:ext cx="3398520" cy="3126987"/>
+            <a:off x="839788" y="2057400"/>
+            <a:ext cx="3932237" cy="3811588"/>
           </a:xfrm>
         </p:spPr>
         <p:txBody>
-          <a:bodyPr>
-            <a:normAutofit/>
-          </a:bodyPr>
+          <a:bodyPr/>
           <a:lstStyle>
-            <a:lvl1pPr marL="0" marR="0" indent="0" algn="l" defTabSz="914400" rtl="0" eaLnBrk="1" fontAlgn="auto" latinLnBrk="0" hangingPunct="1">
-              <a:lnSpc>
-                <a:spcPct val="100000"/>
-              </a:lnSpc>
-              <a:spcBef>
-                <a:spcPts val="1200"/>
-              </a:spcBef>
-              <a:spcAft>
-                <a:spcPts val="0"/>
-              </a:spcAft>
-              <a:buClrTx/>
-              <a:buSzTx/>
-              <a:buFontTx/>
+            <a:lvl1pPr marL="0" indent="0">
               <a:buNone/>
-              <a:tabLst/>
-              <a:defRPr sz="1800">
-                <a:solidFill>
-                  <a:srgbClr val="262626"/>
-                </a:solidFill>
-              </a:defRPr>
+              <a:defRPr sz="1600"/>
             </a:lvl1pPr>
             <a:lvl2pPr marL="457200" indent="0">
               <a:buNone/>
-              <a:defRPr sz="1200"/>
+              <a:defRPr sz="1400"/>
             </a:lvl2pPr>
             <a:lvl3pPr marL="914400" indent="0">
               <a:buNone/>
-              <a:defRPr sz="1000"/>
+              <a:defRPr sz="1200"/>
             </a:lvl3pPr>
             <a:lvl4pPr marL="1371600" indent="0">
               <a:buNone/>
-              <a:defRPr sz="900"/>
+              <a:defRPr sz="1000"/>
             </a:lvl4pPr>
             <a:lvl5pPr marL="1828800" indent="0">
               <a:buNone/>
-              <a:defRPr sz="900"/>
+              <a:defRPr sz="1000"/>
             </a:lvl5pPr>
             <a:lvl6pPr marL="2286000" indent="0">
               <a:buNone/>
-              <a:defRPr sz="900"/>
+              <a:defRPr sz="1000"/>
             </a:lvl6pPr>
             <a:lvl7pPr marL="2743200" indent="0">
               <a:buNone/>
-              <a:defRPr sz="900"/>
+              <a:defRPr sz="1000"/>
             </a:lvl7pPr>
             <a:lvl8pPr marL="3200400" indent="0">
               <a:buNone/>
-              <a:defRPr sz="900"/>
+              <a:defRPr sz="1000"/>
             </a:lvl8pPr>
             <a:lvl9pPr marL="3657600" indent="0">
               <a:buNone/>
-              <a:defRPr sz="900"/>
+              <a:defRPr sz="1000"/>
             </a:lvl9pPr>
           </a:lstStyle>
           <a:p>
-            <a:pPr marL="0" marR="0" lvl="0" indent="0" algn="l" defTabSz="914400" rtl="0" eaLnBrk="1" fontAlgn="auto" latinLnBrk="0" hangingPunct="1">
-              <a:lnSpc>
-                <a:spcPct val="100000"/>
-              </a:lnSpc>
-              <a:spcBef>
-                <a:spcPts val="1400"/>
-              </a:spcBef>
-              <a:spcAft>
-                <a:spcPts val="0"/>
-              </a:spcAft>
-              <a:buClrTx/>
-              <a:buSzTx/>
-              <a:buFontTx/>
-              <a:buNone/>
-              <a:tabLst/>
-              <a:defRPr/>
-            </a:pPr>
+            <a:pPr lvl="0"/>
             <a:r>
               <a:rPr lang="en-US" altLang="zh-CN"/>
               <a:t>Click to edit Master text styles</a:t>
@@ -19041,7 +22144,13 @@
       </p:sp>
       <p:sp>
         <p:nvSpPr>
-          <p:cNvPr id="5" name="Date Placeholder 4"/>
+          <p:cNvPr id="5" name="Date Placeholder 4">
+            <a:extLst>
+              <a:ext uri="{FF2B5EF4-FFF2-40B4-BE49-F238E27FC236}">
+                <a16:creationId xmlns:a16="http://schemas.microsoft.com/office/drawing/2014/main" id="{36418692-2799-42FF-88CA-E1BD6CC888D7}"/>
+              </a:ext>
+            </a:extLst>
+          </p:cNvPr>
           <p:cNvSpPr>
             <a:spLocks noGrp="1"/>
           </p:cNvSpPr>
@@ -19056,7 +22165,7 @@
           <a:p>
             <a:fld id="{10A48F74-127B-42CF-888B-710581E03464}" type="datetimeFigureOut">
               <a:rPr lang="zh-CN" altLang="en-US" smtClean="0"/>
-              <a:t>2020/11/2</a:t>
+              <a:t>2020/11/4</a:t>
             </a:fld>
             <a:endParaRPr lang="zh-CN" altLang="en-US"/>
           </a:p>
@@ -19064,7 +22173,13 @@
       </p:sp>
       <p:sp>
         <p:nvSpPr>
-          <p:cNvPr id="6" name="Footer Placeholder 5"/>
+          <p:cNvPr id="6" name="Footer Placeholder 5">
+            <a:extLst>
+              <a:ext uri="{FF2B5EF4-FFF2-40B4-BE49-F238E27FC236}">
+                <a16:creationId xmlns:a16="http://schemas.microsoft.com/office/drawing/2014/main" id="{3679CB4C-8138-4D20-9F59-8F933D9E9D7F}"/>
+              </a:ext>
+            </a:extLst>
+          </p:cNvPr>
           <p:cNvSpPr>
             <a:spLocks noGrp="1"/>
           </p:cNvSpPr>
@@ -19083,7 +22198,13 @@
       </p:sp>
       <p:sp>
         <p:nvSpPr>
-          <p:cNvPr id="7" name="Slide Number Placeholder 6"/>
+          <p:cNvPr id="7" name="Slide Number Placeholder 6">
+            <a:extLst>
+              <a:ext uri="{FF2B5EF4-FFF2-40B4-BE49-F238E27FC236}">
+                <a16:creationId xmlns:a16="http://schemas.microsoft.com/office/drawing/2014/main" id="{6399F66E-895A-4436-80ED-EC10FAEB5E5F}"/>
+              </a:ext>
+            </a:extLst>
+          </p:cNvPr>
           <p:cNvSpPr>
             <a:spLocks noGrp="1"/>
           </p:cNvSpPr>
@@ -19094,17 +22215,7 @@
         <p:spPr/>
         <p:txBody>
           <a:bodyPr/>
-          <a:lstStyle>
-            <a:lvl1pPr>
-              <a:defRPr>
-                <a:solidFill>
-                  <a:srgbClr val="FFFFFF">
-                    <a:alpha val="20000"/>
-                  </a:srgbClr>
-                </a:solidFill>
-              </a:defRPr>
-            </a:lvl1pPr>
-          </a:lstStyle>
+          <a:lstStyle/>
           <a:p>
             <a:fld id="{C9A9B34B-905B-4F4A-BC66-D257533B6BB0}" type="slidenum">
               <a:rPr lang="zh-CN" altLang="en-US" smtClean="0"/>
@@ -19117,7 +22228,7 @@
     </p:spTree>
     <p:extLst>
       <p:ext uri="{BB962C8B-B14F-4D97-AF65-F5344CB8AC3E}">
-        <p14:creationId xmlns:p14="http://schemas.microsoft.com/office/powerpoint/2010/main" val="884462367"/>
+        <p14:creationId xmlns:p14="http://schemas.microsoft.com/office/powerpoint/2010/main" val="540596768"/>
       </p:ext>
     </p:extLst>
   </p:cSld>
@@ -19130,14 +22241,6 @@
 <file path=ppt/slideLayouts/slideLayout9.xml><?xml version="1.0" encoding="utf-8"?>
 <p:sldLayout xmlns:a="http://schemas.openxmlformats.org/drawingml/2006/main" xmlns:r="http://schemas.openxmlformats.org/officeDocument/2006/relationships" xmlns:p="http://schemas.openxmlformats.org/presentationml/2006/main" type="picTx" preserve="1">
   <p:cSld name="Picture with Caption">
-    <p:bg>
-      <p:bgPr>
-        <a:solidFill>
-          <a:schemeClr val="accent1"/>
-        </a:solidFill>
-        <a:effectLst/>
-      </p:bgPr>
-    </p:bg>
     <p:spTree>
       <p:nvGrpSpPr>
         <p:cNvPr id="1" name=""/>
@@ -19154,7 +22257,13 @@
       </p:grpSpPr>
       <p:sp>
         <p:nvSpPr>
-          <p:cNvPr id="2" name="Title 1"/>
+          <p:cNvPr id="2" name="Title 1">
+            <a:extLst>
+              <a:ext uri="{FF2B5EF4-FFF2-40B4-BE49-F238E27FC236}">
+                <a16:creationId xmlns:a16="http://schemas.microsoft.com/office/drawing/2014/main" id="{733CDEFA-A448-44BC-A03C-C5DEF47787CA}"/>
+              </a:ext>
+            </a:extLst>
+          </p:cNvPr>
           <p:cNvSpPr>
             <a:spLocks noGrp="1"/>
           </p:cNvSpPr>
@@ -19164,21 +22273,15 @@
         </p:nvSpPr>
         <p:spPr>
           <a:xfrm>
-            <a:off x="649224" y="5418667"/>
-            <a:ext cx="10780776" cy="613283"/>
+            <a:off x="839788" y="457200"/>
+            <a:ext cx="3932237" cy="1600200"/>
           </a:xfrm>
         </p:spPr>
         <p:txBody>
-          <a:bodyPr anchor="b">
-            <a:normAutofit/>
-          </a:bodyPr>
+          <a:bodyPr anchor="b"/>
           <a:lstStyle>
             <a:lvl1pPr>
-              <a:defRPr sz="3200" b="0">
-                <a:solidFill>
-                  <a:srgbClr val="FFFFFF"/>
-                </a:solidFill>
-              </a:defRPr>
+              <a:defRPr sz="3200"/>
             </a:lvl1pPr>
           </a:lstStyle>
           <a:p>
@@ -19186,15 +22289,21 @@
               <a:rPr lang="en-US" altLang="zh-CN"/>
               <a:t>Click to edit Master title style</a:t>
             </a:r>
-            <a:endParaRPr lang="en-US" dirty="0"/>
+            <a:endParaRPr lang="zh-CN" altLang="en-US"/>
           </a:p>
         </p:txBody>
       </p:sp>
       <p:sp>
         <p:nvSpPr>
-          <p:cNvPr id="3" name="Picture Placeholder 2"/>
+          <p:cNvPr id="3" name="Picture Placeholder 2">
+            <a:extLst>
+              <a:ext uri="{FF2B5EF4-FFF2-40B4-BE49-F238E27FC236}">
+                <a16:creationId xmlns:a16="http://schemas.microsoft.com/office/drawing/2014/main" id="{7120FF47-1794-42C0-8A54-5DFBDF417523}"/>
+              </a:ext>
+            </a:extLst>
+          </p:cNvPr>
           <p:cNvSpPr>
-            <a:spLocks noGrp="1" noChangeAspect="1"/>
+            <a:spLocks noGrp="1"/>
           </p:cNvSpPr>
           <p:nvPr>
             <p:ph type="pic" idx="1"/>
@@ -19202,32 +22311,16 @@
         </p:nvSpPr>
         <p:spPr>
           <a:xfrm>
-            <a:off x="0" y="0"/>
-            <a:ext cx="12192000" cy="5330952"/>
+            <a:off x="5183188" y="987425"/>
+            <a:ext cx="6172200" cy="4873625"/>
           </a:xfrm>
-          <a:solidFill>
-            <a:schemeClr val="accent1">
-              <a:lumMod val="40000"/>
-              <a:lumOff val="60000"/>
-            </a:schemeClr>
-          </a:solidFill>
         </p:spPr>
         <p:txBody>
-          <a:bodyPr anchor="t"/>
+          <a:bodyPr/>
           <a:lstStyle>
-            <a:lvl1pPr marL="0" indent="0" algn="ctr">
-              <a:spcBef>
-                <a:spcPts val="800"/>
-              </a:spcBef>
+            <a:lvl1pPr marL="0" indent="0">
               <a:buNone/>
-              <a:defRPr sz="3200">
-                <a:solidFill>
-                  <a:schemeClr val="tx1">
-                    <a:lumMod val="75000"/>
-                    <a:lumOff val="25000"/>
-                  </a:schemeClr>
-                </a:solidFill>
-              </a:defRPr>
+              <a:defRPr sz="3200"/>
             </a:lvl1pPr>
             <a:lvl2pPr marL="457200" indent="0">
               <a:buNone/>
@@ -19263,17 +22356,19 @@
             </a:lvl9pPr>
           </a:lstStyle>
           <a:p>
-            <a:r>
-              <a:rPr lang="en-US" altLang="zh-CN"/>
-              <a:t>Click icon to add picture</a:t>
-            </a:r>
-            <a:endParaRPr lang="en-US" dirty="0"/>
+            <a:endParaRPr lang="zh-CN" altLang="en-US"/>
           </a:p>
         </p:txBody>
       </p:sp>
       <p:sp>
         <p:nvSpPr>
-          <p:cNvPr id="4" name="Text Placeholder 3"/>
+          <p:cNvPr id="4" name="Text Placeholder 3">
+            <a:extLst>
+              <a:ext uri="{FF2B5EF4-FFF2-40B4-BE49-F238E27FC236}">
+                <a16:creationId xmlns:a16="http://schemas.microsoft.com/office/drawing/2014/main" id="{FE727C95-4F79-4F06-8789-97F6C73824CA}"/>
+              </a:ext>
+            </a:extLst>
+          </p:cNvPr>
           <p:cNvSpPr>
             <a:spLocks noGrp="1"/>
           </p:cNvSpPr>
@@ -19283,57 +22378,48 @@
         </p:nvSpPr>
         <p:spPr>
           <a:xfrm>
-            <a:off x="676656" y="5909735"/>
-            <a:ext cx="9229344" cy="533400"/>
+            <a:off x="839788" y="2057400"/>
+            <a:ext cx="3932237" cy="3811588"/>
           </a:xfrm>
         </p:spPr>
         <p:txBody>
-          <a:bodyPr>
-            <a:normAutofit/>
-          </a:bodyPr>
+          <a:bodyPr/>
           <a:lstStyle>
             <a:lvl1pPr marL="0" indent="0">
-              <a:lnSpc>
-                <a:spcPct val="90000"/>
-              </a:lnSpc>
               <a:buNone/>
-              <a:defRPr sz="1400">
-                <a:solidFill>
-                  <a:srgbClr val="262626"/>
-                </a:solidFill>
-              </a:defRPr>
+              <a:defRPr sz="1600"/>
             </a:lvl1pPr>
             <a:lvl2pPr marL="457200" indent="0">
               <a:buNone/>
-              <a:defRPr sz="1200"/>
+              <a:defRPr sz="1400"/>
             </a:lvl2pPr>
             <a:lvl3pPr marL="914400" indent="0">
               <a:buNone/>
-              <a:defRPr sz="1000"/>
+              <a:defRPr sz="1200"/>
             </a:lvl3pPr>
             <a:lvl4pPr marL="1371600" indent="0">
               <a:buNone/>
-              <a:defRPr sz="900"/>
+              <a:defRPr sz="1000"/>
             </a:lvl4pPr>
             <a:lvl5pPr marL="1828800" indent="0">
               <a:buNone/>
-              <a:defRPr sz="900"/>
+              <a:defRPr sz="1000"/>
             </a:lvl5pPr>
             <a:lvl6pPr marL="2286000" indent="0">
               <a:buNone/>
-              <a:defRPr sz="900"/>
+              <a:defRPr sz="1000"/>
             </a:lvl6pPr>
             <a:lvl7pPr marL="2743200" indent="0">
               <a:buNone/>
-              <a:defRPr sz="900"/>
+              <a:defRPr sz="1000"/>
             </a:lvl7pPr>
             <a:lvl8pPr marL="3200400" indent="0">
               <a:buNone/>
-              <a:defRPr sz="900"/>
+              <a:defRPr sz="1000"/>
             </a:lvl8pPr>
             <a:lvl9pPr marL="3657600" indent="0">
               <a:buNone/>
-              <a:defRPr sz="900"/>
+              <a:defRPr sz="1000"/>
             </a:lvl9pPr>
           </a:lstStyle>
           <a:p>
@@ -19347,7 +22433,13 @@
       </p:sp>
       <p:sp>
         <p:nvSpPr>
-          <p:cNvPr id="12" name="Date Placeholder 11"/>
+          <p:cNvPr id="5" name="Date Placeholder 4">
+            <a:extLst>
+              <a:ext uri="{FF2B5EF4-FFF2-40B4-BE49-F238E27FC236}">
+                <a16:creationId xmlns:a16="http://schemas.microsoft.com/office/drawing/2014/main" id="{EB336AF9-0AF0-43B8-A88F-446AF8FDB0C0}"/>
+              </a:ext>
+            </a:extLst>
+          </p:cNvPr>
           <p:cNvSpPr>
             <a:spLocks noGrp="1"/>
           </p:cNvSpPr>
@@ -19358,21 +22450,11 @@
         <p:spPr/>
         <p:txBody>
           <a:bodyPr/>
-          <a:lstStyle>
-            <a:lvl1pPr>
-              <a:defRPr>
-                <a:solidFill>
-                  <a:srgbClr val="FFFFFF">
-                    <a:alpha val="80000"/>
-                  </a:srgbClr>
-                </a:solidFill>
-              </a:defRPr>
-            </a:lvl1pPr>
-          </a:lstStyle>
+          <a:lstStyle/>
           <a:p>
             <a:fld id="{10A48F74-127B-42CF-888B-710581E03464}" type="datetimeFigureOut">
               <a:rPr lang="zh-CN" altLang="en-US" smtClean="0"/>
-              <a:t>2020/11/2</a:t>
+              <a:t>2020/11/4</a:t>
             </a:fld>
             <a:endParaRPr lang="zh-CN" altLang="en-US"/>
           </a:p>
@@ -19380,7 +22462,13 @@
       </p:sp>
       <p:sp>
         <p:nvSpPr>
-          <p:cNvPr id="13" name="Footer Placeholder 12"/>
+          <p:cNvPr id="6" name="Footer Placeholder 5">
+            <a:extLst>
+              <a:ext uri="{FF2B5EF4-FFF2-40B4-BE49-F238E27FC236}">
+                <a16:creationId xmlns:a16="http://schemas.microsoft.com/office/drawing/2014/main" id="{ABC29A0A-33C8-4893-ABCE-639710817BB4}"/>
+              </a:ext>
+            </a:extLst>
+          </p:cNvPr>
           <p:cNvSpPr>
             <a:spLocks noGrp="1"/>
           </p:cNvSpPr>
@@ -19391,17 +22479,7 @@
         <p:spPr/>
         <p:txBody>
           <a:bodyPr/>
-          <a:lstStyle>
-            <a:lvl1pPr>
-              <a:defRPr>
-                <a:solidFill>
-                  <a:srgbClr val="FFFFFF">
-                    <a:alpha val="80000"/>
-                  </a:srgbClr>
-                </a:solidFill>
-              </a:defRPr>
-            </a:lvl1pPr>
-          </a:lstStyle>
+          <a:lstStyle/>
           <a:p>
             <a:endParaRPr lang="zh-CN" altLang="en-US"/>
           </a:p>
@@ -19409,7 +22487,13 @@
       </p:sp>
       <p:sp>
         <p:nvSpPr>
-          <p:cNvPr id="14" name="Slide Number Placeholder 13"/>
+          <p:cNvPr id="7" name="Slide Number Placeholder 6">
+            <a:extLst>
+              <a:ext uri="{FF2B5EF4-FFF2-40B4-BE49-F238E27FC236}">
+                <a16:creationId xmlns:a16="http://schemas.microsoft.com/office/drawing/2014/main" id="{AF9561F2-0951-4333-872E-224086816541}"/>
+              </a:ext>
+            </a:extLst>
+          </p:cNvPr>
           <p:cNvSpPr>
             <a:spLocks noGrp="1"/>
           </p:cNvSpPr>
@@ -19420,17 +22504,7 @@
         <p:spPr/>
         <p:txBody>
           <a:bodyPr/>
-          <a:lstStyle>
-            <a:lvl1pPr>
-              <a:defRPr>
-                <a:solidFill>
-                  <a:srgbClr val="FFFFFF">
-                    <a:alpha val="25000"/>
-                  </a:srgbClr>
-                </a:solidFill>
-              </a:defRPr>
-            </a:lvl1pPr>
-          </a:lstStyle>
+          <a:lstStyle/>
           <a:p>
             <a:fld id="{C9A9B34B-905B-4F4A-BC66-D257533B6BB0}" type="slidenum">
               <a:rPr lang="zh-CN" altLang="en-US" smtClean="0"/>
@@ -19443,12 +22517,12 @@
     </p:spTree>
     <p:extLst>
       <p:ext uri="{BB962C8B-B14F-4D97-AF65-F5344CB8AC3E}">
-        <p14:creationId xmlns:p14="http://schemas.microsoft.com/office/powerpoint/2010/main" val="3388388748"/>
+        <p14:creationId xmlns:p14="http://schemas.microsoft.com/office/powerpoint/2010/main" val="2509910872"/>
       </p:ext>
     </p:extLst>
   </p:cSld>
   <p:clrMapOvr>
-    <a:overrideClrMapping bg1="lt1" tx1="dk1" bg2="lt2" tx2="dk2" accent1="accent1" accent2="accent2" accent3="accent3" accent4="accent4" accent5="accent5" accent6="accent6" hlink="hlink" folHlink="folHlink"/>
+    <a:masterClrMapping/>
   </p:clrMapOvr>
 </p:sldLayout>
 </file>
@@ -19477,7 +22551,13 @@
       </p:grpSpPr>
       <p:sp>
         <p:nvSpPr>
-          <p:cNvPr id="2" name="Title Placeholder 1"/>
+          <p:cNvPr id="2" name="Title Placeholder 1">
+            <a:extLst>
+              <a:ext uri="{FF2B5EF4-FFF2-40B4-BE49-F238E27FC236}">
+                <a16:creationId xmlns:a16="http://schemas.microsoft.com/office/drawing/2014/main" id="{B272F5A9-B72A-43B2-935D-4EBAF127063F}"/>
+              </a:ext>
+            </a:extLst>
+          </p:cNvPr>
           <p:cNvSpPr>
             <a:spLocks noGrp="1"/>
           </p:cNvSpPr>
@@ -19487,8 +22567,8 @@
         </p:nvSpPr>
         <p:spPr>
           <a:xfrm>
-            <a:off x="657224" y="499533"/>
-            <a:ext cx="10772775" cy="1658198"/>
+            <a:off x="838200" y="365125"/>
+            <a:ext cx="10515600" cy="1325563"/>
           </a:xfrm>
           <a:prstGeom prst="rect">
             <a:avLst/>
@@ -19504,13 +22584,19 @@
               <a:rPr lang="en-US" altLang="zh-CN"/>
               <a:t>Click to edit Master title style</a:t>
             </a:r>
-            <a:endParaRPr lang="en-US" dirty="0"/>
+            <a:endParaRPr lang="zh-CN" altLang="en-US"/>
           </a:p>
         </p:txBody>
       </p:sp>
       <p:sp>
         <p:nvSpPr>
-          <p:cNvPr id="3" name="Text Placeholder 2"/>
+          <p:cNvPr id="3" name="Text Placeholder 2">
+            <a:extLst>
+              <a:ext uri="{FF2B5EF4-FFF2-40B4-BE49-F238E27FC236}">
+                <a16:creationId xmlns:a16="http://schemas.microsoft.com/office/drawing/2014/main" id="{F09DAFBA-F486-4F7E-AC43-94C2BED217A2}"/>
+              </a:ext>
+            </a:extLst>
+          </p:cNvPr>
           <p:cNvSpPr>
             <a:spLocks noGrp="1"/>
           </p:cNvSpPr>
@@ -19520,8 +22606,8 @@
         </p:nvSpPr>
         <p:spPr>
           <a:xfrm>
-            <a:off x="676656" y="2011680"/>
-            <a:ext cx="10753725" cy="3766185"/>
+            <a:off x="838200" y="1825625"/>
+            <a:ext cx="10515600" cy="4351338"/>
           </a:xfrm>
           <a:prstGeom prst="rect">
             <a:avLst/>
@@ -19566,13 +22652,19 @@
               <a:rPr lang="en-US" altLang="zh-CN"/>
               <a:t>Fifth level</a:t>
             </a:r>
-            <a:endParaRPr lang="en-US" dirty="0"/>
+            <a:endParaRPr lang="zh-CN" altLang="en-US"/>
           </a:p>
         </p:txBody>
       </p:sp>
       <p:sp>
         <p:nvSpPr>
-          <p:cNvPr id="4" name="Date Placeholder 3"/>
+          <p:cNvPr id="4" name="Date Placeholder 3">
+            <a:extLst>
+              <a:ext uri="{FF2B5EF4-FFF2-40B4-BE49-F238E27FC236}">
+                <a16:creationId xmlns:a16="http://schemas.microsoft.com/office/drawing/2014/main" id="{1542B6BC-DD5B-43CA-A2E3-9C30EBBDB48C}"/>
+              </a:ext>
+            </a:extLst>
+          </p:cNvPr>
           <p:cNvSpPr>
             <a:spLocks noGrp="1"/>
           </p:cNvSpPr>
@@ -19582,8 +22674,8 @@
         </p:nvSpPr>
         <p:spPr>
           <a:xfrm>
-            <a:off x="685800" y="6412447"/>
-            <a:ext cx="4114800" cy="228600"/>
+            <a:off x="838200" y="6356350"/>
+            <a:ext cx="2743200" cy="365125"/>
           </a:xfrm>
           <a:prstGeom prst="rect">
             <a:avLst/>
@@ -19593,10 +22685,10 @@
           <a:bodyPr vert="horz" lIns="91440" tIns="45720" rIns="91440" bIns="45720" rtlCol="0" anchor="ctr"/>
           <a:lstStyle>
             <a:lvl1pPr algn="l">
-              <a:defRPr sz="950">
+              <a:defRPr sz="1200">
                 <a:solidFill>
                   <a:schemeClr val="tx1">
-                    <a:alpha val="80000"/>
+                    <a:tint val="75000"/>
                   </a:schemeClr>
                 </a:solidFill>
               </a:defRPr>
@@ -19605,7 +22697,7 @@
           <a:p>
             <a:fld id="{10A48F74-127B-42CF-888B-710581E03464}" type="datetimeFigureOut">
               <a:rPr lang="zh-CN" altLang="en-US" smtClean="0"/>
-              <a:t>2020/11/2</a:t>
+              <a:t>2020/11/4</a:t>
             </a:fld>
             <a:endParaRPr lang="zh-CN" altLang="en-US"/>
           </a:p>
@@ -19613,7 +22705,13 @@
       </p:sp>
       <p:sp>
         <p:nvSpPr>
-          <p:cNvPr id="5" name="Footer Placeholder 4"/>
+          <p:cNvPr id="5" name="Footer Placeholder 4">
+            <a:extLst>
+              <a:ext uri="{FF2B5EF4-FFF2-40B4-BE49-F238E27FC236}">
+                <a16:creationId xmlns:a16="http://schemas.microsoft.com/office/drawing/2014/main" id="{23FDEDB1-BE3A-47AC-8C3B-A1170F85E7A8}"/>
+              </a:ext>
+            </a:extLst>
+          </p:cNvPr>
           <p:cNvSpPr>
             <a:spLocks noGrp="1"/>
           </p:cNvSpPr>
@@ -19623,8 +22721,8 @@
         </p:nvSpPr>
         <p:spPr>
           <a:xfrm>
-            <a:off x="685800" y="6554697"/>
-            <a:ext cx="5029200" cy="228600"/>
+            <a:off x="4038600" y="6356350"/>
+            <a:ext cx="4114800" cy="365125"/>
           </a:xfrm>
           <a:prstGeom prst="rect">
             <a:avLst/>
@@ -19633,11 +22731,11 @@
         <p:txBody>
           <a:bodyPr vert="horz" lIns="91440" tIns="45720" rIns="91440" bIns="45720" rtlCol="0" anchor="ctr"/>
           <a:lstStyle>
-            <a:lvl1pPr algn="l">
-              <a:defRPr sz="950" cap="all" baseline="0">
+            <a:lvl1pPr algn="ctr">
+              <a:defRPr sz="1200">
                 <a:solidFill>
                   <a:schemeClr val="tx1">
-                    <a:alpha val="80000"/>
+                    <a:tint val="75000"/>
                   </a:schemeClr>
                 </a:solidFill>
               </a:defRPr>
@@ -19650,7 +22748,13 @@
       </p:sp>
       <p:sp>
         <p:nvSpPr>
-          <p:cNvPr id="6" name="Slide Number Placeholder 5"/>
+          <p:cNvPr id="6" name="Slide Number Placeholder 5">
+            <a:extLst>
+              <a:ext uri="{FF2B5EF4-FFF2-40B4-BE49-F238E27FC236}">
+                <a16:creationId xmlns:a16="http://schemas.microsoft.com/office/drawing/2014/main" id="{1EA83F51-6245-480F-9B60-985E4443FED5}"/>
+              </a:ext>
+            </a:extLst>
+          </p:cNvPr>
           <p:cNvSpPr>
             <a:spLocks noGrp="1"/>
           </p:cNvSpPr>
@@ -19660,27 +22764,23 @@
         </p:nvSpPr>
         <p:spPr>
           <a:xfrm>
-            <a:off x="8763926" y="5876412"/>
-            <a:ext cx="2926080" cy="1397039"/>
+            <a:off x="8610600" y="6356350"/>
+            <a:ext cx="2743200" cy="365125"/>
           </a:xfrm>
           <a:prstGeom prst="rect">
             <a:avLst/>
           </a:prstGeom>
         </p:spPr>
         <p:txBody>
-          <a:bodyPr vert="horz" lIns="91440" tIns="45720" rIns="91440" bIns="45720" rtlCol="0" anchor="b"/>
+          <a:bodyPr vert="horz" lIns="91440" tIns="45720" rIns="91440" bIns="45720" rtlCol="0" anchor="ctr"/>
           <a:lstStyle>
             <a:lvl1pPr algn="r">
-              <a:defRPr sz="10300" b="0">
-                <a:ln>
-                  <a:noFill/>
-                </a:ln>
+              <a:defRPr sz="1200">
                 <a:solidFill>
-                  <a:schemeClr val="accent1">
-                    <a:alpha val="25000"/>
+                  <a:schemeClr val="tx1">
+                    <a:tint val="75000"/>
                   </a:schemeClr>
                 </a:solidFill>
-                <a:latin typeface="+mj-lt"/>
               </a:defRPr>
             </a:lvl1pPr>
           </a:lstStyle>
@@ -19696,37 +22796,37 @@
     </p:spTree>
     <p:extLst>
       <p:ext uri="{BB962C8B-B14F-4D97-AF65-F5344CB8AC3E}">
-        <p14:creationId xmlns:p14="http://schemas.microsoft.com/office/powerpoint/2010/main" val="1313156560"/>
+        <p14:creationId xmlns:p14="http://schemas.microsoft.com/office/powerpoint/2010/main" val="507026668"/>
       </p:ext>
     </p:extLst>
   </p:cSld>
   <p:clrMap bg1="lt1" tx1="dk1" bg2="lt2" tx2="dk2" accent1="accent1" accent2="accent2" accent3="accent3" accent4="accent4" accent5="accent5" accent6="accent6" hlink="hlink" folHlink="folHlink"/>
   <p:sldLayoutIdLst>
-    <p:sldLayoutId id="2147483661" r:id="rId1"/>
-    <p:sldLayoutId id="2147483662" r:id="rId2"/>
-    <p:sldLayoutId id="2147483663" r:id="rId3"/>
-    <p:sldLayoutId id="2147483664" r:id="rId4"/>
-    <p:sldLayoutId id="2147483665" r:id="rId5"/>
-    <p:sldLayoutId id="2147483666" r:id="rId6"/>
-    <p:sldLayoutId id="2147483667" r:id="rId7"/>
-    <p:sldLayoutId id="2147483668" r:id="rId8"/>
-    <p:sldLayoutId id="2147483669" r:id="rId9"/>
-    <p:sldLayoutId id="2147483670" r:id="rId10"/>
-    <p:sldLayoutId id="2147483671" r:id="rId11"/>
+    <p:sldLayoutId id="2147483673" r:id="rId1"/>
+    <p:sldLayoutId id="2147483674" r:id="rId2"/>
+    <p:sldLayoutId id="2147483675" r:id="rId3"/>
+    <p:sldLayoutId id="2147483676" r:id="rId4"/>
+    <p:sldLayoutId id="2147483677" r:id="rId5"/>
+    <p:sldLayoutId id="2147483678" r:id="rId6"/>
+    <p:sldLayoutId id="2147483679" r:id="rId7"/>
+    <p:sldLayoutId id="2147483680" r:id="rId8"/>
+    <p:sldLayoutId id="2147483681" r:id="rId9"/>
+    <p:sldLayoutId id="2147483682" r:id="rId10"/>
+    <p:sldLayoutId id="2147483683" r:id="rId11"/>
   </p:sldLayoutIdLst>
   <p:txStyles>
     <p:titleStyle>
       <a:lvl1pPr algn="l" defTabSz="914400" rtl="0" eaLnBrk="1" latinLnBrk="0" hangingPunct="1">
         <a:lnSpc>
-          <a:spcPct val="85000"/>
+          <a:spcPct val="90000"/>
         </a:lnSpc>
         <a:spcBef>
           <a:spcPct val="0"/>
         </a:spcBef>
         <a:buNone/>
-        <a:defRPr sz="5400" kern="1200" spc="-120" baseline="0">
+        <a:defRPr sz="4400" kern="1200">
           <a:solidFill>
-            <a:schemeClr val="accent1"/>
+            <a:schemeClr val="tx1"/>
           </a:solidFill>
           <a:latin typeface="+mj-lt"/>
           <a:ea typeface="+mj-ea"/>
@@ -19735,189 +22835,162 @@
       </a:lvl1pPr>
     </p:titleStyle>
     <p:bodyStyle>
-      <a:lvl1pPr marL="91440" indent="-91440" algn="l" defTabSz="914400" rtl="0" eaLnBrk="1" latinLnBrk="0" hangingPunct="1">
+      <a:lvl1pPr marL="228600" indent="-228600" algn="l" defTabSz="914400" rtl="0" eaLnBrk="1" latinLnBrk="0" hangingPunct="1">
         <a:lnSpc>
-          <a:spcPct val="85000"/>
+          <a:spcPct val="90000"/>
         </a:lnSpc>
         <a:spcBef>
-          <a:spcPts val="1300"/>
+          <a:spcPts val="1000"/>
         </a:spcBef>
-        <a:buFont typeface="Arial" pitchFamily="34" charset="0"/>
-        <a:buChar char=" "/>
-        <a:defRPr sz="2400" kern="1200">
+        <a:buFont typeface="Arial" panose="020B0604020202020204" pitchFamily="34" charset="0"/>
+        <a:buChar char="•"/>
+        <a:defRPr sz="2800" kern="1200">
           <a:solidFill>
-            <a:schemeClr val="tx1">
-              <a:lumMod val="85000"/>
-              <a:lumOff val="15000"/>
-            </a:schemeClr>
+            <a:schemeClr val="tx1"/>
           </a:solidFill>
           <a:latin typeface="+mn-lt"/>
           <a:ea typeface="+mn-ea"/>
           <a:cs typeface="+mn-cs"/>
         </a:defRPr>
       </a:lvl1pPr>
-      <a:lvl2pPr marL="347472" indent="-342900" algn="l" defTabSz="914400" rtl="0" eaLnBrk="1" latinLnBrk="0" hangingPunct="1">
+      <a:lvl2pPr marL="685800" indent="-228600" algn="l" defTabSz="914400" rtl="0" eaLnBrk="1" latinLnBrk="0" hangingPunct="1">
         <a:lnSpc>
-          <a:spcPct val="85000"/>
+          <a:spcPct val="90000"/>
         </a:lnSpc>
         <a:spcBef>
-          <a:spcPts val="600"/>
+          <a:spcPts val="500"/>
         </a:spcBef>
-        <a:buFont typeface="Arial" pitchFamily="34" charset="0"/>
-        <a:buChar char=" "/>
+        <a:buFont typeface="Arial" panose="020B0604020202020204" pitchFamily="34" charset="0"/>
+        <a:buChar char="•"/>
         <a:defRPr sz="2400" kern="1200">
           <a:solidFill>
-            <a:schemeClr val="tx1">
-              <a:lumMod val="85000"/>
-              <a:lumOff val="15000"/>
-            </a:schemeClr>
+            <a:schemeClr val="tx1"/>
           </a:solidFill>
           <a:latin typeface="+mn-lt"/>
           <a:ea typeface="+mn-ea"/>
           <a:cs typeface="+mn-cs"/>
         </a:defRPr>
       </a:lvl2pPr>
-      <a:lvl3pPr marL="548640" indent="-548640" algn="l" defTabSz="914400" rtl="0" eaLnBrk="1" latinLnBrk="0" hangingPunct="1">
+      <a:lvl3pPr marL="1143000" indent="-228600" algn="l" defTabSz="914400" rtl="0" eaLnBrk="1" latinLnBrk="0" hangingPunct="1">
         <a:lnSpc>
-          <a:spcPct val="85000"/>
+          <a:spcPct val="90000"/>
         </a:lnSpc>
         <a:spcBef>
-          <a:spcPts val="600"/>
+          <a:spcPts val="500"/>
         </a:spcBef>
-        <a:buFont typeface="Arial" pitchFamily="34" charset="0"/>
-        <a:buChar char=" "/>
-        <a:defRPr sz="2000" i="1" kern="1200">
+        <a:buFont typeface="Arial" panose="020B0604020202020204" pitchFamily="34" charset="0"/>
+        <a:buChar char="•"/>
+        <a:defRPr sz="2000" kern="1200">
           <a:solidFill>
-            <a:schemeClr val="tx1">
-              <a:lumMod val="85000"/>
-              <a:lumOff val="15000"/>
-            </a:schemeClr>
+            <a:schemeClr val="tx1"/>
           </a:solidFill>
           <a:latin typeface="+mn-lt"/>
           <a:ea typeface="+mn-ea"/>
           <a:cs typeface="+mn-cs"/>
         </a:defRPr>
       </a:lvl3pPr>
-      <a:lvl4pPr marL="822960" indent="-822960" algn="l" defTabSz="914400" rtl="0" eaLnBrk="1" latinLnBrk="0" hangingPunct="1">
+      <a:lvl4pPr marL="1600200" indent="-228600" algn="l" defTabSz="914400" rtl="0" eaLnBrk="1" latinLnBrk="0" hangingPunct="1">
         <a:lnSpc>
-          <a:spcPct val="85000"/>
+          <a:spcPct val="90000"/>
         </a:lnSpc>
         <a:spcBef>
-          <a:spcPts val="600"/>
+          <a:spcPts val="500"/>
         </a:spcBef>
-        <a:buFont typeface="Arial" pitchFamily="34" charset="0"/>
-        <a:buChar char=" "/>
+        <a:buFont typeface="Arial" panose="020B0604020202020204" pitchFamily="34" charset="0"/>
+        <a:buChar char="•"/>
         <a:defRPr sz="1800" kern="1200">
           <a:solidFill>
-            <a:schemeClr val="tx1">
-              <a:lumMod val="85000"/>
-              <a:lumOff val="15000"/>
-            </a:schemeClr>
+            <a:schemeClr val="tx1"/>
           </a:solidFill>
           <a:latin typeface="+mn-lt"/>
           <a:ea typeface="+mn-ea"/>
           <a:cs typeface="+mn-cs"/>
         </a:defRPr>
       </a:lvl4pPr>
-      <a:lvl5pPr marL="1097280" indent="-1097280" algn="l" defTabSz="914400" rtl="0" eaLnBrk="1" latinLnBrk="0" hangingPunct="1">
+      <a:lvl5pPr marL="2057400" indent="-228600" algn="l" defTabSz="914400" rtl="0" eaLnBrk="1" latinLnBrk="0" hangingPunct="1">
         <a:lnSpc>
-          <a:spcPct val="85000"/>
+          <a:spcPct val="90000"/>
         </a:lnSpc>
         <a:spcBef>
-          <a:spcPts val="600"/>
+          <a:spcPts val="500"/>
         </a:spcBef>
-        <a:buFont typeface="Arial" pitchFamily="34" charset="0"/>
-        <a:buChar char=" "/>
+        <a:buFont typeface="Arial" panose="020B0604020202020204" pitchFamily="34" charset="0"/>
+        <a:buChar char="•"/>
         <a:defRPr sz="1800" kern="1200">
           <a:solidFill>
-            <a:schemeClr val="tx1">
-              <a:lumMod val="85000"/>
-              <a:lumOff val="15000"/>
-            </a:schemeClr>
+            <a:schemeClr val="tx1"/>
           </a:solidFill>
           <a:latin typeface="+mn-lt"/>
           <a:ea typeface="+mn-ea"/>
           <a:cs typeface="+mn-cs"/>
         </a:defRPr>
       </a:lvl5pPr>
-      <a:lvl6pPr marL="1200000" indent="-228600" algn="l" defTabSz="914400" rtl="0" eaLnBrk="1" latinLnBrk="0" hangingPunct="1">
+      <a:lvl6pPr marL="2514600" indent="-228600" algn="l" defTabSz="914400" rtl="0" eaLnBrk="1" latinLnBrk="0" hangingPunct="1">
         <a:lnSpc>
-          <a:spcPct val="85000"/>
+          <a:spcPct val="90000"/>
         </a:lnSpc>
         <a:spcBef>
-          <a:spcPts val="600"/>
+          <a:spcPts val="500"/>
         </a:spcBef>
-        <a:buFont typeface="Arial" pitchFamily="34" charset="0"/>
-        <a:buChar char=" "/>
+        <a:buFont typeface="Arial" panose="020B0604020202020204" pitchFamily="34" charset="0"/>
+        <a:buChar char="•"/>
         <a:defRPr sz="1800" kern="1200">
           <a:solidFill>
-            <a:schemeClr val="tx1">
-              <a:lumMod val="85000"/>
-              <a:lumOff val="15000"/>
-            </a:schemeClr>
+            <a:schemeClr val="tx1"/>
           </a:solidFill>
           <a:latin typeface="+mn-lt"/>
           <a:ea typeface="+mn-ea"/>
           <a:cs typeface="+mn-cs"/>
         </a:defRPr>
       </a:lvl6pPr>
-      <a:lvl7pPr marL="1400000" indent="-228600" algn="l" defTabSz="914400" rtl="0" eaLnBrk="1" latinLnBrk="0" hangingPunct="1">
+      <a:lvl7pPr marL="2971800" indent="-228600" algn="l" defTabSz="914400" rtl="0" eaLnBrk="1" latinLnBrk="0" hangingPunct="1">
         <a:lnSpc>
-          <a:spcPct val="85000"/>
+          <a:spcPct val="90000"/>
         </a:lnSpc>
         <a:spcBef>
-          <a:spcPts val="600"/>
+          <a:spcPts val="500"/>
         </a:spcBef>
-        <a:buFont typeface="Arial" pitchFamily="34" charset="0"/>
-        <a:buChar char=" "/>
+        <a:buFont typeface="Arial" panose="020B0604020202020204" pitchFamily="34" charset="0"/>
+        <a:buChar char="•"/>
         <a:defRPr sz="1800" kern="1200">
           <a:solidFill>
-            <a:schemeClr val="tx1">
-              <a:lumMod val="85000"/>
-              <a:lumOff val="15000"/>
-            </a:schemeClr>
+            <a:schemeClr val="tx1"/>
           </a:solidFill>
           <a:latin typeface="+mn-lt"/>
           <a:ea typeface="+mn-ea"/>
           <a:cs typeface="+mn-cs"/>
         </a:defRPr>
       </a:lvl7pPr>
-      <a:lvl8pPr marL="1600000" indent="-228600" algn="l" defTabSz="914400" rtl="0" eaLnBrk="1" latinLnBrk="0" hangingPunct="1">
+      <a:lvl8pPr marL="3429000" indent="-228600" algn="l" defTabSz="914400" rtl="0" eaLnBrk="1" latinLnBrk="0" hangingPunct="1">
         <a:lnSpc>
-          <a:spcPct val="85000"/>
+          <a:spcPct val="90000"/>
         </a:lnSpc>
         <a:spcBef>
-          <a:spcPts val="600"/>
+          <a:spcPts val="500"/>
         </a:spcBef>
-        <a:buFont typeface="Arial" pitchFamily="34" charset="0"/>
-        <a:buChar char=" "/>
+        <a:buFont typeface="Arial" panose="020B0604020202020204" pitchFamily="34" charset="0"/>
+        <a:buChar char="•"/>
         <a:defRPr sz="1800" kern="1200">
           <a:solidFill>
-            <a:schemeClr val="tx1">
-              <a:lumMod val="85000"/>
-              <a:lumOff val="15000"/>
-            </a:schemeClr>
+            <a:schemeClr val="tx1"/>
           </a:solidFill>
           <a:latin typeface="+mn-lt"/>
           <a:ea typeface="+mn-ea"/>
           <a:cs typeface="+mn-cs"/>
         </a:defRPr>
       </a:lvl8pPr>
-      <a:lvl9pPr marL="1800000" indent="-228600" algn="l" defTabSz="914400" rtl="0" eaLnBrk="1" latinLnBrk="0" hangingPunct="1">
+      <a:lvl9pPr marL="3886200" indent="-228600" algn="l" defTabSz="914400" rtl="0" eaLnBrk="1" latinLnBrk="0" hangingPunct="1">
         <a:lnSpc>
-          <a:spcPct val="85000"/>
+          <a:spcPct val="90000"/>
         </a:lnSpc>
         <a:spcBef>
-          <a:spcPts val="600"/>
+          <a:spcPts val="500"/>
         </a:spcBef>
-        <a:buFont typeface="Arial" pitchFamily="34" charset="0"/>
-        <a:buChar char=" "/>
+        <a:buFont typeface="Arial" panose="020B0604020202020204" pitchFamily="34" charset="0"/>
+        <a:buChar char="•"/>
         <a:defRPr sz="1800" kern="1200">
           <a:solidFill>
-            <a:schemeClr val="tx1">
-              <a:lumMod val="85000"/>
-              <a:lumOff val="15000"/>
-            </a:schemeClr>
+            <a:schemeClr val="tx1"/>
           </a:solidFill>
           <a:latin typeface="+mn-lt"/>
           <a:ea typeface="+mn-ea"/>
@@ -19927,7 +23000,7 @@
     </p:bodyStyle>
     <p:otherStyle>
       <a:defPPr>
-        <a:defRPr lang="en-US"/>
+        <a:defRPr lang="zh-CN"/>
       </a:defPPr>
       <a:lvl1pPr marL="0" algn="l" defTabSz="914400" rtl="0" eaLnBrk="1" latinLnBrk="0" hangingPunct="1">
         <a:defRPr sz="1800" kern="1200">
@@ -20131,6 +23204,153 @@
       </p:grpSpPr>
       <p:sp>
         <p:nvSpPr>
+          <p:cNvPr id="16" name="Rectangle: Rounded Corners 15">
+            <a:extLst>
+              <a:ext uri="{FF2B5EF4-FFF2-40B4-BE49-F238E27FC236}">
+                <a16:creationId xmlns:a16="http://schemas.microsoft.com/office/drawing/2014/main" id="{35864A06-C71D-4974-8F9C-C26766E9C784}"/>
+              </a:ext>
+            </a:extLst>
+          </p:cNvPr>
+          <p:cNvSpPr/>
+          <p:nvPr/>
+        </p:nvSpPr>
+        <p:spPr>
+          <a:xfrm>
+            <a:off x="5678749" y="1144835"/>
+            <a:ext cx="834501" cy="852256"/>
+          </a:xfrm>
+          <a:prstGeom prst="roundRect">
+            <a:avLst/>
+          </a:prstGeom>
+          <a:solidFill>
+            <a:srgbClr val="FF0000"/>
+          </a:solidFill>
+        </p:spPr>
+        <p:style>
+          <a:lnRef idx="2">
+            <a:schemeClr val="accent1">
+              <a:shade val="50000"/>
+            </a:schemeClr>
+          </a:lnRef>
+          <a:fillRef idx="1">
+            <a:schemeClr val="accent1"/>
+          </a:fillRef>
+          <a:effectRef idx="0">
+            <a:schemeClr val="accent1"/>
+          </a:effectRef>
+          <a:fontRef idx="minor">
+            <a:schemeClr val="lt1"/>
+          </a:fontRef>
+        </p:style>
+        <p:txBody>
+          <a:bodyPr rtlCol="0" anchor="ctr"/>
+          <a:lstStyle/>
+          <a:p>
+            <a:pPr algn="ctr"/>
+            <a:endParaRPr lang="zh-CN" altLang="en-US"/>
+          </a:p>
+        </p:txBody>
+      </p:sp>
+      <p:sp>
+        <p:nvSpPr>
+          <p:cNvPr id="14" name="Oval 13">
+            <a:extLst>
+              <a:ext uri="{FF2B5EF4-FFF2-40B4-BE49-F238E27FC236}">
+                <a16:creationId xmlns:a16="http://schemas.microsoft.com/office/drawing/2014/main" id="{C847B1E2-E03E-45EF-87C4-F0D1016C6A83}"/>
+              </a:ext>
+            </a:extLst>
+          </p:cNvPr>
+          <p:cNvSpPr/>
+          <p:nvPr/>
+        </p:nvSpPr>
+        <p:spPr>
+          <a:xfrm>
+            <a:off x="4195439" y="1259189"/>
+            <a:ext cx="630314" cy="666881"/>
+          </a:xfrm>
+          <a:prstGeom prst="ellipse">
+            <a:avLst/>
+          </a:prstGeom>
+          <a:solidFill>
+            <a:srgbClr val="FF0000"/>
+          </a:solidFill>
+        </p:spPr>
+        <p:style>
+          <a:lnRef idx="2">
+            <a:schemeClr val="accent1">
+              <a:shade val="50000"/>
+            </a:schemeClr>
+          </a:lnRef>
+          <a:fillRef idx="1">
+            <a:schemeClr val="accent1"/>
+          </a:fillRef>
+          <a:effectRef idx="0">
+            <a:schemeClr val="accent1"/>
+          </a:effectRef>
+          <a:fontRef idx="minor">
+            <a:schemeClr val="lt1"/>
+          </a:fontRef>
+        </p:style>
+        <p:txBody>
+          <a:bodyPr rtlCol="0" anchor="ctr"/>
+          <a:lstStyle/>
+          <a:p>
+            <a:pPr algn="ctr"/>
+            <a:endParaRPr lang="zh-CN" altLang="en-US"/>
+          </a:p>
+        </p:txBody>
+      </p:sp>
+      <p:sp>
+        <p:nvSpPr>
+          <p:cNvPr id="9" name="Rectangle 8">
+            <a:extLst>
+              <a:ext uri="{FF2B5EF4-FFF2-40B4-BE49-F238E27FC236}">
+                <a16:creationId xmlns:a16="http://schemas.microsoft.com/office/drawing/2014/main" id="{0FFC9F18-E45D-40FA-9EC8-6C229CE4B206}"/>
+              </a:ext>
+            </a:extLst>
+          </p:cNvPr>
+          <p:cNvSpPr/>
+          <p:nvPr/>
+        </p:nvSpPr>
+        <p:spPr>
+          <a:xfrm>
+            <a:off x="2891160" y="1144835"/>
+            <a:ext cx="949911" cy="852256"/>
+          </a:xfrm>
+          <a:prstGeom prst="rect">
+            <a:avLst/>
+          </a:prstGeom>
+          <a:solidFill>
+            <a:srgbClr val="FF0000"/>
+          </a:solidFill>
+        </p:spPr>
+        <p:style>
+          <a:lnRef idx="2">
+            <a:schemeClr val="accent1">
+              <a:shade val="50000"/>
+            </a:schemeClr>
+          </a:lnRef>
+          <a:fillRef idx="1">
+            <a:schemeClr val="accent1"/>
+          </a:fillRef>
+          <a:effectRef idx="0">
+            <a:schemeClr val="accent1"/>
+          </a:effectRef>
+          <a:fontRef idx="minor">
+            <a:schemeClr val="lt1"/>
+          </a:fontRef>
+        </p:style>
+        <p:txBody>
+          <a:bodyPr rtlCol="0" anchor="ctr"/>
+          <a:lstStyle/>
+          <a:p>
+            <a:pPr algn="ctr"/>
+            <a:endParaRPr lang="zh-CN" altLang="en-US"/>
+          </a:p>
+        </p:txBody>
+      </p:sp>
+      <p:sp>
+        <p:nvSpPr>
           <p:cNvPr id="2" name="Title 1">
             <a:extLst>
               <a:ext uri="{FF2B5EF4-FFF2-40B4-BE49-F238E27FC236}">
@@ -20191,7 +23411,605 @@
           <a:p>
             <a:r>
               <a:rPr lang="en-US" altLang="zh-CN" dirty="0"/>
-              <a:t>Q2. how do we ‘quantify’ the triangle?</a:t>
+              <a:t>Q1. how do we find triangle in different background?</a:t>
+            </a:r>
+          </a:p>
+        </p:txBody>
+      </p:sp>
+      <p:sp>
+        <p:nvSpPr>
+          <p:cNvPr id="8" name="Isosceles Triangle 7">
+            <a:extLst>
+              <a:ext uri="{FF2B5EF4-FFF2-40B4-BE49-F238E27FC236}">
+                <a16:creationId xmlns:a16="http://schemas.microsoft.com/office/drawing/2014/main" id="{0592D786-78C0-4F1C-8DE9-73E85FFA99D3}"/>
+              </a:ext>
+            </a:extLst>
+          </p:cNvPr>
+          <p:cNvSpPr/>
+          <p:nvPr/>
+        </p:nvSpPr>
+        <p:spPr>
+          <a:xfrm>
+            <a:off x="3042822" y="1293281"/>
+            <a:ext cx="630314" cy="523783"/>
+          </a:xfrm>
+          <a:prstGeom prst="triangle">
+            <a:avLst/>
+          </a:prstGeom>
+        </p:spPr>
+        <p:style>
+          <a:lnRef idx="2">
+            <a:schemeClr val="accent1">
+              <a:shade val="50000"/>
+            </a:schemeClr>
+          </a:lnRef>
+          <a:fillRef idx="1">
+            <a:schemeClr val="accent1"/>
+          </a:fillRef>
+          <a:effectRef idx="0">
+            <a:schemeClr val="accent1"/>
+          </a:effectRef>
+          <a:fontRef idx="minor">
+            <a:schemeClr val="lt1"/>
+          </a:fontRef>
+        </p:style>
+        <p:txBody>
+          <a:bodyPr rtlCol="0" anchor="ctr"/>
+          <a:lstStyle/>
+          <a:p>
+            <a:pPr algn="ctr"/>
+            <a:endParaRPr lang="zh-CN" altLang="en-US"/>
+          </a:p>
+        </p:txBody>
+      </p:sp>
+      <p:sp>
+        <p:nvSpPr>
+          <p:cNvPr id="11" name="Isosceles Triangle 10">
+            <a:extLst>
+              <a:ext uri="{FF2B5EF4-FFF2-40B4-BE49-F238E27FC236}">
+                <a16:creationId xmlns:a16="http://schemas.microsoft.com/office/drawing/2014/main" id="{8981A9AA-C6BC-424E-A6F6-D00C5EED395A}"/>
+              </a:ext>
+            </a:extLst>
+          </p:cNvPr>
+          <p:cNvSpPr/>
+          <p:nvPr/>
+        </p:nvSpPr>
+        <p:spPr>
+          <a:xfrm>
+            <a:off x="4210975" y="1262450"/>
+            <a:ext cx="630314" cy="523783"/>
+          </a:xfrm>
+          <a:prstGeom prst="triangle">
+            <a:avLst/>
+          </a:prstGeom>
+        </p:spPr>
+        <p:style>
+          <a:lnRef idx="2">
+            <a:schemeClr val="accent1">
+              <a:shade val="50000"/>
+            </a:schemeClr>
+          </a:lnRef>
+          <a:fillRef idx="1">
+            <a:schemeClr val="accent1"/>
+          </a:fillRef>
+          <a:effectRef idx="0">
+            <a:schemeClr val="accent1"/>
+          </a:effectRef>
+          <a:fontRef idx="minor">
+            <a:schemeClr val="lt1"/>
+          </a:fontRef>
+        </p:style>
+        <p:txBody>
+          <a:bodyPr rtlCol="0" anchor="ctr"/>
+          <a:lstStyle/>
+          <a:p>
+            <a:pPr algn="ctr"/>
+            <a:endParaRPr lang="zh-CN" altLang="en-US"/>
+          </a:p>
+        </p:txBody>
+      </p:sp>
+      <p:sp>
+        <p:nvSpPr>
+          <p:cNvPr id="13" name="Isosceles Triangle 12">
+            <a:extLst>
+              <a:ext uri="{FF2B5EF4-FFF2-40B4-BE49-F238E27FC236}">
+                <a16:creationId xmlns:a16="http://schemas.microsoft.com/office/drawing/2014/main" id="{E402C24F-6930-4AB9-8094-6553E155C09C}"/>
+              </a:ext>
+            </a:extLst>
+          </p:cNvPr>
+          <p:cNvSpPr/>
+          <p:nvPr/>
+        </p:nvSpPr>
+        <p:spPr>
+          <a:xfrm>
+            <a:off x="5476043" y="1262450"/>
+            <a:ext cx="630314" cy="523783"/>
+          </a:xfrm>
+          <a:prstGeom prst="triangle">
+            <a:avLst/>
+          </a:prstGeom>
+        </p:spPr>
+        <p:style>
+          <a:lnRef idx="2">
+            <a:schemeClr val="accent1">
+              <a:shade val="50000"/>
+            </a:schemeClr>
+          </a:lnRef>
+          <a:fillRef idx="1">
+            <a:schemeClr val="accent1"/>
+          </a:fillRef>
+          <a:effectRef idx="0">
+            <a:schemeClr val="accent1"/>
+          </a:effectRef>
+          <a:fontRef idx="minor">
+            <a:schemeClr val="lt1"/>
+          </a:fontRef>
+        </p:style>
+        <p:txBody>
+          <a:bodyPr rtlCol="0" anchor="ctr"/>
+          <a:lstStyle/>
+          <a:p>
+            <a:pPr algn="ctr"/>
+            <a:endParaRPr lang="zh-CN" altLang="en-US"/>
+          </a:p>
+        </p:txBody>
+      </p:sp>
+      <p:graphicFrame>
+        <p:nvGraphicFramePr>
+          <p:cNvPr id="7" name="Chart 6">
+            <a:extLst>
+              <a:ext uri="{FF2B5EF4-FFF2-40B4-BE49-F238E27FC236}">
+                <a16:creationId xmlns:a16="http://schemas.microsoft.com/office/drawing/2014/main" id="{664A38A9-E605-4AB1-9360-FD1C6F4C3E3A}"/>
+              </a:ext>
+            </a:extLst>
+          </p:cNvPr>
+          <p:cNvGraphicFramePr>
+            <a:graphicFrameLocks/>
+          </p:cNvGraphicFramePr>
+          <p:nvPr>
+            <p:extLst>
+              <p:ext uri="{D42A27DB-BD31-4B8C-83A1-F6EECF244321}">
+                <p14:modId xmlns:p14="http://schemas.microsoft.com/office/powerpoint/2010/main" val="3575664426"/>
+              </p:ext>
+            </p:extLst>
+          </p:nvPr>
+        </p:nvGraphicFramePr>
+        <p:xfrm>
+          <a:off x="3360566" y="2302437"/>
+          <a:ext cx="3707905" cy="2224743"/>
+        </p:xfrm>
+        <a:graphic>
+          <a:graphicData uri="http://schemas.openxmlformats.org/drawingml/2006/chart">
+            <c:chart xmlns:c="http://schemas.openxmlformats.org/drawingml/2006/chart" xmlns:r="http://schemas.openxmlformats.org/officeDocument/2006/relationships" r:id="rId2"/>
+          </a:graphicData>
+        </a:graphic>
+      </p:graphicFrame>
+      <p:graphicFrame>
+        <p:nvGraphicFramePr>
+          <p:cNvPr id="10" name="Chart 9">
+            <a:extLst>
+              <a:ext uri="{FF2B5EF4-FFF2-40B4-BE49-F238E27FC236}">
+                <a16:creationId xmlns:a16="http://schemas.microsoft.com/office/drawing/2014/main" id="{B1C762FD-D165-4884-806A-6E73D1E3073C}"/>
+              </a:ext>
+            </a:extLst>
+          </p:cNvPr>
+          <p:cNvGraphicFramePr>
+            <a:graphicFrameLocks/>
+          </p:cNvGraphicFramePr>
+          <p:nvPr>
+            <p:extLst>
+              <p:ext uri="{D42A27DB-BD31-4B8C-83A1-F6EECF244321}">
+                <p14:modId xmlns:p14="http://schemas.microsoft.com/office/powerpoint/2010/main" val="1989187085"/>
+              </p:ext>
+            </p:extLst>
+          </p:nvPr>
+        </p:nvGraphicFramePr>
+        <p:xfrm>
+          <a:off x="3371663" y="4552426"/>
+          <a:ext cx="3707905" cy="2224742"/>
+        </p:xfrm>
+        <a:graphic>
+          <a:graphicData uri="http://schemas.openxmlformats.org/drawingml/2006/chart">
+            <c:chart xmlns:c="http://schemas.openxmlformats.org/drawingml/2006/chart" xmlns:r="http://schemas.openxmlformats.org/officeDocument/2006/relationships" r:id="rId3"/>
+          </a:graphicData>
+        </a:graphic>
+      </p:graphicFrame>
+      <p:graphicFrame>
+        <p:nvGraphicFramePr>
+          <p:cNvPr id="12" name="Chart 11">
+            <a:extLst>
+              <a:ext uri="{FF2B5EF4-FFF2-40B4-BE49-F238E27FC236}">
+                <a16:creationId xmlns:a16="http://schemas.microsoft.com/office/drawing/2014/main" id="{E63AC44B-9277-4172-B1EA-385A0F07EA0E}"/>
+              </a:ext>
+            </a:extLst>
+          </p:cNvPr>
+          <p:cNvGraphicFramePr>
+            <a:graphicFrameLocks/>
+          </p:cNvGraphicFramePr>
+          <p:nvPr>
+            <p:extLst>
+              <p:ext uri="{D42A27DB-BD31-4B8C-83A1-F6EECF244321}">
+                <p14:modId xmlns:p14="http://schemas.microsoft.com/office/powerpoint/2010/main" val="1981700949"/>
+              </p:ext>
+            </p:extLst>
+          </p:nvPr>
+        </p:nvGraphicFramePr>
+        <p:xfrm>
+          <a:off x="-113570" y="3211416"/>
+          <a:ext cx="3378759" cy="2027256"/>
+        </p:xfrm>
+        <a:graphic>
+          <a:graphicData uri="http://schemas.openxmlformats.org/drawingml/2006/chart">
+            <c:chart xmlns:c="http://schemas.openxmlformats.org/drawingml/2006/chart" xmlns:r="http://schemas.openxmlformats.org/officeDocument/2006/relationships" r:id="rId4"/>
+          </a:graphicData>
+        </a:graphic>
+      </p:graphicFrame>
+      <p:cxnSp>
+        <p:nvCxnSpPr>
+          <p:cNvPr id="17" name="Straight Arrow Connector 16">
+            <a:extLst>
+              <a:ext uri="{FF2B5EF4-FFF2-40B4-BE49-F238E27FC236}">
+                <a16:creationId xmlns:a16="http://schemas.microsoft.com/office/drawing/2014/main" id="{BCB578E1-D6B5-4321-AE5D-6EE24841001D}"/>
+              </a:ext>
+            </a:extLst>
+          </p:cNvPr>
+          <p:cNvCxnSpPr/>
+          <p:nvPr/>
+        </p:nvCxnSpPr>
+        <p:spPr>
+          <a:xfrm flipV="1">
+            <a:off x="3142695" y="3211416"/>
+            <a:ext cx="443884" cy="605982"/>
+          </a:xfrm>
+          <a:prstGeom prst="straightConnector1">
+            <a:avLst/>
+          </a:prstGeom>
+          <a:ln>
+            <a:tailEnd type="triangle"/>
+          </a:ln>
+        </p:spPr>
+        <p:style>
+          <a:lnRef idx="1">
+            <a:schemeClr val="accent1"/>
+          </a:lnRef>
+          <a:fillRef idx="0">
+            <a:schemeClr val="accent1"/>
+          </a:fillRef>
+          <a:effectRef idx="0">
+            <a:schemeClr val="accent1"/>
+          </a:effectRef>
+          <a:fontRef idx="minor">
+            <a:schemeClr val="tx1"/>
+          </a:fontRef>
+        </p:style>
+      </p:cxnSp>
+      <p:cxnSp>
+        <p:nvCxnSpPr>
+          <p:cNvPr id="27" name="Straight Arrow Connector 26">
+            <a:extLst>
+              <a:ext uri="{FF2B5EF4-FFF2-40B4-BE49-F238E27FC236}">
+                <a16:creationId xmlns:a16="http://schemas.microsoft.com/office/drawing/2014/main" id="{738F365A-F3BC-4321-8C52-BBBB3626ED4D}"/>
+              </a:ext>
+            </a:extLst>
+          </p:cNvPr>
+          <p:cNvCxnSpPr/>
+          <p:nvPr/>
+        </p:nvCxnSpPr>
+        <p:spPr>
+          <a:xfrm>
+            <a:off x="3142695" y="3817398"/>
+            <a:ext cx="346229" cy="1518082"/>
+          </a:xfrm>
+          <a:prstGeom prst="straightConnector1">
+            <a:avLst/>
+          </a:prstGeom>
+          <a:ln>
+            <a:tailEnd type="triangle"/>
+          </a:ln>
+        </p:spPr>
+        <p:style>
+          <a:lnRef idx="1">
+            <a:schemeClr val="accent1"/>
+          </a:lnRef>
+          <a:fillRef idx="0">
+            <a:schemeClr val="accent1"/>
+          </a:fillRef>
+          <a:effectRef idx="0">
+            <a:schemeClr val="accent1"/>
+          </a:effectRef>
+          <a:fontRef idx="minor">
+            <a:schemeClr val="tx1"/>
+          </a:fontRef>
+        </p:style>
+      </p:cxnSp>
+      <p:sp>
+        <p:nvSpPr>
+          <p:cNvPr id="29" name="TextBox 28">
+            <a:extLst>
+              <a:ext uri="{FF2B5EF4-FFF2-40B4-BE49-F238E27FC236}">
+                <a16:creationId xmlns:a16="http://schemas.microsoft.com/office/drawing/2014/main" id="{1909C48B-8753-42A9-ADFE-61850951B4EE}"/>
+              </a:ext>
+            </a:extLst>
+          </p:cNvPr>
+          <p:cNvSpPr txBox="1"/>
+          <p:nvPr/>
+        </p:nvSpPr>
+        <p:spPr>
+          <a:xfrm>
+            <a:off x="7361559" y="217910"/>
+            <a:ext cx="4758925" cy="6463308"/>
+          </a:xfrm>
+          <a:prstGeom prst="rect">
+            <a:avLst/>
+          </a:prstGeom>
+          <a:noFill/>
+        </p:spPr>
+        <p:txBody>
+          <a:bodyPr wrap="square" rtlCol="0">
+            <a:spAutoFit/>
+          </a:bodyPr>
+          <a:lstStyle/>
+          <a:p>
+            <a:r>
+              <a:rPr lang="en-US" altLang="zh-CN" dirty="0"/>
+              <a:t>Simple answer: </a:t>
+            </a:r>
+            <a:r>
+              <a:rPr lang="en-US" altLang="zh-CN" b="1" dirty="0"/>
+              <a:t>align the data and find the shape</a:t>
+            </a:r>
+          </a:p>
+          <a:p>
+            <a:endParaRPr lang="en-US" altLang="zh-CN" dirty="0"/>
+          </a:p>
+          <a:p>
+            <a:r>
+              <a:rPr lang="en-US" altLang="zh-CN" dirty="0"/>
+              <a:t>However, sometimes the datapoint shifts or interfered with neighbors, lead to a failure on alignment</a:t>
+            </a:r>
+            <a:r>
+              <a:rPr lang="en-US" altLang="zh-CN" dirty="0">
+                <a:sym typeface="Wingdings" panose="05000000000000000000" pitchFamily="2" charset="2"/>
+              </a:rPr>
+              <a:t> </a:t>
+            </a:r>
+            <a:r>
+              <a:rPr lang="en-US" altLang="zh-CN" b="1" dirty="0">
+                <a:sym typeface="Wingdings" panose="05000000000000000000" pitchFamily="2" charset="2"/>
+              </a:rPr>
+              <a:t>introduce relative position as additional layer of identification</a:t>
+            </a:r>
+          </a:p>
+          <a:p>
+            <a:endParaRPr lang="en-US" altLang="zh-CN" b="1" dirty="0">
+              <a:sym typeface="Wingdings" panose="05000000000000000000" pitchFamily="2" charset="2"/>
+            </a:endParaRPr>
+          </a:p>
+          <a:p>
+            <a:r>
+              <a:rPr lang="en-US" altLang="zh-CN" dirty="0">
+                <a:sym typeface="Wingdings" panose="05000000000000000000" pitchFamily="2" charset="2"/>
+              </a:rPr>
+              <a:t>Option:</a:t>
+            </a:r>
+          </a:p>
+          <a:p>
+            <a:r>
+              <a:rPr lang="en-US" altLang="zh-CN" dirty="0">
+                <a:sym typeface="Wingdings" panose="05000000000000000000" pitchFamily="2" charset="2"/>
+              </a:rPr>
+              <a:t>a) Image processing package</a:t>
+            </a:r>
+          </a:p>
+          <a:p>
+            <a:endParaRPr lang="en-US" altLang="zh-CN" dirty="0">
+              <a:sym typeface="Wingdings" panose="05000000000000000000" pitchFamily="2" charset="2"/>
+            </a:endParaRPr>
+          </a:p>
+          <a:p>
+            <a:endParaRPr lang="en-US" altLang="zh-CN" dirty="0">
+              <a:sym typeface="Wingdings" panose="05000000000000000000" pitchFamily="2" charset="2"/>
+            </a:endParaRPr>
+          </a:p>
+          <a:p>
+            <a:endParaRPr lang="en-US" altLang="zh-CN" dirty="0">
+              <a:sym typeface="Wingdings" panose="05000000000000000000" pitchFamily="2" charset="2"/>
+            </a:endParaRPr>
+          </a:p>
+          <a:p>
+            <a:endParaRPr lang="en-US" altLang="zh-CN" dirty="0">
+              <a:sym typeface="Wingdings" panose="05000000000000000000" pitchFamily="2" charset="2"/>
+            </a:endParaRPr>
+          </a:p>
+          <a:p>
+            <a:endParaRPr lang="en-US" altLang="zh-CN" dirty="0">
+              <a:sym typeface="Wingdings" panose="05000000000000000000" pitchFamily="2" charset="2"/>
+            </a:endParaRPr>
+          </a:p>
+          <a:p>
+            <a:endParaRPr lang="en-US" altLang="zh-CN" dirty="0">
+              <a:sym typeface="Wingdings" panose="05000000000000000000" pitchFamily="2" charset="2"/>
+            </a:endParaRPr>
+          </a:p>
+          <a:p>
+            <a:endParaRPr lang="en-US" altLang="zh-CN" dirty="0">
+              <a:sym typeface="Wingdings" panose="05000000000000000000" pitchFamily="2" charset="2"/>
+            </a:endParaRPr>
+          </a:p>
+          <a:p>
+            <a:endParaRPr lang="en-US" altLang="zh-CN" dirty="0">
+              <a:sym typeface="Wingdings" panose="05000000000000000000" pitchFamily="2" charset="2"/>
+            </a:endParaRPr>
+          </a:p>
+          <a:p>
+            <a:endParaRPr lang="en-US" altLang="zh-CN" dirty="0">
+              <a:sym typeface="Wingdings" panose="05000000000000000000" pitchFamily="2" charset="2"/>
+            </a:endParaRPr>
+          </a:p>
+          <a:p>
+            <a:r>
+              <a:rPr lang="en-US" altLang="zh-CN" dirty="0">
+                <a:sym typeface="Wingdings" panose="05000000000000000000" pitchFamily="2" charset="2"/>
+              </a:rPr>
+              <a:t>b) Data engineering – mining into numbers</a:t>
+            </a:r>
+          </a:p>
+          <a:p>
+            <a:endParaRPr lang="en-US" altLang="zh-CN" dirty="0">
+              <a:sym typeface="Wingdings" panose="05000000000000000000" pitchFamily="2" charset="2"/>
+            </a:endParaRPr>
+          </a:p>
+          <a:p>
+            <a:r>
+              <a:rPr lang="en-US" altLang="zh-CN" dirty="0">
+                <a:sym typeface="Wingdings" panose="05000000000000000000" pitchFamily="2" charset="2"/>
+              </a:rPr>
+              <a:t>The relative position information can also be used for data alignment(mentioned in Q3)</a:t>
+            </a:r>
+            <a:endParaRPr lang="zh-CN" altLang="en-US" dirty="0"/>
+          </a:p>
+        </p:txBody>
+      </p:sp>
+      <p:pic>
+        <p:nvPicPr>
+          <p:cNvPr id="3074" name="Picture 2">
+            <a:extLst>
+              <a:ext uri="{FF2B5EF4-FFF2-40B4-BE49-F238E27FC236}">
+                <a16:creationId xmlns:a16="http://schemas.microsoft.com/office/drawing/2014/main" id="{A8FBC711-51CC-43D4-9095-9DEC150EA8F1}"/>
+              </a:ext>
+            </a:extLst>
+          </p:cNvPr>
+          <p:cNvPicPr>
+            <a:picLocks noChangeAspect="1" noChangeArrowheads="1" noCrop="1"/>
+          </p:cNvPicPr>
+          <p:nvPr/>
+        </p:nvPicPr>
+        <p:blipFill>
+          <a:blip r:embed="rId5">
+            <a:extLst>
+              <a:ext uri="{28A0092B-C50C-407E-A947-70E740481C1C}">
+                <a14:useLocalDpi xmlns:a14="http://schemas.microsoft.com/office/drawing/2010/main" val="0"/>
+              </a:ext>
+            </a:extLst>
+          </a:blip>
+          <a:srcRect/>
+          <a:stretch>
+            <a:fillRect/>
+          </a:stretch>
+        </p:blipFill>
+        <p:spPr bwMode="auto">
+          <a:xfrm>
+            <a:off x="7635690" y="3049480"/>
+            <a:ext cx="3810000" cy="2286000"/>
+          </a:xfrm>
+          <a:prstGeom prst="rect">
+            <a:avLst/>
+          </a:prstGeom>
+          <a:noFill/>
+          <a:extLst>
+            <a:ext uri="{909E8E84-426E-40DD-AFC4-6F175D3DCCD1}">
+              <a14:hiddenFill xmlns:a14="http://schemas.microsoft.com/office/drawing/2010/main">
+                <a:solidFill>
+                  <a:srgbClr val="FFFFFF"/>
+                </a:solidFill>
+              </a14:hiddenFill>
+            </a:ext>
+          </a:extLst>
+        </p:spPr>
+      </p:pic>
+    </p:spTree>
+    <p:extLst>
+      <p:ext uri="{BB962C8B-B14F-4D97-AF65-F5344CB8AC3E}">
+        <p14:creationId xmlns:p14="http://schemas.microsoft.com/office/powerpoint/2010/main" val="1963464380"/>
+      </p:ext>
+    </p:extLst>
+  </p:cSld>
+  <p:clrMapOvr>
+    <a:masterClrMapping/>
+  </p:clrMapOvr>
+</p:sld>
+</file>
+
+<file path=ppt/slides/slide11.xml><?xml version="1.0" encoding="utf-8"?>
+<p:sld xmlns:a="http://schemas.openxmlformats.org/drawingml/2006/main" xmlns:r="http://schemas.openxmlformats.org/officeDocument/2006/relationships" xmlns:p="http://schemas.openxmlformats.org/presentationml/2006/main">
+  <p:cSld>
+    <p:spTree>
+      <p:nvGrpSpPr>
+        <p:cNvPr id="1" name=""/>
+        <p:cNvGrpSpPr/>
+        <p:nvPr/>
+      </p:nvGrpSpPr>
+      <p:grpSpPr>
+        <a:xfrm>
+          <a:off x="0" y="0"/>
+          <a:ext cx="0" cy="0"/>
+          <a:chOff x="0" y="0"/>
+          <a:chExt cx="0" cy="0"/>
+        </a:xfrm>
+      </p:grpSpPr>
+      <p:sp>
+        <p:nvSpPr>
+          <p:cNvPr id="2" name="Title 1">
+            <a:extLst>
+              <a:ext uri="{FF2B5EF4-FFF2-40B4-BE49-F238E27FC236}">
+                <a16:creationId xmlns:a16="http://schemas.microsoft.com/office/drawing/2014/main" id="{0E409339-B3C0-41FC-8614-9C0A205E679A}"/>
+              </a:ext>
+            </a:extLst>
+          </p:cNvPr>
+          <p:cNvSpPr>
+            <a:spLocks noGrp="1"/>
+          </p:cNvSpPr>
+          <p:nvPr>
+            <p:ph type="title"/>
+          </p:nvPr>
+        </p:nvSpPr>
+        <p:spPr>
+          <a:xfrm>
+            <a:off x="0" y="-291822"/>
+            <a:ext cx="10515600" cy="1325563"/>
+          </a:xfrm>
+        </p:spPr>
+        <p:txBody>
+          <a:bodyPr/>
+          <a:lstStyle/>
+          <a:p>
+            <a:r>
+              <a:rPr lang="en-US" altLang="zh-CN" dirty="0"/>
+              <a:t>Pattern recognition idea board</a:t>
+            </a:r>
+            <a:endParaRPr lang="zh-CN" altLang="en-US" dirty="0"/>
+          </a:p>
+        </p:txBody>
+      </p:sp>
+      <p:sp>
+        <p:nvSpPr>
+          <p:cNvPr id="3" name="Content Placeholder 2">
+            <a:extLst>
+              <a:ext uri="{FF2B5EF4-FFF2-40B4-BE49-F238E27FC236}">
+                <a16:creationId xmlns:a16="http://schemas.microsoft.com/office/drawing/2014/main" id="{00B2A41A-0682-4E7E-89D8-699E7808A7D1}"/>
+              </a:ext>
+            </a:extLst>
+          </p:cNvPr>
+          <p:cNvSpPr>
+            <a:spLocks noGrp="1"/>
+          </p:cNvSpPr>
+          <p:nvPr>
+            <p:ph idx="1"/>
+          </p:nvPr>
+        </p:nvSpPr>
+        <p:spPr>
+          <a:xfrm>
+            <a:off x="278907" y="671528"/>
+            <a:ext cx="6849862" cy="5880192"/>
+          </a:xfrm>
+        </p:spPr>
+        <p:txBody>
+          <a:bodyPr/>
+          <a:lstStyle/>
+          <a:p>
+            <a:r>
+              <a:rPr lang="en-US" altLang="zh-CN" dirty="0"/>
+              <a:t>Q2. how do we ‘quantify’ the triangle(Source)?</a:t>
             </a:r>
           </a:p>
           <a:p>
@@ -20232,13 +24050,13 @@
           <p:nvPr>
             <p:extLst>
               <p:ext uri="{D42A27DB-BD31-4B8C-83A1-F6EECF244321}">
-                <p14:modId xmlns:p14="http://schemas.microsoft.com/office/powerpoint/2010/main" val="3958534599"/>
+                <p14:modId xmlns:p14="http://schemas.microsoft.com/office/powerpoint/2010/main" val="3460634541"/>
               </p:ext>
             </p:extLst>
           </p:nvPr>
         </p:nvGraphicFramePr>
         <p:xfrm>
-          <a:off x="470517" y="4118020"/>
+          <a:off x="479395" y="4597414"/>
           <a:ext cx="8449417" cy="1846776"/>
         </p:xfrm>
         <a:graphic>
@@ -20821,7 +24639,7 @@
             </a:pPr>
             <a:r>
               <a:rPr lang="en-US" altLang="zh-CN" dirty="0"/>
-              <a:t>Training data is small (extreme case: 7dilution points, 3x replicate, 5 different background = 7*3*5 = 105 rows data)</a:t>
+              <a:t>Training data is small (sample case: 7dilution points, 3x replicate, 5 different background = 7*3*5 = 105 rows data)</a:t>
             </a:r>
             <a:endParaRPr lang="zh-CN" altLang="en-US" dirty="0"/>
           </a:p>
@@ -20840,7 +24658,7 @@
 </p:sld>
 </file>
 
-<file path=ppt/slides/slide11.xml><?xml version="1.0" encoding="utf-8"?>
+<file path=ppt/slides/slide12.xml><?xml version="1.0" encoding="utf-8"?>
 <p:sld xmlns:a="http://schemas.openxmlformats.org/drawingml/2006/main" xmlns:r="http://schemas.openxmlformats.org/officeDocument/2006/relationships" xmlns:p="http://schemas.openxmlformats.org/presentationml/2006/main">
   <p:cSld>
     <p:spTree>
@@ -21327,6 +25145,146 @@
 </p:sld>
 </file>
 
+<file path=ppt/slides/slide13.xml><?xml version="1.0" encoding="utf-8"?>
+<p:sld xmlns:a="http://schemas.openxmlformats.org/drawingml/2006/main" xmlns:r="http://schemas.openxmlformats.org/officeDocument/2006/relationships" xmlns:p="http://schemas.openxmlformats.org/presentationml/2006/main">
+  <p:cSld>
+    <p:spTree>
+      <p:nvGrpSpPr>
+        <p:cNvPr id="1" name=""/>
+        <p:cNvGrpSpPr/>
+        <p:nvPr/>
+      </p:nvGrpSpPr>
+      <p:grpSpPr>
+        <a:xfrm>
+          <a:off x="0" y="0"/>
+          <a:ext cx="0" cy="0"/>
+          <a:chOff x="0" y="0"/>
+          <a:chExt cx="0" cy="0"/>
+        </a:xfrm>
+      </p:grpSpPr>
+      <p:sp>
+        <p:nvSpPr>
+          <p:cNvPr id="2" name="Title 1">
+            <a:extLst>
+              <a:ext uri="{FF2B5EF4-FFF2-40B4-BE49-F238E27FC236}">
+                <a16:creationId xmlns:a16="http://schemas.microsoft.com/office/drawing/2014/main" id="{0EF2CB8C-BCA6-4048-99D6-0C8F58F61307}"/>
+              </a:ext>
+            </a:extLst>
+          </p:cNvPr>
+          <p:cNvSpPr>
+            <a:spLocks noGrp="1"/>
+          </p:cNvSpPr>
+          <p:nvPr>
+            <p:ph type="title"/>
+          </p:nvPr>
+        </p:nvSpPr>
+        <p:spPr/>
+        <p:txBody>
+          <a:bodyPr/>
+          <a:lstStyle/>
+          <a:p>
+            <a:r>
+              <a:rPr lang="en-US" altLang="zh-CN" dirty="0"/>
+              <a:t>Next steps</a:t>
+            </a:r>
+            <a:endParaRPr lang="zh-CN" altLang="en-US" dirty="0"/>
+          </a:p>
+        </p:txBody>
+      </p:sp>
+      <p:sp>
+        <p:nvSpPr>
+          <p:cNvPr id="3" name="Content Placeholder 2">
+            <a:extLst>
+              <a:ext uri="{FF2B5EF4-FFF2-40B4-BE49-F238E27FC236}">
+                <a16:creationId xmlns:a16="http://schemas.microsoft.com/office/drawing/2014/main" id="{B2B5D350-D316-4ACF-81D3-F4AEA96C1158}"/>
+              </a:ext>
+            </a:extLst>
+          </p:cNvPr>
+          <p:cNvSpPr>
+            <a:spLocks noGrp="1"/>
+          </p:cNvSpPr>
+          <p:nvPr>
+            <p:ph idx="1"/>
+          </p:nvPr>
+        </p:nvSpPr>
+        <p:spPr/>
+        <p:txBody>
+          <a:bodyPr/>
+          <a:lstStyle/>
+          <a:p>
+            <a:r>
+              <a:rPr lang="en-US" altLang="zh-CN" dirty="0"/>
+              <a:t>On the established workflow:</a:t>
+            </a:r>
+          </a:p>
+          <a:p>
+            <a:pPr lvl="1"/>
+            <a:r>
+              <a:rPr lang="en-US" altLang="zh-CN" dirty="0"/>
+              <a:t>Find data for validation</a:t>
+            </a:r>
+          </a:p>
+          <a:p>
+            <a:pPr lvl="1"/>
+            <a:r>
+              <a:rPr lang="en-US" altLang="zh-CN" dirty="0"/>
+              <a:t>Process the data under same condition for comparison</a:t>
+            </a:r>
+          </a:p>
+          <a:p>
+            <a:pPr lvl="1"/>
+            <a:r>
+              <a:rPr lang="en-US" altLang="zh-CN" dirty="0"/>
+              <a:t>Collect detailed and solid results with optimization on the workflow</a:t>
+            </a:r>
+          </a:p>
+          <a:p>
+            <a:pPr lvl="1"/>
+            <a:endParaRPr lang="en-US" altLang="zh-CN" dirty="0"/>
+          </a:p>
+          <a:p>
+            <a:r>
+              <a:rPr lang="en-US" altLang="zh-CN" dirty="0"/>
+              <a:t>On the new idea:</a:t>
+            </a:r>
+          </a:p>
+          <a:p>
+            <a:pPr lvl="1"/>
+            <a:r>
+              <a:rPr lang="en-US" altLang="zh-CN" dirty="0"/>
+              <a:t>Collect the data for the development</a:t>
+            </a:r>
+          </a:p>
+          <a:p>
+            <a:pPr lvl="1"/>
+            <a:r>
+              <a:rPr lang="en-US" altLang="zh-CN" dirty="0"/>
+              <a:t>Verify the ‘anchor’ algorithm</a:t>
+            </a:r>
+          </a:p>
+          <a:p>
+            <a:pPr lvl="1"/>
+            <a:r>
+              <a:rPr lang="en-US" altLang="zh-CN" dirty="0"/>
+              <a:t>Seek for algorithms answering Q1 and Q3</a:t>
+            </a:r>
+            <a:endParaRPr lang="zh-CN" altLang="en-US" dirty="0"/>
+          </a:p>
+        </p:txBody>
+      </p:sp>
+    </p:spTree>
+    <p:extLst>
+      <p:ext uri="{BB962C8B-B14F-4D97-AF65-F5344CB8AC3E}">
+        <p14:creationId xmlns:p14="http://schemas.microsoft.com/office/powerpoint/2010/main" val="3833288705"/>
+      </p:ext>
+    </p:extLst>
+  </p:cSld>
+  <p:clrMapOvr>
+    <a:masterClrMapping/>
+  </p:clrMapOvr>
+</p:sld>
+</file>
+
 <file path=ppt/slides/slide2.xml><?xml version="1.0" encoding="utf-8"?>
 <p:sld xmlns:a="http://schemas.openxmlformats.org/drawingml/2006/main" xmlns:r="http://schemas.openxmlformats.org/officeDocument/2006/relationships" xmlns:p="http://schemas.openxmlformats.org/presentationml/2006/main">
   <p:cSld>
@@ -21392,7 +25350,7 @@
         <p:spPr/>
         <p:txBody>
           <a:bodyPr>
-            <a:normAutofit fontScale="85000" lnSpcReduction="20000"/>
+            <a:normAutofit fontScale="77500" lnSpcReduction="20000"/>
           </a:bodyPr>
           <a:lstStyle/>
           <a:p>
@@ -21417,7 +25375,7 @@
             </a:r>
             <a:r>
               <a:rPr lang="en-US" altLang="zh-CN" dirty="0"/>
-              <a:t>, alignment, visualization, formula tools</a:t>
+              <a:t>, alignment, visualization, formula tools, other basic functions</a:t>
             </a:r>
           </a:p>
           <a:p>
@@ -21440,8 +25398,12 @@
           <a:p>
             <a:pPr lvl="1"/>
             <a:r>
+              <a:rPr lang="en-US" altLang="zh-CN" b="1" dirty="0"/>
+              <a:t>Ideally standard samples with known peaks</a:t>
+            </a:r>
+            <a:r>
               <a:rPr lang="en-US" altLang="zh-CN" dirty="0"/>
-              <a:t>Ideally standard samples with known peaks, cover different RT, </a:t>
+              <a:t>, cover different RT, </a:t>
             </a:r>
             <a:r>
               <a:rPr lang="en-US" altLang="zh-CN" dirty="0" err="1"/>
@@ -21449,7 +25411,7 @@
             </a:r>
             <a:r>
               <a:rPr lang="en-US" altLang="zh-CN" dirty="0"/>
-              <a:t> and peak areas</a:t>
+              <a:t> and peak areas (EPA pesticide mix?)</a:t>
             </a:r>
           </a:p>
           <a:p>
@@ -21470,23 +25432,66 @@
             </a:r>
           </a:p>
           <a:p>
-            <a:pPr lvl="1"/>
+            <a:pPr marL="461772" lvl="1" indent="-457200">
+              <a:buFont typeface="+mj-lt"/>
+              <a:buAutoNum type="arabicPeriod"/>
+            </a:pPr>
             <a:r>
               <a:rPr lang="en-US" altLang="zh-CN" dirty="0"/>
               <a:t>Apple to Apple comparison (same parameter comparison)</a:t>
             </a:r>
           </a:p>
           <a:p>
-            <a:pPr lvl="1"/>
+            <a:pPr marL="461772" lvl="1" indent="-457200">
+              <a:buFont typeface="+mj-lt"/>
+              <a:buAutoNum type="arabicPeriod"/>
+            </a:pPr>
             <a:r>
               <a:rPr lang="en-US" altLang="zh-CN" dirty="0"/>
-              <a:t>How to define the interested hit? </a:t>
+              <a:t>How many peaks in the std found?</a:t>
+            </a:r>
+          </a:p>
+          <a:p>
+            <a:pPr marL="461772" lvl="1" indent="-457200">
+              <a:buFont typeface="+mj-lt"/>
+              <a:buAutoNum type="arabicPeriod"/>
+            </a:pPr>
+            <a:r>
+              <a:rPr lang="en-US" altLang="zh-CN" dirty="0"/>
+              <a:t>Else than known peaks, is there other interested hits? </a:t>
             </a:r>
             <a:r>
               <a:rPr lang="en-US" altLang="zh-CN" dirty="0">
                 <a:sym typeface="Wingdings" panose="05000000000000000000" pitchFamily="2" charset="2"/>
               </a:rPr>
-              <a:t> i.e. proof that the algorithm find the majority of good shape peaks</a:t>
+              <a:t> i.e. proof that the algorithm find most </a:t>
+            </a:r>
+            <a:r>
+              <a:rPr lang="en-US" altLang="zh-CN" dirty="0">
+                <a:solidFill>
+                  <a:srgbClr val="FF0000"/>
+                </a:solidFill>
+                <a:sym typeface="Wingdings" panose="05000000000000000000" pitchFamily="2" charset="2"/>
+              </a:rPr>
+              <a:t>good shape </a:t>
+            </a:r>
+            <a:r>
+              <a:rPr lang="en-US" altLang="zh-CN" dirty="0">
+                <a:sym typeface="Wingdings" panose="05000000000000000000" pitchFamily="2" charset="2"/>
+              </a:rPr>
+              <a:t>peaks (Manual check?)</a:t>
+            </a:r>
+          </a:p>
+          <a:p>
+            <a:pPr marL="461772" lvl="1" indent="-457200">
+              <a:buFont typeface="+mj-lt"/>
+              <a:buAutoNum type="arabicPeriod"/>
+            </a:pPr>
+            <a:r>
+              <a:rPr lang="en-US" altLang="zh-CN" dirty="0">
+                <a:sym typeface="Wingdings" panose="05000000000000000000" pitchFamily="2" charset="2"/>
+              </a:rPr>
+              <a:t>Hit rate = good peaks number / total features extracted by package</a:t>
             </a:r>
           </a:p>
         </p:txBody>
@@ -21526,7 +25531,7 @@
           <p:cNvPr id="2" name="Title 1">
             <a:extLst>
               <a:ext uri="{FF2B5EF4-FFF2-40B4-BE49-F238E27FC236}">
-                <a16:creationId xmlns:a16="http://schemas.microsoft.com/office/drawing/2014/main" id="{71F7130F-0B2D-4F16-BCCC-1F86D5671631}"/>
+                <a16:creationId xmlns:a16="http://schemas.microsoft.com/office/drawing/2014/main" id="{8EBD3FD5-4CE3-4517-9CA4-6C0C7ED6C42B}"/>
               </a:ext>
             </a:extLst>
           </p:cNvPr>
@@ -21544,7 +25549,7 @@
           <a:p>
             <a:r>
               <a:rPr lang="en-US" altLang="zh-CN" dirty="0"/>
-              <a:t>Presenting the tool</a:t>
+              <a:t>Recap to do</a:t>
             </a:r>
             <a:endParaRPr lang="zh-CN" altLang="en-US" dirty="0"/>
           </a:p>
@@ -21555,7 +25560,7 @@
           <p:cNvPr id="3" name="Content Placeholder 2">
             <a:extLst>
               <a:ext uri="{FF2B5EF4-FFF2-40B4-BE49-F238E27FC236}">
-                <a16:creationId xmlns:a16="http://schemas.microsoft.com/office/drawing/2014/main" id="{F5693284-44F0-4D96-94AB-FCFE9C8F693C}"/>
+                <a16:creationId xmlns:a16="http://schemas.microsoft.com/office/drawing/2014/main" id="{922847C4-16A0-4B79-ABA8-65A0D77087E2}"/>
               </a:ext>
             </a:extLst>
           </p:cNvPr>
@@ -21571,62 +25576,191 @@
           <a:bodyPr/>
           <a:lstStyle/>
           <a:p>
+            <a:pPr marL="457200" indent="-457200">
+              <a:buFont typeface="+mj-lt"/>
+              <a:buAutoNum type="arabicPeriod"/>
+            </a:pPr>
             <a:r>
-              <a:rPr lang="en-US" altLang="zh-CN" dirty="0">
-                <a:solidFill>
-                  <a:srgbClr val="FF0000"/>
-                </a:solidFill>
-              </a:rPr>
-              <a:t>Verify it is functional as other tools </a:t>
+              <a:rPr lang="en-US" altLang="zh-CN" b="1" dirty="0"/>
+              <a:t>Retrieve the std data </a:t>
+            </a:r>
+            <a:r>
+              <a:rPr lang="en-US" altLang="zh-CN" dirty="0"/>
+              <a:t>to use along with reference feature list</a:t>
+            </a:r>
+          </a:p>
+          <a:p>
+            <a:pPr marL="457200" indent="-457200">
+              <a:buFont typeface="+mj-lt"/>
+              <a:buAutoNum type="arabicPeriod"/>
+            </a:pPr>
+            <a:r>
+              <a:rPr lang="en-US" altLang="zh-CN" dirty="0"/>
+              <a:t>Run the data through 3 workflow, compare the results as validation steps </a:t>
+            </a:r>
+            <a:r>
+              <a:rPr lang="en-US" altLang="zh-CN" b="1" dirty="0"/>
+              <a:t>with same parameter setting</a:t>
+            </a:r>
+          </a:p>
+          <a:p>
+            <a:pPr marL="457200" indent="-457200">
+              <a:buFont typeface="+mj-lt"/>
+              <a:buAutoNum type="arabicPeriod"/>
+            </a:pPr>
+            <a:r>
+              <a:rPr lang="en-US" altLang="zh-CN" dirty="0"/>
+              <a:t>Compare workflow result with std reference, count for absolute hits</a:t>
+            </a:r>
+          </a:p>
+          <a:p>
+            <a:pPr marL="457200" indent="-457200">
+              <a:buFont typeface="+mj-lt"/>
+              <a:buAutoNum type="arabicPeriod"/>
+            </a:pPr>
+            <a:r>
+              <a:rPr lang="en-US" altLang="zh-CN" dirty="0"/>
+              <a:t>Manual check the peak shape hit rate</a:t>
+            </a:r>
+          </a:p>
+          <a:p>
+            <a:pPr marL="457200" indent="-457200">
+              <a:buFont typeface="+mj-lt"/>
+              <a:buAutoNum type="arabicPeriod"/>
+            </a:pPr>
+            <a:r>
+              <a:rPr lang="en-US" altLang="zh-CN" dirty="0"/>
+              <a:t>Collect the results </a:t>
             </a:r>
             <a:r>
               <a:rPr lang="en-US" altLang="zh-CN" dirty="0">
                 <a:sym typeface="Wingdings" panose="05000000000000000000" pitchFamily="2" charset="2"/>
               </a:rPr>
-              <a:t> base</a:t>
+              <a:t> depending on performance, </a:t>
             </a:r>
-            <a:endParaRPr lang="en-US" altLang="zh-CN" dirty="0"/>
-          </a:p>
-          <a:p>
             <a:r>
-              <a:rPr lang="en-US" altLang="zh-CN" dirty="0"/>
-              <a:t>Readdress the advantage of novelty, portability, flexibility and Scalability</a:t>
+              <a:rPr lang="en-US" altLang="zh-CN" b="1" dirty="0">
+                <a:sym typeface="Wingdings" panose="05000000000000000000" pitchFamily="2" charset="2"/>
+              </a:rPr>
+              <a:t>optimize the peak picking algorithm repeatedly</a:t>
             </a:r>
-          </a:p>
-          <a:p>
-            <a:pPr lvl="1"/>
-            <a:r>
-              <a:rPr lang="en-US" altLang="zh-CN" dirty="0"/>
-              <a:t>Novelty: First fully functional package for environmental analysis based on python</a:t>
-            </a:r>
-          </a:p>
-          <a:p>
-            <a:pPr lvl="1"/>
-            <a:r>
-              <a:rPr lang="en-US" altLang="zh-CN" dirty="0"/>
-              <a:t>Portability: unlimited external resource usage rather than workstation in lab </a:t>
-            </a:r>
-          </a:p>
-          <a:p>
-            <a:pPr lvl="1"/>
-            <a:r>
-              <a:rPr lang="en-US" altLang="zh-CN" dirty="0"/>
-              <a:t>Flexibility: user can reprint result by different settings immediately</a:t>
-            </a:r>
-          </a:p>
-          <a:p>
-            <a:pPr lvl="1"/>
-            <a:r>
-              <a:rPr lang="en-US" altLang="zh-CN" dirty="0"/>
-              <a:t>Scalability: Modularized set up for future development</a:t>
-            </a:r>
-          </a:p>
-          <a:p>
-            <a:pPr lvl="1"/>
-            <a:endParaRPr lang="zh-CN" altLang="en-US" dirty="0"/>
+            <a:endParaRPr lang="zh-CN" altLang="en-US" b="1" dirty="0"/>
           </a:p>
         </p:txBody>
       </p:sp>
+    </p:spTree>
+    <p:extLst>
+      <p:ext uri="{BB962C8B-B14F-4D97-AF65-F5344CB8AC3E}">
+        <p14:creationId xmlns:p14="http://schemas.microsoft.com/office/powerpoint/2010/main" val="1613259689"/>
+      </p:ext>
+    </p:extLst>
+  </p:cSld>
+  <p:clrMapOvr>
+    <a:masterClrMapping/>
+  </p:clrMapOvr>
+</p:sld>
+</file>
+
+<file path=ppt/slides/slide4.xml><?xml version="1.0" encoding="utf-8"?>
+<p:sld xmlns:a="http://schemas.openxmlformats.org/drawingml/2006/main" xmlns:r="http://schemas.openxmlformats.org/officeDocument/2006/relationships" xmlns:p="http://schemas.openxmlformats.org/presentationml/2006/main">
+  <p:cSld>
+    <p:bg>
+      <p:bgPr>
+        <a:solidFill>
+          <a:schemeClr val="accent1"/>
+        </a:solidFill>
+        <a:effectLst/>
+      </p:bgPr>
+    </p:bg>
+    <p:spTree>
+      <p:nvGrpSpPr>
+        <p:cNvPr id="1" name=""/>
+        <p:cNvGrpSpPr/>
+        <p:nvPr/>
+      </p:nvGrpSpPr>
+      <p:grpSpPr>
+        <a:xfrm>
+          <a:off x="0" y="0"/>
+          <a:ext cx="0" cy="0"/>
+          <a:chOff x="0" y="0"/>
+          <a:chExt cx="0" cy="0"/>
+        </a:xfrm>
+      </p:grpSpPr>
+      <p:sp>
+        <p:nvSpPr>
+          <p:cNvPr id="2" name="Title 1">
+            <a:extLst>
+              <a:ext uri="{FF2B5EF4-FFF2-40B4-BE49-F238E27FC236}">
+                <a16:creationId xmlns:a16="http://schemas.microsoft.com/office/drawing/2014/main" id="{71F7130F-0B2D-4F16-BCCC-1F86D5671631}"/>
+              </a:ext>
+            </a:extLst>
+          </p:cNvPr>
+          <p:cNvSpPr>
+            <a:spLocks noGrp="1"/>
+          </p:cNvSpPr>
+          <p:nvPr>
+            <p:ph type="title"/>
+          </p:nvPr>
+        </p:nvSpPr>
+        <p:spPr>
+          <a:xfrm>
+            <a:off x="706298" y="639763"/>
+            <a:ext cx="3997693" cy="5492750"/>
+          </a:xfrm>
+        </p:spPr>
+        <p:txBody>
+          <a:bodyPr>
+            <a:normAutofit/>
+          </a:bodyPr>
+          <a:lstStyle/>
+          <a:p>
+            <a:r>
+              <a:rPr lang="en-US" altLang="zh-CN" sz="6000">
+                <a:solidFill>
+                  <a:srgbClr val="FFFFFF"/>
+                </a:solidFill>
+              </a:rPr>
+              <a:t>Presenting the tool</a:t>
+            </a:r>
+            <a:endParaRPr lang="zh-CN" altLang="en-US" sz="6000">
+              <a:solidFill>
+                <a:srgbClr val="FFFFFF"/>
+              </a:solidFill>
+            </a:endParaRPr>
+          </a:p>
+        </p:txBody>
+      </p:sp>
+      <p:graphicFrame>
+        <p:nvGraphicFramePr>
+          <p:cNvPr id="5" name="Content Placeholder 2">
+            <a:extLst>
+              <a:ext uri="{FF2B5EF4-FFF2-40B4-BE49-F238E27FC236}">
+                <a16:creationId xmlns:a16="http://schemas.microsoft.com/office/drawing/2014/main" id="{0532BB6F-8ACD-4139-9323-4A94E37BE930}"/>
+              </a:ext>
+            </a:extLst>
+          </p:cNvPr>
+          <p:cNvGraphicFramePr>
+            <a:graphicFrameLocks noGrp="1"/>
+          </p:cNvGraphicFramePr>
+          <p:nvPr>
+            <p:ph idx="1"/>
+            <p:extLst>
+              <p:ext uri="{D42A27DB-BD31-4B8C-83A1-F6EECF244321}">
+                <p14:modId xmlns:p14="http://schemas.microsoft.com/office/powerpoint/2010/main" val="1544041173"/>
+              </p:ext>
+            </p:extLst>
+          </p:nvPr>
+        </p:nvGraphicFramePr>
+        <p:xfrm>
+          <a:off x="5288347" y="639763"/>
+          <a:ext cx="6254724" cy="5492750"/>
+        </p:xfrm>
+        <a:graphic>
+          <a:graphicData uri="http://schemas.openxmlformats.org/drawingml/2006/diagram">
+            <dgm:relIds xmlns:dgm="http://schemas.openxmlformats.org/drawingml/2006/diagram" xmlns:r="http://schemas.openxmlformats.org/officeDocument/2006/relationships" r:dm="rId2" r:lo="rId3" r:qs="rId4" r:cs="rId5"/>
+          </a:graphicData>
+        </a:graphic>
+      </p:graphicFrame>
     </p:spTree>
     <p:extLst>
       <p:ext uri="{BB962C8B-B14F-4D97-AF65-F5344CB8AC3E}">
@@ -21640,7 +25774,7 @@
 </p:sld>
 </file>
 
-<file path=ppt/slides/slide4.xml><?xml version="1.0" encoding="utf-8"?>
+<file path=ppt/slides/slide5.xml><?xml version="1.0" encoding="utf-8"?>
 <p:sld xmlns:a="http://schemas.openxmlformats.org/drawingml/2006/main" xmlns:r="http://schemas.openxmlformats.org/officeDocument/2006/relationships" xmlns:p="http://schemas.openxmlformats.org/presentationml/2006/main">
   <p:cSld>
     <p:spTree>
@@ -24065,8 +28199,8 @@
         </p:nvSpPr>
         <p:spPr>
           <a:xfrm>
-            <a:off x="7022237" y="282450"/>
-            <a:ext cx="1514005" cy="646331"/>
+            <a:off x="5885895" y="282450"/>
+            <a:ext cx="2650347" cy="646331"/>
           </a:xfrm>
           <a:prstGeom prst="rect">
             <a:avLst/>
@@ -24089,7 +28223,7 @@
                   <a:srgbClr val="FF0000"/>
                 </a:solidFill>
               </a:rPr>
-              <a:t>anchors</a:t>
+              <a:t>anchors (end members)</a:t>
             </a:r>
             <a:endParaRPr lang="zh-CN" altLang="en-US" dirty="0">
               <a:solidFill>
@@ -24246,7 +28380,7 @@
 </p:sld>
 </file>
 
-<file path=ppt/slides/slide5.xml><?xml version="1.0" encoding="utf-8"?>
+<file path=ppt/slides/slide6.xml><?xml version="1.0" encoding="utf-8"?>
 <p:sld xmlns:a="http://schemas.openxmlformats.org/drawingml/2006/main" xmlns:r="http://schemas.openxmlformats.org/officeDocument/2006/relationships" xmlns:p="http://schemas.openxmlformats.org/presentationml/2006/main">
   <p:cSld>
     <p:spTree>
@@ -24276,7 +28410,7 @@
           <p:nvPr>
             <p:extLst>
               <p:ext uri="{D42A27DB-BD31-4B8C-83A1-F6EECF244321}">
-                <p14:modId xmlns:p14="http://schemas.microsoft.com/office/powerpoint/2010/main" val="969939633"/>
+                <p14:modId xmlns:p14="http://schemas.microsoft.com/office/powerpoint/2010/main" val="1914516820"/>
               </p:ext>
             </p:extLst>
           </p:nvPr>
@@ -24362,6 +28496,50 @@
           </a:p>
         </p:txBody>
       </p:sp>
+      <p:sp>
+        <p:nvSpPr>
+          <p:cNvPr id="3" name="TextBox 2">
+            <a:extLst>
+              <a:ext uri="{FF2B5EF4-FFF2-40B4-BE49-F238E27FC236}">
+                <a16:creationId xmlns:a16="http://schemas.microsoft.com/office/drawing/2014/main" id="{A365702C-905A-421D-BCCA-C68EE0D65DA5}"/>
+              </a:ext>
+            </a:extLst>
+          </p:cNvPr>
+          <p:cNvSpPr txBox="1"/>
+          <p:nvPr/>
+        </p:nvSpPr>
+        <p:spPr>
+          <a:xfrm>
+            <a:off x="3597707" y="2517557"/>
+            <a:ext cx="5655075" cy="369332"/>
+          </a:xfrm>
+          <a:prstGeom prst="rect">
+            <a:avLst/>
+          </a:prstGeom>
+          <a:noFill/>
+        </p:spPr>
+        <p:txBody>
+          <a:bodyPr wrap="square" rtlCol="0">
+            <a:spAutoFit/>
+          </a:bodyPr>
+          <a:lstStyle/>
+          <a:p>
+            <a:r>
+              <a:rPr lang="en-US" altLang="zh-CN" dirty="0">
+                <a:solidFill>
+                  <a:srgbClr val="FF0000"/>
+                </a:solidFill>
+              </a:rPr>
+              <a:t>In different backgrounds</a:t>
+            </a:r>
+            <a:endParaRPr lang="zh-CN" altLang="en-US" dirty="0">
+              <a:solidFill>
+                <a:srgbClr val="FF0000"/>
+              </a:solidFill>
+            </a:endParaRPr>
+          </a:p>
+        </p:txBody>
+      </p:sp>
     </p:spTree>
     <p:extLst>
       <p:ext uri="{BB962C8B-B14F-4D97-AF65-F5344CB8AC3E}">
@@ -24375,7 +28553,7 @@
 </p:sld>
 </file>
 
-<file path=ppt/slides/slide6.xml><?xml version="1.0" encoding="utf-8"?>
+<file path=ppt/slides/slide7.xml><?xml version="1.0" encoding="utf-8"?>
 <p:sld xmlns:a="http://schemas.openxmlformats.org/drawingml/2006/main" xmlns:r="http://schemas.openxmlformats.org/officeDocument/2006/relationships" xmlns:p="http://schemas.openxmlformats.org/presentationml/2006/main">
   <p:cSld>
     <p:spTree>
@@ -24464,7 +28642,7 @@
           <a:p>
             <a:r>
               <a:rPr lang="en-US" altLang="zh-CN" dirty="0"/>
-              <a:t>Check the left features using defined criteria: how much did it follow linear relationship, how similar with each other</a:t>
+              <a:t>Check the features using defined criteria: how much did it follow linear relationship, how similar with each other</a:t>
             </a:r>
           </a:p>
           <a:p>
@@ -24509,7 +28687,7 @@
             <a:pPr lvl="1"/>
             <a:r>
               <a:rPr lang="en-US" altLang="zh-CN" dirty="0"/>
-              <a:t>Identification use the relative pattern rather than absolute value</a:t>
+              <a:t>Identification of the source use the relative pattern rather than absolute value</a:t>
             </a:r>
           </a:p>
         </p:txBody>
@@ -24557,7 +28735,7 @@
 </p:sld>
 </file>
 
-<file path=ppt/slides/slide7.xml><?xml version="1.0" encoding="utf-8"?>
+<file path=ppt/slides/slide8.xml><?xml version="1.0" encoding="utf-8"?>
 <p:sld xmlns:a="http://schemas.openxmlformats.org/drawingml/2006/main" xmlns:r="http://schemas.openxmlformats.org/officeDocument/2006/relationships" xmlns:p="http://schemas.openxmlformats.org/presentationml/2006/main">
   <p:cSld>
     <p:spTree>
@@ -25352,6 +29530,98 @@
           </a:p>
         </p:txBody>
       </p:sp>
+      <p:sp>
+        <p:nvSpPr>
+          <p:cNvPr id="7" name="Isosceles Triangle 6">
+            <a:extLst>
+              <a:ext uri="{FF2B5EF4-FFF2-40B4-BE49-F238E27FC236}">
+                <a16:creationId xmlns:a16="http://schemas.microsoft.com/office/drawing/2014/main" id="{C68E7438-2D22-4D55-AEC1-4C29FE9244A7}"/>
+              </a:ext>
+            </a:extLst>
+          </p:cNvPr>
+          <p:cNvSpPr/>
+          <p:nvPr/>
+        </p:nvSpPr>
+        <p:spPr>
+          <a:xfrm>
+            <a:off x="2459115" y="5863325"/>
+            <a:ext cx="630314" cy="523783"/>
+          </a:xfrm>
+          <a:prstGeom prst="triangle">
+            <a:avLst/>
+          </a:prstGeom>
+          <a:noFill/>
+          <a:ln>
+            <a:prstDash val="dash"/>
+          </a:ln>
+        </p:spPr>
+        <p:style>
+          <a:lnRef idx="2">
+            <a:schemeClr val="accent1">
+              <a:shade val="50000"/>
+            </a:schemeClr>
+          </a:lnRef>
+          <a:fillRef idx="1">
+            <a:schemeClr val="accent1"/>
+          </a:fillRef>
+          <a:effectRef idx="0">
+            <a:schemeClr val="accent1"/>
+          </a:effectRef>
+          <a:fontRef idx="minor">
+            <a:schemeClr val="lt1"/>
+          </a:fontRef>
+        </p:style>
+        <p:txBody>
+          <a:bodyPr rtlCol="0" anchor="ctr"/>
+          <a:lstStyle/>
+          <a:p>
+            <a:pPr algn="ctr"/>
+            <a:endParaRPr lang="zh-CN" altLang="en-US"/>
+          </a:p>
+        </p:txBody>
+      </p:sp>
+      <p:cxnSp>
+        <p:nvCxnSpPr>
+          <p:cNvPr id="12" name="Straight Arrow Connector 11">
+            <a:extLst>
+              <a:ext uri="{FF2B5EF4-FFF2-40B4-BE49-F238E27FC236}">
+                <a16:creationId xmlns:a16="http://schemas.microsoft.com/office/drawing/2014/main" id="{D1F662D2-EAEB-4446-92E0-7A76345F8D92}"/>
+              </a:ext>
+            </a:extLst>
+          </p:cNvPr>
+          <p:cNvCxnSpPr>
+            <a:stCxn id="7" idx="1"/>
+            <a:endCxn id="4" idx="1"/>
+          </p:cNvCxnSpPr>
+          <p:nvPr/>
+        </p:nvCxnSpPr>
+        <p:spPr>
+          <a:xfrm>
+            <a:off x="2616694" y="6125217"/>
+            <a:ext cx="168675" cy="8789"/>
+          </a:xfrm>
+          <a:prstGeom prst="straightConnector1">
+            <a:avLst/>
+          </a:prstGeom>
+          <a:ln>
+            <a:tailEnd type="triangle"/>
+          </a:ln>
+        </p:spPr>
+        <p:style>
+          <a:lnRef idx="1">
+            <a:schemeClr val="accent1"/>
+          </a:lnRef>
+          <a:fillRef idx="0">
+            <a:schemeClr val="accent1"/>
+          </a:fillRef>
+          <a:effectRef idx="0">
+            <a:schemeClr val="accent1"/>
+          </a:effectRef>
+          <a:fontRef idx="minor">
+            <a:schemeClr val="tx1"/>
+          </a:fontRef>
+        </p:style>
+      </p:cxnSp>
     </p:spTree>
     <p:extLst>
       <p:ext uri="{BB962C8B-B14F-4D97-AF65-F5344CB8AC3E}">
@@ -25365,7 +29635,7 @@
 </p:sld>
 </file>
 
-<file path=ppt/slides/slide8.xml><?xml version="1.0" encoding="utf-8"?>
+<file path=ppt/slides/slide9.xml><?xml version="1.0" encoding="utf-8"?>
 <p:sld xmlns:a="http://schemas.openxmlformats.org/drawingml/2006/main" xmlns:r="http://schemas.openxmlformats.org/officeDocument/2006/relationships" xmlns:p="http://schemas.openxmlformats.org/presentationml/2006/main">
   <p:cSld>
     <p:spTree>
@@ -25617,7 +29887,19 @@
           <a:p>
             <a:r>
               <a:rPr lang="en-US" altLang="zh-CN" dirty="0"/>
-              <a:t>Save the connection and edge as the outline of the anchors</a:t>
+              <a:t>Save the </a:t>
+            </a:r>
+            <a:r>
+              <a:rPr lang="en-US" altLang="zh-CN" dirty="0">
+                <a:solidFill>
+                  <a:srgbClr val="FF0000"/>
+                </a:solidFill>
+              </a:rPr>
+              <a:t>connection and edge</a:t>
+            </a:r>
+            <a:r>
+              <a:rPr lang="en-US" altLang="zh-CN" dirty="0"/>
+              <a:t> as the source network information</a:t>
             </a:r>
             <a:endParaRPr lang="zh-CN" altLang="en-US" dirty="0"/>
           </a:p>
@@ -26215,734 +30497,10 @@
 </p:sld>
 </file>
 
-<file path=ppt/slides/slide9.xml><?xml version="1.0" encoding="utf-8"?>
-<p:sld xmlns:a="http://schemas.openxmlformats.org/drawingml/2006/main" xmlns:r="http://schemas.openxmlformats.org/officeDocument/2006/relationships" xmlns:p="http://schemas.openxmlformats.org/presentationml/2006/main">
-  <p:cSld>
-    <p:spTree>
-      <p:nvGrpSpPr>
-        <p:cNvPr id="1" name=""/>
-        <p:cNvGrpSpPr/>
-        <p:nvPr/>
-      </p:nvGrpSpPr>
-      <p:grpSpPr>
-        <a:xfrm>
-          <a:off x="0" y="0"/>
-          <a:ext cx="0" cy="0"/>
-          <a:chOff x="0" y="0"/>
-          <a:chExt cx="0" cy="0"/>
-        </a:xfrm>
-      </p:grpSpPr>
-      <p:sp>
-        <p:nvSpPr>
-          <p:cNvPr id="16" name="Rectangle: Rounded Corners 15">
-            <a:extLst>
-              <a:ext uri="{FF2B5EF4-FFF2-40B4-BE49-F238E27FC236}">
-                <a16:creationId xmlns:a16="http://schemas.microsoft.com/office/drawing/2014/main" id="{35864A06-C71D-4974-8F9C-C26766E9C784}"/>
-              </a:ext>
-            </a:extLst>
-          </p:cNvPr>
-          <p:cNvSpPr/>
-          <p:nvPr/>
-        </p:nvSpPr>
-        <p:spPr>
-          <a:xfrm>
-            <a:off x="5678749" y="1144835"/>
-            <a:ext cx="834501" cy="852256"/>
-          </a:xfrm>
-          <a:prstGeom prst="roundRect">
-            <a:avLst/>
-          </a:prstGeom>
-          <a:solidFill>
-            <a:srgbClr val="FF0000"/>
-          </a:solidFill>
-        </p:spPr>
-        <p:style>
-          <a:lnRef idx="2">
-            <a:schemeClr val="accent1">
-              <a:shade val="50000"/>
-            </a:schemeClr>
-          </a:lnRef>
-          <a:fillRef idx="1">
-            <a:schemeClr val="accent1"/>
-          </a:fillRef>
-          <a:effectRef idx="0">
-            <a:schemeClr val="accent1"/>
-          </a:effectRef>
-          <a:fontRef idx="minor">
-            <a:schemeClr val="lt1"/>
-          </a:fontRef>
-        </p:style>
-        <p:txBody>
-          <a:bodyPr rtlCol="0" anchor="ctr"/>
-          <a:lstStyle/>
-          <a:p>
-            <a:pPr algn="ctr"/>
-            <a:endParaRPr lang="zh-CN" altLang="en-US"/>
-          </a:p>
-        </p:txBody>
-      </p:sp>
-      <p:sp>
-        <p:nvSpPr>
-          <p:cNvPr id="14" name="Oval 13">
-            <a:extLst>
-              <a:ext uri="{FF2B5EF4-FFF2-40B4-BE49-F238E27FC236}">
-                <a16:creationId xmlns:a16="http://schemas.microsoft.com/office/drawing/2014/main" id="{C847B1E2-E03E-45EF-87C4-F0D1016C6A83}"/>
-              </a:ext>
-            </a:extLst>
-          </p:cNvPr>
-          <p:cNvSpPr/>
-          <p:nvPr/>
-        </p:nvSpPr>
-        <p:spPr>
-          <a:xfrm>
-            <a:off x="4195439" y="1259189"/>
-            <a:ext cx="630314" cy="666881"/>
-          </a:xfrm>
-          <a:prstGeom prst="ellipse">
-            <a:avLst/>
-          </a:prstGeom>
-          <a:solidFill>
-            <a:srgbClr val="FF0000"/>
-          </a:solidFill>
-        </p:spPr>
-        <p:style>
-          <a:lnRef idx="2">
-            <a:schemeClr val="accent1">
-              <a:shade val="50000"/>
-            </a:schemeClr>
-          </a:lnRef>
-          <a:fillRef idx="1">
-            <a:schemeClr val="accent1"/>
-          </a:fillRef>
-          <a:effectRef idx="0">
-            <a:schemeClr val="accent1"/>
-          </a:effectRef>
-          <a:fontRef idx="minor">
-            <a:schemeClr val="lt1"/>
-          </a:fontRef>
-        </p:style>
-        <p:txBody>
-          <a:bodyPr rtlCol="0" anchor="ctr"/>
-          <a:lstStyle/>
-          <a:p>
-            <a:pPr algn="ctr"/>
-            <a:endParaRPr lang="zh-CN" altLang="en-US"/>
-          </a:p>
-        </p:txBody>
-      </p:sp>
-      <p:sp>
-        <p:nvSpPr>
-          <p:cNvPr id="9" name="Rectangle 8">
-            <a:extLst>
-              <a:ext uri="{FF2B5EF4-FFF2-40B4-BE49-F238E27FC236}">
-                <a16:creationId xmlns:a16="http://schemas.microsoft.com/office/drawing/2014/main" id="{0FFC9F18-E45D-40FA-9EC8-6C229CE4B206}"/>
-              </a:ext>
-            </a:extLst>
-          </p:cNvPr>
-          <p:cNvSpPr/>
-          <p:nvPr/>
-        </p:nvSpPr>
-        <p:spPr>
-          <a:xfrm>
-            <a:off x="2891160" y="1144835"/>
-            <a:ext cx="949911" cy="852256"/>
-          </a:xfrm>
-          <a:prstGeom prst="rect">
-            <a:avLst/>
-          </a:prstGeom>
-          <a:solidFill>
-            <a:srgbClr val="FF0000"/>
-          </a:solidFill>
-        </p:spPr>
-        <p:style>
-          <a:lnRef idx="2">
-            <a:schemeClr val="accent1">
-              <a:shade val="50000"/>
-            </a:schemeClr>
-          </a:lnRef>
-          <a:fillRef idx="1">
-            <a:schemeClr val="accent1"/>
-          </a:fillRef>
-          <a:effectRef idx="0">
-            <a:schemeClr val="accent1"/>
-          </a:effectRef>
-          <a:fontRef idx="minor">
-            <a:schemeClr val="lt1"/>
-          </a:fontRef>
-        </p:style>
-        <p:txBody>
-          <a:bodyPr rtlCol="0" anchor="ctr"/>
-          <a:lstStyle/>
-          <a:p>
-            <a:pPr algn="ctr"/>
-            <a:endParaRPr lang="zh-CN" altLang="en-US"/>
-          </a:p>
-        </p:txBody>
-      </p:sp>
-      <p:sp>
-        <p:nvSpPr>
-          <p:cNvPr id="2" name="Title 1">
-            <a:extLst>
-              <a:ext uri="{FF2B5EF4-FFF2-40B4-BE49-F238E27FC236}">
-                <a16:creationId xmlns:a16="http://schemas.microsoft.com/office/drawing/2014/main" id="{0E409339-B3C0-41FC-8614-9C0A205E679A}"/>
-              </a:ext>
-            </a:extLst>
-          </p:cNvPr>
-          <p:cNvSpPr>
-            <a:spLocks noGrp="1"/>
-          </p:cNvSpPr>
-          <p:nvPr>
-            <p:ph type="title"/>
-          </p:nvPr>
-        </p:nvSpPr>
-        <p:spPr>
-          <a:xfrm>
-            <a:off x="0" y="-291822"/>
-            <a:ext cx="10515600" cy="1325563"/>
-          </a:xfrm>
-        </p:spPr>
-        <p:txBody>
-          <a:bodyPr/>
-          <a:lstStyle/>
-          <a:p>
-            <a:r>
-              <a:rPr lang="en-US" altLang="zh-CN" dirty="0"/>
-              <a:t>Pattern recognition idea board</a:t>
-            </a:r>
-            <a:endParaRPr lang="zh-CN" altLang="en-US" dirty="0"/>
-          </a:p>
-        </p:txBody>
-      </p:sp>
-      <p:sp>
-        <p:nvSpPr>
-          <p:cNvPr id="3" name="Content Placeholder 2">
-            <a:extLst>
-              <a:ext uri="{FF2B5EF4-FFF2-40B4-BE49-F238E27FC236}">
-                <a16:creationId xmlns:a16="http://schemas.microsoft.com/office/drawing/2014/main" id="{00B2A41A-0682-4E7E-89D8-699E7808A7D1}"/>
-              </a:ext>
-            </a:extLst>
-          </p:cNvPr>
-          <p:cNvSpPr>
-            <a:spLocks noGrp="1"/>
-          </p:cNvSpPr>
-          <p:nvPr>
-            <p:ph idx="1"/>
-          </p:nvPr>
-        </p:nvSpPr>
-        <p:spPr>
-          <a:xfrm>
-            <a:off x="278907" y="671528"/>
-            <a:ext cx="6849862" cy="5880192"/>
-          </a:xfrm>
-        </p:spPr>
-        <p:txBody>
-          <a:bodyPr/>
-          <a:lstStyle/>
-          <a:p>
-            <a:r>
-              <a:rPr lang="en-US" altLang="zh-CN" dirty="0"/>
-              <a:t>Q1. how do we find triangle in different background?</a:t>
-            </a:r>
-          </a:p>
-        </p:txBody>
-      </p:sp>
-      <p:sp>
-        <p:nvSpPr>
-          <p:cNvPr id="8" name="Isosceles Triangle 7">
-            <a:extLst>
-              <a:ext uri="{FF2B5EF4-FFF2-40B4-BE49-F238E27FC236}">
-                <a16:creationId xmlns:a16="http://schemas.microsoft.com/office/drawing/2014/main" id="{0592D786-78C0-4F1C-8DE9-73E85FFA99D3}"/>
-              </a:ext>
-            </a:extLst>
-          </p:cNvPr>
-          <p:cNvSpPr/>
-          <p:nvPr/>
-        </p:nvSpPr>
-        <p:spPr>
-          <a:xfrm>
-            <a:off x="3042822" y="1293281"/>
-            <a:ext cx="630314" cy="523783"/>
-          </a:xfrm>
-          <a:prstGeom prst="triangle">
-            <a:avLst/>
-          </a:prstGeom>
-        </p:spPr>
-        <p:style>
-          <a:lnRef idx="2">
-            <a:schemeClr val="accent1">
-              <a:shade val="50000"/>
-            </a:schemeClr>
-          </a:lnRef>
-          <a:fillRef idx="1">
-            <a:schemeClr val="accent1"/>
-          </a:fillRef>
-          <a:effectRef idx="0">
-            <a:schemeClr val="accent1"/>
-          </a:effectRef>
-          <a:fontRef idx="minor">
-            <a:schemeClr val="lt1"/>
-          </a:fontRef>
-        </p:style>
-        <p:txBody>
-          <a:bodyPr rtlCol="0" anchor="ctr"/>
-          <a:lstStyle/>
-          <a:p>
-            <a:pPr algn="ctr"/>
-            <a:endParaRPr lang="zh-CN" altLang="en-US"/>
-          </a:p>
-        </p:txBody>
-      </p:sp>
-      <p:sp>
-        <p:nvSpPr>
-          <p:cNvPr id="11" name="Isosceles Triangle 10">
-            <a:extLst>
-              <a:ext uri="{FF2B5EF4-FFF2-40B4-BE49-F238E27FC236}">
-                <a16:creationId xmlns:a16="http://schemas.microsoft.com/office/drawing/2014/main" id="{8981A9AA-C6BC-424E-A6F6-D00C5EED395A}"/>
-              </a:ext>
-            </a:extLst>
-          </p:cNvPr>
-          <p:cNvSpPr/>
-          <p:nvPr/>
-        </p:nvSpPr>
-        <p:spPr>
-          <a:xfrm>
-            <a:off x="4210975" y="1262450"/>
-            <a:ext cx="630314" cy="523783"/>
-          </a:xfrm>
-          <a:prstGeom prst="triangle">
-            <a:avLst/>
-          </a:prstGeom>
-        </p:spPr>
-        <p:style>
-          <a:lnRef idx="2">
-            <a:schemeClr val="accent1">
-              <a:shade val="50000"/>
-            </a:schemeClr>
-          </a:lnRef>
-          <a:fillRef idx="1">
-            <a:schemeClr val="accent1"/>
-          </a:fillRef>
-          <a:effectRef idx="0">
-            <a:schemeClr val="accent1"/>
-          </a:effectRef>
-          <a:fontRef idx="minor">
-            <a:schemeClr val="lt1"/>
-          </a:fontRef>
-        </p:style>
-        <p:txBody>
-          <a:bodyPr rtlCol="0" anchor="ctr"/>
-          <a:lstStyle/>
-          <a:p>
-            <a:pPr algn="ctr"/>
-            <a:endParaRPr lang="zh-CN" altLang="en-US"/>
-          </a:p>
-        </p:txBody>
-      </p:sp>
-      <p:sp>
-        <p:nvSpPr>
-          <p:cNvPr id="13" name="Isosceles Triangle 12">
-            <a:extLst>
-              <a:ext uri="{FF2B5EF4-FFF2-40B4-BE49-F238E27FC236}">
-                <a16:creationId xmlns:a16="http://schemas.microsoft.com/office/drawing/2014/main" id="{E402C24F-6930-4AB9-8094-6553E155C09C}"/>
-              </a:ext>
-            </a:extLst>
-          </p:cNvPr>
-          <p:cNvSpPr/>
-          <p:nvPr/>
-        </p:nvSpPr>
-        <p:spPr>
-          <a:xfrm>
-            <a:off x="5476043" y="1262450"/>
-            <a:ext cx="630314" cy="523783"/>
-          </a:xfrm>
-          <a:prstGeom prst="triangle">
-            <a:avLst/>
-          </a:prstGeom>
-        </p:spPr>
-        <p:style>
-          <a:lnRef idx="2">
-            <a:schemeClr val="accent1">
-              <a:shade val="50000"/>
-            </a:schemeClr>
-          </a:lnRef>
-          <a:fillRef idx="1">
-            <a:schemeClr val="accent1"/>
-          </a:fillRef>
-          <a:effectRef idx="0">
-            <a:schemeClr val="accent1"/>
-          </a:effectRef>
-          <a:fontRef idx="minor">
-            <a:schemeClr val="lt1"/>
-          </a:fontRef>
-        </p:style>
-        <p:txBody>
-          <a:bodyPr rtlCol="0" anchor="ctr"/>
-          <a:lstStyle/>
-          <a:p>
-            <a:pPr algn="ctr"/>
-            <a:endParaRPr lang="zh-CN" altLang="en-US"/>
-          </a:p>
-        </p:txBody>
-      </p:sp>
-      <p:graphicFrame>
-        <p:nvGraphicFramePr>
-          <p:cNvPr id="7" name="Chart 6">
-            <a:extLst>
-              <a:ext uri="{FF2B5EF4-FFF2-40B4-BE49-F238E27FC236}">
-                <a16:creationId xmlns:a16="http://schemas.microsoft.com/office/drawing/2014/main" id="{664A38A9-E605-4AB1-9360-FD1C6F4C3E3A}"/>
-              </a:ext>
-            </a:extLst>
-          </p:cNvPr>
-          <p:cNvGraphicFramePr>
-            <a:graphicFrameLocks/>
-          </p:cNvGraphicFramePr>
-          <p:nvPr>
-            <p:extLst>
-              <p:ext uri="{D42A27DB-BD31-4B8C-83A1-F6EECF244321}">
-                <p14:modId xmlns:p14="http://schemas.microsoft.com/office/powerpoint/2010/main" val="3575664426"/>
-              </p:ext>
-            </p:extLst>
-          </p:nvPr>
-        </p:nvGraphicFramePr>
-        <p:xfrm>
-          <a:off x="3360566" y="2302437"/>
-          <a:ext cx="3707905" cy="2224743"/>
-        </p:xfrm>
-        <a:graphic>
-          <a:graphicData uri="http://schemas.openxmlformats.org/drawingml/2006/chart">
-            <c:chart xmlns:c="http://schemas.openxmlformats.org/drawingml/2006/chart" xmlns:r="http://schemas.openxmlformats.org/officeDocument/2006/relationships" r:id="rId2"/>
-          </a:graphicData>
-        </a:graphic>
-      </p:graphicFrame>
-      <p:graphicFrame>
-        <p:nvGraphicFramePr>
-          <p:cNvPr id="10" name="Chart 9">
-            <a:extLst>
-              <a:ext uri="{FF2B5EF4-FFF2-40B4-BE49-F238E27FC236}">
-                <a16:creationId xmlns:a16="http://schemas.microsoft.com/office/drawing/2014/main" id="{B1C762FD-D165-4884-806A-6E73D1E3073C}"/>
-              </a:ext>
-            </a:extLst>
-          </p:cNvPr>
-          <p:cNvGraphicFramePr>
-            <a:graphicFrameLocks/>
-          </p:cNvGraphicFramePr>
-          <p:nvPr>
-            <p:extLst>
-              <p:ext uri="{D42A27DB-BD31-4B8C-83A1-F6EECF244321}">
-                <p14:modId xmlns:p14="http://schemas.microsoft.com/office/powerpoint/2010/main" val="1989187085"/>
-              </p:ext>
-            </p:extLst>
-          </p:nvPr>
-        </p:nvGraphicFramePr>
-        <p:xfrm>
-          <a:off x="3371663" y="4552426"/>
-          <a:ext cx="3707905" cy="2224742"/>
-        </p:xfrm>
-        <a:graphic>
-          <a:graphicData uri="http://schemas.openxmlformats.org/drawingml/2006/chart">
-            <c:chart xmlns:c="http://schemas.openxmlformats.org/drawingml/2006/chart" xmlns:r="http://schemas.openxmlformats.org/officeDocument/2006/relationships" r:id="rId3"/>
-          </a:graphicData>
-        </a:graphic>
-      </p:graphicFrame>
-      <p:graphicFrame>
-        <p:nvGraphicFramePr>
-          <p:cNvPr id="12" name="Chart 11">
-            <a:extLst>
-              <a:ext uri="{FF2B5EF4-FFF2-40B4-BE49-F238E27FC236}">
-                <a16:creationId xmlns:a16="http://schemas.microsoft.com/office/drawing/2014/main" id="{E63AC44B-9277-4172-B1EA-385A0F07EA0E}"/>
-              </a:ext>
-            </a:extLst>
-          </p:cNvPr>
-          <p:cNvGraphicFramePr>
-            <a:graphicFrameLocks/>
-          </p:cNvGraphicFramePr>
-          <p:nvPr>
-            <p:extLst>
-              <p:ext uri="{D42A27DB-BD31-4B8C-83A1-F6EECF244321}">
-                <p14:modId xmlns:p14="http://schemas.microsoft.com/office/powerpoint/2010/main" val="1981700949"/>
-              </p:ext>
-            </p:extLst>
-          </p:nvPr>
-        </p:nvGraphicFramePr>
-        <p:xfrm>
-          <a:off x="-113570" y="3211416"/>
-          <a:ext cx="3378759" cy="2027256"/>
-        </p:xfrm>
-        <a:graphic>
-          <a:graphicData uri="http://schemas.openxmlformats.org/drawingml/2006/chart">
-            <c:chart xmlns:c="http://schemas.openxmlformats.org/drawingml/2006/chart" xmlns:r="http://schemas.openxmlformats.org/officeDocument/2006/relationships" r:id="rId4"/>
-          </a:graphicData>
-        </a:graphic>
-      </p:graphicFrame>
-      <p:cxnSp>
-        <p:nvCxnSpPr>
-          <p:cNvPr id="17" name="Straight Arrow Connector 16">
-            <a:extLst>
-              <a:ext uri="{FF2B5EF4-FFF2-40B4-BE49-F238E27FC236}">
-                <a16:creationId xmlns:a16="http://schemas.microsoft.com/office/drawing/2014/main" id="{BCB578E1-D6B5-4321-AE5D-6EE24841001D}"/>
-              </a:ext>
-            </a:extLst>
-          </p:cNvPr>
-          <p:cNvCxnSpPr/>
-          <p:nvPr/>
-        </p:nvCxnSpPr>
-        <p:spPr>
-          <a:xfrm flipV="1">
-            <a:off x="3142695" y="3211416"/>
-            <a:ext cx="443884" cy="605982"/>
-          </a:xfrm>
-          <a:prstGeom prst="straightConnector1">
-            <a:avLst/>
-          </a:prstGeom>
-          <a:ln>
-            <a:tailEnd type="triangle"/>
-          </a:ln>
-        </p:spPr>
-        <p:style>
-          <a:lnRef idx="1">
-            <a:schemeClr val="accent1"/>
-          </a:lnRef>
-          <a:fillRef idx="0">
-            <a:schemeClr val="accent1"/>
-          </a:fillRef>
-          <a:effectRef idx="0">
-            <a:schemeClr val="accent1"/>
-          </a:effectRef>
-          <a:fontRef idx="minor">
-            <a:schemeClr val="tx1"/>
-          </a:fontRef>
-        </p:style>
-      </p:cxnSp>
-      <p:cxnSp>
-        <p:nvCxnSpPr>
-          <p:cNvPr id="27" name="Straight Arrow Connector 26">
-            <a:extLst>
-              <a:ext uri="{FF2B5EF4-FFF2-40B4-BE49-F238E27FC236}">
-                <a16:creationId xmlns:a16="http://schemas.microsoft.com/office/drawing/2014/main" id="{738F365A-F3BC-4321-8C52-BBBB3626ED4D}"/>
-              </a:ext>
-            </a:extLst>
-          </p:cNvPr>
-          <p:cNvCxnSpPr/>
-          <p:nvPr/>
-        </p:nvCxnSpPr>
-        <p:spPr>
-          <a:xfrm>
-            <a:off x="3142695" y="3817398"/>
-            <a:ext cx="346229" cy="1518082"/>
-          </a:xfrm>
-          <a:prstGeom prst="straightConnector1">
-            <a:avLst/>
-          </a:prstGeom>
-          <a:ln>
-            <a:tailEnd type="triangle"/>
-          </a:ln>
-        </p:spPr>
-        <p:style>
-          <a:lnRef idx="1">
-            <a:schemeClr val="accent1"/>
-          </a:lnRef>
-          <a:fillRef idx="0">
-            <a:schemeClr val="accent1"/>
-          </a:fillRef>
-          <a:effectRef idx="0">
-            <a:schemeClr val="accent1"/>
-          </a:effectRef>
-          <a:fontRef idx="minor">
-            <a:schemeClr val="tx1"/>
-          </a:fontRef>
-        </p:style>
-      </p:cxnSp>
-      <p:sp>
-        <p:nvSpPr>
-          <p:cNvPr id="29" name="TextBox 28">
-            <a:extLst>
-              <a:ext uri="{FF2B5EF4-FFF2-40B4-BE49-F238E27FC236}">
-                <a16:creationId xmlns:a16="http://schemas.microsoft.com/office/drawing/2014/main" id="{1909C48B-8753-42A9-ADFE-61850951B4EE}"/>
-              </a:ext>
-            </a:extLst>
-          </p:cNvPr>
-          <p:cNvSpPr txBox="1"/>
-          <p:nvPr/>
-        </p:nvSpPr>
-        <p:spPr>
-          <a:xfrm>
-            <a:off x="7361559" y="217910"/>
-            <a:ext cx="4758925" cy="6463308"/>
-          </a:xfrm>
-          <a:prstGeom prst="rect">
-            <a:avLst/>
-          </a:prstGeom>
-          <a:noFill/>
-        </p:spPr>
-        <p:txBody>
-          <a:bodyPr wrap="square" rtlCol="0">
-            <a:spAutoFit/>
-          </a:bodyPr>
-          <a:lstStyle/>
-          <a:p>
-            <a:r>
-              <a:rPr lang="en-US" altLang="zh-CN" dirty="0"/>
-              <a:t>Simple answer: </a:t>
-            </a:r>
-            <a:r>
-              <a:rPr lang="en-US" altLang="zh-CN" b="1" dirty="0"/>
-              <a:t>use absolute coordinate to align the data and find the shape</a:t>
-            </a:r>
-          </a:p>
-          <a:p>
-            <a:endParaRPr lang="en-US" altLang="zh-CN" dirty="0"/>
-          </a:p>
-          <a:p>
-            <a:r>
-              <a:rPr lang="en-US" altLang="zh-CN" dirty="0"/>
-              <a:t>However, sometimes the datapoint shifts or interfered with neighbors, only the absolute coordinate may point to a different point </a:t>
-            </a:r>
-            <a:r>
-              <a:rPr lang="en-US" altLang="zh-CN" dirty="0">
-                <a:sym typeface="Wingdings" panose="05000000000000000000" pitchFamily="2" charset="2"/>
-              </a:rPr>
-              <a:t> </a:t>
-            </a:r>
-            <a:r>
-              <a:rPr lang="en-US" altLang="zh-CN" b="1" dirty="0">
-                <a:sym typeface="Wingdings" panose="05000000000000000000" pitchFamily="2" charset="2"/>
-              </a:rPr>
-              <a:t>introduce relative position as additional layer of identification</a:t>
-            </a:r>
-          </a:p>
-          <a:p>
-            <a:endParaRPr lang="en-US" altLang="zh-CN" b="1" dirty="0">
-              <a:sym typeface="Wingdings" panose="05000000000000000000" pitchFamily="2" charset="2"/>
-            </a:endParaRPr>
-          </a:p>
-          <a:p>
-            <a:r>
-              <a:rPr lang="en-US" altLang="zh-CN" dirty="0">
-                <a:sym typeface="Wingdings" panose="05000000000000000000" pitchFamily="2" charset="2"/>
-              </a:rPr>
-              <a:t>Some Image process package also use the information to calculate the likelihood of the feature is there (OpenCV example)</a:t>
-            </a:r>
-          </a:p>
-          <a:p>
-            <a:endParaRPr lang="en-US" altLang="zh-CN" dirty="0">
-              <a:sym typeface="Wingdings" panose="05000000000000000000" pitchFamily="2" charset="2"/>
-            </a:endParaRPr>
-          </a:p>
-          <a:p>
-            <a:endParaRPr lang="en-US" altLang="zh-CN" dirty="0">
-              <a:sym typeface="Wingdings" panose="05000000000000000000" pitchFamily="2" charset="2"/>
-            </a:endParaRPr>
-          </a:p>
-          <a:p>
-            <a:endParaRPr lang="en-US" altLang="zh-CN" dirty="0">
-              <a:sym typeface="Wingdings" panose="05000000000000000000" pitchFamily="2" charset="2"/>
-            </a:endParaRPr>
-          </a:p>
-          <a:p>
-            <a:endParaRPr lang="en-US" altLang="zh-CN" dirty="0">
-              <a:sym typeface="Wingdings" panose="05000000000000000000" pitchFamily="2" charset="2"/>
-            </a:endParaRPr>
-          </a:p>
-          <a:p>
-            <a:endParaRPr lang="en-US" altLang="zh-CN" dirty="0">
-              <a:sym typeface="Wingdings" panose="05000000000000000000" pitchFamily="2" charset="2"/>
-            </a:endParaRPr>
-          </a:p>
-          <a:p>
-            <a:endParaRPr lang="en-US" altLang="zh-CN" dirty="0">
-              <a:sym typeface="Wingdings" panose="05000000000000000000" pitchFamily="2" charset="2"/>
-            </a:endParaRPr>
-          </a:p>
-          <a:p>
-            <a:endParaRPr lang="en-US" altLang="zh-CN" dirty="0">
-              <a:sym typeface="Wingdings" panose="05000000000000000000" pitchFamily="2" charset="2"/>
-            </a:endParaRPr>
-          </a:p>
-          <a:p>
-            <a:endParaRPr lang="en-US" altLang="zh-CN" dirty="0">
-              <a:sym typeface="Wingdings" panose="05000000000000000000" pitchFamily="2" charset="2"/>
-            </a:endParaRPr>
-          </a:p>
-          <a:p>
-            <a:endParaRPr lang="en-US" altLang="zh-CN" dirty="0">
-              <a:sym typeface="Wingdings" panose="05000000000000000000" pitchFamily="2" charset="2"/>
-            </a:endParaRPr>
-          </a:p>
-          <a:p>
-            <a:r>
-              <a:rPr lang="en-US" altLang="zh-CN" dirty="0">
-                <a:sym typeface="Wingdings" panose="05000000000000000000" pitchFamily="2" charset="2"/>
-              </a:rPr>
-              <a:t>The relative position information can also be used for data alignment(mentioned in Q3)</a:t>
-            </a:r>
-            <a:endParaRPr lang="zh-CN" altLang="en-US" dirty="0"/>
-          </a:p>
-        </p:txBody>
-      </p:sp>
-      <p:pic>
-        <p:nvPicPr>
-          <p:cNvPr id="3074" name="Picture 2">
-            <a:extLst>
-              <a:ext uri="{FF2B5EF4-FFF2-40B4-BE49-F238E27FC236}">
-                <a16:creationId xmlns:a16="http://schemas.microsoft.com/office/drawing/2014/main" id="{A8FBC711-51CC-43D4-9095-9DEC150EA8F1}"/>
-              </a:ext>
-            </a:extLst>
-          </p:cNvPr>
-          <p:cNvPicPr>
-            <a:picLocks noChangeAspect="1" noChangeArrowheads="1" noCrop="1"/>
-          </p:cNvPicPr>
-          <p:nvPr/>
-        </p:nvPicPr>
-        <p:blipFill>
-          <a:blip r:embed="rId5">
-            <a:extLst>
-              <a:ext uri="{28A0092B-C50C-407E-A947-70E740481C1C}">
-                <a14:useLocalDpi xmlns:a14="http://schemas.microsoft.com/office/drawing/2010/main" val="0"/>
-              </a:ext>
-            </a:extLst>
-          </a:blip>
-          <a:srcRect/>
-          <a:stretch>
-            <a:fillRect/>
-          </a:stretch>
-        </p:blipFill>
-        <p:spPr bwMode="auto">
-          <a:xfrm>
-            <a:off x="7706712" y="3611624"/>
-            <a:ext cx="3810000" cy="2286000"/>
-          </a:xfrm>
-          <a:prstGeom prst="rect">
-            <a:avLst/>
-          </a:prstGeom>
-          <a:noFill/>
-          <a:extLst>
-            <a:ext uri="{909E8E84-426E-40DD-AFC4-6F175D3DCCD1}">
-              <a14:hiddenFill xmlns:a14="http://schemas.microsoft.com/office/drawing/2010/main">
-                <a:solidFill>
-                  <a:srgbClr val="FFFFFF"/>
-                </a:solidFill>
-              </a14:hiddenFill>
-            </a:ext>
-          </a:extLst>
-        </p:spPr>
-      </p:pic>
-    </p:spTree>
-    <p:extLst>
-      <p:ext uri="{BB962C8B-B14F-4D97-AF65-F5344CB8AC3E}">
-        <p14:creationId xmlns:p14="http://schemas.microsoft.com/office/powerpoint/2010/main" val="1963464380"/>
-      </p:ext>
-    </p:extLst>
-  </p:cSld>
-  <p:clrMapOvr>
-    <a:masterClrMapping/>
-  </p:clrMapOvr>
-</p:sld>
-</file>
-
 <file path=ppt/theme/theme1.xml><?xml version="1.0" encoding="utf-8"?>
-<a:theme xmlns:a="http://schemas.openxmlformats.org/drawingml/2006/main" name="Metropolitan">
+<a:theme xmlns:a="http://schemas.openxmlformats.org/drawingml/2006/main" name="Office Theme">
   <a:themeElements>
-    <a:clrScheme name="Metropolitan">
+    <a:clrScheme name="Office">
       <a:dk1>
         <a:sysClr val="windowText" lastClr="000000"/>
       </a:dk1>
@@ -26950,44 +30508,44 @@
         <a:sysClr val="window" lastClr="FFFFFF"/>
       </a:lt1>
       <a:dk2>
-        <a:srgbClr val="162F33"/>
+        <a:srgbClr val="44546A"/>
       </a:dk2>
       <a:lt2>
-        <a:srgbClr val="EAF0E0"/>
+        <a:srgbClr val="E7E6E6"/>
       </a:lt2>
       <a:accent1>
-        <a:srgbClr val="50B4C8"/>
+        <a:srgbClr val="4472C4"/>
       </a:accent1>
       <a:accent2>
-        <a:srgbClr val="A8B97F"/>
+        <a:srgbClr val="ED7D31"/>
       </a:accent2>
       <a:accent3>
-        <a:srgbClr val="9B9256"/>
+        <a:srgbClr val="A5A5A5"/>
       </a:accent3>
       <a:accent4>
-        <a:srgbClr val="657689"/>
+        <a:srgbClr val="FFC000"/>
       </a:accent4>
       <a:accent5>
-        <a:srgbClr val="7A855D"/>
+        <a:srgbClr val="5B9BD5"/>
       </a:accent5>
       <a:accent6>
-        <a:srgbClr val="84AC9D"/>
+        <a:srgbClr val="70AD47"/>
       </a:accent6>
       <a:hlink>
-        <a:srgbClr val="2370CD"/>
+        <a:srgbClr val="0563C1"/>
       </a:hlink>
       <a:folHlink>
-        <a:srgbClr val="877589"/>
+        <a:srgbClr val="954F72"/>
       </a:folHlink>
     </a:clrScheme>
-    <a:fontScheme name="Metropolitan">
+    <a:fontScheme name="Office">
       <a:majorFont>
-        <a:latin typeface="Calibri Light" panose="020F0302020204030204"/>
+        <a:latin typeface="等线 Light" panose="020F0302020204030204"/>
         <a:ea typeface=""/>
         <a:cs typeface=""/>
-        <a:font script="Jpan" typeface="ＭＳ Ｐゴシック"/>
+        <a:font script="Jpan" typeface="游ゴシック Light"/>
         <a:font script="Hang" typeface="맑은 고딕"/>
-        <a:font script="Hans" typeface="宋体"/>
+        <a:font script="Hans" typeface="等线 Light"/>
         <a:font script="Hant" typeface="新細明體"/>
         <a:font script="Arab" typeface="Times New Roman"/>
         <a:font script="Hebr" typeface="Times New Roman"/>
@@ -27015,22 +30573,39 @@
         <a:font script="Viet" typeface="Times New Roman"/>
         <a:font script="Uigh" typeface="Microsoft Uighur"/>
         <a:font script="Geor" typeface="Sylfaen"/>
+        <a:font script="Armn" typeface="Arial"/>
+        <a:font script="Bugi" typeface="Leelawadee UI"/>
+        <a:font script="Bopo" typeface="Microsoft JhengHei"/>
+        <a:font script="Java" typeface="Javanese Text"/>
+        <a:font script="Lisu" typeface="Segoe UI"/>
+        <a:font script="Mymr" typeface="Myanmar Text"/>
+        <a:font script="Nkoo" typeface="Ebrima"/>
+        <a:font script="Olck" typeface="Nirmala UI"/>
+        <a:font script="Osma" typeface="Ebrima"/>
+        <a:font script="Phag" typeface="Phagspa"/>
+        <a:font script="Syrn" typeface="Estrangelo Edessa"/>
+        <a:font script="Syrj" typeface="Estrangelo Edessa"/>
+        <a:font script="Syre" typeface="Estrangelo Edessa"/>
+        <a:font script="Sora" typeface="Nirmala UI"/>
+        <a:font script="Tale" typeface="Microsoft Tai Le"/>
+        <a:font script="Talu" typeface="Microsoft New Tai Lue"/>
+        <a:font script="Tfng" typeface="Ebrima"/>
       </a:majorFont>
       <a:minorFont>
-        <a:latin typeface="Calibri Light" panose="020F0302020204030204"/>
+        <a:latin typeface="等线" panose="020F0502020204030204"/>
         <a:ea typeface=""/>
         <a:cs typeface=""/>
-        <a:font script="Jpan" typeface="ＭＳ Ｐゴシック"/>
+        <a:font script="Jpan" typeface="游ゴシック"/>
         <a:font script="Hang" typeface="맑은 고딕"/>
-        <a:font script="Hans" typeface="宋体"/>
+        <a:font script="Hans" typeface="等线"/>
         <a:font script="Hant" typeface="新細明體"/>
-        <a:font script="Arab" typeface="Times New Roman"/>
-        <a:font script="Hebr" typeface="Times New Roman"/>
-        <a:font script="Thai" typeface="Angsana New"/>
+        <a:font script="Arab" typeface="Arial"/>
+        <a:font script="Hebr" typeface="Arial"/>
+        <a:font script="Thai" typeface="Cordia New"/>
         <a:font script="Ethi" typeface="Nyala"/>
         <a:font script="Beng" typeface="Vrinda"/>
         <a:font script="Gujr" typeface="Shruti"/>
-        <a:font script="Khmr" typeface="MoolBoran"/>
+        <a:font script="Khmr" typeface="DaunPenh"/>
         <a:font script="Knda" typeface="Tunga"/>
         <a:font script="Guru" typeface="Raavi"/>
         <a:font script="Cans" typeface="Euphemia"/>
@@ -27047,12 +30622,29 @@
         <a:font script="Laoo" typeface="DokChampa"/>
         <a:font script="Sinh" typeface="Iskoola Pota"/>
         <a:font script="Mong" typeface="Mongolian Baiti"/>
-        <a:font script="Viet" typeface="Times New Roman"/>
+        <a:font script="Viet" typeface="Arial"/>
         <a:font script="Uigh" typeface="Microsoft Uighur"/>
         <a:font script="Geor" typeface="Sylfaen"/>
+        <a:font script="Armn" typeface="Arial"/>
+        <a:font script="Bugi" typeface="Leelawadee UI"/>
+        <a:font script="Bopo" typeface="Microsoft JhengHei"/>
+        <a:font script="Java" typeface="Javanese Text"/>
+        <a:font script="Lisu" typeface="Segoe UI"/>
+        <a:font script="Mymr" typeface="Myanmar Text"/>
+        <a:font script="Nkoo" typeface="Ebrima"/>
+        <a:font script="Olck" typeface="Nirmala UI"/>
+        <a:font script="Osma" typeface="Ebrima"/>
+        <a:font script="Phag" typeface="Phagspa"/>
+        <a:font script="Syrn" typeface="Estrangelo Edessa"/>
+        <a:font script="Syrj" typeface="Estrangelo Edessa"/>
+        <a:font script="Syre" typeface="Estrangelo Edessa"/>
+        <a:font script="Sora" typeface="Nirmala UI"/>
+        <a:font script="Tale" typeface="Microsoft Tai Le"/>
+        <a:font script="Talu" typeface="Microsoft New Tai Lue"/>
+        <a:font script="Tfng" typeface="Ebrima"/>
       </a:minorFont>
     </a:fontScheme>
-    <a:fmtScheme name="Metropolitan">
+    <a:fmtScheme name="Office">
       <a:fillStyleLst>
         <a:solidFill>
           <a:schemeClr val="phClr"/>
@@ -27061,73 +30653,76 @@
           <a:gsLst>
             <a:gs pos="0">
               <a:schemeClr val="phClr">
-                <a:tint val="70000"/>
-                <a:satMod val="100000"/>
                 <a:lumMod val="110000"/>
+                <a:satMod val="105000"/>
+                <a:tint val="67000"/>
               </a:schemeClr>
             </a:gs>
             <a:gs pos="50000">
               <a:schemeClr val="phClr">
-                <a:tint val="75000"/>
-                <a:satMod val="101000"/>
                 <a:lumMod val="105000"/>
+                <a:satMod val="103000"/>
+                <a:tint val="73000"/>
               </a:schemeClr>
             </a:gs>
             <a:gs pos="100000">
               <a:schemeClr val="phClr">
-                <a:tint val="82000"/>
-                <a:satMod val="104000"/>
                 <a:lumMod val="105000"/>
+                <a:satMod val="109000"/>
+                <a:tint val="81000"/>
               </a:schemeClr>
             </a:gs>
           </a:gsLst>
-          <a:lin ang="2700000" scaled="0"/>
+          <a:lin ang="5400000" scaled="0"/>
         </a:gradFill>
         <a:gradFill rotWithShape="1">
           <a:gsLst>
             <a:gs pos="0">
               <a:schemeClr val="phClr">
-                <a:tint val="97000"/>
-                <a:satMod val="100000"/>
+                <a:satMod val="103000"/>
                 <a:lumMod val="102000"/>
+                <a:tint val="94000"/>
               </a:schemeClr>
             </a:gs>
             <a:gs pos="50000">
               <a:schemeClr val="phClr">
+                <a:satMod val="110000"/>
+                <a:lumMod val="100000"/>
                 <a:shade val="100000"/>
-                <a:satMod val="100000"/>
-                <a:lumMod val="100000"/>
               </a:schemeClr>
             </a:gs>
             <a:gs pos="100000">
               <a:schemeClr val="phClr">
-                <a:shade val="80000"/>
-                <a:satMod val="100000"/>
                 <a:lumMod val="99000"/>
+                <a:satMod val="120000"/>
+                <a:shade val="78000"/>
               </a:schemeClr>
             </a:gs>
           </a:gsLst>
-          <a:lin ang="2700000" scaled="0"/>
+          <a:lin ang="5400000" scaled="0"/>
         </a:gradFill>
       </a:fillStyleLst>
       <a:lnStyleLst>
-        <a:ln w="9525" cap="flat" cmpd="sng" algn="ctr">
+        <a:ln w="6350" cap="flat" cmpd="sng" algn="ctr">
           <a:solidFill>
             <a:schemeClr val="phClr"/>
           </a:solidFill>
           <a:prstDash val="solid"/>
+          <a:miter lim="800000"/>
         </a:ln>
         <a:ln w="12700" cap="flat" cmpd="sng" algn="ctr">
           <a:solidFill>
             <a:schemeClr val="phClr"/>
           </a:solidFill>
           <a:prstDash val="solid"/>
+          <a:miter lim="800000"/>
         </a:ln>
         <a:ln w="19050" cap="flat" cmpd="sng" algn="ctr">
           <a:solidFill>
             <a:schemeClr val="phClr"/>
           </a:solidFill>
           <a:prstDash val="solid"/>
+          <a:miter lim="800000"/>
         </a:ln>
       </a:lnStyleLst>
       <a:effectStyleLst>
@@ -27157,12 +30752,33 @@
             <a:satMod val="170000"/>
           </a:schemeClr>
         </a:solidFill>
-        <a:solidFill>
-          <a:schemeClr val="phClr">
-            <a:shade val="95000"/>
-            <a:satMod val="170000"/>
-          </a:schemeClr>
-        </a:solidFill>
+        <a:gradFill rotWithShape="1">
+          <a:gsLst>
+            <a:gs pos="0">
+              <a:schemeClr val="phClr">
+                <a:tint val="93000"/>
+                <a:satMod val="150000"/>
+                <a:shade val="98000"/>
+                <a:lumMod val="102000"/>
+              </a:schemeClr>
+            </a:gs>
+            <a:gs pos="50000">
+              <a:schemeClr val="phClr">
+                <a:tint val="98000"/>
+                <a:satMod val="130000"/>
+                <a:shade val="90000"/>
+                <a:lumMod val="103000"/>
+              </a:schemeClr>
+            </a:gs>
+            <a:gs pos="100000">
+              <a:schemeClr val="phClr">
+                <a:shade val="63000"/>
+                <a:satMod val="120000"/>
+              </a:schemeClr>
+            </a:gs>
+          </a:gsLst>
+          <a:lin ang="5400000" scaled="0"/>
+        </a:gradFill>
       </a:bgFillStyleLst>
     </a:fmtScheme>
   </a:themeElements>
@@ -27170,7 +30786,7 @@
   <a:extraClrSchemeLst/>
   <a:extLst>
     <a:ext uri="{05A4C25C-085E-4340-85A3-A5531E510DB2}">
-      <thm15:themeFamily xmlns:thm15="http://schemas.microsoft.com/office/thememl/2012/main" name="Metropolitan" id="{4C5440D6-04D2-4954-96CF-F251137069B2}" vid="{79CFCA13-9412-4290-BB4B-85112F88857B}"/>
+      <thm15:themeFamily xmlns:thm15="http://schemas.microsoft.com/office/thememl/2012/main" name="Office Theme" id="{62F939B6-93AF-4DB8-9C6B-D6C7DFDC589F}" vid="{4A3C46E8-61CC-4603-A589-7422A47A8E4A}"/>
     </a:ext>
   </a:extLst>
 </a:theme>
